--- a/final/p19204.pptx
+++ b/final/p19204.pptx
@@ -2,11 +2,12 @@
 <file path=ppt/presentation.xml><?xml version="1.0" encoding="utf-8"?>
 <p:presentation xmlns:a="http://schemas.openxmlformats.org/drawingml/2006/main" xmlns:r="http://schemas.openxmlformats.org/officeDocument/2006/relationships" xmlns:p="http://schemas.openxmlformats.org/presentationml/2006/main" saveSubsetFonts="1">
   <p:sldMasterIdLst>
-    <p:sldMasterId id="2147483890" r:id="rId1"/>
+    <p:sldMasterId id="2147483927" r:id="rId1"/>
   </p:sldMasterIdLst>
   <p:sldIdLst>
     <p:sldId id="256" r:id="rId2"/>
-    <p:sldId id="257" r:id="rId3"/>
+    <p:sldId id="258" r:id="rId3"/>
+    <p:sldId id="257" r:id="rId4"/>
   </p:sldIdLst>
   <p:sldSz cx="12192000" cy="6858000"/>
   <p:notesSz cx="6858000" cy="9144000"/>
@@ -105,6 +106,11 @@
       </a:defRPr>
     </a:lvl9pPr>
   </p:defaultTextStyle>
+  <p:extLst>
+    <p:ext uri="{EFAFB233-063F-42B5-8137-9DF3F51BA10A}">
+      <p15:sldGuideLst xmlns:p15="http://schemas.microsoft.com/office/powerpoint/2012/main"/>
+    </p:ext>
+  </p:extLst>
 </p:presentation>
 </file>
 
@@ -127,13 +133,7 @@
       </p:grpSpPr>
       <p:sp>
         <p:nvSpPr>
-          <p:cNvPr id="2" name="Title 1">
-            <a:extLst>
-              <a:ext uri="{FF2B5EF4-FFF2-40B4-BE49-F238E27FC236}">
-                <a16:creationId xmlns:a16="http://schemas.microsoft.com/office/drawing/2014/main" id="{BB722F66-727D-4150-ADA5-49CF3A0F6873}"/>
-              </a:ext>
-            </a:extLst>
-          </p:cNvPr>
+          <p:cNvPr id="2" name="Title 1"/>
           <p:cNvSpPr>
             <a:spLocks noGrp="1"/>
           </p:cNvSpPr>
@@ -143,8 +143,8 @@
         </p:nvSpPr>
         <p:spPr>
           <a:xfrm>
-            <a:off x="838200" y="1122363"/>
-            <a:ext cx="9829800" cy="2387600"/>
+            <a:off x="1595269" y="1122363"/>
+            <a:ext cx="9001462" cy="2387600"/>
           </a:xfrm>
         </p:spPr>
         <p:txBody>
@@ -152,8 +152,8 @@
             <a:normAutofit/>
           </a:bodyPr>
           <a:lstStyle>
-            <a:lvl1pPr algn="l">
-              <a:defRPr sz="5200"/>
+            <a:lvl1pPr algn="ctr">
+              <a:defRPr sz="4800"/>
             </a:lvl1pPr>
           </a:lstStyle>
           <a:p>
@@ -167,13 +167,7 @@
       </p:sp>
       <p:sp>
         <p:nvSpPr>
-          <p:cNvPr id="3" name="Subtitle 2">
-            <a:extLst>
-              <a:ext uri="{FF2B5EF4-FFF2-40B4-BE49-F238E27FC236}">
-                <a16:creationId xmlns:a16="http://schemas.microsoft.com/office/drawing/2014/main" id="{CDD9A1FE-C39F-4D7C-B93D-F8C203A1D69C}"/>
-              </a:ext>
-            </a:extLst>
-          </p:cNvPr>
+          <p:cNvPr id="3" name="Subtitle 2"/>
           <p:cNvSpPr>
             <a:spLocks noGrp="1"/>
           </p:cNvSpPr>
@@ -183,18 +177,16 @@
         </p:nvSpPr>
         <p:spPr>
           <a:xfrm>
-            <a:off x="838200" y="3602038"/>
-            <a:ext cx="9829800" cy="1655762"/>
+            <a:off x="1595269" y="3602038"/>
+            <a:ext cx="9001462" cy="1655762"/>
           </a:xfrm>
         </p:spPr>
         <p:txBody>
-          <a:bodyPr>
-            <a:normAutofit/>
-          </a:bodyPr>
+          <a:bodyPr/>
           <a:lstStyle>
-            <a:lvl1pPr marL="0" indent="0" algn="l">
-              <a:buNone/>
-              <a:defRPr sz="2000"/>
+            <a:lvl1pPr marL="0" indent="0" algn="ctr">
+              <a:buNone/>
+              <a:defRPr sz="2400"/>
             </a:lvl1pPr>
             <a:lvl2pPr marL="457200" indent="0" algn="ctr">
               <a:buNone/>
@@ -240,13 +232,7 @@
       </p:sp>
       <p:sp>
         <p:nvSpPr>
-          <p:cNvPr id="4" name="Date Placeholder 3">
-            <a:extLst>
-              <a:ext uri="{FF2B5EF4-FFF2-40B4-BE49-F238E27FC236}">
-                <a16:creationId xmlns:a16="http://schemas.microsoft.com/office/drawing/2014/main" id="{BC008AAC-7D41-4304-8D59-EF34B232682C}"/>
-              </a:ext>
-            </a:extLst>
-          </p:cNvPr>
+          <p:cNvPr id="4" name="Date Placeholder 3"/>
           <p:cNvSpPr>
             <a:spLocks noGrp="1"/>
           </p:cNvSpPr>
@@ -254,23 +240,14 @@
             <p:ph type="dt" sz="half" idx="10"/>
           </p:nvPr>
         </p:nvSpPr>
-        <p:spPr>
-          <a:xfrm>
-            <a:off x="838200" y="136525"/>
-            <a:ext cx="2743200" cy="365125"/>
-          </a:xfrm>
-        </p:spPr>
-        <p:txBody>
-          <a:bodyPr/>
-          <a:lstStyle>
-            <a:lvl1pPr algn="l">
-              <a:defRPr/>
-            </a:lvl1pPr>
-          </a:lstStyle>
+        <p:spPr/>
+        <p:txBody>
+          <a:bodyPr/>
+          <a:lstStyle/>
           <a:p>
             <a:fld id="{9549D6DC-E1CB-4874-BF52-C3407230D20E}" type="datetime1">
               <a:rPr lang="en-US" smtClean="0"/>
-              <a:t>5/20/2023</a:t>
+              <a:t>5/26/2023</a:t>
             </a:fld>
             <a:endParaRPr lang="en-US"/>
           </a:p>
@@ -278,13 +255,7 @@
       </p:sp>
       <p:sp>
         <p:nvSpPr>
-          <p:cNvPr id="5" name="Footer Placeholder 4">
-            <a:extLst>
-              <a:ext uri="{FF2B5EF4-FFF2-40B4-BE49-F238E27FC236}">
-                <a16:creationId xmlns:a16="http://schemas.microsoft.com/office/drawing/2014/main" id="{4724D078-DE22-4F23-8B48-21FB1415C3E3}"/>
-              </a:ext>
-            </a:extLst>
-          </p:cNvPr>
+          <p:cNvPr id="5" name="Footer Placeholder 4"/>
           <p:cNvSpPr>
             <a:spLocks noGrp="1"/>
           </p:cNvSpPr>
@@ -292,19 +263,10 @@
             <p:ph type="ftr" sz="quarter" idx="11"/>
           </p:nvPr>
         </p:nvSpPr>
-        <p:spPr>
-          <a:xfrm>
-            <a:off x="838200" y="6356350"/>
-            <a:ext cx="4114800" cy="365125"/>
-          </a:xfrm>
-        </p:spPr>
-        <p:txBody>
-          <a:bodyPr/>
-          <a:lstStyle>
-            <a:lvl1pPr algn="l">
-              <a:defRPr/>
-            </a:lvl1pPr>
-          </a:lstStyle>
+        <p:spPr/>
+        <p:txBody>
+          <a:bodyPr/>
+          <a:lstStyle/>
           <a:p>
             <a:endParaRPr lang="en-US"/>
           </a:p>
@@ -312,13 +274,7 @@
       </p:sp>
       <p:sp>
         <p:nvSpPr>
-          <p:cNvPr id="6" name="Slide Number Placeholder 5">
-            <a:extLst>
-              <a:ext uri="{FF2B5EF4-FFF2-40B4-BE49-F238E27FC236}">
-                <a16:creationId xmlns:a16="http://schemas.microsoft.com/office/drawing/2014/main" id="{BB64C1F5-608B-4335-9F2A-17F63D5FAF0D}"/>
-              </a:ext>
-            </a:extLst>
-          </p:cNvPr>
+          <p:cNvPr id="6" name="Slide Number Placeholder 5"/>
           <p:cNvSpPr>
             <a:spLocks noGrp="1"/>
           </p:cNvSpPr>
@@ -342,7 +298,7 @@
     </p:spTree>
     <p:extLst>
       <p:ext uri="{BB962C8B-B14F-4D97-AF65-F5344CB8AC3E}">
-        <p14:creationId xmlns:p14="http://schemas.microsoft.com/office/powerpoint/2010/main" val="214996890"/>
+        <p14:creationId xmlns:p14="http://schemas.microsoft.com/office/powerpoint/2010/main" val="4152633810"/>
       </p:ext>
     </p:extLst>
   </p:cSld>
@@ -353,6 +309,2568 @@
 </file>
 
 <file path=ppt/slideLayouts/slideLayout10.xml><?xml version="1.0" encoding="utf-8"?>
+<p:sldLayout xmlns:a="http://schemas.openxmlformats.org/drawingml/2006/main" xmlns:r="http://schemas.openxmlformats.org/officeDocument/2006/relationships" xmlns:p="http://schemas.openxmlformats.org/presentationml/2006/main" preserve="1">
+  <p:cSld name="Panoramic Picture with Caption">
+    <p:spTree>
+      <p:nvGrpSpPr>
+        <p:cNvPr id="1" name=""/>
+        <p:cNvGrpSpPr/>
+        <p:nvPr/>
+      </p:nvGrpSpPr>
+      <p:grpSpPr>
+        <a:xfrm>
+          <a:off x="0" y="0"/>
+          <a:ext cx="0" cy="0"/>
+          <a:chOff x="0" y="0"/>
+          <a:chExt cx="0" cy="0"/>
+        </a:xfrm>
+      </p:grpSpPr>
+      <p:sp>
+        <p:nvSpPr>
+          <p:cNvPr id="2" name="Title 1"/>
+          <p:cNvSpPr>
+            <a:spLocks noGrp="1"/>
+          </p:cNvSpPr>
+          <p:nvPr>
+            <p:ph type="title"/>
+          </p:nvPr>
+        </p:nvSpPr>
+        <p:spPr>
+          <a:xfrm>
+            <a:off x="913806" y="4289372"/>
+            <a:ext cx="10367564" cy="819355"/>
+          </a:xfrm>
+        </p:spPr>
+        <p:txBody>
+          <a:bodyPr anchor="b">
+            <a:normAutofit/>
+          </a:bodyPr>
+          <a:lstStyle>
+            <a:lvl1pPr>
+              <a:defRPr sz="2800"/>
+            </a:lvl1pPr>
+          </a:lstStyle>
+          <a:p>
+            <a:r>
+              <a:rPr lang="en-US"/>
+              <a:t>Click to edit Master title style</a:t>
+            </a:r>
+            <a:endParaRPr lang="en-US" dirty="0"/>
+          </a:p>
+        </p:txBody>
+      </p:sp>
+      <p:sp>
+        <p:nvSpPr>
+          <p:cNvPr id="3" name="Picture Placeholder 2"/>
+          <p:cNvSpPr>
+            <a:spLocks noGrp="1" noChangeAspect="1"/>
+          </p:cNvSpPr>
+          <p:nvPr>
+            <p:ph type="pic" idx="1"/>
+          </p:nvPr>
+        </p:nvSpPr>
+        <p:spPr>
+          <a:xfrm>
+            <a:off x="913806" y="621321"/>
+            <a:ext cx="10367564" cy="3379735"/>
+          </a:xfrm>
+          <a:noFill/>
+          <a:ln w="190500" cap="sq">
+            <a:solidFill>
+              <a:srgbClr val="FFFFFF"/>
+            </a:solidFill>
+            <a:miter lim="800000"/>
+          </a:ln>
+          <a:effectLst>
+            <a:outerShdw blurRad="55000" dist="18000" dir="5400000" algn="tl" rotWithShape="0">
+              <a:srgbClr val="000000">
+                <a:alpha val="40000"/>
+              </a:srgbClr>
+            </a:outerShdw>
+          </a:effectLst>
+          <a:scene3d>
+            <a:camera prst="orthographicFront"/>
+            <a:lightRig rig="twoPt" dir="t">
+              <a:rot lat="0" lon="0" rev="7200000"/>
+            </a:lightRig>
+          </a:scene3d>
+          <a:sp3d>
+            <a:bevelT w="25400" h="19050"/>
+            <a:contourClr>
+              <a:srgbClr val="FFFFFF"/>
+            </a:contourClr>
+          </a:sp3d>
+        </p:spPr>
+        <p:txBody>
+          <a:bodyPr anchor="t"/>
+          <a:lstStyle>
+            <a:lvl1pPr marL="0" indent="0" algn="ctr">
+              <a:buNone/>
+              <a:defRPr sz="3200"/>
+            </a:lvl1pPr>
+            <a:lvl2pPr marL="457200" indent="0">
+              <a:buNone/>
+              <a:defRPr sz="2800"/>
+            </a:lvl2pPr>
+            <a:lvl3pPr marL="914400" indent="0">
+              <a:buNone/>
+              <a:defRPr sz="2400"/>
+            </a:lvl3pPr>
+            <a:lvl4pPr marL="1371600" indent="0">
+              <a:buNone/>
+              <a:defRPr sz="2000"/>
+            </a:lvl4pPr>
+            <a:lvl5pPr marL="1828800" indent="0">
+              <a:buNone/>
+              <a:defRPr sz="2000"/>
+            </a:lvl5pPr>
+            <a:lvl6pPr marL="2286000" indent="0">
+              <a:buNone/>
+              <a:defRPr sz="2000"/>
+            </a:lvl6pPr>
+            <a:lvl7pPr marL="2743200" indent="0">
+              <a:buNone/>
+              <a:defRPr sz="2000"/>
+            </a:lvl7pPr>
+            <a:lvl8pPr marL="3200400" indent="0">
+              <a:buNone/>
+              <a:defRPr sz="2000"/>
+            </a:lvl8pPr>
+            <a:lvl9pPr marL="3657600" indent="0">
+              <a:buNone/>
+              <a:defRPr sz="2000"/>
+            </a:lvl9pPr>
+          </a:lstStyle>
+          <a:p>
+            <a:r>
+              <a:rPr lang="en-US"/>
+              <a:t>Click icon to add picture</a:t>
+            </a:r>
+            <a:endParaRPr lang="en-US" dirty="0"/>
+          </a:p>
+        </p:txBody>
+      </p:sp>
+      <p:sp>
+        <p:nvSpPr>
+          <p:cNvPr id="4" name="Text Placeholder 3"/>
+          <p:cNvSpPr>
+            <a:spLocks noGrp="1"/>
+          </p:cNvSpPr>
+          <p:nvPr>
+            <p:ph type="body" sz="half" idx="2"/>
+          </p:nvPr>
+        </p:nvSpPr>
+        <p:spPr>
+          <a:xfrm>
+            <a:off x="913795" y="5108728"/>
+            <a:ext cx="10365998" cy="682472"/>
+          </a:xfrm>
+        </p:spPr>
+        <p:txBody>
+          <a:bodyPr>
+            <a:normAutofit/>
+          </a:bodyPr>
+          <a:lstStyle>
+            <a:lvl1pPr marL="0" indent="0" algn="ctr">
+              <a:buNone/>
+              <a:defRPr sz="1800"/>
+            </a:lvl1pPr>
+            <a:lvl2pPr marL="457200" indent="0">
+              <a:buNone/>
+              <a:defRPr sz="1400"/>
+            </a:lvl2pPr>
+            <a:lvl3pPr marL="914400" indent="0">
+              <a:buNone/>
+              <a:defRPr sz="1200"/>
+            </a:lvl3pPr>
+            <a:lvl4pPr marL="1371600" indent="0">
+              <a:buNone/>
+              <a:defRPr sz="1000"/>
+            </a:lvl4pPr>
+            <a:lvl5pPr marL="1828800" indent="0">
+              <a:buNone/>
+              <a:defRPr sz="1000"/>
+            </a:lvl5pPr>
+            <a:lvl6pPr marL="2286000" indent="0">
+              <a:buNone/>
+              <a:defRPr sz="1000"/>
+            </a:lvl6pPr>
+            <a:lvl7pPr marL="2743200" indent="0">
+              <a:buNone/>
+              <a:defRPr sz="1000"/>
+            </a:lvl7pPr>
+            <a:lvl8pPr marL="3200400" indent="0">
+              <a:buNone/>
+              <a:defRPr sz="1000"/>
+            </a:lvl8pPr>
+            <a:lvl9pPr marL="3657600" indent="0">
+              <a:buNone/>
+              <a:defRPr sz="1000"/>
+            </a:lvl9pPr>
+          </a:lstStyle>
+          <a:p>
+            <a:pPr lvl="0"/>
+            <a:r>
+              <a:rPr lang="en-US"/>
+              <a:t>Click to edit Master text styles</a:t>
+            </a:r>
+          </a:p>
+        </p:txBody>
+      </p:sp>
+      <p:sp>
+        <p:nvSpPr>
+          <p:cNvPr id="5" name="Date Placeholder 4"/>
+          <p:cNvSpPr>
+            <a:spLocks noGrp="1"/>
+          </p:cNvSpPr>
+          <p:nvPr>
+            <p:ph type="dt" sz="half" idx="10"/>
+          </p:nvPr>
+        </p:nvSpPr>
+        <p:spPr/>
+        <p:txBody>
+          <a:bodyPr/>
+          <a:lstStyle/>
+          <a:p>
+            <a:fld id="{C0517C94-3B1E-4991-BED3-41F8B0158A00}" type="datetime1">
+              <a:rPr lang="en-US" smtClean="0"/>
+              <a:t>5/26/2023</a:t>
+            </a:fld>
+            <a:endParaRPr lang="en-US" dirty="0"/>
+          </a:p>
+        </p:txBody>
+      </p:sp>
+      <p:sp>
+        <p:nvSpPr>
+          <p:cNvPr id="6" name="Footer Placeholder 5"/>
+          <p:cNvSpPr>
+            <a:spLocks noGrp="1"/>
+          </p:cNvSpPr>
+          <p:nvPr>
+            <p:ph type="ftr" sz="quarter" idx="11"/>
+          </p:nvPr>
+        </p:nvSpPr>
+        <p:spPr/>
+        <p:txBody>
+          <a:bodyPr/>
+          <a:lstStyle/>
+          <a:p>
+            <a:endParaRPr lang="en-US" dirty="0"/>
+          </a:p>
+        </p:txBody>
+      </p:sp>
+      <p:sp>
+        <p:nvSpPr>
+          <p:cNvPr id="7" name="Slide Number Placeholder 6"/>
+          <p:cNvSpPr>
+            <a:spLocks noGrp="1"/>
+          </p:cNvSpPr>
+          <p:nvPr>
+            <p:ph type="sldNum" sz="quarter" idx="12"/>
+          </p:nvPr>
+        </p:nvSpPr>
+        <p:spPr/>
+        <p:txBody>
+          <a:bodyPr/>
+          <a:lstStyle/>
+          <a:p>
+            <a:fld id="{273BAE12-D270-459D-897B-6833652BB167}" type="slidenum">
+              <a:rPr lang="en-US" smtClean="0"/>
+              <a:pPr/>
+              <a:t>‹#›</a:t>
+            </a:fld>
+            <a:endParaRPr lang="en-US" dirty="0"/>
+          </a:p>
+        </p:txBody>
+      </p:sp>
+    </p:spTree>
+    <p:extLst>
+      <p:ext uri="{BB962C8B-B14F-4D97-AF65-F5344CB8AC3E}">
+        <p14:creationId xmlns:p14="http://schemas.microsoft.com/office/powerpoint/2010/main" val="390809749"/>
+      </p:ext>
+    </p:extLst>
+  </p:cSld>
+  <p:clrMapOvr>
+    <a:masterClrMapping/>
+  </p:clrMapOvr>
+  <p:hf sldNum="0" hdr="0" ftr="0" dt="0"/>
+</p:sldLayout>
+</file>
+
+<file path=ppt/slideLayouts/slideLayout11.xml><?xml version="1.0" encoding="utf-8"?>
+<p:sldLayout xmlns:a="http://schemas.openxmlformats.org/drawingml/2006/main" xmlns:r="http://schemas.openxmlformats.org/officeDocument/2006/relationships" xmlns:p="http://schemas.openxmlformats.org/presentationml/2006/main" preserve="1">
+  <p:cSld name="Title and Caption">
+    <p:spTree>
+      <p:nvGrpSpPr>
+        <p:cNvPr id="1" name=""/>
+        <p:cNvGrpSpPr/>
+        <p:nvPr/>
+      </p:nvGrpSpPr>
+      <p:grpSpPr>
+        <a:xfrm>
+          <a:off x="0" y="0"/>
+          <a:ext cx="0" cy="0"/>
+          <a:chOff x="0" y="0"/>
+          <a:chExt cx="0" cy="0"/>
+        </a:xfrm>
+      </p:grpSpPr>
+      <p:sp>
+        <p:nvSpPr>
+          <p:cNvPr id="2" name="Title 1"/>
+          <p:cNvSpPr>
+            <a:spLocks noGrp="1"/>
+          </p:cNvSpPr>
+          <p:nvPr>
+            <p:ph type="title"/>
+          </p:nvPr>
+        </p:nvSpPr>
+        <p:spPr>
+          <a:xfrm>
+            <a:off x="913795" y="609600"/>
+            <a:ext cx="10353762" cy="3424859"/>
+          </a:xfrm>
+        </p:spPr>
+        <p:txBody>
+          <a:bodyPr anchor="ctr"/>
+          <a:lstStyle>
+            <a:lvl1pPr>
+              <a:defRPr sz="3200"/>
+            </a:lvl1pPr>
+          </a:lstStyle>
+          <a:p>
+            <a:r>
+              <a:rPr lang="en-US"/>
+              <a:t>Click to edit Master title style</a:t>
+            </a:r>
+            <a:endParaRPr lang="en-US" dirty="0"/>
+          </a:p>
+        </p:txBody>
+      </p:sp>
+      <p:sp>
+        <p:nvSpPr>
+          <p:cNvPr id="4" name="Text Placeholder 3"/>
+          <p:cNvSpPr>
+            <a:spLocks noGrp="1"/>
+          </p:cNvSpPr>
+          <p:nvPr>
+            <p:ph type="body" sz="half" idx="2"/>
+          </p:nvPr>
+        </p:nvSpPr>
+        <p:spPr>
+          <a:xfrm>
+            <a:off x="913795" y="4204820"/>
+            <a:ext cx="10353761" cy="1592186"/>
+          </a:xfrm>
+        </p:spPr>
+        <p:txBody>
+          <a:bodyPr anchor="ctr"/>
+          <a:lstStyle>
+            <a:lvl1pPr marL="0" indent="0" algn="ctr">
+              <a:buNone/>
+              <a:defRPr sz="1600"/>
+            </a:lvl1pPr>
+            <a:lvl2pPr marL="457200" indent="0">
+              <a:buNone/>
+              <a:defRPr sz="1400"/>
+            </a:lvl2pPr>
+            <a:lvl3pPr marL="914400" indent="0">
+              <a:buNone/>
+              <a:defRPr sz="1200"/>
+            </a:lvl3pPr>
+            <a:lvl4pPr marL="1371600" indent="0">
+              <a:buNone/>
+              <a:defRPr sz="1000"/>
+            </a:lvl4pPr>
+            <a:lvl5pPr marL="1828800" indent="0">
+              <a:buNone/>
+              <a:defRPr sz="1000"/>
+            </a:lvl5pPr>
+            <a:lvl6pPr marL="2286000" indent="0">
+              <a:buNone/>
+              <a:defRPr sz="1000"/>
+            </a:lvl6pPr>
+            <a:lvl7pPr marL="2743200" indent="0">
+              <a:buNone/>
+              <a:defRPr sz="1000"/>
+            </a:lvl7pPr>
+            <a:lvl8pPr marL="3200400" indent="0">
+              <a:buNone/>
+              <a:defRPr sz="1000"/>
+            </a:lvl8pPr>
+            <a:lvl9pPr marL="3657600" indent="0">
+              <a:buNone/>
+              <a:defRPr sz="1000"/>
+            </a:lvl9pPr>
+          </a:lstStyle>
+          <a:p>
+            <a:pPr lvl="0"/>
+            <a:r>
+              <a:rPr lang="en-US"/>
+              <a:t>Click to edit Master text styles</a:t>
+            </a:r>
+          </a:p>
+        </p:txBody>
+      </p:sp>
+      <p:sp>
+        <p:nvSpPr>
+          <p:cNvPr id="5" name="Date Placeholder 4"/>
+          <p:cNvSpPr>
+            <a:spLocks noGrp="1"/>
+          </p:cNvSpPr>
+          <p:nvPr>
+            <p:ph type="dt" sz="half" idx="10"/>
+          </p:nvPr>
+        </p:nvSpPr>
+        <p:spPr/>
+        <p:txBody>
+          <a:bodyPr/>
+          <a:lstStyle/>
+          <a:p>
+            <a:fld id="{C0517C94-3B1E-4991-BED3-41F8B0158A00}" type="datetime1">
+              <a:rPr lang="en-US" smtClean="0"/>
+              <a:t>5/26/2023</a:t>
+            </a:fld>
+            <a:endParaRPr lang="en-US" dirty="0"/>
+          </a:p>
+        </p:txBody>
+      </p:sp>
+      <p:sp>
+        <p:nvSpPr>
+          <p:cNvPr id="6" name="Footer Placeholder 5"/>
+          <p:cNvSpPr>
+            <a:spLocks noGrp="1"/>
+          </p:cNvSpPr>
+          <p:nvPr>
+            <p:ph type="ftr" sz="quarter" idx="11"/>
+          </p:nvPr>
+        </p:nvSpPr>
+        <p:spPr/>
+        <p:txBody>
+          <a:bodyPr/>
+          <a:lstStyle/>
+          <a:p>
+            <a:endParaRPr lang="en-US" dirty="0"/>
+          </a:p>
+        </p:txBody>
+      </p:sp>
+      <p:sp>
+        <p:nvSpPr>
+          <p:cNvPr id="7" name="Slide Number Placeholder 6"/>
+          <p:cNvSpPr>
+            <a:spLocks noGrp="1"/>
+          </p:cNvSpPr>
+          <p:nvPr>
+            <p:ph type="sldNum" sz="quarter" idx="12"/>
+          </p:nvPr>
+        </p:nvSpPr>
+        <p:spPr/>
+        <p:txBody>
+          <a:bodyPr/>
+          <a:lstStyle/>
+          <a:p>
+            <a:fld id="{273BAE12-D270-459D-897B-6833652BB167}" type="slidenum">
+              <a:rPr lang="en-US" smtClean="0"/>
+              <a:pPr/>
+              <a:t>‹#›</a:t>
+            </a:fld>
+            <a:endParaRPr lang="en-US" dirty="0"/>
+          </a:p>
+        </p:txBody>
+      </p:sp>
+    </p:spTree>
+    <p:extLst>
+      <p:ext uri="{BB962C8B-B14F-4D97-AF65-F5344CB8AC3E}">
+        <p14:creationId xmlns:p14="http://schemas.microsoft.com/office/powerpoint/2010/main" val="1808551261"/>
+      </p:ext>
+    </p:extLst>
+  </p:cSld>
+  <p:clrMapOvr>
+    <a:masterClrMapping/>
+  </p:clrMapOvr>
+  <p:hf sldNum="0" hdr="0" ftr="0" dt="0"/>
+</p:sldLayout>
+</file>
+
+<file path=ppt/slideLayouts/slideLayout12.xml><?xml version="1.0" encoding="utf-8"?>
+<p:sldLayout xmlns:a="http://schemas.openxmlformats.org/drawingml/2006/main" xmlns:r="http://schemas.openxmlformats.org/officeDocument/2006/relationships" xmlns:p="http://schemas.openxmlformats.org/presentationml/2006/main" preserve="1">
+  <p:cSld name="Quote with Caption">
+    <p:spTree>
+      <p:nvGrpSpPr>
+        <p:cNvPr id="1" name=""/>
+        <p:cNvGrpSpPr/>
+        <p:nvPr/>
+      </p:nvGrpSpPr>
+      <p:grpSpPr>
+        <a:xfrm>
+          <a:off x="0" y="0"/>
+          <a:ext cx="0" cy="0"/>
+          <a:chOff x="0" y="0"/>
+          <a:chExt cx="0" cy="0"/>
+        </a:xfrm>
+      </p:grpSpPr>
+      <p:sp>
+        <p:nvSpPr>
+          <p:cNvPr id="2" name="Title 1"/>
+          <p:cNvSpPr>
+            <a:spLocks noGrp="1"/>
+          </p:cNvSpPr>
+          <p:nvPr>
+            <p:ph type="title"/>
+          </p:nvPr>
+        </p:nvSpPr>
+        <p:spPr>
+          <a:xfrm>
+            <a:off x="1446212" y="609600"/>
+            <a:ext cx="9302752" cy="2992904"/>
+          </a:xfrm>
+        </p:spPr>
+        <p:txBody>
+          <a:bodyPr anchor="ctr"/>
+          <a:lstStyle>
+            <a:lvl1pPr>
+              <a:defRPr sz="3200"/>
+            </a:lvl1pPr>
+          </a:lstStyle>
+          <a:p>
+            <a:r>
+              <a:rPr lang="en-US"/>
+              <a:t>Click to edit Master title style</a:t>
+            </a:r>
+            <a:endParaRPr lang="en-US" dirty="0"/>
+          </a:p>
+        </p:txBody>
+      </p:sp>
+      <p:sp>
+        <p:nvSpPr>
+          <p:cNvPr id="12" name="Text Placeholder 3"/>
+          <p:cNvSpPr>
+            <a:spLocks noGrp="1"/>
+          </p:cNvSpPr>
+          <p:nvPr>
+            <p:ph type="body" sz="half" idx="13"/>
+          </p:nvPr>
+        </p:nvSpPr>
+        <p:spPr>
+          <a:xfrm>
+            <a:off x="1720644" y="3610032"/>
+            <a:ext cx="8752299" cy="426812"/>
+          </a:xfrm>
+        </p:spPr>
+        <p:txBody>
+          <a:bodyPr anchor="t">
+            <a:normAutofit/>
+          </a:bodyPr>
+          <a:lstStyle>
+            <a:lvl1pPr marL="0" indent="0" algn="r">
+              <a:buNone/>
+              <a:defRPr sz="1400"/>
+            </a:lvl1pPr>
+            <a:lvl2pPr marL="457200" indent="0">
+              <a:buNone/>
+              <a:defRPr sz="1400"/>
+            </a:lvl2pPr>
+            <a:lvl3pPr marL="914400" indent="0">
+              <a:buNone/>
+              <a:defRPr sz="1200"/>
+            </a:lvl3pPr>
+            <a:lvl4pPr marL="1371600" indent="0">
+              <a:buNone/>
+              <a:defRPr sz="1000"/>
+            </a:lvl4pPr>
+            <a:lvl5pPr marL="1828800" indent="0">
+              <a:buNone/>
+              <a:defRPr sz="1000"/>
+            </a:lvl5pPr>
+            <a:lvl6pPr marL="2286000" indent="0">
+              <a:buNone/>
+              <a:defRPr sz="1000"/>
+            </a:lvl6pPr>
+            <a:lvl7pPr marL="2743200" indent="0">
+              <a:buNone/>
+              <a:defRPr sz="1000"/>
+            </a:lvl7pPr>
+            <a:lvl8pPr marL="3200400" indent="0">
+              <a:buNone/>
+              <a:defRPr sz="1000"/>
+            </a:lvl8pPr>
+            <a:lvl9pPr marL="3657600" indent="0">
+              <a:buNone/>
+              <a:defRPr sz="1000"/>
+            </a:lvl9pPr>
+          </a:lstStyle>
+          <a:p>
+            <a:pPr lvl="0"/>
+            <a:r>
+              <a:rPr lang="en-US"/>
+              <a:t>Click to edit Master text styles</a:t>
+            </a:r>
+          </a:p>
+        </p:txBody>
+      </p:sp>
+      <p:sp>
+        <p:nvSpPr>
+          <p:cNvPr id="4" name="Text Placeholder 3"/>
+          <p:cNvSpPr>
+            <a:spLocks noGrp="1"/>
+          </p:cNvSpPr>
+          <p:nvPr>
+            <p:ph type="body" sz="half" idx="2"/>
+          </p:nvPr>
+        </p:nvSpPr>
+        <p:spPr>
+          <a:xfrm>
+            <a:off x="913794" y="4204821"/>
+            <a:ext cx="10353762" cy="1586380"/>
+          </a:xfrm>
+        </p:spPr>
+        <p:txBody>
+          <a:bodyPr anchor="ctr">
+            <a:normAutofit/>
+          </a:bodyPr>
+          <a:lstStyle>
+            <a:lvl1pPr marL="0" indent="0" algn="ctr">
+              <a:buNone/>
+              <a:defRPr sz="1600"/>
+            </a:lvl1pPr>
+            <a:lvl2pPr marL="457200" indent="0">
+              <a:buNone/>
+              <a:defRPr sz="1400"/>
+            </a:lvl2pPr>
+            <a:lvl3pPr marL="914400" indent="0">
+              <a:buNone/>
+              <a:defRPr sz="1200"/>
+            </a:lvl3pPr>
+            <a:lvl4pPr marL="1371600" indent="0">
+              <a:buNone/>
+              <a:defRPr sz="1000"/>
+            </a:lvl4pPr>
+            <a:lvl5pPr marL="1828800" indent="0">
+              <a:buNone/>
+              <a:defRPr sz="1000"/>
+            </a:lvl5pPr>
+            <a:lvl6pPr marL="2286000" indent="0">
+              <a:buNone/>
+              <a:defRPr sz="1000"/>
+            </a:lvl6pPr>
+            <a:lvl7pPr marL="2743200" indent="0">
+              <a:buNone/>
+              <a:defRPr sz="1000"/>
+            </a:lvl7pPr>
+            <a:lvl8pPr marL="3200400" indent="0">
+              <a:buNone/>
+              <a:defRPr sz="1000"/>
+            </a:lvl8pPr>
+            <a:lvl9pPr marL="3657600" indent="0">
+              <a:buNone/>
+              <a:defRPr sz="1000"/>
+            </a:lvl9pPr>
+          </a:lstStyle>
+          <a:p>
+            <a:pPr lvl="0"/>
+            <a:r>
+              <a:rPr lang="en-US"/>
+              <a:t>Click to edit Master text styles</a:t>
+            </a:r>
+          </a:p>
+        </p:txBody>
+      </p:sp>
+      <p:sp>
+        <p:nvSpPr>
+          <p:cNvPr id="5" name="Date Placeholder 4"/>
+          <p:cNvSpPr>
+            <a:spLocks noGrp="1"/>
+          </p:cNvSpPr>
+          <p:nvPr>
+            <p:ph type="dt" sz="half" idx="10"/>
+          </p:nvPr>
+        </p:nvSpPr>
+        <p:spPr/>
+        <p:txBody>
+          <a:bodyPr/>
+          <a:lstStyle/>
+          <a:p>
+            <a:fld id="{C0517C94-3B1E-4991-BED3-41F8B0158A00}" type="datetime1">
+              <a:rPr lang="en-US" smtClean="0"/>
+              <a:t>5/26/2023</a:t>
+            </a:fld>
+            <a:endParaRPr lang="en-US" dirty="0"/>
+          </a:p>
+        </p:txBody>
+      </p:sp>
+      <p:sp>
+        <p:nvSpPr>
+          <p:cNvPr id="6" name="Footer Placeholder 5"/>
+          <p:cNvSpPr>
+            <a:spLocks noGrp="1"/>
+          </p:cNvSpPr>
+          <p:nvPr>
+            <p:ph type="ftr" sz="quarter" idx="11"/>
+          </p:nvPr>
+        </p:nvSpPr>
+        <p:spPr/>
+        <p:txBody>
+          <a:bodyPr/>
+          <a:lstStyle/>
+          <a:p>
+            <a:endParaRPr lang="en-US" dirty="0"/>
+          </a:p>
+        </p:txBody>
+      </p:sp>
+      <p:sp>
+        <p:nvSpPr>
+          <p:cNvPr id="7" name="Slide Number Placeholder 6"/>
+          <p:cNvSpPr>
+            <a:spLocks noGrp="1"/>
+          </p:cNvSpPr>
+          <p:nvPr>
+            <p:ph type="sldNum" sz="quarter" idx="12"/>
+          </p:nvPr>
+        </p:nvSpPr>
+        <p:spPr/>
+        <p:txBody>
+          <a:bodyPr/>
+          <a:lstStyle/>
+          <a:p>
+            <a:fld id="{273BAE12-D270-459D-897B-6833652BB167}" type="slidenum">
+              <a:rPr lang="en-US" smtClean="0"/>
+              <a:pPr/>
+              <a:t>‹#›</a:t>
+            </a:fld>
+            <a:endParaRPr lang="en-US" dirty="0"/>
+          </a:p>
+        </p:txBody>
+      </p:sp>
+      <p:sp>
+        <p:nvSpPr>
+          <p:cNvPr id="11" name="TextBox 10"/>
+          <p:cNvSpPr txBox="1"/>
+          <p:nvPr/>
+        </p:nvSpPr>
+        <p:spPr>
+          <a:xfrm>
+            <a:off x="836612" y="735241"/>
+            <a:ext cx="609600" cy="584776"/>
+          </a:xfrm>
+          <a:prstGeom prst="rect">
+            <a:avLst/>
+          </a:prstGeom>
+        </p:spPr>
+        <p:txBody>
+          <a:bodyPr vert="horz" lIns="91440" tIns="45720" rIns="91440" bIns="45720" rtlCol="0" anchor="ctr">
+            <a:noAutofit/>
+          </a:bodyPr>
+          <a:lstStyle>
+            <a:lvl1pPr>
+              <a:spcBef>
+                <a:spcPct val="0"/>
+              </a:spcBef>
+              <a:buNone/>
+              <a:defRPr sz="3200" b="0" cap="all">
+                <a:ln w="3175" cmpd="sng">
+                  <a:noFill/>
+                </a:ln>
+                <a:effectLst>
+                  <a:glow rad="38100">
+                    <a:schemeClr val="bg1">
+                      <a:lumMod val="65000"/>
+                      <a:lumOff val="35000"/>
+                      <a:alpha val="40000"/>
+                    </a:schemeClr>
+                  </a:glow>
+                  <a:outerShdw blurRad="28575" dist="38100" dir="14040000" algn="tl" rotWithShape="0">
+                    <a:srgbClr val="000000">
+                      <a:alpha val="25000"/>
+                    </a:srgbClr>
+                  </a:outerShdw>
+                </a:effectLst>
+              </a:defRPr>
+            </a:lvl1pPr>
+            <a:lvl2pPr>
+              <a:defRPr>
+                <a:solidFill>
+                  <a:schemeClr val="tx2"/>
+                </a:solidFill>
+              </a:defRPr>
+            </a:lvl2pPr>
+            <a:lvl3pPr>
+              <a:defRPr>
+                <a:solidFill>
+                  <a:schemeClr val="tx2"/>
+                </a:solidFill>
+              </a:defRPr>
+            </a:lvl3pPr>
+            <a:lvl4pPr>
+              <a:defRPr>
+                <a:solidFill>
+                  <a:schemeClr val="tx2"/>
+                </a:solidFill>
+              </a:defRPr>
+            </a:lvl4pPr>
+            <a:lvl5pPr>
+              <a:defRPr>
+                <a:solidFill>
+                  <a:schemeClr val="tx2"/>
+                </a:solidFill>
+              </a:defRPr>
+            </a:lvl5pPr>
+            <a:lvl6pPr>
+              <a:defRPr>
+                <a:solidFill>
+                  <a:schemeClr val="tx2"/>
+                </a:solidFill>
+              </a:defRPr>
+            </a:lvl6pPr>
+            <a:lvl7pPr>
+              <a:defRPr>
+                <a:solidFill>
+                  <a:schemeClr val="tx2"/>
+                </a:solidFill>
+              </a:defRPr>
+            </a:lvl7pPr>
+            <a:lvl8pPr>
+              <a:defRPr>
+                <a:solidFill>
+                  <a:schemeClr val="tx2"/>
+                </a:solidFill>
+              </a:defRPr>
+            </a:lvl8pPr>
+            <a:lvl9pPr>
+              <a:defRPr>
+                <a:solidFill>
+                  <a:schemeClr val="tx2"/>
+                </a:solidFill>
+              </a:defRPr>
+            </a:lvl9pPr>
+          </a:lstStyle>
+          <a:p>
+            <a:pPr lvl="0"/>
+            <a:r>
+              <a:rPr lang="en-US" sz="8000" dirty="0">
+                <a:solidFill>
+                  <a:schemeClr val="tx1"/>
+                </a:solidFill>
+                <a:effectLst/>
+              </a:rPr>
+              <a:t>“</a:t>
+            </a:r>
+          </a:p>
+        </p:txBody>
+      </p:sp>
+      <p:sp>
+        <p:nvSpPr>
+          <p:cNvPr id="13" name="TextBox 12"/>
+          <p:cNvSpPr txBox="1"/>
+          <p:nvPr/>
+        </p:nvSpPr>
+        <p:spPr>
+          <a:xfrm>
+            <a:off x="10657956" y="2972093"/>
+            <a:ext cx="609600" cy="584776"/>
+          </a:xfrm>
+          <a:prstGeom prst="rect">
+            <a:avLst/>
+          </a:prstGeom>
+        </p:spPr>
+        <p:txBody>
+          <a:bodyPr vert="horz" lIns="91440" tIns="45720" rIns="91440" bIns="45720" rtlCol="0" anchor="ctr">
+            <a:noAutofit/>
+          </a:bodyPr>
+          <a:lstStyle>
+            <a:lvl1pPr>
+              <a:spcBef>
+                <a:spcPct val="0"/>
+              </a:spcBef>
+              <a:buNone/>
+              <a:defRPr sz="3200" b="0" cap="all">
+                <a:ln w="3175" cmpd="sng">
+                  <a:noFill/>
+                </a:ln>
+                <a:effectLst>
+                  <a:glow rad="38100">
+                    <a:schemeClr val="bg1">
+                      <a:lumMod val="65000"/>
+                      <a:lumOff val="35000"/>
+                      <a:alpha val="40000"/>
+                    </a:schemeClr>
+                  </a:glow>
+                  <a:outerShdw blurRad="28575" dist="38100" dir="14040000" algn="tl" rotWithShape="0">
+                    <a:srgbClr val="000000">
+                      <a:alpha val="25000"/>
+                    </a:srgbClr>
+                  </a:outerShdw>
+                </a:effectLst>
+              </a:defRPr>
+            </a:lvl1pPr>
+            <a:lvl2pPr>
+              <a:defRPr>
+                <a:solidFill>
+                  <a:schemeClr val="tx2"/>
+                </a:solidFill>
+              </a:defRPr>
+            </a:lvl2pPr>
+            <a:lvl3pPr>
+              <a:defRPr>
+                <a:solidFill>
+                  <a:schemeClr val="tx2"/>
+                </a:solidFill>
+              </a:defRPr>
+            </a:lvl3pPr>
+            <a:lvl4pPr>
+              <a:defRPr>
+                <a:solidFill>
+                  <a:schemeClr val="tx2"/>
+                </a:solidFill>
+              </a:defRPr>
+            </a:lvl4pPr>
+            <a:lvl5pPr>
+              <a:defRPr>
+                <a:solidFill>
+                  <a:schemeClr val="tx2"/>
+                </a:solidFill>
+              </a:defRPr>
+            </a:lvl5pPr>
+            <a:lvl6pPr>
+              <a:defRPr>
+                <a:solidFill>
+                  <a:schemeClr val="tx2"/>
+                </a:solidFill>
+              </a:defRPr>
+            </a:lvl6pPr>
+            <a:lvl7pPr>
+              <a:defRPr>
+                <a:solidFill>
+                  <a:schemeClr val="tx2"/>
+                </a:solidFill>
+              </a:defRPr>
+            </a:lvl7pPr>
+            <a:lvl8pPr>
+              <a:defRPr>
+                <a:solidFill>
+                  <a:schemeClr val="tx2"/>
+                </a:solidFill>
+              </a:defRPr>
+            </a:lvl8pPr>
+            <a:lvl9pPr>
+              <a:defRPr>
+                <a:solidFill>
+                  <a:schemeClr val="tx2"/>
+                </a:solidFill>
+              </a:defRPr>
+            </a:lvl9pPr>
+          </a:lstStyle>
+          <a:p>
+            <a:pPr lvl="0" algn="r"/>
+            <a:r>
+              <a:rPr lang="en-US" sz="8000" dirty="0">
+                <a:solidFill>
+                  <a:schemeClr val="tx1"/>
+                </a:solidFill>
+                <a:effectLst/>
+              </a:rPr>
+              <a:t>”</a:t>
+            </a:r>
+          </a:p>
+        </p:txBody>
+      </p:sp>
+    </p:spTree>
+    <p:extLst>
+      <p:ext uri="{BB962C8B-B14F-4D97-AF65-F5344CB8AC3E}">
+        <p14:creationId xmlns:p14="http://schemas.microsoft.com/office/powerpoint/2010/main" val="184249073"/>
+      </p:ext>
+    </p:extLst>
+  </p:cSld>
+  <p:clrMapOvr>
+    <a:masterClrMapping/>
+  </p:clrMapOvr>
+  <p:hf sldNum="0" hdr="0" ftr="0" dt="0"/>
+</p:sldLayout>
+</file>
+
+<file path=ppt/slideLayouts/slideLayout13.xml><?xml version="1.0" encoding="utf-8"?>
+<p:sldLayout xmlns:a="http://schemas.openxmlformats.org/drawingml/2006/main" xmlns:r="http://schemas.openxmlformats.org/officeDocument/2006/relationships" xmlns:p="http://schemas.openxmlformats.org/presentationml/2006/main" preserve="1">
+  <p:cSld name="Name Card">
+    <p:spTree>
+      <p:nvGrpSpPr>
+        <p:cNvPr id="1" name=""/>
+        <p:cNvGrpSpPr/>
+        <p:nvPr/>
+      </p:nvGrpSpPr>
+      <p:grpSpPr>
+        <a:xfrm>
+          <a:off x="0" y="0"/>
+          <a:ext cx="0" cy="0"/>
+          <a:chOff x="0" y="0"/>
+          <a:chExt cx="0" cy="0"/>
+        </a:xfrm>
+      </p:grpSpPr>
+      <p:sp>
+        <p:nvSpPr>
+          <p:cNvPr id="2" name="Title 1"/>
+          <p:cNvSpPr>
+            <a:spLocks noGrp="1"/>
+          </p:cNvSpPr>
+          <p:nvPr>
+            <p:ph type="title"/>
+          </p:nvPr>
+        </p:nvSpPr>
+        <p:spPr>
+          <a:xfrm>
+            <a:off x="913806" y="2126942"/>
+            <a:ext cx="10355327" cy="2511835"/>
+          </a:xfrm>
+        </p:spPr>
+        <p:txBody>
+          <a:bodyPr anchor="b"/>
+          <a:lstStyle>
+            <a:lvl1pPr>
+              <a:defRPr sz="3200"/>
+            </a:lvl1pPr>
+          </a:lstStyle>
+          <a:p>
+            <a:r>
+              <a:rPr lang="en-US"/>
+              <a:t>Click to edit Master title style</a:t>
+            </a:r>
+            <a:endParaRPr lang="en-US" dirty="0"/>
+          </a:p>
+        </p:txBody>
+      </p:sp>
+      <p:sp>
+        <p:nvSpPr>
+          <p:cNvPr id="4" name="Text Placeholder 3"/>
+          <p:cNvSpPr>
+            <a:spLocks noGrp="1"/>
+          </p:cNvSpPr>
+          <p:nvPr>
+            <p:ph type="body" sz="half" idx="2"/>
+          </p:nvPr>
+        </p:nvSpPr>
+        <p:spPr>
+          <a:xfrm>
+            <a:off x="913794" y="4650556"/>
+            <a:ext cx="10353763" cy="1140644"/>
+          </a:xfrm>
+        </p:spPr>
+        <p:txBody>
+          <a:bodyPr anchor="t"/>
+          <a:lstStyle>
+            <a:lvl1pPr marL="0" indent="0" algn="ctr">
+              <a:buNone/>
+              <a:defRPr sz="1600"/>
+            </a:lvl1pPr>
+            <a:lvl2pPr marL="457200" indent="0">
+              <a:buNone/>
+              <a:defRPr sz="1400"/>
+            </a:lvl2pPr>
+            <a:lvl3pPr marL="914400" indent="0">
+              <a:buNone/>
+              <a:defRPr sz="1200"/>
+            </a:lvl3pPr>
+            <a:lvl4pPr marL="1371600" indent="0">
+              <a:buNone/>
+              <a:defRPr sz="1000"/>
+            </a:lvl4pPr>
+            <a:lvl5pPr marL="1828800" indent="0">
+              <a:buNone/>
+              <a:defRPr sz="1000"/>
+            </a:lvl5pPr>
+            <a:lvl6pPr marL="2286000" indent="0">
+              <a:buNone/>
+              <a:defRPr sz="1000"/>
+            </a:lvl6pPr>
+            <a:lvl7pPr marL="2743200" indent="0">
+              <a:buNone/>
+              <a:defRPr sz="1000"/>
+            </a:lvl7pPr>
+            <a:lvl8pPr marL="3200400" indent="0">
+              <a:buNone/>
+              <a:defRPr sz="1000"/>
+            </a:lvl8pPr>
+            <a:lvl9pPr marL="3657600" indent="0">
+              <a:buNone/>
+              <a:defRPr sz="1000"/>
+            </a:lvl9pPr>
+          </a:lstStyle>
+          <a:p>
+            <a:pPr lvl="0"/>
+            <a:r>
+              <a:rPr lang="en-US"/>
+              <a:t>Click to edit Master text styles</a:t>
+            </a:r>
+          </a:p>
+        </p:txBody>
+      </p:sp>
+      <p:sp>
+        <p:nvSpPr>
+          <p:cNvPr id="5" name="Date Placeholder 4"/>
+          <p:cNvSpPr>
+            <a:spLocks noGrp="1"/>
+          </p:cNvSpPr>
+          <p:nvPr>
+            <p:ph type="dt" sz="half" idx="10"/>
+          </p:nvPr>
+        </p:nvSpPr>
+        <p:spPr/>
+        <p:txBody>
+          <a:bodyPr/>
+          <a:lstStyle/>
+          <a:p>
+            <a:fld id="{C0517C94-3B1E-4991-BED3-41F8B0158A00}" type="datetime1">
+              <a:rPr lang="en-US" smtClean="0"/>
+              <a:t>5/26/2023</a:t>
+            </a:fld>
+            <a:endParaRPr lang="en-US" dirty="0"/>
+          </a:p>
+        </p:txBody>
+      </p:sp>
+      <p:sp>
+        <p:nvSpPr>
+          <p:cNvPr id="6" name="Footer Placeholder 5"/>
+          <p:cNvSpPr>
+            <a:spLocks noGrp="1"/>
+          </p:cNvSpPr>
+          <p:nvPr>
+            <p:ph type="ftr" sz="quarter" idx="11"/>
+          </p:nvPr>
+        </p:nvSpPr>
+        <p:spPr/>
+        <p:txBody>
+          <a:bodyPr/>
+          <a:lstStyle/>
+          <a:p>
+            <a:endParaRPr lang="en-US" dirty="0"/>
+          </a:p>
+        </p:txBody>
+      </p:sp>
+      <p:sp>
+        <p:nvSpPr>
+          <p:cNvPr id="7" name="Slide Number Placeholder 6"/>
+          <p:cNvSpPr>
+            <a:spLocks noGrp="1"/>
+          </p:cNvSpPr>
+          <p:nvPr>
+            <p:ph type="sldNum" sz="quarter" idx="12"/>
+          </p:nvPr>
+        </p:nvSpPr>
+        <p:spPr/>
+        <p:txBody>
+          <a:bodyPr/>
+          <a:lstStyle/>
+          <a:p>
+            <a:fld id="{273BAE12-D270-459D-897B-6833652BB167}" type="slidenum">
+              <a:rPr lang="en-US" smtClean="0"/>
+              <a:pPr/>
+              <a:t>‹#›</a:t>
+            </a:fld>
+            <a:endParaRPr lang="en-US" dirty="0"/>
+          </a:p>
+        </p:txBody>
+      </p:sp>
+    </p:spTree>
+    <p:extLst>
+      <p:ext uri="{BB962C8B-B14F-4D97-AF65-F5344CB8AC3E}">
+        <p14:creationId xmlns:p14="http://schemas.microsoft.com/office/powerpoint/2010/main" val="4131871066"/>
+      </p:ext>
+    </p:extLst>
+  </p:cSld>
+  <p:clrMapOvr>
+    <a:masterClrMapping/>
+  </p:clrMapOvr>
+  <p:hf sldNum="0" hdr="0" ftr="0" dt="0"/>
+</p:sldLayout>
+</file>
+
+<file path=ppt/slideLayouts/slideLayout14.xml><?xml version="1.0" encoding="utf-8"?>
+<p:sldLayout xmlns:a="http://schemas.openxmlformats.org/drawingml/2006/main" xmlns:r="http://schemas.openxmlformats.org/officeDocument/2006/relationships" xmlns:p="http://schemas.openxmlformats.org/presentationml/2006/main" preserve="1">
+  <p:cSld name="3 Column">
+    <p:spTree>
+      <p:nvGrpSpPr>
+        <p:cNvPr id="1" name=""/>
+        <p:cNvGrpSpPr/>
+        <p:nvPr/>
+      </p:nvGrpSpPr>
+      <p:grpSpPr>
+        <a:xfrm>
+          <a:off x="0" y="0"/>
+          <a:ext cx="0" cy="0"/>
+          <a:chOff x="0" y="0"/>
+          <a:chExt cx="0" cy="0"/>
+        </a:xfrm>
+      </p:grpSpPr>
+      <p:sp>
+        <p:nvSpPr>
+          <p:cNvPr id="15" name="Title 1"/>
+          <p:cNvSpPr>
+            <a:spLocks noGrp="1"/>
+          </p:cNvSpPr>
+          <p:nvPr>
+            <p:ph type="title"/>
+          </p:nvPr>
+        </p:nvSpPr>
+        <p:spPr>
+          <a:xfrm>
+            <a:off x="913794" y="609600"/>
+            <a:ext cx="10353762" cy="1325563"/>
+          </a:xfrm>
+        </p:spPr>
+        <p:txBody>
+          <a:bodyPr/>
+          <a:lstStyle/>
+          <a:p>
+            <a:r>
+              <a:rPr lang="en-US"/>
+              <a:t>Click to edit Master title style</a:t>
+            </a:r>
+            <a:endParaRPr lang="en-US" dirty="0"/>
+          </a:p>
+        </p:txBody>
+      </p:sp>
+      <p:sp>
+        <p:nvSpPr>
+          <p:cNvPr id="7" name="Text Placeholder 2"/>
+          <p:cNvSpPr>
+            <a:spLocks noGrp="1"/>
+          </p:cNvSpPr>
+          <p:nvPr>
+            <p:ph type="body" idx="1"/>
+          </p:nvPr>
+        </p:nvSpPr>
+        <p:spPr>
+          <a:xfrm>
+            <a:off x="913794" y="2088319"/>
+            <a:ext cx="3298956" cy="823305"/>
+          </a:xfrm>
+        </p:spPr>
+        <p:txBody>
+          <a:bodyPr anchor="b">
+            <a:noAutofit/>
+          </a:bodyPr>
+          <a:lstStyle>
+            <a:lvl1pPr marL="0" indent="0" algn="ctr">
+              <a:lnSpc>
+                <a:spcPct val="100000"/>
+              </a:lnSpc>
+              <a:buNone/>
+              <a:defRPr sz="2400" b="0">
+                <a:solidFill>
+                  <a:schemeClr val="tx1"/>
+                </a:solidFill>
+              </a:defRPr>
+            </a:lvl1pPr>
+            <a:lvl2pPr marL="457200" indent="0">
+              <a:buNone/>
+              <a:defRPr sz="2000" b="1"/>
+            </a:lvl2pPr>
+            <a:lvl3pPr marL="914400" indent="0">
+              <a:buNone/>
+              <a:defRPr sz="1800" b="1"/>
+            </a:lvl3pPr>
+            <a:lvl4pPr marL="1371600" indent="0">
+              <a:buNone/>
+              <a:defRPr sz="1600" b="1"/>
+            </a:lvl4pPr>
+            <a:lvl5pPr marL="1828800" indent="0">
+              <a:buNone/>
+              <a:defRPr sz="1600" b="1"/>
+            </a:lvl5pPr>
+            <a:lvl6pPr marL="2286000" indent="0">
+              <a:buNone/>
+              <a:defRPr sz="1600" b="1"/>
+            </a:lvl6pPr>
+            <a:lvl7pPr marL="2743200" indent="0">
+              <a:buNone/>
+              <a:defRPr sz="1600" b="1"/>
+            </a:lvl7pPr>
+            <a:lvl8pPr marL="3200400" indent="0">
+              <a:buNone/>
+              <a:defRPr sz="1600" b="1"/>
+            </a:lvl8pPr>
+            <a:lvl9pPr marL="3657600" indent="0">
+              <a:buNone/>
+              <a:defRPr sz="1600" b="1"/>
+            </a:lvl9pPr>
+          </a:lstStyle>
+          <a:p>
+            <a:pPr lvl="0"/>
+            <a:r>
+              <a:rPr lang="en-US"/>
+              <a:t>Click to edit Master text styles</a:t>
+            </a:r>
+          </a:p>
+        </p:txBody>
+      </p:sp>
+      <p:sp>
+        <p:nvSpPr>
+          <p:cNvPr id="8" name="Text Placeholder 3"/>
+          <p:cNvSpPr>
+            <a:spLocks noGrp="1"/>
+          </p:cNvSpPr>
+          <p:nvPr>
+            <p:ph type="body" sz="half" idx="15"/>
+          </p:nvPr>
+        </p:nvSpPr>
+        <p:spPr>
+          <a:xfrm>
+            <a:off x="913794" y="2911624"/>
+            <a:ext cx="3298956" cy="2879576"/>
+          </a:xfrm>
+        </p:spPr>
+        <p:txBody>
+          <a:bodyPr anchor="t">
+            <a:normAutofit/>
+          </a:bodyPr>
+          <a:lstStyle>
+            <a:lvl1pPr marL="0" indent="0" algn="ctr">
+              <a:buNone/>
+              <a:defRPr sz="1400"/>
+            </a:lvl1pPr>
+            <a:lvl2pPr marL="457200" indent="0">
+              <a:buNone/>
+              <a:defRPr sz="1200"/>
+            </a:lvl2pPr>
+            <a:lvl3pPr marL="914400" indent="0">
+              <a:buNone/>
+              <a:defRPr sz="1000"/>
+            </a:lvl3pPr>
+            <a:lvl4pPr marL="1371600" indent="0">
+              <a:buNone/>
+              <a:defRPr sz="900"/>
+            </a:lvl4pPr>
+            <a:lvl5pPr marL="1828800" indent="0">
+              <a:buNone/>
+              <a:defRPr sz="900"/>
+            </a:lvl5pPr>
+            <a:lvl6pPr marL="2286000" indent="0">
+              <a:buNone/>
+              <a:defRPr sz="900"/>
+            </a:lvl6pPr>
+            <a:lvl7pPr marL="2743200" indent="0">
+              <a:buNone/>
+              <a:defRPr sz="900"/>
+            </a:lvl7pPr>
+            <a:lvl8pPr marL="3200400" indent="0">
+              <a:buNone/>
+              <a:defRPr sz="900"/>
+            </a:lvl8pPr>
+            <a:lvl9pPr marL="3657600" indent="0">
+              <a:buNone/>
+              <a:defRPr sz="900"/>
+            </a:lvl9pPr>
+          </a:lstStyle>
+          <a:p>
+            <a:pPr lvl="0"/>
+            <a:r>
+              <a:rPr lang="en-US"/>
+              <a:t>Click to edit Master text styles</a:t>
+            </a:r>
+          </a:p>
+        </p:txBody>
+      </p:sp>
+      <p:sp>
+        <p:nvSpPr>
+          <p:cNvPr id="9" name="Text Placeholder 4"/>
+          <p:cNvSpPr>
+            <a:spLocks noGrp="1"/>
+          </p:cNvSpPr>
+          <p:nvPr>
+            <p:ph type="body" sz="quarter" idx="3"/>
+          </p:nvPr>
+        </p:nvSpPr>
+        <p:spPr>
+          <a:xfrm>
+            <a:off x="4444878" y="2088320"/>
+            <a:ext cx="3298558" cy="823304"/>
+          </a:xfrm>
+        </p:spPr>
+        <p:txBody>
+          <a:bodyPr anchor="b">
+            <a:noAutofit/>
+          </a:bodyPr>
+          <a:lstStyle>
+            <a:lvl1pPr marL="0" indent="0" algn="ctr">
+              <a:lnSpc>
+                <a:spcPct val="100000"/>
+              </a:lnSpc>
+              <a:buNone/>
+              <a:defRPr sz="2400" b="0">
+                <a:solidFill>
+                  <a:schemeClr val="tx1"/>
+                </a:solidFill>
+              </a:defRPr>
+            </a:lvl1pPr>
+            <a:lvl2pPr marL="457200" indent="0">
+              <a:buNone/>
+              <a:defRPr sz="2000" b="1"/>
+            </a:lvl2pPr>
+            <a:lvl3pPr marL="914400" indent="0">
+              <a:buNone/>
+              <a:defRPr sz="1800" b="1"/>
+            </a:lvl3pPr>
+            <a:lvl4pPr marL="1371600" indent="0">
+              <a:buNone/>
+              <a:defRPr sz="1600" b="1"/>
+            </a:lvl4pPr>
+            <a:lvl5pPr marL="1828800" indent="0">
+              <a:buNone/>
+              <a:defRPr sz="1600" b="1"/>
+            </a:lvl5pPr>
+            <a:lvl6pPr marL="2286000" indent="0">
+              <a:buNone/>
+              <a:defRPr sz="1600" b="1"/>
+            </a:lvl6pPr>
+            <a:lvl7pPr marL="2743200" indent="0">
+              <a:buNone/>
+              <a:defRPr sz="1600" b="1"/>
+            </a:lvl7pPr>
+            <a:lvl8pPr marL="3200400" indent="0">
+              <a:buNone/>
+              <a:defRPr sz="1600" b="1"/>
+            </a:lvl8pPr>
+            <a:lvl9pPr marL="3657600" indent="0">
+              <a:buNone/>
+              <a:defRPr sz="1600" b="1"/>
+            </a:lvl9pPr>
+          </a:lstStyle>
+          <a:p>
+            <a:pPr lvl="0"/>
+            <a:r>
+              <a:rPr lang="en-US"/>
+              <a:t>Click to edit Master text styles</a:t>
+            </a:r>
+          </a:p>
+        </p:txBody>
+      </p:sp>
+      <p:sp>
+        <p:nvSpPr>
+          <p:cNvPr id="10" name="Text Placeholder 3"/>
+          <p:cNvSpPr>
+            <a:spLocks noGrp="1"/>
+          </p:cNvSpPr>
+          <p:nvPr>
+            <p:ph type="body" sz="half" idx="16"/>
+          </p:nvPr>
+        </p:nvSpPr>
+        <p:spPr>
+          <a:xfrm>
+            <a:off x="4444878" y="2911624"/>
+            <a:ext cx="3299821" cy="2879576"/>
+          </a:xfrm>
+        </p:spPr>
+        <p:txBody>
+          <a:bodyPr anchor="t">
+            <a:normAutofit/>
+          </a:bodyPr>
+          <a:lstStyle>
+            <a:lvl1pPr marL="0" indent="0" algn="ctr">
+              <a:buNone/>
+              <a:defRPr sz="1400"/>
+            </a:lvl1pPr>
+            <a:lvl2pPr marL="457200" indent="0">
+              <a:buNone/>
+              <a:defRPr sz="1200"/>
+            </a:lvl2pPr>
+            <a:lvl3pPr marL="914400" indent="0">
+              <a:buNone/>
+              <a:defRPr sz="1000"/>
+            </a:lvl3pPr>
+            <a:lvl4pPr marL="1371600" indent="0">
+              <a:buNone/>
+              <a:defRPr sz="900"/>
+            </a:lvl4pPr>
+            <a:lvl5pPr marL="1828800" indent="0">
+              <a:buNone/>
+              <a:defRPr sz="900"/>
+            </a:lvl5pPr>
+            <a:lvl6pPr marL="2286000" indent="0">
+              <a:buNone/>
+              <a:defRPr sz="900"/>
+            </a:lvl6pPr>
+            <a:lvl7pPr marL="2743200" indent="0">
+              <a:buNone/>
+              <a:defRPr sz="900"/>
+            </a:lvl7pPr>
+            <a:lvl8pPr marL="3200400" indent="0">
+              <a:buNone/>
+              <a:defRPr sz="900"/>
+            </a:lvl8pPr>
+            <a:lvl9pPr marL="3657600" indent="0">
+              <a:buNone/>
+              <a:defRPr sz="900"/>
+            </a:lvl9pPr>
+          </a:lstStyle>
+          <a:p>
+            <a:pPr lvl="0"/>
+            <a:r>
+              <a:rPr lang="en-US"/>
+              <a:t>Click to edit Master text styles</a:t>
+            </a:r>
+          </a:p>
+        </p:txBody>
+      </p:sp>
+      <p:sp>
+        <p:nvSpPr>
+          <p:cNvPr id="11" name="Text Placeholder 4"/>
+          <p:cNvSpPr>
+            <a:spLocks noGrp="1"/>
+          </p:cNvSpPr>
+          <p:nvPr>
+            <p:ph type="body" sz="quarter" idx="13"/>
+          </p:nvPr>
+        </p:nvSpPr>
+        <p:spPr>
+          <a:xfrm>
+            <a:off x="7973298" y="2088320"/>
+            <a:ext cx="3291211" cy="823304"/>
+          </a:xfrm>
+        </p:spPr>
+        <p:txBody>
+          <a:bodyPr anchor="b">
+            <a:noAutofit/>
+          </a:bodyPr>
+          <a:lstStyle>
+            <a:lvl1pPr marL="0" indent="0" algn="ctr">
+              <a:lnSpc>
+                <a:spcPct val="100000"/>
+              </a:lnSpc>
+              <a:buNone/>
+              <a:defRPr sz="2400" b="0">
+                <a:solidFill>
+                  <a:schemeClr val="tx1"/>
+                </a:solidFill>
+              </a:defRPr>
+            </a:lvl1pPr>
+            <a:lvl2pPr marL="457200" indent="0">
+              <a:buNone/>
+              <a:defRPr sz="2000" b="1"/>
+            </a:lvl2pPr>
+            <a:lvl3pPr marL="914400" indent="0">
+              <a:buNone/>
+              <a:defRPr sz="1800" b="1"/>
+            </a:lvl3pPr>
+            <a:lvl4pPr marL="1371600" indent="0">
+              <a:buNone/>
+              <a:defRPr sz="1600" b="1"/>
+            </a:lvl4pPr>
+            <a:lvl5pPr marL="1828800" indent="0">
+              <a:buNone/>
+              <a:defRPr sz="1600" b="1"/>
+            </a:lvl5pPr>
+            <a:lvl6pPr marL="2286000" indent="0">
+              <a:buNone/>
+              <a:defRPr sz="1600" b="1"/>
+            </a:lvl6pPr>
+            <a:lvl7pPr marL="2743200" indent="0">
+              <a:buNone/>
+              <a:defRPr sz="1600" b="1"/>
+            </a:lvl7pPr>
+            <a:lvl8pPr marL="3200400" indent="0">
+              <a:buNone/>
+              <a:defRPr sz="1600" b="1"/>
+            </a:lvl8pPr>
+            <a:lvl9pPr marL="3657600" indent="0">
+              <a:buNone/>
+              <a:defRPr sz="1600" b="1"/>
+            </a:lvl9pPr>
+          </a:lstStyle>
+          <a:p>
+            <a:pPr lvl="0"/>
+            <a:r>
+              <a:rPr lang="en-US"/>
+              <a:t>Click to edit Master text styles</a:t>
+            </a:r>
+          </a:p>
+        </p:txBody>
+      </p:sp>
+      <p:sp>
+        <p:nvSpPr>
+          <p:cNvPr id="12" name="Text Placeholder 3"/>
+          <p:cNvSpPr>
+            <a:spLocks noGrp="1"/>
+          </p:cNvSpPr>
+          <p:nvPr>
+            <p:ph type="body" sz="half" idx="17"/>
+          </p:nvPr>
+        </p:nvSpPr>
+        <p:spPr>
+          <a:xfrm>
+            <a:off x="7976346" y="2911624"/>
+            <a:ext cx="3291211" cy="2879576"/>
+          </a:xfrm>
+        </p:spPr>
+        <p:txBody>
+          <a:bodyPr anchor="t">
+            <a:normAutofit/>
+          </a:bodyPr>
+          <a:lstStyle>
+            <a:lvl1pPr marL="0" indent="0" algn="ctr">
+              <a:buNone/>
+              <a:defRPr sz="1400"/>
+            </a:lvl1pPr>
+            <a:lvl2pPr marL="457200" indent="0">
+              <a:buNone/>
+              <a:defRPr sz="1200"/>
+            </a:lvl2pPr>
+            <a:lvl3pPr marL="914400" indent="0">
+              <a:buNone/>
+              <a:defRPr sz="1000"/>
+            </a:lvl3pPr>
+            <a:lvl4pPr marL="1371600" indent="0">
+              <a:buNone/>
+              <a:defRPr sz="900"/>
+            </a:lvl4pPr>
+            <a:lvl5pPr marL="1828800" indent="0">
+              <a:buNone/>
+              <a:defRPr sz="900"/>
+            </a:lvl5pPr>
+            <a:lvl6pPr marL="2286000" indent="0">
+              <a:buNone/>
+              <a:defRPr sz="900"/>
+            </a:lvl6pPr>
+            <a:lvl7pPr marL="2743200" indent="0">
+              <a:buNone/>
+              <a:defRPr sz="900"/>
+            </a:lvl7pPr>
+            <a:lvl8pPr marL="3200400" indent="0">
+              <a:buNone/>
+              <a:defRPr sz="900"/>
+            </a:lvl8pPr>
+            <a:lvl9pPr marL="3657600" indent="0">
+              <a:buNone/>
+              <a:defRPr sz="900"/>
+            </a:lvl9pPr>
+          </a:lstStyle>
+          <a:p>
+            <a:pPr lvl="0"/>
+            <a:r>
+              <a:rPr lang="en-US"/>
+              <a:t>Click to edit Master text styles</a:t>
+            </a:r>
+          </a:p>
+        </p:txBody>
+      </p:sp>
+      <p:sp>
+        <p:nvSpPr>
+          <p:cNvPr id="3" name="Date Placeholder 2"/>
+          <p:cNvSpPr>
+            <a:spLocks noGrp="1"/>
+          </p:cNvSpPr>
+          <p:nvPr>
+            <p:ph type="dt" sz="half" idx="10"/>
+          </p:nvPr>
+        </p:nvSpPr>
+        <p:spPr/>
+        <p:txBody>
+          <a:bodyPr/>
+          <a:lstStyle/>
+          <a:p>
+            <a:fld id="{C0517C94-3B1E-4991-BED3-41F8B0158A00}" type="datetime1">
+              <a:rPr lang="en-US" smtClean="0"/>
+              <a:t>5/26/2023</a:t>
+            </a:fld>
+            <a:endParaRPr lang="en-US" dirty="0"/>
+          </a:p>
+        </p:txBody>
+      </p:sp>
+      <p:sp>
+        <p:nvSpPr>
+          <p:cNvPr id="4" name="Footer Placeholder 3"/>
+          <p:cNvSpPr>
+            <a:spLocks noGrp="1"/>
+          </p:cNvSpPr>
+          <p:nvPr>
+            <p:ph type="ftr" sz="quarter" idx="11"/>
+          </p:nvPr>
+        </p:nvSpPr>
+        <p:spPr/>
+        <p:txBody>
+          <a:bodyPr/>
+          <a:lstStyle/>
+          <a:p>
+            <a:endParaRPr lang="en-US" dirty="0"/>
+          </a:p>
+        </p:txBody>
+      </p:sp>
+      <p:sp>
+        <p:nvSpPr>
+          <p:cNvPr id="5" name="Slide Number Placeholder 4"/>
+          <p:cNvSpPr>
+            <a:spLocks noGrp="1"/>
+          </p:cNvSpPr>
+          <p:nvPr>
+            <p:ph type="sldNum" sz="quarter" idx="12"/>
+          </p:nvPr>
+        </p:nvSpPr>
+        <p:spPr/>
+        <p:txBody>
+          <a:bodyPr/>
+          <a:lstStyle/>
+          <a:p>
+            <a:fld id="{273BAE12-D270-459D-897B-6833652BB167}" type="slidenum">
+              <a:rPr lang="en-US" smtClean="0"/>
+              <a:pPr/>
+              <a:t>‹#›</a:t>
+            </a:fld>
+            <a:endParaRPr lang="en-US" dirty="0"/>
+          </a:p>
+        </p:txBody>
+      </p:sp>
+    </p:spTree>
+    <p:extLst>
+      <p:ext uri="{BB962C8B-B14F-4D97-AF65-F5344CB8AC3E}">
+        <p14:creationId xmlns:p14="http://schemas.microsoft.com/office/powerpoint/2010/main" val="840725468"/>
+      </p:ext>
+    </p:extLst>
+  </p:cSld>
+  <p:clrMapOvr>
+    <a:masterClrMapping/>
+  </p:clrMapOvr>
+  <p:hf sldNum="0" hdr="0" ftr="0" dt="0"/>
+</p:sldLayout>
+</file>
+
+<file path=ppt/slideLayouts/slideLayout15.xml><?xml version="1.0" encoding="utf-8"?>
+<p:sldLayout xmlns:a="http://schemas.openxmlformats.org/drawingml/2006/main" xmlns:r="http://schemas.openxmlformats.org/officeDocument/2006/relationships" xmlns:p="http://schemas.openxmlformats.org/presentationml/2006/main" preserve="1">
+  <p:cSld name="3 Picture Column">
+    <p:spTree>
+      <p:nvGrpSpPr>
+        <p:cNvPr id="1" name=""/>
+        <p:cNvGrpSpPr/>
+        <p:nvPr/>
+      </p:nvGrpSpPr>
+      <p:grpSpPr>
+        <a:xfrm>
+          <a:off x="0" y="0"/>
+          <a:ext cx="0" cy="0"/>
+          <a:chOff x="0" y="0"/>
+          <a:chExt cx="0" cy="0"/>
+        </a:xfrm>
+      </p:grpSpPr>
+      <p:sp>
+        <p:nvSpPr>
+          <p:cNvPr id="30" name="Title 1"/>
+          <p:cNvSpPr>
+            <a:spLocks noGrp="1"/>
+          </p:cNvSpPr>
+          <p:nvPr>
+            <p:ph type="title"/>
+          </p:nvPr>
+        </p:nvSpPr>
+        <p:spPr>
+          <a:xfrm>
+            <a:off x="913795" y="609600"/>
+            <a:ext cx="10353762" cy="1325563"/>
+          </a:xfrm>
+        </p:spPr>
+        <p:txBody>
+          <a:bodyPr/>
+          <a:lstStyle/>
+          <a:p>
+            <a:r>
+              <a:rPr lang="en-US"/>
+              <a:t>Click to edit Master title style</a:t>
+            </a:r>
+            <a:endParaRPr lang="en-US" dirty="0"/>
+          </a:p>
+        </p:txBody>
+      </p:sp>
+      <p:sp>
+        <p:nvSpPr>
+          <p:cNvPr id="19" name="Text Placeholder 2"/>
+          <p:cNvSpPr>
+            <a:spLocks noGrp="1"/>
+          </p:cNvSpPr>
+          <p:nvPr>
+            <p:ph type="body" idx="1"/>
+          </p:nvPr>
+        </p:nvSpPr>
+        <p:spPr>
+          <a:xfrm>
+            <a:off x="913795" y="4195899"/>
+            <a:ext cx="3298955" cy="576262"/>
+          </a:xfrm>
+        </p:spPr>
+        <p:txBody>
+          <a:bodyPr anchor="b">
+            <a:noAutofit/>
+          </a:bodyPr>
+          <a:lstStyle>
+            <a:lvl1pPr marL="0" indent="0" algn="ctr">
+              <a:lnSpc>
+                <a:spcPct val="100000"/>
+              </a:lnSpc>
+              <a:buNone/>
+              <a:defRPr sz="2000" b="0">
+                <a:solidFill>
+                  <a:schemeClr val="tx1"/>
+                </a:solidFill>
+              </a:defRPr>
+            </a:lvl1pPr>
+            <a:lvl2pPr marL="457200" indent="0">
+              <a:buNone/>
+              <a:defRPr sz="2000" b="1"/>
+            </a:lvl2pPr>
+            <a:lvl3pPr marL="914400" indent="0">
+              <a:buNone/>
+              <a:defRPr sz="1800" b="1"/>
+            </a:lvl3pPr>
+            <a:lvl4pPr marL="1371600" indent="0">
+              <a:buNone/>
+              <a:defRPr sz="1600" b="1"/>
+            </a:lvl4pPr>
+            <a:lvl5pPr marL="1828800" indent="0">
+              <a:buNone/>
+              <a:defRPr sz="1600" b="1"/>
+            </a:lvl5pPr>
+            <a:lvl6pPr marL="2286000" indent="0">
+              <a:buNone/>
+              <a:defRPr sz="1600" b="1"/>
+            </a:lvl6pPr>
+            <a:lvl7pPr marL="2743200" indent="0">
+              <a:buNone/>
+              <a:defRPr sz="1600" b="1"/>
+            </a:lvl7pPr>
+            <a:lvl8pPr marL="3200400" indent="0">
+              <a:buNone/>
+              <a:defRPr sz="1600" b="1"/>
+            </a:lvl8pPr>
+            <a:lvl9pPr marL="3657600" indent="0">
+              <a:buNone/>
+              <a:defRPr sz="1600" b="1"/>
+            </a:lvl9pPr>
+          </a:lstStyle>
+          <a:p>
+            <a:pPr lvl="0"/>
+            <a:r>
+              <a:rPr lang="en-US"/>
+              <a:t>Click to edit Master text styles</a:t>
+            </a:r>
+          </a:p>
+        </p:txBody>
+      </p:sp>
+      <p:sp>
+        <p:nvSpPr>
+          <p:cNvPr id="20" name="Picture Placeholder 2"/>
+          <p:cNvSpPr>
+            <a:spLocks noGrp="1" noChangeAspect="1"/>
+          </p:cNvSpPr>
+          <p:nvPr>
+            <p:ph type="pic" idx="15"/>
+          </p:nvPr>
+        </p:nvSpPr>
+        <p:spPr>
+          <a:xfrm>
+            <a:off x="1092020" y="2298987"/>
+            <a:ext cx="2940050" cy="1524000"/>
+          </a:xfrm>
+          <a:prstGeom prst="roundRect">
+            <a:avLst>
+              <a:gd name="adj" fmla="val 0"/>
+            </a:avLst>
+          </a:prstGeom>
+          <a:noFill/>
+          <a:ln w="146050" cap="sq">
+            <a:solidFill>
+              <a:srgbClr val="FFFFFF"/>
+            </a:solidFill>
+            <a:miter lim="800000"/>
+          </a:ln>
+          <a:effectLst>
+            <a:outerShdw blurRad="55000" dist="18000" dir="5400000" algn="tl" rotWithShape="0">
+              <a:srgbClr val="000000">
+                <a:alpha val="40000"/>
+              </a:srgbClr>
+            </a:outerShdw>
+          </a:effectLst>
+          <a:scene3d>
+            <a:camera prst="orthographicFront"/>
+            <a:lightRig rig="twoPt" dir="t">
+              <a:rot lat="0" lon="0" rev="7200000"/>
+            </a:lightRig>
+          </a:scene3d>
+          <a:sp3d>
+            <a:bevelT w="25400" h="19050"/>
+            <a:contourClr>
+              <a:srgbClr val="FFFFFF"/>
+            </a:contourClr>
+          </a:sp3d>
+        </p:spPr>
+        <p:txBody>
+          <a:bodyPr anchor="t">
+            <a:normAutofit/>
+          </a:bodyPr>
+          <a:lstStyle>
+            <a:lvl1pPr marL="0" indent="0" algn="ctr">
+              <a:buNone/>
+              <a:defRPr sz="1600"/>
+            </a:lvl1pPr>
+            <a:lvl2pPr marL="457200" indent="0">
+              <a:buNone/>
+              <a:defRPr sz="1600"/>
+            </a:lvl2pPr>
+            <a:lvl3pPr marL="914400" indent="0">
+              <a:buNone/>
+              <a:defRPr sz="1600"/>
+            </a:lvl3pPr>
+            <a:lvl4pPr marL="1371600" indent="0">
+              <a:buNone/>
+              <a:defRPr sz="1600"/>
+            </a:lvl4pPr>
+            <a:lvl5pPr marL="1828800" indent="0">
+              <a:buNone/>
+              <a:defRPr sz="1600"/>
+            </a:lvl5pPr>
+            <a:lvl6pPr marL="2286000" indent="0">
+              <a:buNone/>
+              <a:defRPr sz="1600"/>
+            </a:lvl6pPr>
+            <a:lvl7pPr marL="2743200" indent="0">
+              <a:buNone/>
+              <a:defRPr sz="1600"/>
+            </a:lvl7pPr>
+            <a:lvl8pPr marL="3200400" indent="0">
+              <a:buNone/>
+              <a:defRPr sz="1600"/>
+            </a:lvl8pPr>
+            <a:lvl9pPr marL="3657600" indent="0">
+              <a:buNone/>
+              <a:defRPr sz="1600"/>
+            </a:lvl9pPr>
+          </a:lstStyle>
+          <a:p>
+            <a:r>
+              <a:rPr lang="en-US"/>
+              <a:t>Click icon to add picture</a:t>
+            </a:r>
+            <a:endParaRPr lang="en-US" dirty="0"/>
+          </a:p>
+        </p:txBody>
+      </p:sp>
+      <p:sp>
+        <p:nvSpPr>
+          <p:cNvPr id="21" name="Text Placeholder 3"/>
+          <p:cNvSpPr>
+            <a:spLocks noGrp="1"/>
+          </p:cNvSpPr>
+          <p:nvPr>
+            <p:ph type="body" sz="half" idx="18"/>
+          </p:nvPr>
+        </p:nvSpPr>
+        <p:spPr>
+          <a:xfrm>
+            <a:off x="913795" y="4772161"/>
+            <a:ext cx="3298955" cy="1019038"/>
+          </a:xfrm>
+        </p:spPr>
+        <p:txBody>
+          <a:bodyPr anchor="t">
+            <a:normAutofit/>
+          </a:bodyPr>
+          <a:lstStyle>
+            <a:lvl1pPr marL="0" indent="0" algn="ctr">
+              <a:buNone/>
+              <a:defRPr sz="1400"/>
+            </a:lvl1pPr>
+            <a:lvl2pPr marL="457200" indent="0">
+              <a:buNone/>
+              <a:defRPr sz="1200"/>
+            </a:lvl2pPr>
+            <a:lvl3pPr marL="914400" indent="0">
+              <a:buNone/>
+              <a:defRPr sz="1000"/>
+            </a:lvl3pPr>
+            <a:lvl4pPr marL="1371600" indent="0">
+              <a:buNone/>
+              <a:defRPr sz="900"/>
+            </a:lvl4pPr>
+            <a:lvl5pPr marL="1828800" indent="0">
+              <a:buNone/>
+              <a:defRPr sz="900"/>
+            </a:lvl5pPr>
+            <a:lvl6pPr marL="2286000" indent="0">
+              <a:buNone/>
+              <a:defRPr sz="900"/>
+            </a:lvl6pPr>
+            <a:lvl7pPr marL="2743200" indent="0">
+              <a:buNone/>
+              <a:defRPr sz="900"/>
+            </a:lvl7pPr>
+            <a:lvl8pPr marL="3200400" indent="0">
+              <a:buNone/>
+              <a:defRPr sz="900"/>
+            </a:lvl8pPr>
+            <a:lvl9pPr marL="3657600" indent="0">
+              <a:buNone/>
+              <a:defRPr sz="900"/>
+            </a:lvl9pPr>
+          </a:lstStyle>
+          <a:p>
+            <a:pPr lvl="0"/>
+            <a:r>
+              <a:rPr lang="en-US"/>
+              <a:t>Click to edit Master text styles</a:t>
+            </a:r>
+          </a:p>
+        </p:txBody>
+      </p:sp>
+      <p:sp>
+        <p:nvSpPr>
+          <p:cNvPr id="22" name="Text Placeholder 4"/>
+          <p:cNvSpPr>
+            <a:spLocks noGrp="1"/>
+          </p:cNvSpPr>
+          <p:nvPr>
+            <p:ph type="body" sz="quarter" idx="3"/>
+          </p:nvPr>
+        </p:nvSpPr>
+        <p:spPr>
+          <a:xfrm>
+            <a:off x="4442701" y="4195899"/>
+            <a:ext cx="3298983" cy="576262"/>
+          </a:xfrm>
+        </p:spPr>
+        <p:txBody>
+          <a:bodyPr anchor="b">
+            <a:noAutofit/>
+          </a:bodyPr>
+          <a:lstStyle>
+            <a:lvl1pPr marL="0" indent="0" algn="ctr">
+              <a:lnSpc>
+                <a:spcPct val="100000"/>
+              </a:lnSpc>
+              <a:buNone/>
+              <a:defRPr sz="2000" b="0">
+                <a:solidFill>
+                  <a:schemeClr val="tx1"/>
+                </a:solidFill>
+              </a:defRPr>
+            </a:lvl1pPr>
+            <a:lvl2pPr marL="457200" indent="0">
+              <a:buNone/>
+              <a:defRPr sz="2000" b="1"/>
+            </a:lvl2pPr>
+            <a:lvl3pPr marL="914400" indent="0">
+              <a:buNone/>
+              <a:defRPr sz="1800" b="1"/>
+            </a:lvl3pPr>
+            <a:lvl4pPr marL="1371600" indent="0">
+              <a:buNone/>
+              <a:defRPr sz="1600" b="1"/>
+            </a:lvl4pPr>
+            <a:lvl5pPr marL="1828800" indent="0">
+              <a:buNone/>
+              <a:defRPr sz="1600" b="1"/>
+            </a:lvl5pPr>
+            <a:lvl6pPr marL="2286000" indent="0">
+              <a:buNone/>
+              <a:defRPr sz="1600" b="1"/>
+            </a:lvl6pPr>
+            <a:lvl7pPr marL="2743200" indent="0">
+              <a:buNone/>
+              <a:defRPr sz="1600" b="1"/>
+            </a:lvl7pPr>
+            <a:lvl8pPr marL="3200400" indent="0">
+              <a:buNone/>
+              <a:defRPr sz="1600" b="1"/>
+            </a:lvl8pPr>
+            <a:lvl9pPr marL="3657600" indent="0">
+              <a:buNone/>
+              <a:defRPr sz="1600" b="1"/>
+            </a:lvl9pPr>
+          </a:lstStyle>
+          <a:p>
+            <a:pPr lvl="0"/>
+            <a:r>
+              <a:rPr lang="en-US"/>
+              <a:t>Click to edit Master text styles</a:t>
+            </a:r>
+          </a:p>
+        </p:txBody>
+      </p:sp>
+      <p:sp>
+        <p:nvSpPr>
+          <p:cNvPr id="23" name="Picture Placeholder 2"/>
+          <p:cNvSpPr>
+            <a:spLocks noGrp="1" noChangeAspect="1"/>
+          </p:cNvSpPr>
+          <p:nvPr>
+            <p:ph type="pic" idx="21"/>
+          </p:nvPr>
+        </p:nvSpPr>
+        <p:spPr>
+          <a:xfrm>
+            <a:off x="4568996" y="2298987"/>
+            <a:ext cx="2930525" cy="1524000"/>
+          </a:xfrm>
+          <a:prstGeom prst="roundRect">
+            <a:avLst>
+              <a:gd name="adj" fmla="val 0"/>
+            </a:avLst>
+          </a:prstGeom>
+          <a:noFill/>
+          <a:ln w="146050" cap="sq">
+            <a:solidFill>
+              <a:srgbClr val="FFFFFF"/>
+            </a:solidFill>
+            <a:miter lim="800000"/>
+          </a:ln>
+          <a:effectLst>
+            <a:outerShdw blurRad="55000" dist="18000" dir="5400000" algn="tl" rotWithShape="0">
+              <a:srgbClr val="000000">
+                <a:alpha val="40000"/>
+              </a:srgbClr>
+            </a:outerShdw>
+          </a:effectLst>
+          <a:scene3d>
+            <a:camera prst="orthographicFront"/>
+            <a:lightRig rig="twoPt" dir="t">
+              <a:rot lat="0" lon="0" rev="7200000"/>
+            </a:lightRig>
+          </a:scene3d>
+          <a:sp3d>
+            <a:bevelT w="25400" h="19050"/>
+            <a:contourClr>
+              <a:srgbClr val="FFFFFF"/>
+            </a:contourClr>
+          </a:sp3d>
+        </p:spPr>
+        <p:txBody>
+          <a:bodyPr anchor="t">
+            <a:normAutofit/>
+          </a:bodyPr>
+          <a:lstStyle>
+            <a:lvl1pPr marL="0" indent="0" algn="ctr">
+              <a:buNone/>
+              <a:defRPr sz="1600"/>
+            </a:lvl1pPr>
+            <a:lvl2pPr marL="457200" indent="0">
+              <a:buNone/>
+              <a:defRPr sz="1600"/>
+            </a:lvl2pPr>
+            <a:lvl3pPr marL="914400" indent="0">
+              <a:buNone/>
+              <a:defRPr sz="1600"/>
+            </a:lvl3pPr>
+            <a:lvl4pPr marL="1371600" indent="0">
+              <a:buNone/>
+              <a:defRPr sz="1600"/>
+            </a:lvl4pPr>
+            <a:lvl5pPr marL="1828800" indent="0">
+              <a:buNone/>
+              <a:defRPr sz="1600"/>
+            </a:lvl5pPr>
+            <a:lvl6pPr marL="2286000" indent="0">
+              <a:buNone/>
+              <a:defRPr sz="1600"/>
+            </a:lvl6pPr>
+            <a:lvl7pPr marL="2743200" indent="0">
+              <a:buNone/>
+              <a:defRPr sz="1600"/>
+            </a:lvl7pPr>
+            <a:lvl8pPr marL="3200400" indent="0">
+              <a:buNone/>
+              <a:defRPr sz="1600"/>
+            </a:lvl8pPr>
+            <a:lvl9pPr marL="3657600" indent="0">
+              <a:buNone/>
+              <a:defRPr sz="1600"/>
+            </a:lvl9pPr>
+          </a:lstStyle>
+          <a:p>
+            <a:r>
+              <a:rPr lang="en-US"/>
+              <a:t>Click icon to add picture</a:t>
+            </a:r>
+            <a:endParaRPr lang="en-US" dirty="0"/>
+          </a:p>
+        </p:txBody>
+      </p:sp>
+      <p:sp>
+        <p:nvSpPr>
+          <p:cNvPr id="24" name="Text Placeholder 3"/>
+          <p:cNvSpPr>
+            <a:spLocks noGrp="1"/>
+          </p:cNvSpPr>
+          <p:nvPr>
+            <p:ph type="body" sz="half" idx="19"/>
+          </p:nvPr>
+        </p:nvSpPr>
+        <p:spPr>
+          <a:xfrm>
+            <a:off x="4441348" y="4772160"/>
+            <a:ext cx="3300336" cy="1019038"/>
+          </a:xfrm>
+        </p:spPr>
+        <p:txBody>
+          <a:bodyPr anchor="t">
+            <a:normAutofit/>
+          </a:bodyPr>
+          <a:lstStyle>
+            <a:lvl1pPr marL="0" indent="0" algn="ctr">
+              <a:buNone/>
+              <a:defRPr sz="1400"/>
+            </a:lvl1pPr>
+            <a:lvl2pPr marL="457200" indent="0">
+              <a:buNone/>
+              <a:defRPr sz="1200"/>
+            </a:lvl2pPr>
+            <a:lvl3pPr marL="914400" indent="0">
+              <a:buNone/>
+              <a:defRPr sz="1000"/>
+            </a:lvl3pPr>
+            <a:lvl4pPr marL="1371600" indent="0">
+              <a:buNone/>
+              <a:defRPr sz="900"/>
+            </a:lvl4pPr>
+            <a:lvl5pPr marL="1828800" indent="0">
+              <a:buNone/>
+              <a:defRPr sz="900"/>
+            </a:lvl5pPr>
+            <a:lvl6pPr marL="2286000" indent="0">
+              <a:buNone/>
+              <a:defRPr sz="900"/>
+            </a:lvl6pPr>
+            <a:lvl7pPr marL="2743200" indent="0">
+              <a:buNone/>
+              <a:defRPr sz="900"/>
+            </a:lvl7pPr>
+            <a:lvl8pPr marL="3200400" indent="0">
+              <a:buNone/>
+              <a:defRPr sz="900"/>
+            </a:lvl8pPr>
+            <a:lvl9pPr marL="3657600" indent="0">
+              <a:buNone/>
+              <a:defRPr sz="900"/>
+            </a:lvl9pPr>
+          </a:lstStyle>
+          <a:p>
+            <a:pPr lvl="0"/>
+            <a:r>
+              <a:rPr lang="en-US"/>
+              <a:t>Click to edit Master text styles</a:t>
+            </a:r>
+          </a:p>
+        </p:txBody>
+      </p:sp>
+      <p:sp>
+        <p:nvSpPr>
+          <p:cNvPr id="25" name="Text Placeholder 4"/>
+          <p:cNvSpPr>
+            <a:spLocks noGrp="1"/>
+          </p:cNvSpPr>
+          <p:nvPr>
+            <p:ph type="body" sz="quarter" idx="13"/>
+          </p:nvPr>
+        </p:nvSpPr>
+        <p:spPr>
+          <a:xfrm>
+            <a:off x="7973423" y="4195899"/>
+            <a:ext cx="3289900" cy="576262"/>
+          </a:xfrm>
+        </p:spPr>
+        <p:txBody>
+          <a:bodyPr anchor="b">
+            <a:noAutofit/>
+          </a:bodyPr>
+          <a:lstStyle>
+            <a:lvl1pPr marL="0" indent="0" algn="ctr">
+              <a:lnSpc>
+                <a:spcPct val="100000"/>
+              </a:lnSpc>
+              <a:buNone/>
+              <a:defRPr sz="2000" b="0">
+                <a:solidFill>
+                  <a:schemeClr val="tx1"/>
+                </a:solidFill>
+              </a:defRPr>
+            </a:lvl1pPr>
+            <a:lvl2pPr marL="457200" indent="0">
+              <a:buNone/>
+              <a:defRPr sz="2000" b="1"/>
+            </a:lvl2pPr>
+            <a:lvl3pPr marL="914400" indent="0">
+              <a:buNone/>
+              <a:defRPr sz="1800" b="1"/>
+            </a:lvl3pPr>
+            <a:lvl4pPr marL="1371600" indent="0">
+              <a:buNone/>
+              <a:defRPr sz="1600" b="1"/>
+            </a:lvl4pPr>
+            <a:lvl5pPr marL="1828800" indent="0">
+              <a:buNone/>
+              <a:defRPr sz="1600" b="1"/>
+            </a:lvl5pPr>
+            <a:lvl6pPr marL="2286000" indent="0">
+              <a:buNone/>
+              <a:defRPr sz="1600" b="1"/>
+            </a:lvl6pPr>
+            <a:lvl7pPr marL="2743200" indent="0">
+              <a:buNone/>
+              <a:defRPr sz="1600" b="1"/>
+            </a:lvl7pPr>
+            <a:lvl8pPr marL="3200400" indent="0">
+              <a:buNone/>
+              <a:defRPr sz="1600" b="1"/>
+            </a:lvl8pPr>
+            <a:lvl9pPr marL="3657600" indent="0">
+              <a:buNone/>
+              <a:defRPr sz="1600" b="1"/>
+            </a:lvl9pPr>
+          </a:lstStyle>
+          <a:p>
+            <a:pPr lvl="0"/>
+            <a:r>
+              <a:rPr lang="en-US"/>
+              <a:t>Click to edit Master text styles</a:t>
+            </a:r>
+          </a:p>
+        </p:txBody>
+      </p:sp>
+      <p:sp>
+        <p:nvSpPr>
+          <p:cNvPr id="26" name="Picture Placeholder 2"/>
+          <p:cNvSpPr>
+            <a:spLocks noGrp="1" noChangeAspect="1"/>
+          </p:cNvSpPr>
+          <p:nvPr>
+            <p:ph type="pic" idx="22"/>
+          </p:nvPr>
+        </p:nvSpPr>
+        <p:spPr>
+          <a:xfrm>
+            <a:off x="8152803" y="2298987"/>
+            <a:ext cx="2932113" cy="1524000"/>
+          </a:xfrm>
+          <a:prstGeom prst="roundRect">
+            <a:avLst>
+              <a:gd name="adj" fmla="val 0"/>
+            </a:avLst>
+          </a:prstGeom>
+          <a:noFill/>
+          <a:ln w="146050" cap="sq">
+            <a:solidFill>
+              <a:srgbClr val="FFFFFF"/>
+            </a:solidFill>
+            <a:miter lim="800000"/>
+          </a:ln>
+          <a:effectLst>
+            <a:outerShdw blurRad="55000" dist="18000" dir="5400000" algn="tl" rotWithShape="0">
+              <a:srgbClr val="000000">
+                <a:alpha val="40000"/>
+              </a:srgbClr>
+            </a:outerShdw>
+          </a:effectLst>
+          <a:scene3d>
+            <a:camera prst="orthographicFront"/>
+            <a:lightRig rig="twoPt" dir="t">
+              <a:rot lat="0" lon="0" rev="7200000"/>
+            </a:lightRig>
+          </a:scene3d>
+          <a:sp3d>
+            <a:bevelT w="25400" h="19050"/>
+            <a:contourClr>
+              <a:srgbClr val="FFFFFF"/>
+            </a:contourClr>
+          </a:sp3d>
+        </p:spPr>
+        <p:txBody>
+          <a:bodyPr anchor="t">
+            <a:normAutofit/>
+          </a:bodyPr>
+          <a:lstStyle>
+            <a:lvl1pPr marL="0" indent="0" algn="ctr">
+              <a:buNone/>
+              <a:defRPr sz="1600"/>
+            </a:lvl1pPr>
+            <a:lvl2pPr marL="457200" indent="0">
+              <a:buNone/>
+              <a:defRPr sz="1600"/>
+            </a:lvl2pPr>
+            <a:lvl3pPr marL="914400" indent="0">
+              <a:buNone/>
+              <a:defRPr sz="1600"/>
+            </a:lvl3pPr>
+            <a:lvl4pPr marL="1371600" indent="0">
+              <a:buNone/>
+              <a:defRPr sz="1600"/>
+            </a:lvl4pPr>
+            <a:lvl5pPr marL="1828800" indent="0">
+              <a:buNone/>
+              <a:defRPr sz="1600"/>
+            </a:lvl5pPr>
+            <a:lvl6pPr marL="2286000" indent="0">
+              <a:buNone/>
+              <a:defRPr sz="1600"/>
+            </a:lvl6pPr>
+            <a:lvl7pPr marL="2743200" indent="0">
+              <a:buNone/>
+              <a:defRPr sz="1600"/>
+            </a:lvl7pPr>
+            <a:lvl8pPr marL="3200400" indent="0">
+              <a:buNone/>
+              <a:defRPr sz="1600"/>
+            </a:lvl8pPr>
+            <a:lvl9pPr marL="3657600" indent="0">
+              <a:buNone/>
+              <a:defRPr sz="1600"/>
+            </a:lvl9pPr>
+          </a:lstStyle>
+          <a:p>
+            <a:r>
+              <a:rPr lang="en-US"/>
+              <a:t>Click icon to add picture</a:t>
+            </a:r>
+            <a:endParaRPr lang="en-US" dirty="0"/>
+          </a:p>
+        </p:txBody>
+      </p:sp>
+      <p:sp>
+        <p:nvSpPr>
+          <p:cNvPr id="27" name="Text Placeholder 3"/>
+          <p:cNvSpPr>
+            <a:spLocks noGrp="1"/>
+          </p:cNvSpPr>
+          <p:nvPr>
+            <p:ph type="body" sz="half" idx="20"/>
+          </p:nvPr>
+        </p:nvSpPr>
+        <p:spPr>
+          <a:xfrm>
+            <a:off x="7973298" y="4772161"/>
+            <a:ext cx="3294258" cy="1019037"/>
+          </a:xfrm>
+        </p:spPr>
+        <p:txBody>
+          <a:bodyPr anchor="t">
+            <a:normAutofit/>
+          </a:bodyPr>
+          <a:lstStyle>
+            <a:lvl1pPr marL="0" indent="0" algn="ctr">
+              <a:buNone/>
+              <a:defRPr sz="1400"/>
+            </a:lvl1pPr>
+            <a:lvl2pPr marL="457200" indent="0">
+              <a:buNone/>
+              <a:defRPr sz="1200"/>
+            </a:lvl2pPr>
+            <a:lvl3pPr marL="914400" indent="0">
+              <a:buNone/>
+              <a:defRPr sz="1000"/>
+            </a:lvl3pPr>
+            <a:lvl4pPr marL="1371600" indent="0">
+              <a:buNone/>
+              <a:defRPr sz="900"/>
+            </a:lvl4pPr>
+            <a:lvl5pPr marL="1828800" indent="0">
+              <a:buNone/>
+              <a:defRPr sz="900"/>
+            </a:lvl5pPr>
+            <a:lvl6pPr marL="2286000" indent="0">
+              <a:buNone/>
+              <a:defRPr sz="900"/>
+            </a:lvl6pPr>
+            <a:lvl7pPr marL="2743200" indent="0">
+              <a:buNone/>
+              <a:defRPr sz="900"/>
+            </a:lvl7pPr>
+            <a:lvl8pPr marL="3200400" indent="0">
+              <a:buNone/>
+              <a:defRPr sz="900"/>
+            </a:lvl8pPr>
+            <a:lvl9pPr marL="3657600" indent="0">
+              <a:buNone/>
+              <a:defRPr sz="900"/>
+            </a:lvl9pPr>
+          </a:lstStyle>
+          <a:p>
+            <a:pPr lvl="0"/>
+            <a:r>
+              <a:rPr lang="en-US"/>
+              <a:t>Click to edit Master text styles</a:t>
+            </a:r>
+          </a:p>
+        </p:txBody>
+      </p:sp>
+      <p:sp>
+        <p:nvSpPr>
+          <p:cNvPr id="3" name="Date Placeholder 2"/>
+          <p:cNvSpPr>
+            <a:spLocks noGrp="1"/>
+          </p:cNvSpPr>
+          <p:nvPr>
+            <p:ph type="dt" sz="half" idx="10"/>
+          </p:nvPr>
+        </p:nvSpPr>
+        <p:spPr/>
+        <p:txBody>
+          <a:bodyPr/>
+          <a:lstStyle/>
+          <a:p>
+            <a:fld id="{C0517C94-3B1E-4991-BED3-41F8B0158A00}" type="datetime1">
+              <a:rPr lang="en-US" smtClean="0"/>
+              <a:t>5/26/2023</a:t>
+            </a:fld>
+            <a:endParaRPr lang="en-US" dirty="0"/>
+          </a:p>
+        </p:txBody>
+      </p:sp>
+      <p:sp>
+        <p:nvSpPr>
+          <p:cNvPr id="4" name="Footer Placeholder 3"/>
+          <p:cNvSpPr>
+            <a:spLocks noGrp="1"/>
+          </p:cNvSpPr>
+          <p:nvPr>
+            <p:ph type="ftr" sz="quarter" idx="11"/>
+          </p:nvPr>
+        </p:nvSpPr>
+        <p:spPr/>
+        <p:txBody>
+          <a:bodyPr/>
+          <a:lstStyle/>
+          <a:p>
+            <a:endParaRPr lang="en-US" dirty="0"/>
+          </a:p>
+        </p:txBody>
+      </p:sp>
+      <p:sp>
+        <p:nvSpPr>
+          <p:cNvPr id="5" name="Slide Number Placeholder 4"/>
+          <p:cNvSpPr>
+            <a:spLocks noGrp="1"/>
+          </p:cNvSpPr>
+          <p:nvPr>
+            <p:ph type="sldNum" sz="quarter" idx="12"/>
+          </p:nvPr>
+        </p:nvSpPr>
+        <p:spPr/>
+        <p:txBody>
+          <a:bodyPr/>
+          <a:lstStyle/>
+          <a:p>
+            <a:fld id="{273BAE12-D270-459D-897B-6833652BB167}" type="slidenum">
+              <a:rPr lang="en-US" smtClean="0"/>
+              <a:pPr/>
+              <a:t>‹#›</a:t>
+            </a:fld>
+            <a:endParaRPr lang="en-US" dirty="0"/>
+          </a:p>
+        </p:txBody>
+      </p:sp>
+    </p:spTree>
+    <p:extLst>
+      <p:ext uri="{BB962C8B-B14F-4D97-AF65-F5344CB8AC3E}">
+        <p14:creationId xmlns:p14="http://schemas.microsoft.com/office/powerpoint/2010/main" val="1100975250"/>
+      </p:ext>
+    </p:extLst>
+  </p:cSld>
+  <p:clrMapOvr>
+    <a:masterClrMapping/>
+  </p:clrMapOvr>
+  <p:hf sldNum="0" hdr="0" ftr="0" dt="0"/>
+</p:sldLayout>
+</file>
+
+<file path=ppt/slideLayouts/slideLayout16.xml><?xml version="1.0" encoding="utf-8"?>
 <p:sldLayout xmlns:a="http://schemas.openxmlformats.org/drawingml/2006/main" xmlns:r="http://schemas.openxmlformats.org/officeDocument/2006/relationships" xmlns:p="http://schemas.openxmlformats.org/presentationml/2006/main" type="vertTx" preserve="1">
   <p:cSld name="Title and Vertical Text">
     <p:spTree>
@@ -371,13 +2889,7 @@
       </p:grpSpPr>
       <p:sp>
         <p:nvSpPr>
-          <p:cNvPr id="2" name="Title 1">
-            <a:extLst>
-              <a:ext uri="{FF2B5EF4-FFF2-40B4-BE49-F238E27FC236}">
-                <a16:creationId xmlns:a16="http://schemas.microsoft.com/office/drawing/2014/main" id="{E929F2C5-A3FC-44EF-BA15-CEC83C83D67C}"/>
-              </a:ext>
-            </a:extLst>
-          </p:cNvPr>
+          <p:cNvPr id="2" name="Title 1"/>
           <p:cNvSpPr>
             <a:spLocks noGrp="1"/>
           </p:cNvSpPr>
@@ -400,13 +2912,7 @@
       </p:sp>
       <p:sp>
         <p:nvSpPr>
-          <p:cNvPr id="3" name="Vertical Text Placeholder 2">
-            <a:extLst>
-              <a:ext uri="{FF2B5EF4-FFF2-40B4-BE49-F238E27FC236}">
-                <a16:creationId xmlns:a16="http://schemas.microsoft.com/office/drawing/2014/main" id="{D45040D3-67DB-455C-AD79-49E185DB63C7}"/>
-              </a:ext>
-            </a:extLst>
-          </p:cNvPr>
+          <p:cNvPr id="3" name="Vertical Text Placeholder 2"/>
           <p:cNvSpPr>
             <a:spLocks noGrp="1"/>
           </p:cNvSpPr>
@@ -458,13 +2964,7 @@
       </p:sp>
       <p:sp>
         <p:nvSpPr>
-          <p:cNvPr id="4" name="Date Placeholder 3">
-            <a:extLst>
-              <a:ext uri="{FF2B5EF4-FFF2-40B4-BE49-F238E27FC236}">
-                <a16:creationId xmlns:a16="http://schemas.microsoft.com/office/drawing/2014/main" id="{D0B2B07A-258E-42DD-9A68-2C76F7D54040}"/>
-              </a:ext>
-            </a:extLst>
-          </p:cNvPr>
+          <p:cNvPr id="4" name="Date Placeholder 3"/>
           <p:cNvSpPr>
             <a:spLocks noGrp="1"/>
           </p:cNvSpPr>
@@ -479,7 +2979,7 @@
           <a:p>
             <a:fld id="{F7701D81-C4B9-4A87-89A7-22E29E6C9200}" type="datetime1">
               <a:rPr lang="en-US" smtClean="0"/>
-              <a:t>5/20/2023</a:t>
+              <a:t>5/26/2023</a:t>
             </a:fld>
             <a:endParaRPr lang="en-US"/>
           </a:p>
@@ -487,13 +2987,7 @@
       </p:sp>
       <p:sp>
         <p:nvSpPr>
-          <p:cNvPr id="5" name="Footer Placeholder 4">
-            <a:extLst>
-              <a:ext uri="{FF2B5EF4-FFF2-40B4-BE49-F238E27FC236}">
-                <a16:creationId xmlns:a16="http://schemas.microsoft.com/office/drawing/2014/main" id="{7C01E9BC-3BB8-40CD-9294-59A2E59E1BE6}"/>
-              </a:ext>
-            </a:extLst>
-          </p:cNvPr>
+          <p:cNvPr id="5" name="Footer Placeholder 4"/>
           <p:cNvSpPr>
             <a:spLocks noGrp="1"/>
           </p:cNvSpPr>
@@ -512,13 +3006,7 @@
       </p:sp>
       <p:sp>
         <p:nvSpPr>
-          <p:cNvPr id="6" name="Slide Number Placeholder 5">
-            <a:extLst>
-              <a:ext uri="{FF2B5EF4-FFF2-40B4-BE49-F238E27FC236}">
-                <a16:creationId xmlns:a16="http://schemas.microsoft.com/office/drawing/2014/main" id="{5413979D-5589-4770-9D29-046F2B506C33}"/>
-              </a:ext>
-            </a:extLst>
-          </p:cNvPr>
+          <p:cNvPr id="6" name="Slide Number Placeholder 5"/>
           <p:cNvSpPr>
             <a:spLocks noGrp="1"/>
           </p:cNvSpPr>
@@ -542,7 +3030,7 @@
     </p:spTree>
     <p:extLst>
       <p:ext uri="{BB962C8B-B14F-4D97-AF65-F5344CB8AC3E}">
-        <p14:creationId xmlns:p14="http://schemas.microsoft.com/office/powerpoint/2010/main" val="3264540423"/>
+        <p14:creationId xmlns:p14="http://schemas.microsoft.com/office/powerpoint/2010/main" val="911580638"/>
       </p:ext>
     </p:extLst>
   </p:cSld>
@@ -552,7 +3040,7 @@
 </p:sldLayout>
 </file>
 
-<file path=ppt/slideLayouts/slideLayout11.xml><?xml version="1.0" encoding="utf-8"?>
+<file path=ppt/slideLayouts/slideLayout17.xml><?xml version="1.0" encoding="utf-8"?>
 <p:sldLayout xmlns:a="http://schemas.openxmlformats.org/drawingml/2006/main" xmlns:r="http://schemas.openxmlformats.org/officeDocument/2006/relationships" xmlns:p="http://schemas.openxmlformats.org/presentationml/2006/main" type="vertTitleAndTx" preserve="1">
   <p:cSld name="Vertical Title and Text">
     <p:spTree>
@@ -571,13 +3059,7 @@
       </p:grpSpPr>
       <p:sp>
         <p:nvSpPr>
-          <p:cNvPr id="2" name="Vertical Title 1">
-            <a:extLst>
-              <a:ext uri="{FF2B5EF4-FFF2-40B4-BE49-F238E27FC236}">
-                <a16:creationId xmlns:a16="http://schemas.microsoft.com/office/drawing/2014/main" id="{DC6693CD-CB65-4F37-A6DA-F300B93C14D9}"/>
-              </a:ext>
-            </a:extLst>
-          </p:cNvPr>
+          <p:cNvPr id="2" name="Vertical Title 1"/>
           <p:cNvSpPr>
             <a:spLocks noGrp="1"/>
           </p:cNvSpPr>
@@ -587,13 +3069,17 @@
         </p:nvSpPr>
         <p:spPr>
           <a:xfrm>
-            <a:off x="8724900" y="731520"/>
-            <a:ext cx="2628900" cy="5378070"/>
+            <a:off x="8724900" y="609599"/>
+            <a:ext cx="2542657" cy="5181601"/>
           </a:xfrm>
         </p:spPr>
         <p:txBody>
           <a:bodyPr vert="eaVert"/>
-          <a:lstStyle/>
+          <a:lstStyle>
+            <a:lvl1pPr algn="l">
+              <a:defRPr/>
+            </a:lvl1pPr>
+          </a:lstStyle>
           <a:p>
             <a:r>
               <a:rPr lang="en-US"/>
@@ -605,13 +3091,7 @@
       </p:sp>
       <p:sp>
         <p:nvSpPr>
-          <p:cNvPr id="3" name="Vertical Text Placeholder 2">
-            <a:extLst>
-              <a:ext uri="{FF2B5EF4-FFF2-40B4-BE49-F238E27FC236}">
-                <a16:creationId xmlns:a16="http://schemas.microsoft.com/office/drawing/2014/main" id="{7448D117-7AE6-4831-9867-5145F64A0C24}"/>
-              </a:ext>
-            </a:extLst>
-          </p:cNvPr>
+          <p:cNvPr id="3" name="Vertical Text Placeholder 2"/>
           <p:cNvSpPr>
             <a:spLocks noGrp="1"/>
           </p:cNvSpPr>
@@ -621,8 +3101,8 @@
         </p:nvSpPr>
         <p:spPr>
           <a:xfrm>
-            <a:off x="838200" y="731520"/>
-            <a:ext cx="7734300" cy="5378070"/>
+            <a:off x="913794" y="609599"/>
+            <a:ext cx="7658705" cy="5181601"/>
           </a:xfrm>
         </p:spPr>
         <p:txBody>
@@ -668,13 +3148,7 @@
       </p:sp>
       <p:sp>
         <p:nvSpPr>
-          <p:cNvPr id="4" name="Date Placeholder 3">
-            <a:extLst>
-              <a:ext uri="{FF2B5EF4-FFF2-40B4-BE49-F238E27FC236}">
-                <a16:creationId xmlns:a16="http://schemas.microsoft.com/office/drawing/2014/main" id="{E4988CF8-397F-485E-8081-AFA4DADD440C}"/>
-              </a:ext>
-            </a:extLst>
-          </p:cNvPr>
+          <p:cNvPr id="4" name="Date Placeholder 3"/>
           <p:cNvSpPr>
             <a:spLocks noGrp="1"/>
           </p:cNvSpPr>
@@ -689,7 +3163,7 @@
           <a:p>
             <a:fld id="{EE307718-69F7-427E-95A3-C1246AF46913}" type="datetime1">
               <a:rPr lang="en-US" smtClean="0"/>
-              <a:t>5/20/2023</a:t>
+              <a:t>5/26/2023</a:t>
             </a:fld>
             <a:endParaRPr lang="en-US"/>
           </a:p>
@@ -697,13 +3171,7 @@
       </p:sp>
       <p:sp>
         <p:nvSpPr>
-          <p:cNvPr id="5" name="Footer Placeholder 4">
-            <a:extLst>
-              <a:ext uri="{FF2B5EF4-FFF2-40B4-BE49-F238E27FC236}">
-                <a16:creationId xmlns:a16="http://schemas.microsoft.com/office/drawing/2014/main" id="{83CE4773-4660-4F21-83CF-1A449395BB9D}"/>
-              </a:ext>
-            </a:extLst>
-          </p:cNvPr>
+          <p:cNvPr id="5" name="Footer Placeholder 4"/>
           <p:cNvSpPr>
             <a:spLocks noGrp="1"/>
           </p:cNvSpPr>
@@ -722,13 +3190,7 @@
       </p:sp>
       <p:sp>
         <p:nvSpPr>
-          <p:cNvPr id="6" name="Slide Number Placeholder 5">
-            <a:extLst>
-              <a:ext uri="{FF2B5EF4-FFF2-40B4-BE49-F238E27FC236}">
-                <a16:creationId xmlns:a16="http://schemas.microsoft.com/office/drawing/2014/main" id="{D5B59537-EB47-40FA-893E-785D6FE00A5C}"/>
-              </a:ext>
-            </a:extLst>
-          </p:cNvPr>
+          <p:cNvPr id="6" name="Slide Number Placeholder 5"/>
           <p:cNvSpPr>
             <a:spLocks noGrp="1"/>
           </p:cNvSpPr>
@@ -752,7 +3214,7 @@
     </p:spTree>
     <p:extLst>
       <p:ext uri="{BB962C8B-B14F-4D97-AF65-F5344CB8AC3E}">
-        <p14:creationId xmlns:p14="http://schemas.microsoft.com/office/powerpoint/2010/main" val="2358644344"/>
+        <p14:creationId xmlns:p14="http://schemas.microsoft.com/office/powerpoint/2010/main" val="89437563"/>
       </p:ext>
     </p:extLst>
   </p:cSld>
@@ -781,13 +3243,7 @@
       </p:grpSpPr>
       <p:sp>
         <p:nvSpPr>
-          <p:cNvPr id="2" name="Title 1">
-            <a:extLst>
-              <a:ext uri="{FF2B5EF4-FFF2-40B4-BE49-F238E27FC236}">
-                <a16:creationId xmlns:a16="http://schemas.microsoft.com/office/drawing/2014/main" id="{D0E7B4A7-C566-48F4-B4B8-3A5E7B6C5C3A}"/>
-              </a:ext>
-            </a:extLst>
-          </p:cNvPr>
+          <p:cNvPr id="2" name="Title 1"/>
           <p:cNvSpPr>
             <a:spLocks noGrp="1"/>
           </p:cNvSpPr>
@@ -810,13 +3266,7 @@
       </p:sp>
       <p:sp>
         <p:nvSpPr>
-          <p:cNvPr id="3" name="Content Placeholder 2">
-            <a:extLst>
-              <a:ext uri="{FF2B5EF4-FFF2-40B4-BE49-F238E27FC236}">
-                <a16:creationId xmlns:a16="http://schemas.microsoft.com/office/drawing/2014/main" id="{AD3B93F5-BC8B-452C-ACE2-C7E01D1B80FD}"/>
-              </a:ext>
-            </a:extLst>
-          </p:cNvPr>
+          <p:cNvPr id="3" name="Content Placeholder 2"/>
           <p:cNvSpPr>
             <a:spLocks noGrp="1"/>
           </p:cNvSpPr>
@@ -868,13 +3318,7 @@
       </p:sp>
       <p:sp>
         <p:nvSpPr>
-          <p:cNvPr id="4" name="Date Placeholder 3">
-            <a:extLst>
-              <a:ext uri="{FF2B5EF4-FFF2-40B4-BE49-F238E27FC236}">
-                <a16:creationId xmlns:a16="http://schemas.microsoft.com/office/drawing/2014/main" id="{239A49B3-A57D-46C5-8462-0C52509F8FCA}"/>
-              </a:ext>
-            </a:extLst>
-          </p:cNvPr>
+          <p:cNvPr id="4" name="Date Placeholder 3"/>
           <p:cNvSpPr>
             <a:spLocks noGrp="1"/>
           </p:cNvSpPr>
@@ -889,7 +3333,7 @@
           <a:p>
             <a:fld id="{48913E51-B7F7-4C24-B8E3-5471755DC0E0}" type="datetime1">
               <a:rPr lang="en-US" smtClean="0"/>
-              <a:t>5/20/2023</a:t>
+              <a:t>5/26/2023</a:t>
             </a:fld>
             <a:endParaRPr lang="en-US"/>
           </a:p>
@@ -897,13 +3341,7 @@
       </p:sp>
       <p:sp>
         <p:nvSpPr>
-          <p:cNvPr id="5" name="Footer Placeholder 4">
-            <a:extLst>
-              <a:ext uri="{FF2B5EF4-FFF2-40B4-BE49-F238E27FC236}">
-                <a16:creationId xmlns:a16="http://schemas.microsoft.com/office/drawing/2014/main" id="{9EC8C810-EAF4-4D86-84DD-2E574122DD84}"/>
-              </a:ext>
-            </a:extLst>
-          </p:cNvPr>
+          <p:cNvPr id="5" name="Footer Placeholder 4"/>
           <p:cNvSpPr>
             <a:spLocks noGrp="1"/>
           </p:cNvSpPr>
@@ -922,13 +3360,7 @@
       </p:sp>
       <p:sp>
         <p:nvSpPr>
-          <p:cNvPr id="6" name="Slide Number Placeholder 5">
-            <a:extLst>
-              <a:ext uri="{FF2B5EF4-FFF2-40B4-BE49-F238E27FC236}">
-                <a16:creationId xmlns:a16="http://schemas.microsoft.com/office/drawing/2014/main" id="{9587E738-8574-490B-974B-9AD3B2AAE521}"/>
-              </a:ext>
-            </a:extLst>
-          </p:cNvPr>
+          <p:cNvPr id="6" name="Slide Number Placeholder 5"/>
           <p:cNvSpPr>
             <a:spLocks noGrp="1"/>
           </p:cNvSpPr>
@@ -952,7 +3384,7 @@
     </p:spTree>
     <p:extLst>
       <p:ext uri="{BB962C8B-B14F-4D97-AF65-F5344CB8AC3E}">
-        <p14:creationId xmlns:p14="http://schemas.microsoft.com/office/powerpoint/2010/main" val="3504310568"/>
+        <p14:creationId xmlns:p14="http://schemas.microsoft.com/office/powerpoint/2010/main" val="239728906"/>
       </p:ext>
     </p:extLst>
   </p:cSld>
@@ -981,13 +3413,7 @@
       </p:grpSpPr>
       <p:sp>
         <p:nvSpPr>
-          <p:cNvPr id="2" name="Title 1">
-            <a:extLst>
-              <a:ext uri="{FF2B5EF4-FFF2-40B4-BE49-F238E27FC236}">
-                <a16:creationId xmlns:a16="http://schemas.microsoft.com/office/drawing/2014/main" id="{D839764E-4B3D-4B6A-A210-B50E4F60E246}"/>
-              </a:ext>
-            </a:extLst>
-          </p:cNvPr>
+          <p:cNvPr id="2" name="Title 1"/>
           <p:cNvSpPr>
             <a:spLocks noGrp="1"/>
           </p:cNvSpPr>
@@ -997,8 +3423,8 @@
         </p:nvSpPr>
         <p:spPr>
           <a:xfrm>
-            <a:off x="831850" y="1709738"/>
-            <a:ext cx="10515600" cy="2852737"/>
+            <a:off x="1229244" y="657226"/>
+            <a:ext cx="9733512" cy="2852737"/>
           </a:xfrm>
         </p:spPr>
         <p:txBody>
@@ -1007,7 +3433,7 @@
           </a:bodyPr>
           <a:lstStyle>
             <a:lvl1pPr>
-              <a:defRPr sz="5200"/>
+              <a:defRPr sz="3400"/>
             </a:lvl1pPr>
           </a:lstStyle>
           <a:p>
@@ -1021,13 +3447,7 @@
       </p:sp>
       <p:sp>
         <p:nvSpPr>
-          <p:cNvPr id="3" name="Text Placeholder 2">
-            <a:extLst>
-              <a:ext uri="{FF2B5EF4-FFF2-40B4-BE49-F238E27FC236}">
-                <a16:creationId xmlns:a16="http://schemas.microsoft.com/office/drawing/2014/main" id="{8A30AEC2-B6E6-4C09-A16F-5E2A1C9A0D0E}"/>
-              </a:ext>
-            </a:extLst>
-          </p:cNvPr>
+          <p:cNvPr id="3" name="Text Placeholder 2"/>
           <p:cNvSpPr>
             <a:spLocks noGrp="1"/>
           </p:cNvSpPr>
@@ -1037,22 +3457,19 @@
         </p:nvSpPr>
         <p:spPr>
           <a:xfrm>
-            <a:off x="831850" y="4589463"/>
-            <a:ext cx="10515600" cy="1500187"/>
+            <a:off x="1229244" y="3602038"/>
+            <a:ext cx="9733512" cy="1500187"/>
           </a:xfrm>
         </p:spPr>
         <p:txBody>
-          <a:bodyPr>
-            <a:normAutofit/>
-          </a:bodyPr>
+          <a:bodyPr/>
           <a:lstStyle>
-            <a:lvl1pPr marL="0" indent="0">
-              <a:buNone/>
-              <a:defRPr sz="2000">
+            <a:lvl1pPr marL="0" indent="0" algn="ctr">
+              <a:buNone/>
+              <a:defRPr sz="2400">
                 <a:solidFill>
-                  <a:schemeClr val="tx2">
-                    <a:lumMod val="60000"/>
-                    <a:lumOff val="40000"/>
+                  <a:schemeClr val="tx1">
+                    <a:tint val="75000"/>
                   </a:schemeClr>
                 </a:solidFill>
               </a:defRPr>
@@ -1149,13 +3566,7 @@
       </p:sp>
       <p:sp>
         <p:nvSpPr>
-          <p:cNvPr id="4" name="Date Placeholder 3">
-            <a:extLst>
-              <a:ext uri="{FF2B5EF4-FFF2-40B4-BE49-F238E27FC236}">
-                <a16:creationId xmlns:a16="http://schemas.microsoft.com/office/drawing/2014/main" id="{42A37CAB-B545-4E42-BB5A-F1DAA9335033}"/>
-              </a:ext>
-            </a:extLst>
-          </p:cNvPr>
+          <p:cNvPr id="4" name="Date Placeholder 3"/>
           <p:cNvSpPr>
             <a:spLocks noGrp="1"/>
           </p:cNvSpPr>
@@ -1170,7 +3581,7 @@
           <a:p>
             <a:fld id="{DA91A59F-D956-4598-A3C1-AE72A5387751}" type="datetime1">
               <a:rPr lang="en-US" smtClean="0"/>
-              <a:t>5/20/2023</a:t>
+              <a:t>5/26/2023</a:t>
             </a:fld>
             <a:endParaRPr lang="en-US" dirty="0"/>
           </a:p>
@@ -1178,13 +3589,7 @@
       </p:sp>
       <p:sp>
         <p:nvSpPr>
-          <p:cNvPr id="5" name="Footer Placeholder 4">
-            <a:extLst>
-              <a:ext uri="{FF2B5EF4-FFF2-40B4-BE49-F238E27FC236}">
-                <a16:creationId xmlns:a16="http://schemas.microsoft.com/office/drawing/2014/main" id="{AF6D720B-7E58-43F4-9659-ADB2403A50BB}"/>
-              </a:ext>
-            </a:extLst>
-          </p:cNvPr>
+          <p:cNvPr id="5" name="Footer Placeholder 4"/>
           <p:cNvSpPr>
             <a:spLocks noGrp="1"/>
           </p:cNvSpPr>
@@ -1203,13 +3608,7 @@
       </p:sp>
       <p:sp>
         <p:nvSpPr>
-          <p:cNvPr id="6" name="Slide Number Placeholder 5">
-            <a:extLst>
-              <a:ext uri="{FF2B5EF4-FFF2-40B4-BE49-F238E27FC236}">
-                <a16:creationId xmlns:a16="http://schemas.microsoft.com/office/drawing/2014/main" id="{A895F53F-2FA5-4B5C-A151-F07BBC002B29}"/>
-              </a:ext>
-            </a:extLst>
-          </p:cNvPr>
+          <p:cNvPr id="6" name="Slide Number Placeholder 5"/>
           <p:cNvSpPr>
             <a:spLocks noGrp="1"/>
           </p:cNvSpPr>
@@ -1233,7 +3632,7 @@
     </p:spTree>
     <p:extLst>
       <p:ext uri="{BB962C8B-B14F-4D97-AF65-F5344CB8AC3E}">
-        <p14:creationId xmlns:p14="http://schemas.microsoft.com/office/powerpoint/2010/main" val="980088815"/>
+        <p14:creationId xmlns:p14="http://schemas.microsoft.com/office/powerpoint/2010/main" val="2769926230"/>
       </p:ext>
     </p:extLst>
   </p:cSld>
@@ -1262,91 +3661,27 @@
       </p:grpSpPr>
       <p:sp>
         <p:nvSpPr>
-          <p:cNvPr id="2" name="Title 1">
-            <a:extLst>
-              <a:ext uri="{FF2B5EF4-FFF2-40B4-BE49-F238E27FC236}">
-                <a16:creationId xmlns:a16="http://schemas.microsoft.com/office/drawing/2014/main" id="{EAD473D3-0F03-4BF4-831F-34E80BAC5513}"/>
-              </a:ext>
-            </a:extLst>
-          </p:cNvPr>
+          <p:cNvPr id="2" name="Title 1"/>
           <p:cNvSpPr>
             <a:spLocks noGrp="1"/>
           </p:cNvSpPr>
           <p:nvPr>
             <p:ph type="title"/>
-          </p:nvPr>
-        </p:nvSpPr>
-        <p:spPr/>
-        <p:txBody>
-          <a:bodyPr/>
-          <a:lstStyle/>
-          <a:p>
-            <a:r>
-              <a:rPr lang="en-US"/>
-              <a:t>Click to edit Master title style</a:t>
-            </a:r>
-            <a:endParaRPr lang="en-US" dirty="0"/>
-          </a:p>
-        </p:txBody>
-      </p:sp>
-      <p:sp>
-        <p:nvSpPr>
-          <p:cNvPr id="3" name="Content Placeholder 2">
-            <a:extLst>
-              <a:ext uri="{FF2B5EF4-FFF2-40B4-BE49-F238E27FC236}">
-                <a16:creationId xmlns:a16="http://schemas.microsoft.com/office/drawing/2014/main" id="{74C09409-59F2-486F-A6D0-FAEE8FFF25B2}"/>
-              </a:ext>
-            </a:extLst>
-          </p:cNvPr>
-          <p:cNvSpPr>
-            <a:spLocks noGrp="1"/>
-          </p:cNvSpPr>
-          <p:nvPr>
-            <p:ph sz="half" idx="1"/>
           </p:nvPr>
         </p:nvSpPr>
         <p:spPr>
           <a:xfrm>
-            <a:off x="838200" y="2195847"/>
-            <a:ext cx="5181600" cy="3981115"/>
+            <a:off x="913795" y="609600"/>
+            <a:ext cx="10353761" cy="1326321"/>
           </a:xfrm>
         </p:spPr>
         <p:txBody>
           <a:bodyPr/>
           <a:lstStyle/>
           <a:p>
-            <a:pPr lvl="0"/>
-            <a:r>
-              <a:rPr lang="en-US"/>
-              <a:t>Click to edit Master text styles</a:t>
-            </a:r>
-          </a:p>
-          <a:p>
-            <a:pPr lvl="1"/>
-            <a:r>
-              <a:rPr lang="en-US"/>
-              <a:t>Second level</a:t>
-            </a:r>
-          </a:p>
-          <a:p>
-            <a:pPr lvl="2"/>
-            <a:r>
-              <a:rPr lang="en-US"/>
-              <a:t>Third level</a:t>
-            </a:r>
-          </a:p>
-          <a:p>
-            <a:pPr lvl="3"/>
-            <a:r>
-              <a:rPr lang="en-US"/>
-              <a:t>Fourth level</a:t>
-            </a:r>
-          </a:p>
-          <a:p>
-            <a:pPr lvl="4"/>
-            <a:r>
-              <a:rPr lang="en-US"/>
-              <a:t>Fifth level</a:t>
+            <a:r>
+              <a:rPr lang="en-US"/>
+              <a:t>Click to edit Master title style</a:t>
             </a:r>
             <a:endParaRPr lang="en-US" dirty="0"/>
           </a:p>
@@ -1354,24 +3689,18 @@
       </p:sp>
       <p:sp>
         <p:nvSpPr>
-          <p:cNvPr id="4" name="Content Placeholder 3">
-            <a:extLst>
-              <a:ext uri="{FF2B5EF4-FFF2-40B4-BE49-F238E27FC236}">
-                <a16:creationId xmlns:a16="http://schemas.microsoft.com/office/drawing/2014/main" id="{03087241-B390-47A6-8070-C3D4652F887B}"/>
-              </a:ext>
-            </a:extLst>
-          </p:cNvPr>
-          <p:cNvSpPr>
-            <a:spLocks noGrp="1"/>
-          </p:cNvSpPr>
-          <p:nvPr>
-            <p:ph sz="half" idx="2"/>
+          <p:cNvPr id="3" name="Content Placeholder 2"/>
+          <p:cNvSpPr>
+            <a:spLocks noGrp="1"/>
+          </p:cNvSpPr>
+          <p:nvPr>
+            <p:ph sz="half" idx="1"/>
           </p:nvPr>
         </p:nvSpPr>
         <p:spPr>
           <a:xfrm>
-            <a:off x="6172200" y="2195847"/>
-            <a:ext cx="5181600" cy="3981115"/>
+            <a:off x="913795" y="2088319"/>
+            <a:ext cx="5106004" cy="3702881"/>
           </a:xfrm>
         </p:spPr>
         <p:txBody>
@@ -1417,13 +3746,64 @@
       </p:sp>
       <p:sp>
         <p:nvSpPr>
-          <p:cNvPr id="5" name="Date Placeholder 4">
-            <a:extLst>
-              <a:ext uri="{FF2B5EF4-FFF2-40B4-BE49-F238E27FC236}">
-                <a16:creationId xmlns:a16="http://schemas.microsoft.com/office/drawing/2014/main" id="{5080B360-2ACA-4B93-9439-591B6D3FBC3F}"/>
-              </a:ext>
-            </a:extLst>
-          </p:cNvPr>
+          <p:cNvPr id="4" name="Content Placeholder 3"/>
+          <p:cNvSpPr>
+            <a:spLocks noGrp="1"/>
+          </p:cNvSpPr>
+          <p:nvPr>
+            <p:ph sz="half" idx="2"/>
+          </p:nvPr>
+        </p:nvSpPr>
+        <p:spPr>
+          <a:xfrm>
+            <a:off x="6173403" y="2088319"/>
+            <a:ext cx="5094154" cy="3702881"/>
+          </a:xfrm>
+        </p:spPr>
+        <p:txBody>
+          <a:bodyPr/>
+          <a:lstStyle/>
+          <a:p>
+            <a:pPr lvl="0"/>
+            <a:r>
+              <a:rPr lang="en-US"/>
+              <a:t>Click to edit Master text styles</a:t>
+            </a:r>
+          </a:p>
+          <a:p>
+            <a:pPr lvl="1"/>
+            <a:r>
+              <a:rPr lang="en-US"/>
+              <a:t>Second level</a:t>
+            </a:r>
+          </a:p>
+          <a:p>
+            <a:pPr lvl="2"/>
+            <a:r>
+              <a:rPr lang="en-US"/>
+              <a:t>Third level</a:t>
+            </a:r>
+          </a:p>
+          <a:p>
+            <a:pPr lvl="3"/>
+            <a:r>
+              <a:rPr lang="en-US"/>
+              <a:t>Fourth level</a:t>
+            </a:r>
+          </a:p>
+          <a:p>
+            <a:pPr lvl="4"/>
+            <a:r>
+              <a:rPr lang="en-US"/>
+              <a:t>Fifth level</a:t>
+            </a:r>
+            <a:endParaRPr lang="en-US" dirty="0"/>
+          </a:p>
+        </p:txBody>
+      </p:sp>
+      <p:sp>
+        <p:nvSpPr>
+          <p:cNvPr id="5" name="Date Placeholder 4"/>
           <p:cNvSpPr>
             <a:spLocks noGrp="1"/>
           </p:cNvSpPr>
@@ -1438,7 +3818,7 @@
           <a:p>
             <a:fld id="{D70BBD69-7BD3-4731-8064-242619E92CBE}" type="datetime1">
               <a:rPr lang="en-US" smtClean="0"/>
-              <a:t>5/20/2023</a:t>
+              <a:t>5/26/2023</a:t>
             </a:fld>
             <a:endParaRPr lang="en-US"/>
           </a:p>
@@ -1446,13 +3826,7 @@
       </p:sp>
       <p:sp>
         <p:nvSpPr>
-          <p:cNvPr id="6" name="Footer Placeholder 5">
-            <a:extLst>
-              <a:ext uri="{FF2B5EF4-FFF2-40B4-BE49-F238E27FC236}">
-                <a16:creationId xmlns:a16="http://schemas.microsoft.com/office/drawing/2014/main" id="{684A73E2-CF78-404C-A86F-E70A284AE99E}"/>
-              </a:ext>
-            </a:extLst>
-          </p:cNvPr>
+          <p:cNvPr id="6" name="Footer Placeholder 5"/>
           <p:cNvSpPr>
             <a:spLocks noGrp="1"/>
           </p:cNvSpPr>
@@ -1471,13 +3845,7 @@
       </p:sp>
       <p:sp>
         <p:nvSpPr>
-          <p:cNvPr id="7" name="Slide Number Placeholder 6">
-            <a:extLst>
-              <a:ext uri="{FF2B5EF4-FFF2-40B4-BE49-F238E27FC236}">
-                <a16:creationId xmlns:a16="http://schemas.microsoft.com/office/drawing/2014/main" id="{B6A8F42A-11E1-42A0-8ECF-A5BBA3B8CA56}"/>
-              </a:ext>
-            </a:extLst>
-          </p:cNvPr>
+          <p:cNvPr id="7" name="Slide Number Placeholder 6"/>
           <p:cNvSpPr>
             <a:spLocks noGrp="1"/>
           </p:cNvSpPr>
@@ -1501,7 +3869,7 @@
     </p:spTree>
     <p:extLst>
       <p:ext uri="{BB962C8B-B14F-4D97-AF65-F5344CB8AC3E}">
-        <p14:creationId xmlns:p14="http://schemas.microsoft.com/office/powerpoint/2010/main" val="1378518364"/>
+        <p14:creationId xmlns:p14="http://schemas.microsoft.com/office/powerpoint/2010/main" val="3237463439"/>
       </p:ext>
     </p:extLst>
   </p:cSld>
@@ -1530,13 +3898,7 @@
       </p:grpSpPr>
       <p:sp>
         <p:nvSpPr>
-          <p:cNvPr id="2" name="Title 1">
-            <a:extLst>
-              <a:ext uri="{FF2B5EF4-FFF2-40B4-BE49-F238E27FC236}">
-                <a16:creationId xmlns:a16="http://schemas.microsoft.com/office/drawing/2014/main" id="{D1BECA31-EE14-41DD-9914-DA7138220460}"/>
-              </a:ext>
-            </a:extLst>
-          </p:cNvPr>
+          <p:cNvPr id="2" name="Title 1"/>
           <p:cNvSpPr>
             <a:spLocks noGrp="1"/>
           </p:cNvSpPr>
@@ -1546,8 +3908,8 @@
         </p:nvSpPr>
         <p:spPr>
           <a:xfrm>
-            <a:off x="839788" y="731520"/>
-            <a:ext cx="10515600" cy="1325563"/>
+            <a:off x="913795" y="609600"/>
+            <a:ext cx="10353761" cy="1325563"/>
           </a:xfrm>
         </p:spPr>
         <p:txBody>
@@ -1564,13 +3926,7 @@
       </p:sp>
       <p:sp>
         <p:nvSpPr>
-          <p:cNvPr id="3" name="Text Placeholder 2">
-            <a:extLst>
-              <a:ext uri="{FF2B5EF4-FFF2-40B4-BE49-F238E27FC236}">
-                <a16:creationId xmlns:a16="http://schemas.microsoft.com/office/drawing/2014/main" id="{6CB22AB6-1657-4AE2-8607-2C77A25D79D9}"/>
-              </a:ext>
-            </a:extLst>
-          </p:cNvPr>
+          <p:cNvPr id="3" name="Text Placeholder 2"/>
           <p:cNvSpPr>
             <a:spLocks noGrp="1"/>
           </p:cNvSpPr>
@@ -1580,18 +3936,19 @@
         </p:nvSpPr>
         <p:spPr>
           <a:xfrm>
-            <a:off x="839788" y="2149131"/>
-            <a:ext cx="5157787" cy="693696"/>
+            <a:off x="1141804" y="2088320"/>
+            <a:ext cx="4879199" cy="823912"/>
           </a:xfrm>
         </p:spPr>
         <p:txBody>
-          <a:bodyPr anchor="b">
-            <a:normAutofit/>
-          </a:bodyPr>
+          <a:bodyPr anchor="b"/>
           <a:lstStyle>
             <a:lvl1pPr marL="0" indent="0">
-              <a:buNone/>
-              <a:defRPr sz="2000" b="0" i="1"/>
+              <a:lnSpc>
+                <a:spcPct val="100000"/>
+              </a:lnSpc>
+              <a:buNone/>
+              <a:defRPr sz="2400" b="1"/>
             </a:lvl1pPr>
             <a:lvl2pPr marL="457200" indent="0">
               <a:buNone/>
@@ -1637,13 +3994,7 @@
       </p:sp>
       <p:sp>
         <p:nvSpPr>
-          <p:cNvPr id="4" name="Content Placeholder 3">
-            <a:extLst>
-              <a:ext uri="{FF2B5EF4-FFF2-40B4-BE49-F238E27FC236}">
-                <a16:creationId xmlns:a16="http://schemas.microsoft.com/office/drawing/2014/main" id="{4BAA6DC0-D4D5-4164-A3FD-6BB5CBB2BBAD}"/>
-              </a:ext>
-            </a:extLst>
-          </p:cNvPr>
+          <p:cNvPr id="4" name="Content Placeholder 3"/>
           <p:cNvSpPr>
             <a:spLocks noGrp="1"/>
           </p:cNvSpPr>
@@ -1653,31 +4004,13 @@
         </p:nvSpPr>
         <p:spPr>
           <a:xfrm>
-            <a:off x="839788" y="2910625"/>
-            <a:ext cx="5157787" cy="3100561"/>
+            <a:off x="913795" y="2912232"/>
+            <a:ext cx="5107208" cy="2878968"/>
           </a:xfrm>
         </p:spPr>
         <p:txBody>
-          <a:bodyPr>
-            <a:normAutofit/>
-          </a:bodyPr>
-          <a:lstStyle>
-            <a:lvl1pPr>
-              <a:defRPr sz="1800"/>
-            </a:lvl1pPr>
-            <a:lvl2pPr>
-              <a:defRPr sz="1600"/>
-            </a:lvl2pPr>
-            <a:lvl3pPr>
-              <a:defRPr sz="1400"/>
-            </a:lvl3pPr>
-            <a:lvl4pPr>
-              <a:defRPr sz="1200"/>
-            </a:lvl4pPr>
-            <a:lvl5pPr>
-              <a:defRPr sz="1200"/>
-            </a:lvl5pPr>
-          </a:lstStyle>
+          <a:bodyPr/>
+          <a:lstStyle/>
           <a:p>
             <a:pPr lvl="0"/>
             <a:r>
@@ -1718,13 +4051,7 @@
       </p:sp>
       <p:sp>
         <p:nvSpPr>
-          <p:cNvPr id="5" name="Text Placeholder 4">
-            <a:extLst>
-              <a:ext uri="{FF2B5EF4-FFF2-40B4-BE49-F238E27FC236}">
-                <a16:creationId xmlns:a16="http://schemas.microsoft.com/office/drawing/2014/main" id="{129B35F8-95F3-43D1-8917-5836BAA90490}"/>
-              </a:ext>
-            </a:extLst>
-          </p:cNvPr>
+          <p:cNvPr id="5" name="Text Placeholder 4"/>
           <p:cNvSpPr>
             <a:spLocks noGrp="1"/>
           </p:cNvSpPr>
@@ -1734,18 +4061,19 @@
         </p:nvSpPr>
         <p:spPr>
           <a:xfrm>
-            <a:off x="6172200" y="2149131"/>
-            <a:ext cx="5183188" cy="693696"/>
+            <a:off x="6402003" y="2088320"/>
+            <a:ext cx="4865554" cy="823912"/>
           </a:xfrm>
         </p:spPr>
         <p:txBody>
-          <a:bodyPr anchor="b">
-            <a:normAutofit/>
-          </a:bodyPr>
+          <a:bodyPr anchor="b"/>
           <a:lstStyle>
             <a:lvl1pPr marL="0" indent="0">
-              <a:buNone/>
-              <a:defRPr sz="2000" b="0" i="1"/>
+              <a:lnSpc>
+                <a:spcPct val="100000"/>
+              </a:lnSpc>
+              <a:buNone/>
+              <a:defRPr sz="2400" b="1"/>
             </a:lvl1pPr>
             <a:lvl2pPr marL="457200" indent="0">
               <a:buNone/>
@@ -1791,13 +4119,7 @@
       </p:sp>
       <p:sp>
         <p:nvSpPr>
-          <p:cNvPr id="6" name="Content Placeholder 5">
-            <a:extLst>
-              <a:ext uri="{FF2B5EF4-FFF2-40B4-BE49-F238E27FC236}">
-                <a16:creationId xmlns:a16="http://schemas.microsoft.com/office/drawing/2014/main" id="{12B639E7-F4A3-4ADE-B290-0A4F9761B977}"/>
-              </a:ext>
-            </a:extLst>
-          </p:cNvPr>
+          <p:cNvPr id="6" name="Content Placeholder 5"/>
           <p:cNvSpPr>
             <a:spLocks noGrp="1"/>
           </p:cNvSpPr>
@@ -1807,31 +4129,13 @@
         </p:nvSpPr>
         <p:spPr>
           <a:xfrm>
-            <a:off x="6172200" y="2910625"/>
-            <a:ext cx="5183188" cy="3100561"/>
+            <a:off x="6172200" y="2912232"/>
+            <a:ext cx="5095357" cy="2878968"/>
           </a:xfrm>
         </p:spPr>
         <p:txBody>
-          <a:bodyPr>
-            <a:normAutofit/>
-          </a:bodyPr>
-          <a:lstStyle>
-            <a:lvl1pPr>
-              <a:defRPr sz="1800"/>
-            </a:lvl1pPr>
-            <a:lvl2pPr>
-              <a:defRPr sz="1600"/>
-            </a:lvl2pPr>
-            <a:lvl3pPr>
-              <a:defRPr sz="1400"/>
-            </a:lvl3pPr>
-            <a:lvl4pPr>
-              <a:defRPr sz="1200"/>
-            </a:lvl4pPr>
-            <a:lvl5pPr>
-              <a:defRPr sz="1200"/>
-            </a:lvl5pPr>
-          </a:lstStyle>
+          <a:bodyPr/>
+          <a:lstStyle/>
           <a:p>
             <a:pPr lvl="0"/>
             <a:r>
@@ -1872,13 +4176,7 @@
       </p:sp>
       <p:sp>
         <p:nvSpPr>
-          <p:cNvPr id="7" name="Date Placeholder 6">
-            <a:extLst>
-              <a:ext uri="{FF2B5EF4-FFF2-40B4-BE49-F238E27FC236}">
-                <a16:creationId xmlns:a16="http://schemas.microsoft.com/office/drawing/2014/main" id="{CD6F296B-429F-4DFC-ABC3-0A078EA99425}"/>
-              </a:ext>
-            </a:extLst>
-          </p:cNvPr>
+          <p:cNvPr id="7" name="Date Placeholder 6"/>
           <p:cNvSpPr>
             <a:spLocks noGrp="1"/>
           </p:cNvSpPr>
@@ -1893,7 +4191,7 @@
           <a:p>
             <a:fld id="{38BD77D9-239F-488B-9358-023C46BC7084}" type="datetime1">
               <a:rPr lang="en-US" smtClean="0"/>
-              <a:t>5/20/2023</a:t>
+              <a:t>5/26/2023</a:t>
             </a:fld>
             <a:endParaRPr lang="en-US"/>
           </a:p>
@@ -1901,13 +4199,7 @@
       </p:sp>
       <p:sp>
         <p:nvSpPr>
-          <p:cNvPr id="8" name="Footer Placeholder 7">
-            <a:extLst>
-              <a:ext uri="{FF2B5EF4-FFF2-40B4-BE49-F238E27FC236}">
-                <a16:creationId xmlns:a16="http://schemas.microsoft.com/office/drawing/2014/main" id="{0B7103B9-D521-4910-AC15-F12F25CB9524}"/>
-              </a:ext>
-            </a:extLst>
-          </p:cNvPr>
+          <p:cNvPr id="8" name="Footer Placeholder 7"/>
           <p:cNvSpPr>
             <a:spLocks noGrp="1"/>
           </p:cNvSpPr>
@@ -1926,13 +4218,7 @@
       </p:sp>
       <p:sp>
         <p:nvSpPr>
-          <p:cNvPr id="9" name="Slide Number Placeholder 8">
-            <a:extLst>
-              <a:ext uri="{FF2B5EF4-FFF2-40B4-BE49-F238E27FC236}">
-                <a16:creationId xmlns:a16="http://schemas.microsoft.com/office/drawing/2014/main" id="{9F73A6D9-123D-492C-B5CE-294EF2559FAB}"/>
-              </a:ext>
-            </a:extLst>
-          </p:cNvPr>
+          <p:cNvPr id="9" name="Slide Number Placeholder 8"/>
           <p:cNvSpPr>
             <a:spLocks noGrp="1"/>
           </p:cNvSpPr>
@@ -1956,7 +4242,7 @@
     </p:spTree>
     <p:extLst>
       <p:ext uri="{BB962C8B-B14F-4D97-AF65-F5344CB8AC3E}">
-        <p14:creationId xmlns:p14="http://schemas.microsoft.com/office/powerpoint/2010/main" val="2654236468"/>
+        <p14:creationId xmlns:p14="http://schemas.microsoft.com/office/powerpoint/2010/main" val="1601661479"/>
       </p:ext>
     </p:extLst>
   </p:cSld>
@@ -1985,13 +4271,7 @@
       </p:grpSpPr>
       <p:sp>
         <p:nvSpPr>
-          <p:cNvPr id="2" name="Title 1">
-            <a:extLst>
-              <a:ext uri="{FF2B5EF4-FFF2-40B4-BE49-F238E27FC236}">
-                <a16:creationId xmlns:a16="http://schemas.microsoft.com/office/drawing/2014/main" id="{4C592A22-4B4D-4F58-9783-A0469DA4D233}"/>
-              </a:ext>
-            </a:extLst>
-          </p:cNvPr>
+          <p:cNvPr id="2" name="Title 1"/>
           <p:cNvSpPr>
             <a:spLocks noGrp="1"/>
           </p:cNvSpPr>
@@ -1999,12 +4279,7 @@
             <p:ph type="title"/>
           </p:nvPr>
         </p:nvSpPr>
-        <p:spPr>
-          <a:xfrm>
-            <a:off x="838200" y="731520"/>
-            <a:ext cx="10515600" cy="1325563"/>
-          </a:xfrm>
-        </p:spPr>
+        <p:spPr/>
         <p:txBody>
           <a:bodyPr/>
           <a:lstStyle/>
@@ -2019,13 +4294,7 @@
       </p:sp>
       <p:sp>
         <p:nvSpPr>
-          <p:cNvPr id="3" name="Date Placeholder 2">
-            <a:extLst>
-              <a:ext uri="{FF2B5EF4-FFF2-40B4-BE49-F238E27FC236}">
-                <a16:creationId xmlns:a16="http://schemas.microsoft.com/office/drawing/2014/main" id="{3B5EE610-5457-4E8C-B568-B8D560773B5C}"/>
-              </a:ext>
-            </a:extLst>
-          </p:cNvPr>
+          <p:cNvPr id="3" name="Date Placeholder 2"/>
           <p:cNvSpPr>
             <a:spLocks noGrp="1"/>
           </p:cNvSpPr>
@@ -2040,7 +4309,7 @@
           <a:p>
             <a:fld id="{1EE61C24-7140-4FDE-92F3-654C6E2D3C1C}" type="datetime1">
               <a:rPr lang="en-US" smtClean="0"/>
-              <a:t>5/20/2023</a:t>
+              <a:t>5/26/2023</a:t>
             </a:fld>
             <a:endParaRPr lang="en-US"/>
           </a:p>
@@ -2048,13 +4317,7 @@
       </p:sp>
       <p:sp>
         <p:nvSpPr>
-          <p:cNvPr id="4" name="Footer Placeholder 3">
-            <a:extLst>
-              <a:ext uri="{FF2B5EF4-FFF2-40B4-BE49-F238E27FC236}">
-                <a16:creationId xmlns:a16="http://schemas.microsoft.com/office/drawing/2014/main" id="{A0BA57BB-288A-4A30-A4EC-FF0537BC2603}"/>
-              </a:ext>
-            </a:extLst>
-          </p:cNvPr>
+          <p:cNvPr id="4" name="Footer Placeholder 3"/>
           <p:cNvSpPr>
             <a:spLocks noGrp="1"/>
           </p:cNvSpPr>
@@ -2073,13 +4336,7 @@
       </p:sp>
       <p:sp>
         <p:nvSpPr>
-          <p:cNvPr id="5" name="Slide Number Placeholder 4">
-            <a:extLst>
-              <a:ext uri="{FF2B5EF4-FFF2-40B4-BE49-F238E27FC236}">
-                <a16:creationId xmlns:a16="http://schemas.microsoft.com/office/drawing/2014/main" id="{D0414C89-B968-4A85-A035-E2997A5F8498}"/>
-              </a:ext>
-            </a:extLst>
-          </p:cNvPr>
+          <p:cNvPr id="5" name="Slide Number Placeholder 4"/>
           <p:cNvSpPr>
             <a:spLocks noGrp="1"/>
           </p:cNvSpPr>
@@ -2103,7 +4360,7 @@
     </p:spTree>
     <p:extLst>
       <p:ext uri="{BB962C8B-B14F-4D97-AF65-F5344CB8AC3E}">
-        <p14:creationId xmlns:p14="http://schemas.microsoft.com/office/powerpoint/2010/main" val="565279028"/>
+        <p14:creationId xmlns:p14="http://schemas.microsoft.com/office/powerpoint/2010/main" val="3277762504"/>
       </p:ext>
     </p:extLst>
   </p:cSld>
@@ -2132,13 +4389,7 @@
       </p:grpSpPr>
       <p:sp>
         <p:nvSpPr>
-          <p:cNvPr id="2" name="Date Placeholder 1">
-            <a:extLst>
-              <a:ext uri="{FF2B5EF4-FFF2-40B4-BE49-F238E27FC236}">
-                <a16:creationId xmlns:a16="http://schemas.microsoft.com/office/drawing/2014/main" id="{1B7A339C-4093-4B40-8C90-52F005CA9A0E}"/>
-              </a:ext>
-            </a:extLst>
-          </p:cNvPr>
+          <p:cNvPr id="2" name="Date Placeholder 1"/>
           <p:cNvSpPr>
             <a:spLocks noGrp="1"/>
           </p:cNvSpPr>
@@ -2153,7 +4404,7 @@
           <a:p>
             <a:fld id="{DC4D6ACF-ECB9-4B5F-A429-08B8AC75E8EF}" type="datetime1">
               <a:rPr lang="en-US" smtClean="0"/>
-              <a:t>5/20/2023</a:t>
+              <a:t>5/26/2023</a:t>
             </a:fld>
             <a:endParaRPr lang="en-US"/>
           </a:p>
@@ -2161,13 +4412,7 @@
       </p:sp>
       <p:sp>
         <p:nvSpPr>
-          <p:cNvPr id="3" name="Footer Placeholder 2">
-            <a:extLst>
-              <a:ext uri="{FF2B5EF4-FFF2-40B4-BE49-F238E27FC236}">
-                <a16:creationId xmlns:a16="http://schemas.microsoft.com/office/drawing/2014/main" id="{DFA33F04-8E0A-4165-930C-527D781A7D0C}"/>
-              </a:ext>
-            </a:extLst>
-          </p:cNvPr>
+          <p:cNvPr id="3" name="Footer Placeholder 2"/>
           <p:cNvSpPr>
             <a:spLocks noGrp="1"/>
           </p:cNvSpPr>
@@ -2186,13 +4431,7 @@
       </p:sp>
       <p:sp>
         <p:nvSpPr>
-          <p:cNvPr id="4" name="Slide Number Placeholder 3">
-            <a:extLst>
-              <a:ext uri="{FF2B5EF4-FFF2-40B4-BE49-F238E27FC236}">
-                <a16:creationId xmlns:a16="http://schemas.microsoft.com/office/drawing/2014/main" id="{9062F57B-BEB6-4973-A362-38F638E0D05C}"/>
-              </a:ext>
-            </a:extLst>
-          </p:cNvPr>
+          <p:cNvPr id="4" name="Slide Number Placeholder 3"/>
           <p:cNvSpPr>
             <a:spLocks noGrp="1"/>
           </p:cNvSpPr>
@@ -2216,7 +4455,7 @@
     </p:spTree>
     <p:extLst>
       <p:ext uri="{BB962C8B-B14F-4D97-AF65-F5344CB8AC3E}">
-        <p14:creationId xmlns:p14="http://schemas.microsoft.com/office/powerpoint/2010/main" val="3422311039"/>
+        <p14:creationId xmlns:p14="http://schemas.microsoft.com/office/powerpoint/2010/main" val="1935850248"/>
       </p:ext>
     </p:extLst>
   </p:cSld>
@@ -2245,13 +4484,7 @@
       </p:grpSpPr>
       <p:sp>
         <p:nvSpPr>
-          <p:cNvPr id="2" name="Title 1">
-            <a:extLst>
-              <a:ext uri="{FF2B5EF4-FFF2-40B4-BE49-F238E27FC236}">
-                <a16:creationId xmlns:a16="http://schemas.microsoft.com/office/drawing/2014/main" id="{4A8FAC90-C2CA-44DD-8EF8-20BDD6724247}"/>
-              </a:ext>
-            </a:extLst>
-          </p:cNvPr>
+          <p:cNvPr id="2" name="Title 1"/>
           <p:cNvSpPr>
             <a:spLocks noGrp="1"/>
           </p:cNvSpPr>
@@ -2261,116 +4494,23 @@
         </p:nvSpPr>
         <p:spPr>
           <a:xfrm>
-            <a:off x="839788" y="731520"/>
-            <a:ext cx="3932237" cy="2346326"/>
+            <a:off x="917228" y="609600"/>
+            <a:ext cx="3932237" cy="2362200"/>
           </a:xfrm>
         </p:spPr>
         <p:txBody>
           <a:bodyPr anchor="b">
-            <a:noAutofit/>
-          </a:bodyPr>
-          <a:lstStyle>
-            <a:lvl1pPr>
-              <a:defRPr sz="4400"/>
-            </a:lvl1pPr>
-          </a:lstStyle>
-          <a:p>
-            <a:r>
-              <a:rPr lang="en-US"/>
-              <a:t>Click to edit Master title style</a:t>
-            </a:r>
-            <a:endParaRPr lang="en-US" dirty="0"/>
-          </a:p>
-        </p:txBody>
-      </p:sp>
-      <p:sp>
-        <p:nvSpPr>
-          <p:cNvPr id="3" name="Content Placeholder 2">
-            <a:extLst>
-              <a:ext uri="{FF2B5EF4-FFF2-40B4-BE49-F238E27FC236}">
-                <a16:creationId xmlns:a16="http://schemas.microsoft.com/office/drawing/2014/main" id="{5EE915FB-D5F4-4CAD-AE70-3644E81802E6}"/>
-              </a:ext>
-            </a:extLst>
-          </p:cNvPr>
-          <p:cNvSpPr>
-            <a:spLocks noGrp="1"/>
-          </p:cNvSpPr>
-          <p:nvPr>
-            <p:ph idx="1"/>
-          </p:nvPr>
-        </p:nvSpPr>
-        <p:spPr>
-          <a:xfrm>
-            <a:off x="5183188" y="731521"/>
-            <a:ext cx="6172200" cy="5129530"/>
-          </a:xfrm>
-        </p:spPr>
-        <p:txBody>
-          <a:bodyPr>
             <a:normAutofit/>
           </a:bodyPr>
           <a:lstStyle>
             <a:lvl1pPr>
-              <a:defRPr sz="2000"/>
+              <a:defRPr sz="2800"/>
             </a:lvl1pPr>
-            <a:lvl2pPr>
-              <a:defRPr sz="1800"/>
-            </a:lvl2pPr>
-            <a:lvl3pPr>
-              <a:defRPr sz="1600"/>
-            </a:lvl3pPr>
-            <a:lvl4pPr>
-              <a:defRPr sz="1400"/>
-            </a:lvl4pPr>
-            <a:lvl5pPr>
-              <a:defRPr sz="1400"/>
-            </a:lvl5pPr>
-            <a:lvl6pPr>
-              <a:defRPr sz="2000"/>
-            </a:lvl6pPr>
-            <a:lvl7pPr>
-              <a:defRPr sz="2000"/>
-            </a:lvl7pPr>
-            <a:lvl8pPr>
-              <a:defRPr sz="2000"/>
-            </a:lvl8pPr>
-            <a:lvl9pPr>
-              <a:defRPr sz="2000"/>
-            </a:lvl9pPr>
           </a:lstStyle>
           <a:p>
-            <a:pPr lvl="0"/>
-            <a:r>
-              <a:rPr lang="en-US"/>
-              <a:t>Click to edit Master text styles</a:t>
-            </a:r>
-          </a:p>
-          <a:p>
-            <a:pPr lvl="1"/>
-            <a:r>
-              <a:rPr lang="en-US"/>
-              <a:t>Second level</a:t>
-            </a:r>
-          </a:p>
-          <a:p>
-            <a:pPr lvl="2"/>
-            <a:r>
-              <a:rPr lang="en-US"/>
-              <a:t>Third level</a:t>
-            </a:r>
-          </a:p>
-          <a:p>
-            <a:pPr lvl="3"/>
-            <a:r>
-              <a:rPr lang="en-US"/>
-              <a:t>Fourth level</a:t>
-            </a:r>
-          </a:p>
-          <a:p>
-            <a:pPr lvl="4"/>
-            <a:r>
-              <a:rPr lang="en-US"/>
-              <a:t>Fifth level</a:t>
+            <a:r>
+              <a:rPr lang="en-US"/>
+              <a:t>Click to edit Master title style</a:t>
             </a:r>
             <a:endParaRPr lang="en-US" dirty="0"/>
           </a:p>
@@ -2378,34 +4518,83 @@
       </p:sp>
       <p:sp>
         <p:nvSpPr>
-          <p:cNvPr id="4" name="Text Placeholder 3">
-            <a:extLst>
-              <a:ext uri="{FF2B5EF4-FFF2-40B4-BE49-F238E27FC236}">
-                <a16:creationId xmlns:a16="http://schemas.microsoft.com/office/drawing/2014/main" id="{E7374DA3-3BAC-4045-825F-B3C27B89736B}"/>
-              </a:ext>
-            </a:extLst>
-          </p:cNvPr>
-          <p:cNvSpPr>
-            <a:spLocks noGrp="1"/>
-          </p:cNvSpPr>
-          <p:nvPr>
-            <p:ph type="body" sz="half" idx="2"/>
+          <p:cNvPr id="3" name="Content Placeholder 2"/>
+          <p:cNvSpPr>
+            <a:spLocks noGrp="1"/>
+          </p:cNvSpPr>
+          <p:nvPr>
+            <p:ph idx="1"/>
           </p:nvPr>
         </p:nvSpPr>
         <p:spPr>
           <a:xfrm>
-            <a:off x="839788" y="3429000"/>
-            <a:ext cx="3932237" cy="2439988"/>
+            <a:off x="5078064" y="609600"/>
+            <a:ext cx="6189492" cy="5181600"/>
           </a:xfrm>
         </p:spPr>
         <p:txBody>
-          <a:bodyPr>
-            <a:normAutofit/>
-          </a:bodyPr>
+          <a:bodyPr anchor="ctr"/>
+          <a:lstStyle/>
+          <a:p>
+            <a:pPr lvl="0"/>
+            <a:r>
+              <a:rPr lang="en-US"/>
+              <a:t>Click to edit Master text styles</a:t>
+            </a:r>
+          </a:p>
+          <a:p>
+            <a:pPr lvl="1"/>
+            <a:r>
+              <a:rPr lang="en-US"/>
+              <a:t>Second level</a:t>
+            </a:r>
+          </a:p>
+          <a:p>
+            <a:pPr lvl="2"/>
+            <a:r>
+              <a:rPr lang="en-US"/>
+              <a:t>Third level</a:t>
+            </a:r>
+          </a:p>
+          <a:p>
+            <a:pPr lvl="3"/>
+            <a:r>
+              <a:rPr lang="en-US"/>
+              <a:t>Fourth level</a:t>
+            </a:r>
+          </a:p>
+          <a:p>
+            <a:pPr lvl="4"/>
+            <a:r>
+              <a:rPr lang="en-US"/>
+              <a:t>Fifth level</a:t>
+            </a:r>
+            <a:endParaRPr lang="en-US" dirty="0"/>
+          </a:p>
+        </p:txBody>
+      </p:sp>
+      <p:sp>
+        <p:nvSpPr>
+          <p:cNvPr id="4" name="Text Placeholder 3"/>
+          <p:cNvSpPr>
+            <a:spLocks noGrp="1"/>
+          </p:cNvSpPr>
+          <p:nvPr>
+            <p:ph type="body" sz="half" idx="2"/>
+          </p:nvPr>
+        </p:nvSpPr>
+        <p:spPr>
+          <a:xfrm>
+            <a:off x="917228" y="2971800"/>
+            <a:ext cx="3932237" cy="2819399"/>
+          </a:xfrm>
+        </p:spPr>
+        <p:txBody>
+          <a:bodyPr/>
           <a:lstStyle>
-            <a:lvl1pPr marL="0" indent="0">
-              <a:buNone/>
-              <a:defRPr sz="2000"/>
+            <a:lvl1pPr marL="0" indent="0" algn="ctr">
+              <a:buNone/>
+              <a:defRPr sz="1600"/>
             </a:lvl1pPr>
             <a:lvl2pPr marL="457200" indent="0">
               <a:buNone/>
@@ -2451,13 +4640,7 @@
       </p:sp>
       <p:sp>
         <p:nvSpPr>
-          <p:cNvPr id="5" name="Date Placeholder 4">
-            <a:extLst>
-              <a:ext uri="{FF2B5EF4-FFF2-40B4-BE49-F238E27FC236}">
-                <a16:creationId xmlns:a16="http://schemas.microsoft.com/office/drawing/2014/main" id="{D45A0D65-0423-4E45-947A-E08C8569F15F}"/>
-              </a:ext>
-            </a:extLst>
-          </p:cNvPr>
+          <p:cNvPr id="5" name="Date Placeholder 4"/>
           <p:cNvSpPr>
             <a:spLocks noGrp="1"/>
           </p:cNvSpPr>
@@ -2472,7 +4655,7 @@
           <a:p>
             <a:fld id="{788B429B-EE2A-486A-BDB9-0C848B4FAFDD}" type="datetime1">
               <a:rPr lang="en-US" smtClean="0"/>
-              <a:t>5/20/2023</a:t>
+              <a:t>5/26/2023</a:t>
             </a:fld>
             <a:endParaRPr lang="en-US"/>
           </a:p>
@@ -2480,13 +4663,7 @@
       </p:sp>
       <p:sp>
         <p:nvSpPr>
-          <p:cNvPr id="6" name="Footer Placeholder 5">
-            <a:extLst>
-              <a:ext uri="{FF2B5EF4-FFF2-40B4-BE49-F238E27FC236}">
-                <a16:creationId xmlns:a16="http://schemas.microsoft.com/office/drawing/2014/main" id="{27E6FBD0-E49F-4DE6-9264-CEDB9BAA01C6}"/>
-              </a:ext>
-            </a:extLst>
-          </p:cNvPr>
+          <p:cNvPr id="6" name="Footer Placeholder 5"/>
           <p:cNvSpPr>
             <a:spLocks noGrp="1"/>
           </p:cNvSpPr>
@@ -2505,13 +4682,7 @@
       </p:sp>
       <p:sp>
         <p:nvSpPr>
-          <p:cNvPr id="7" name="Slide Number Placeholder 6">
-            <a:extLst>
-              <a:ext uri="{FF2B5EF4-FFF2-40B4-BE49-F238E27FC236}">
-                <a16:creationId xmlns:a16="http://schemas.microsoft.com/office/drawing/2014/main" id="{A816B246-A768-4B2D-96C6-9F417852636C}"/>
-              </a:ext>
-            </a:extLst>
-          </p:cNvPr>
+          <p:cNvPr id="7" name="Slide Number Placeholder 6"/>
           <p:cNvSpPr>
             <a:spLocks noGrp="1"/>
           </p:cNvSpPr>
@@ -2535,7 +4706,7 @@
     </p:spTree>
     <p:extLst>
       <p:ext uri="{BB962C8B-B14F-4D97-AF65-F5344CB8AC3E}">
-        <p14:creationId xmlns:p14="http://schemas.microsoft.com/office/powerpoint/2010/main" val="736822924"/>
+        <p14:creationId xmlns:p14="http://schemas.microsoft.com/office/powerpoint/2010/main" val="1051678596"/>
       </p:ext>
     </p:extLst>
   </p:cSld>
@@ -2564,13 +4735,7 @@
       </p:grpSpPr>
       <p:sp>
         <p:nvSpPr>
-          <p:cNvPr id="2" name="Title 1">
-            <a:extLst>
-              <a:ext uri="{FF2B5EF4-FFF2-40B4-BE49-F238E27FC236}">
-                <a16:creationId xmlns:a16="http://schemas.microsoft.com/office/drawing/2014/main" id="{060CB0C8-915E-4BF2-976E-B8D7EDC591F9}"/>
-              </a:ext>
-            </a:extLst>
-          </p:cNvPr>
+          <p:cNvPr id="2" name="Title 1"/>
           <p:cNvSpPr>
             <a:spLocks noGrp="1"/>
           </p:cNvSpPr>
@@ -2580,17 +4745,17 @@
         </p:nvSpPr>
         <p:spPr>
           <a:xfrm>
-            <a:off x="839788" y="731520"/>
-            <a:ext cx="3932237" cy="2341564"/>
+            <a:off x="917227" y="609600"/>
+            <a:ext cx="5929773" cy="2362200"/>
           </a:xfrm>
         </p:spPr>
         <p:txBody>
           <a:bodyPr anchor="b">
-            <a:noAutofit/>
+            <a:normAutofit/>
           </a:bodyPr>
           <a:lstStyle>
             <a:lvl1pPr>
-              <a:defRPr sz="4400"/>
+              <a:defRPr sz="3200"/>
             </a:lvl1pPr>
           </a:lstStyle>
           <a:p>
@@ -2604,15 +4769,9 @@
       </p:sp>
       <p:sp>
         <p:nvSpPr>
-          <p:cNvPr id="3" name="Picture Placeholder 2">
-            <a:extLst>
-              <a:ext uri="{FF2B5EF4-FFF2-40B4-BE49-F238E27FC236}">
-                <a16:creationId xmlns:a16="http://schemas.microsoft.com/office/drawing/2014/main" id="{710714E6-8E50-4B50-A2E0-F9D20155EB9B}"/>
-              </a:ext>
-            </a:extLst>
-          </p:cNvPr>
-          <p:cNvSpPr>
-            <a:spLocks noGrp="1"/>
+          <p:cNvPr id="3" name="Picture Placeholder 2"/>
+          <p:cNvSpPr>
+            <a:spLocks noGrp="1" noChangeAspect="1"/>
           </p:cNvSpPr>
           <p:nvPr>
             <p:ph type="pic" idx="1"/>
@@ -2620,14 +4779,40 @@
         </p:nvSpPr>
         <p:spPr>
           <a:xfrm>
-            <a:off x="5183188" y="687257"/>
-            <a:ext cx="6172200" cy="5173794"/>
+            <a:off x="7424804" y="758881"/>
+            <a:ext cx="3255356" cy="4883038"/>
           </a:xfrm>
+          <a:noFill/>
+          <a:ln w="190500" cap="sq">
+            <a:solidFill>
+              <a:srgbClr val="FFFFFF"/>
+            </a:solidFill>
+            <a:miter lim="800000"/>
+          </a:ln>
+          <a:effectLst>
+            <a:outerShdw blurRad="55000" dist="18000" dir="5400000" algn="tl" rotWithShape="0">
+              <a:srgbClr val="000000">
+                <a:alpha val="40000"/>
+              </a:srgbClr>
+            </a:outerShdw>
+          </a:effectLst>
+          <a:scene3d>
+            <a:camera prst="orthographicFront"/>
+            <a:lightRig rig="twoPt" dir="t">
+              <a:rot lat="0" lon="0" rev="7200000"/>
+            </a:lightRig>
+          </a:scene3d>
+          <a:sp3d>
+            <a:bevelT w="25400" h="19050"/>
+            <a:contourClr>
+              <a:srgbClr val="FFFFFF"/>
+            </a:contourClr>
+          </a:sp3d>
         </p:spPr>
         <p:txBody>
-          <a:bodyPr/>
+          <a:bodyPr anchor="t"/>
           <a:lstStyle>
-            <a:lvl1pPr marL="0" indent="0">
+            <a:lvl1pPr marL="0" indent="0" algn="ctr">
               <a:buNone/>
               <a:defRPr sz="3200"/>
             </a:lvl1pPr>
@@ -2675,13 +4860,7 @@
       </p:sp>
       <p:sp>
         <p:nvSpPr>
-          <p:cNvPr id="4" name="Text Placeholder 3">
-            <a:extLst>
-              <a:ext uri="{FF2B5EF4-FFF2-40B4-BE49-F238E27FC236}">
-                <a16:creationId xmlns:a16="http://schemas.microsoft.com/office/drawing/2014/main" id="{E0D67A6C-5CA5-4EF0-B1C4-ED85FF255AE3}"/>
-              </a:ext>
-            </a:extLst>
-          </p:cNvPr>
+          <p:cNvPr id="4" name="Text Placeholder 3"/>
           <p:cNvSpPr>
             <a:spLocks noGrp="1"/>
           </p:cNvSpPr>
@@ -2691,8 +4870,8 @@
         </p:nvSpPr>
         <p:spPr>
           <a:xfrm>
-            <a:off x="839788" y="3429000"/>
-            <a:ext cx="3932237" cy="2439987"/>
+            <a:off x="913794" y="2971800"/>
+            <a:ext cx="5934950" cy="2819400"/>
           </a:xfrm>
         </p:spPr>
         <p:txBody>
@@ -2700,9 +4879,9 @@
             <a:normAutofit/>
           </a:bodyPr>
           <a:lstStyle>
-            <a:lvl1pPr marL="0" indent="0">
-              <a:buNone/>
-              <a:defRPr sz="2000"/>
+            <a:lvl1pPr marL="0" indent="0" algn="ctr">
+              <a:buNone/>
+              <a:defRPr sz="1800"/>
             </a:lvl1pPr>
             <a:lvl2pPr marL="457200" indent="0">
               <a:buNone/>
@@ -2748,13 +4927,7 @@
       </p:sp>
       <p:sp>
         <p:nvSpPr>
-          <p:cNvPr id="5" name="Date Placeholder 4">
-            <a:extLst>
-              <a:ext uri="{FF2B5EF4-FFF2-40B4-BE49-F238E27FC236}">
-                <a16:creationId xmlns:a16="http://schemas.microsoft.com/office/drawing/2014/main" id="{31C76474-31D4-4567-B4EC-B6AF24488AE7}"/>
-              </a:ext>
-            </a:extLst>
-          </p:cNvPr>
+          <p:cNvPr id="5" name="Date Placeholder 4"/>
           <p:cNvSpPr>
             <a:spLocks noGrp="1"/>
           </p:cNvSpPr>
@@ -2769,7 +4942,7 @@
           <a:p>
             <a:fld id="{8DA5FE4A-CB8D-40AB-BFFC-AAF37EA071CB}" type="datetime1">
               <a:rPr lang="en-US" smtClean="0"/>
-              <a:t>5/20/2023</a:t>
+              <a:t>5/26/2023</a:t>
             </a:fld>
             <a:endParaRPr lang="en-US"/>
           </a:p>
@@ -2777,13 +4950,7 @@
       </p:sp>
       <p:sp>
         <p:nvSpPr>
-          <p:cNvPr id="6" name="Footer Placeholder 5">
-            <a:extLst>
-              <a:ext uri="{FF2B5EF4-FFF2-40B4-BE49-F238E27FC236}">
-                <a16:creationId xmlns:a16="http://schemas.microsoft.com/office/drawing/2014/main" id="{5C902DE0-33F5-4372-8EB5-F5746D344A59}"/>
-              </a:ext>
-            </a:extLst>
-          </p:cNvPr>
+          <p:cNvPr id="6" name="Footer Placeholder 5"/>
           <p:cNvSpPr>
             <a:spLocks noGrp="1"/>
           </p:cNvSpPr>
@@ -2802,13 +4969,7 @@
       </p:sp>
       <p:sp>
         <p:nvSpPr>
-          <p:cNvPr id="7" name="Slide Number Placeholder 6">
-            <a:extLst>
-              <a:ext uri="{FF2B5EF4-FFF2-40B4-BE49-F238E27FC236}">
-                <a16:creationId xmlns:a16="http://schemas.microsoft.com/office/drawing/2014/main" id="{25C5C2EF-849D-4B2C-8ED6-D26553657DBA}"/>
-              </a:ext>
-            </a:extLst>
-          </p:cNvPr>
+          <p:cNvPr id="7" name="Slide Number Placeholder 6"/>
           <p:cNvSpPr>
             <a:spLocks noGrp="1"/>
           </p:cNvSpPr>
@@ -2832,7 +4993,7 @@
     </p:spTree>
     <p:extLst>
       <p:ext uri="{BB962C8B-B14F-4D97-AF65-F5344CB8AC3E}">
-        <p14:creationId xmlns:p14="http://schemas.microsoft.com/office/powerpoint/2010/main" val="865910607"/>
+        <p14:creationId xmlns:p14="http://schemas.microsoft.com/office/powerpoint/2010/main" val="4004063558"/>
       </p:ext>
     </p:extLst>
   </p:cSld>
@@ -2846,8 +5007,8 @@
 <p:sldMaster xmlns:a="http://schemas.openxmlformats.org/drawingml/2006/main" xmlns:r="http://schemas.openxmlformats.org/officeDocument/2006/relationships" xmlns:p="http://schemas.openxmlformats.org/presentationml/2006/main">
   <p:cSld>
     <p:bg>
-      <p:bgRef idx="1001">
-        <a:schemeClr val="bg1"/>
+      <p:bgRef idx="1003">
+        <a:schemeClr val="bg2"/>
       </p:bgRef>
     </p:bg>
     <p:spTree>
@@ -2866,428 +5027,18 @@
       </p:grpSpPr>
       <p:sp>
         <p:nvSpPr>
-          <p:cNvPr id="7" name="Rectangle 6">
-            <a:extLst>
-              <a:ext uri="{FF2B5EF4-FFF2-40B4-BE49-F238E27FC236}">
-                <a16:creationId xmlns:a16="http://schemas.microsoft.com/office/drawing/2014/main" id="{2293296F-4C3A-4530-98F5-F83646ACE913}"/>
-              </a:ext>
-              <a:ext uri="{C183D7F6-B498-43B3-948B-1728B52AA6E4}">
-                <adec:decorative xmlns:adec="http://schemas.microsoft.com/office/drawing/2017/decorative" val="1"/>
-              </a:ext>
-            </a:extLst>
-          </p:cNvPr>
-          <p:cNvSpPr/>
-          <p:nvPr/>
+          <p:cNvPr id="2" name="Title Placeholder 1"/>
+          <p:cNvSpPr>
+            <a:spLocks noGrp="1"/>
+          </p:cNvSpPr>
+          <p:nvPr>
+            <p:ph type="title"/>
+          </p:nvPr>
         </p:nvSpPr>
         <p:spPr>
           <a:xfrm>
-            <a:off x="2189" y="0"/>
-            <a:ext cx="12192000" cy="6857997"/>
-          </a:xfrm>
-          <a:prstGeom prst="rect">
-            <a:avLst/>
-          </a:prstGeom>
-          <a:solidFill>
-            <a:schemeClr val="bg2">
-              <a:lumMod val="60000"/>
-              <a:lumOff val="40000"/>
-            </a:schemeClr>
-          </a:solidFill>
-          <a:ln>
-            <a:noFill/>
-          </a:ln>
-        </p:spPr>
-        <p:style>
-          <a:lnRef idx="2">
-            <a:schemeClr val="accent1">
-              <a:shade val="50000"/>
-            </a:schemeClr>
-          </a:lnRef>
-          <a:fillRef idx="1">
-            <a:schemeClr val="accent1"/>
-          </a:fillRef>
-          <a:effectRef idx="0">
-            <a:schemeClr val="accent1"/>
-          </a:effectRef>
-          <a:fontRef idx="minor">
-            <a:schemeClr val="lt1"/>
-          </a:fontRef>
-        </p:style>
-        <p:txBody>
-          <a:bodyPr rtlCol="0" anchor="ctr"/>
-          <a:lstStyle/>
-          <a:p>
-            <a:pPr algn="ctr"/>
-            <a:endParaRPr lang="en-US" dirty="0"/>
-          </a:p>
-        </p:txBody>
-      </p:sp>
-      <p:grpSp>
-        <p:nvGrpSpPr>
-          <p:cNvPr id="8" name="Group 7">
-            <a:extLst>
-              <a:ext uri="{FF2B5EF4-FFF2-40B4-BE49-F238E27FC236}">
-                <a16:creationId xmlns:a16="http://schemas.microsoft.com/office/drawing/2014/main" id="{3914D2BD-3C47-433D-81FE-DC6C39595F0E}"/>
-              </a:ext>
-              <a:ext uri="{C183D7F6-B498-43B3-948B-1728B52AA6E4}">
-                <adec:decorative xmlns:adec="http://schemas.microsoft.com/office/drawing/2017/decorative" val="1"/>
-              </a:ext>
-            </a:extLst>
-          </p:cNvPr>
-          <p:cNvGrpSpPr/>
-          <p:nvPr/>
-        </p:nvGrpSpPr>
-        <p:grpSpPr>
-          <a:xfrm>
-            <a:off x="572" y="-1"/>
-            <a:ext cx="12192000" cy="6857996"/>
-            <a:chOff x="572" y="-1"/>
-            <a:chExt cx="12192000" cy="6857996"/>
-          </a:xfrm>
-        </p:grpSpPr>
-        <p:cxnSp>
-          <p:nvCxnSpPr>
-            <p:cNvPr id="9" name="Straight Connector 8">
-              <a:extLst>
-                <a:ext uri="{FF2B5EF4-FFF2-40B4-BE49-F238E27FC236}">
-                  <a16:creationId xmlns:a16="http://schemas.microsoft.com/office/drawing/2014/main" id="{D3DD55E4-EA4F-4874-8B5B-6E0EAF4BBFC4}"/>
-                </a:ext>
-              </a:extLst>
-            </p:cNvPr>
-            <p:cNvCxnSpPr>
-              <a:cxnSpLocks/>
-            </p:cNvCxnSpPr>
-            <p:nvPr/>
-          </p:nvCxnSpPr>
-          <p:spPr>
-            <a:xfrm>
-              <a:off x="1667" y="6276706"/>
-              <a:ext cx="12189811" cy="0"/>
-            </a:xfrm>
-            <a:prstGeom prst="line">
-              <a:avLst/>
-            </a:prstGeom>
-            <a:ln w="12700">
-              <a:solidFill>
-                <a:schemeClr val="accent4"/>
-              </a:solidFill>
-            </a:ln>
-          </p:spPr>
-          <p:style>
-            <a:lnRef idx="1">
-              <a:schemeClr val="accent1"/>
-            </a:lnRef>
-            <a:fillRef idx="0">
-              <a:schemeClr val="accent1"/>
-            </a:fillRef>
-            <a:effectRef idx="0">
-              <a:schemeClr val="accent1"/>
-            </a:effectRef>
-            <a:fontRef idx="minor">
-              <a:schemeClr val="tx1"/>
-            </a:fontRef>
-          </p:style>
-        </p:cxnSp>
-        <p:cxnSp>
-          <p:nvCxnSpPr>
-            <p:cNvPr id="10" name="Straight Connector 9">
-              <a:extLst>
-                <a:ext uri="{FF2B5EF4-FFF2-40B4-BE49-F238E27FC236}">
-                  <a16:creationId xmlns:a16="http://schemas.microsoft.com/office/drawing/2014/main" id="{32950BAF-7673-4138-AEA2-DE7D368CC357}"/>
-                </a:ext>
-              </a:extLst>
-            </p:cNvPr>
-            <p:cNvCxnSpPr>
-              <a:cxnSpLocks/>
-            </p:cNvCxnSpPr>
-            <p:nvPr/>
-          </p:nvCxnSpPr>
-          <p:spPr>
-            <a:xfrm>
-              <a:off x="572" y="580876"/>
-              <a:ext cx="12192000" cy="0"/>
-            </a:xfrm>
-            <a:prstGeom prst="line">
-              <a:avLst/>
-            </a:prstGeom>
-            <a:ln w="12700">
-              <a:solidFill>
-                <a:schemeClr val="accent4"/>
-              </a:solidFill>
-            </a:ln>
-          </p:spPr>
-          <p:style>
-            <a:lnRef idx="1">
-              <a:schemeClr val="accent1"/>
-            </a:lnRef>
-            <a:fillRef idx="0">
-              <a:schemeClr val="accent1"/>
-            </a:fillRef>
-            <a:effectRef idx="0">
-              <a:schemeClr val="accent1"/>
-            </a:effectRef>
-            <a:fontRef idx="minor">
-              <a:schemeClr val="tx1"/>
-            </a:fontRef>
-          </p:style>
-        </p:cxnSp>
-        <p:cxnSp>
-          <p:nvCxnSpPr>
-            <p:cNvPr id="11" name="Straight Connector 10">
-              <a:extLst>
-                <a:ext uri="{FF2B5EF4-FFF2-40B4-BE49-F238E27FC236}">
-                  <a16:creationId xmlns:a16="http://schemas.microsoft.com/office/drawing/2014/main" id="{6BE3E2B5-EA1C-415A-941A-843C7EA148E1}"/>
-                </a:ext>
-              </a:extLst>
-            </p:cNvPr>
-            <p:cNvCxnSpPr>
-              <a:cxnSpLocks/>
-            </p:cNvCxnSpPr>
-            <p:nvPr/>
-          </p:nvCxnSpPr>
-          <p:spPr>
-            <a:xfrm rot="16200000">
-              <a:off x="8134324" y="3428956"/>
-              <a:ext cx="6857912" cy="0"/>
-            </a:xfrm>
-            <a:prstGeom prst="line">
-              <a:avLst/>
-            </a:prstGeom>
-            <a:ln w="12700">
-              <a:solidFill>
-                <a:schemeClr val="accent4"/>
-              </a:solidFill>
-            </a:ln>
-          </p:spPr>
-          <p:style>
-            <a:lnRef idx="1">
-              <a:schemeClr val="accent1"/>
-            </a:lnRef>
-            <a:fillRef idx="0">
-              <a:schemeClr val="accent1"/>
-            </a:fillRef>
-            <a:effectRef idx="0">
-              <a:schemeClr val="accent1"/>
-            </a:effectRef>
-            <a:fontRef idx="minor">
-              <a:schemeClr val="tx1"/>
-            </a:fontRef>
-          </p:style>
-        </p:cxnSp>
-        <p:cxnSp>
-          <p:nvCxnSpPr>
-            <p:cNvPr id="12" name="Straight Connector 11">
-              <a:extLst>
-                <a:ext uri="{FF2B5EF4-FFF2-40B4-BE49-F238E27FC236}">
-                  <a16:creationId xmlns:a16="http://schemas.microsoft.com/office/drawing/2014/main" id="{087FA3A6-E398-4576-B6B8-3328028D84B2}"/>
-                </a:ext>
-              </a:extLst>
-            </p:cNvPr>
-            <p:cNvCxnSpPr>
-              <a:cxnSpLocks/>
-            </p:cNvCxnSpPr>
-            <p:nvPr/>
-          </p:nvCxnSpPr>
-          <p:spPr>
-            <a:xfrm rot="16200000">
-              <a:off x="-2794261" y="3428956"/>
-              <a:ext cx="6857912" cy="0"/>
-            </a:xfrm>
-            <a:prstGeom prst="line">
-              <a:avLst/>
-            </a:prstGeom>
-            <a:ln w="12700">
-              <a:solidFill>
-                <a:schemeClr val="accent4"/>
-              </a:solidFill>
-            </a:ln>
-          </p:spPr>
-          <p:style>
-            <a:lnRef idx="1">
-              <a:schemeClr val="accent1"/>
-            </a:lnRef>
-            <a:fillRef idx="0">
-              <a:schemeClr val="accent1"/>
-            </a:fillRef>
-            <a:effectRef idx="0">
-              <a:schemeClr val="accent1"/>
-            </a:effectRef>
-            <a:fontRef idx="minor">
-              <a:schemeClr val="tx1"/>
-            </a:fontRef>
-          </p:style>
-        </p:cxnSp>
-        <p:sp>
-          <p:nvSpPr>
-            <p:cNvPr id="13" name="Graphic 33">
-              <a:extLst>
-                <a:ext uri="{FF2B5EF4-FFF2-40B4-BE49-F238E27FC236}">
-                  <a16:creationId xmlns:a16="http://schemas.microsoft.com/office/drawing/2014/main" id="{EFB597D7-65E0-476A-B9EB-3AA6ED33884C}"/>
-                </a:ext>
-              </a:extLst>
-            </p:cNvPr>
-            <p:cNvSpPr/>
-            <p:nvPr/>
-          </p:nvSpPr>
-          <p:spPr>
-            <a:xfrm>
-              <a:off x="4277016" y="-1"/>
-              <a:ext cx="3637968" cy="580875"/>
-            </a:xfrm>
-            <a:custGeom>
-              <a:avLst/>
-              <a:gdLst>
-                <a:gd name="connsiteX0" fmla="*/ 0 w 2679858"/>
-                <a:gd name="connsiteY0" fmla="*/ 4953 h 434911"/>
-                <a:gd name="connsiteX1" fmla="*/ 1336548 w 2679858"/>
-                <a:gd name="connsiteY1" fmla="*/ 434912 h 434911"/>
-                <a:gd name="connsiteX2" fmla="*/ 2679859 w 2679858"/>
-                <a:gd name="connsiteY2" fmla="*/ 0 h 434911"/>
-              </a:gdLst>
-              <a:ahLst/>
-              <a:cxnLst>
-                <a:cxn ang="0">
-                  <a:pos x="connsiteX0" y="connsiteY0"/>
-                </a:cxn>
-                <a:cxn ang="0">
-                  <a:pos x="connsiteX1" y="connsiteY1"/>
-                </a:cxn>
-                <a:cxn ang="0">
-                  <a:pos x="connsiteX2" y="connsiteY2"/>
-                </a:cxn>
-              </a:cxnLst>
-              <a:rect l="l" t="t" r="r" b="b"/>
-              <a:pathLst>
-                <a:path w="2679858" h="434911">
-                  <a:moveTo>
-                    <a:pt x="0" y="4953"/>
-                  </a:moveTo>
-                  <a:cubicBezTo>
-                    <a:pt x="370427" y="274606"/>
-                    <a:pt x="833723" y="434912"/>
-                    <a:pt x="1336548" y="434912"/>
-                  </a:cubicBezTo>
-                  <a:cubicBezTo>
-                    <a:pt x="1842326" y="434912"/>
-                    <a:pt x="2308289" y="272701"/>
-                    <a:pt x="2679859" y="0"/>
-                  </a:cubicBezTo>
-                </a:path>
-              </a:pathLst>
-            </a:custGeom>
-            <a:noFill/>
-            <a:ln w="12700" cap="flat">
-              <a:solidFill>
-                <a:schemeClr val="accent4"/>
-              </a:solidFill>
-              <a:prstDash val="solid"/>
-              <a:miter/>
-            </a:ln>
-          </p:spPr>
-          <p:txBody>
-            <a:bodyPr rtlCol="0" anchor="ctr"/>
-            <a:lstStyle/>
-            <a:p>
-              <a:endParaRPr lang="en-US" dirty="0"/>
-            </a:p>
-          </p:txBody>
-        </p:sp>
-        <p:sp>
-          <p:nvSpPr>
-            <p:cNvPr id="14" name="Graphic 33">
-              <a:extLst>
-                <a:ext uri="{FF2B5EF4-FFF2-40B4-BE49-F238E27FC236}">
-                  <a16:creationId xmlns:a16="http://schemas.microsoft.com/office/drawing/2014/main" id="{11AA060A-BE0E-4687-8F9E-0E2955D9796D}"/>
-                </a:ext>
-              </a:extLst>
-            </p:cNvPr>
-            <p:cNvSpPr/>
-            <p:nvPr/>
-          </p:nvSpPr>
-          <p:spPr>
-            <a:xfrm rot="10800000">
-              <a:off x="4305089" y="6276705"/>
-              <a:ext cx="3581824" cy="581290"/>
-            </a:xfrm>
-            <a:custGeom>
-              <a:avLst/>
-              <a:gdLst>
-                <a:gd name="connsiteX0" fmla="*/ 0 w 2679858"/>
-                <a:gd name="connsiteY0" fmla="*/ 4953 h 434911"/>
-                <a:gd name="connsiteX1" fmla="*/ 1336548 w 2679858"/>
-                <a:gd name="connsiteY1" fmla="*/ 434912 h 434911"/>
-                <a:gd name="connsiteX2" fmla="*/ 2679859 w 2679858"/>
-                <a:gd name="connsiteY2" fmla="*/ 0 h 434911"/>
-              </a:gdLst>
-              <a:ahLst/>
-              <a:cxnLst>
-                <a:cxn ang="0">
-                  <a:pos x="connsiteX0" y="connsiteY0"/>
-                </a:cxn>
-                <a:cxn ang="0">
-                  <a:pos x="connsiteX1" y="connsiteY1"/>
-                </a:cxn>
-                <a:cxn ang="0">
-                  <a:pos x="connsiteX2" y="connsiteY2"/>
-                </a:cxn>
-              </a:cxnLst>
-              <a:rect l="l" t="t" r="r" b="b"/>
-              <a:pathLst>
-                <a:path w="2679858" h="434911">
-                  <a:moveTo>
-                    <a:pt x="0" y="4953"/>
-                  </a:moveTo>
-                  <a:cubicBezTo>
-                    <a:pt x="370427" y="274606"/>
-                    <a:pt x="833723" y="434912"/>
-                    <a:pt x="1336548" y="434912"/>
-                  </a:cubicBezTo>
-                  <a:cubicBezTo>
-                    <a:pt x="1842326" y="434912"/>
-                    <a:pt x="2308289" y="272701"/>
-                    <a:pt x="2679859" y="0"/>
-                  </a:cubicBezTo>
-                </a:path>
-              </a:pathLst>
-            </a:custGeom>
-            <a:noFill/>
-            <a:ln w="12700" cap="flat">
-              <a:solidFill>
-                <a:schemeClr val="accent4"/>
-              </a:solidFill>
-              <a:prstDash val="solid"/>
-              <a:miter/>
-            </a:ln>
-          </p:spPr>
-          <p:txBody>
-            <a:bodyPr rtlCol="0" anchor="ctr"/>
-            <a:lstStyle/>
-            <a:p>
-              <a:endParaRPr lang="en-US" dirty="0"/>
-            </a:p>
-          </p:txBody>
-        </p:sp>
-      </p:grpSp>
-      <p:sp>
-        <p:nvSpPr>
-          <p:cNvPr id="2" name="Title Placeholder 1">
-            <a:extLst>
-              <a:ext uri="{FF2B5EF4-FFF2-40B4-BE49-F238E27FC236}">
-                <a16:creationId xmlns:a16="http://schemas.microsoft.com/office/drawing/2014/main" id="{2D78318D-FE3E-41D7-9A8C-2065A2C46AF3}"/>
-              </a:ext>
-            </a:extLst>
-          </p:cNvPr>
-          <p:cNvSpPr>
-            <a:spLocks noGrp="1"/>
-          </p:cNvSpPr>
-          <p:nvPr>
-            <p:ph type="title"/>
-          </p:nvPr>
-        </p:nvSpPr>
-        <p:spPr>
-          <a:xfrm>
-            <a:off x="838200" y="727323"/>
-            <a:ext cx="10515600" cy="1325563"/>
+            <a:off x="913795" y="609600"/>
+            <a:ext cx="10353761" cy="1326321"/>
           </a:xfrm>
           <a:prstGeom prst="rect">
             <a:avLst/>
@@ -3309,13 +5060,7 @@
       </p:sp>
       <p:sp>
         <p:nvSpPr>
-          <p:cNvPr id="3" name="Text Placeholder 2">
-            <a:extLst>
-              <a:ext uri="{FF2B5EF4-FFF2-40B4-BE49-F238E27FC236}">
-                <a16:creationId xmlns:a16="http://schemas.microsoft.com/office/drawing/2014/main" id="{FDB06718-79E7-4159-A003-F86FE7B3D829}"/>
-              </a:ext>
-            </a:extLst>
-          </p:cNvPr>
+          <p:cNvPr id="3" name="Text Placeholder 2"/>
           <p:cNvSpPr>
             <a:spLocks noGrp="1"/>
           </p:cNvSpPr>
@@ -3325,8 +5070,8 @@
         </p:nvSpPr>
         <p:spPr>
           <a:xfrm>
-            <a:off x="838200" y="2189408"/>
-            <a:ext cx="10515600" cy="3821778"/>
+            <a:off x="913795" y="2096064"/>
+            <a:ext cx="10353762" cy="3695136"/>
           </a:xfrm>
           <a:prstGeom prst="rect">
             <a:avLst/>
@@ -3377,13 +5122,7 @@
       </p:sp>
       <p:sp>
         <p:nvSpPr>
-          <p:cNvPr id="4" name="Date Placeholder 3">
-            <a:extLst>
-              <a:ext uri="{FF2B5EF4-FFF2-40B4-BE49-F238E27FC236}">
-                <a16:creationId xmlns:a16="http://schemas.microsoft.com/office/drawing/2014/main" id="{5B1F99FF-FFE2-431D-A0C8-A46C21712A20}"/>
-              </a:ext>
-            </a:extLst>
-          </p:cNvPr>
+          <p:cNvPr id="4" name="Date Placeholder 3"/>
           <p:cNvSpPr>
             <a:spLocks noGrp="1"/>
           </p:cNvSpPr>
@@ -3393,7 +5132,7 @@
         </p:nvSpPr>
         <p:spPr>
           <a:xfrm>
-            <a:off x="838200" y="136525"/>
+            <a:off x="7678736" y="5883275"/>
             <a:ext cx="2743200" cy="365125"/>
           </a:xfrm>
           <a:prstGeom prst="rect">
@@ -3403,12 +5142,11 @@
         <p:txBody>
           <a:bodyPr vert="horz" lIns="91440" tIns="45720" rIns="91440" bIns="45720" rtlCol="0" anchor="ctr"/>
           <a:lstStyle>
-            <a:lvl1pPr algn="l">
-              <a:defRPr sz="800" cap="all" spc="150" baseline="0">
+            <a:lvl1pPr algn="r">
+              <a:defRPr sz="1000">
                 <a:solidFill>
-                  <a:schemeClr val="tx2">
-                    <a:lumMod val="60000"/>
-                    <a:lumOff val="40000"/>
+                  <a:schemeClr val="tx1">
+                    <a:tint val="75000"/>
                   </a:schemeClr>
                 </a:solidFill>
               </a:defRPr>
@@ -3417,7 +5155,7 @@
           <a:p>
             <a:fld id="{C0517C94-3B1E-4991-BED3-41F8B0158A00}" type="datetime1">
               <a:rPr lang="en-US" smtClean="0"/>
-              <a:t>5/20/2023</a:t>
+              <a:t>5/26/2023</a:t>
             </a:fld>
             <a:endParaRPr lang="en-US" dirty="0"/>
           </a:p>
@@ -3425,13 +5163,7 @@
       </p:sp>
       <p:sp>
         <p:nvSpPr>
-          <p:cNvPr id="5" name="Footer Placeholder 4">
-            <a:extLst>
-              <a:ext uri="{FF2B5EF4-FFF2-40B4-BE49-F238E27FC236}">
-                <a16:creationId xmlns:a16="http://schemas.microsoft.com/office/drawing/2014/main" id="{51C3547E-668D-4191-847C-7424F75496E6}"/>
-              </a:ext>
-            </a:extLst>
-          </p:cNvPr>
+          <p:cNvPr id="5" name="Footer Placeholder 4"/>
           <p:cNvSpPr>
             <a:spLocks noGrp="1"/>
           </p:cNvSpPr>
@@ -3441,8 +5173,8 @@
         </p:nvSpPr>
         <p:spPr>
           <a:xfrm>
-            <a:off x="838200" y="6356350"/>
-            <a:ext cx="3450659" cy="365125"/>
+            <a:off x="913794" y="5883275"/>
+            <a:ext cx="6672865" cy="365125"/>
           </a:xfrm>
           <a:prstGeom prst="rect">
             <a:avLst/>
@@ -3452,11 +5184,10 @@
           <a:bodyPr vert="horz" lIns="91440" tIns="45720" rIns="91440" bIns="45720" rtlCol="0" anchor="ctr"/>
           <a:lstStyle>
             <a:lvl1pPr algn="l">
-              <a:defRPr sz="800" cap="all" spc="150" baseline="0">
+              <a:defRPr sz="1000">
                 <a:solidFill>
-                  <a:schemeClr val="tx2">
-                    <a:lumMod val="60000"/>
-                    <a:lumOff val="40000"/>
+                  <a:schemeClr val="tx1">
+                    <a:tint val="75000"/>
                   </a:schemeClr>
                 </a:solidFill>
               </a:defRPr>
@@ -3469,13 +5200,7 @@
       </p:sp>
       <p:sp>
         <p:nvSpPr>
-          <p:cNvPr id="6" name="Slide Number Placeholder 5">
-            <a:extLst>
-              <a:ext uri="{FF2B5EF4-FFF2-40B4-BE49-F238E27FC236}">
-                <a16:creationId xmlns:a16="http://schemas.microsoft.com/office/drawing/2014/main" id="{8CBB6E6E-8527-4F63-A0C7-84CD44A2B00D}"/>
-              </a:ext>
-            </a:extLst>
-          </p:cNvPr>
+          <p:cNvPr id="6" name="Slide Number Placeholder 5"/>
           <p:cNvSpPr>
             <a:spLocks noGrp="1"/>
           </p:cNvSpPr>
@@ -3485,8 +5210,8 @@
         </p:nvSpPr>
         <p:spPr>
           <a:xfrm>
-            <a:off x="11563467" y="3246434"/>
-            <a:ext cx="628533" cy="365125"/>
+            <a:off x="10514011" y="5883275"/>
+            <a:ext cx="753545" cy="365125"/>
           </a:xfrm>
           <a:prstGeom prst="rect">
             <a:avLst/>
@@ -3495,12 +5220,11 @@
         <p:txBody>
           <a:bodyPr vert="horz" lIns="91440" tIns="45720" rIns="91440" bIns="45720" rtlCol="0" anchor="ctr"/>
           <a:lstStyle>
-            <a:lvl1pPr algn="ctr">
-              <a:defRPr sz="1100" cap="all" spc="150" baseline="0">
+            <a:lvl1pPr algn="r">
+              <a:defRPr sz="1000">
                 <a:solidFill>
-                  <a:schemeClr val="tx2">
-                    <a:lumMod val="60000"/>
-                    <a:lumOff val="40000"/>
+                  <a:schemeClr val="tx1">
+                    <a:tint val="75000"/>
                   </a:schemeClr>
                 </a:solidFill>
               </a:defRPr>
@@ -3519,42 +5243,52 @@
     </p:spTree>
     <p:extLst>
       <p:ext uri="{BB962C8B-B14F-4D97-AF65-F5344CB8AC3E}">
-        <p14:creationId xmlns:p14="http://schemas.microsoft.com/office/powerpoint/2010/main" val="4151402900"/>
+        <p14:creationId xmlns:p14="http://schemas.microsoft.com/office/powerpoint/2010/main" val="89324943"/>
       </p:ext>
     </p:extLst>
   </p:cSld>
-  <p:clrMap bg1="lt1" tx1="dk1" bg2="lt2" tx2="dk2" accent1="accent1" accent2="accent2" accent3="accent3" accent4="accent4" accent5="accent5" accent6="accent6" hlink="hlink" folHlink="folHlink"/>
+  <p:clrMap bg1="dk1" tx1="lt1" bg2="dk2" tx2="lt2" accent1="accent1" accent2="accent2" accent3="accent3" accent4="accent4" accent5="accent5" accent6="accent6" hlink="hlink" folHlink="folHlink"/>
   <p:sldLayoutIdLst>
-    <p:sldLayoutId id="2147483879" r:id="rId1"/>
-    <p:sldLayoutId id="2147483880" r:id="rId2"/>
-    <p:sldLayoutId id="2147483881" r:id="rId3"/>
-    <p:sldLayoutId id="2147483882" r:id="rId4"/>
-    <p:sldLayoutId id="2147483883" r:id="rId5"/>
-    <p:sldLayoutId id="2147483884" r:id="rId6"/>
-    <p:sldLayoutId id="2147483885" r:id="rId7"/>
-    <p:sldLayoutId id="2147483886" r:id="rId8"/>
-    <p:sldLayoutId id="2147483887" r:id="rId9"/>
-    <p:sldLayoutId id="2147483888" r:id="rId10"/>
-    <p:sldLayoutId id="2147483889" r:id="rId11"/>
+    <p:sldLayoutId id="2147483928" r:id="rId1"/>
+    <p:sldLayoutId id="2147483929" r:id="rId2"/>
+    <p:sldLayoutId id="2147483930" r:id="rId3"/>
+    <p:sldLayoutId id="2147483931" r:id="rId4"/>
+    <p:sldLayoutId id="2147483932" r:id="rId5"/>
+    <p:sldLayoutId id="2147483933" r:id="rId6"/>
+    <p:sldLayoutId id="2147483934" r:id="rId7"/>
+    <p:sldLayoutId id="2147483935" r:id="rId8"/>
+    <p:sldLayoutId id="2147483936" r:id="rId9"/>
+    <p:sldLayoutId id="2147483937" r:id="rId10"/>
+    <p:sldLayoutId id="2147483938" r:id="rId11"/>
+    <p:sldLayoutId id="2147483939" r:id="rId12"/>
+    <p:sldLayoutId id="2147483940" r:id="rId13"/>
+    <p:sldLayoutId id="2147483941" r:id="rId14"/>
+    <p:sldLayoutId id="2147483942" r:id="rId15"/>
+    <p:sldLayoutId id="2147483943" r:id="rId16"/>
+    <p:sldLayoutId id="2147483944" r:id="rId17"/>
   </p:sldLayoutIdLst>
   <p:hf sldNum="0" hdr="0" ftr="0" dt="0"/>
   <p:txStyles>
     <p:titleStyle>
-      <a:lvl1pPr algn="l" defTabSz="914400" rtl="0" eaLnBrk="1" latinLnBrk="0" hangingPunct="1">
+      <a:lvl1pPr algn="ctr" defTabSz="914400" rtl="0" eaLnBrk="1" latinLnBrk="0" hangingPunct="1">
         <a:lnSpc>
-          <a:spcPct val="100000"/>
+          <a:spcPct val="90000"/>
         </a:lnSpc>
         <a:spcBef>
           <a:spcPct val="0"/>
         </a:spcBef>
         <a:buNone/>
-        <a:defRPr sz="4400" kern="1200">
+        <a:defRPr sz="3400" b="1" i="0" kern="1200" cap="all">
           <a:solidFill>
-            <a:schemeClr val="tx2">
-              <a:lumMod val="60000"/>
-              <a:lumOff val="40000"/>
-            </a:schemeClr>
+            <a:schemeClr val="tx1"/>
           </a:solidFill>
+          <a:effectLst>
+            <a:outerShdw blurRad="50800" dist="63500" dir="2700000" algn="tl" rotWithShape="0">
+              <a:srgbClr val="000000">
+                <a:alpha val="48000"/>
+              </a:srgbClr>
+            </a:outerShdw>
+          </a:effectLst>
           <a:latin typeface="+mj-lt"/>
           <a:ea typeface="+mj-ea"/>
           <a:cs typeface="+mj-cs"/>
@@ -3564,20 +5298,24 @@
     <p:bodyStyle>
       <a:lvl1pPr marL="228600" indent="-228600" algn="l" defTabSz="914400" rtl="0" eaLnBrk="1" latinLnBrk="0" hangingPunct="1">
         <a:lnSpc>
-          <a:spcPct val="110000"/>
+          <a:spcPct val="120000"/>
         </a:lnSpc>
         <a:spcBef>
           <a:spcPts val="1000"/>
         </a:spcBef>
         <a:buFont typeface="Arial" panose="020B0604020202020204" pitchFamily="34" charset="0"/>
         <a:buChar char="•"/>
-        <a:defRPr sz="1800" kern="1200">
+        <a:defRPr sz="2000" kern="1200">
           <a:solidFill>
-            <a:schemeClr val="tx2">
-              <a:lumMod val="60000"/>
-              <a:lumOff val="40000"/>
-            </a:schemeClr>
+            <a:schemeClr val="tx1"/>
           </a:solidFill>
+          <a:effectLst>
+            <a:outerShdw blurRad="50800" dist="38100" dir="2700000" algn="tl" rotWithShape="0">
+              <a:srgbClr val="000000">
+                <a:alpha val="48000"/>
+              </a:srgbClr>
+            </a:outerShdw>
+          </a:effectLst>
           <a:latin typeface="+mn-lt"/>
           <a:ea typeface="+mn-ea"/>
           <a:cs typeface="+mn-cs"/>
@@ -3585,91 +5323,7 @@
       </a:lvl1pPr>
       <a:lvl2pPr marL="685800" indent="-228600" algn="l" defTabSz="914400" rtl="0" eaLnBrk="1" latinLnBrk="0" hangingPunct="1">
         <a:lnSpc>
-          <a:spcPct val="110000"/>
-        </a:lnSpc>
-        <a:spcBef>
-          <a:spcPts val="500"/>
-        </a:spcBef>
-        <a:buFont typeface="Arial" panose="020B0604020202020204" pitchFamily="34" charset="0"/>
-        <a:buChar char="•"/>
-        <a:defRPr sz="1600" kern="1200">
-          <a:solidFill>
-            <a:schemeClr val="tx2">
-              <a:lumMod val="60000"/>
-              <a:lumOff val="40000"/>
-            </a:schemeClr>
-          </a:solidFill>
-          <a:latin typeface="+mn-lt"/>
-          <a:ea typeface="+mn-ea"/>
-          <a:cs typeface="+mn-cs"/>
-        </a:defRPr>
-      </a:lvl2pPr>
-      <a:lvl3pPr marL="1143000" indent="-228600" algn="l" defTabSz="914400" rtl="0" eaLnBrk="1" latinLnBrk="0" hangingPunct="1">
-        <a:lnSpc>
-          <a:spcPct val="110000"/>
-        </a:lnSpc>
-        <a:spcBef>
-          <a:spcPts val="500"/>
-        </a:spcBef>
-        <a:buFont typeface="Arial" panose="020B0604020202020204" pitchFamily="34" charset="0"/>
-        <a:buChar char="•"/>
-        <a:defRPr sz="1400" kern="1200">
-          <a:solidFill>
-            <a:schemeClr val="tx2">
-              <a:lumMod val="60000"/>
-              <a:lumOff val="40000"/>
-            </a:schemeClr>
-          </a:solidFill>
-          <a:latin typeface="+mn-lt"/>
-          <a:ea typeface="+mn-ea"/>
-          <a:cs typeface="+mn-cs"/>
-        </a:defRPr>
-      </a:lvl3pPr>
-      <a:lvl4pPr marL="1600200" indent="-228600" algn="l" defTabSz="914400" rtl="0" eaLnBrk="1" latinLnBrk="0" hangingPunct="1">
-        <a:lnSpc>
-          <a:spcPct val="110000"/>
-        </a:lnSpc>
-        <a:spcBef>
-          <a:spcPts val="500"/>
-        </a:spcBef>
-        <a:buFont typeface="Arial" panose="020B0604020202020204" pitchFamily="34" charset="0"/>
-        <a:buChar char="•"/>
-        <a:defRPr sz="1200" kern="1200">
-          <a:solidFill>
-            <a:schemeClr val="tx2">
-              <a:lumMod val="60000"/>
-              <a:lumOff val="40000"/>
-            </a:schemeClr>
-          </a:solidFill>
-          <a:latin typeface="+mn-lt"/>
-          <a:ea typeface="+mn-ea"/>
-          <a:cs typeface="+mn-cs"/>
-        </a:defRPr>
-      </a:lvl4pPr>
-      <a:lvl5pPr marL="2057400" indent="-228600" algn="l" defTabSz="914400" rtl="0" eaLnBrk="1" latinLnBrk="0" hangingPunct="1">
-        <a:lnSpc>
-          <a:spcPct val="110000"/>
-        </a:lnSpc>
-        <a:spcBef>
-          <a:spcPts val="500"/>
-        </a:spcBef>
-        <a:buFont typeface="Arial" panose="020B0604020202020204" pitchFamily="34" charset="0"/>
-        <a:buChar char="•"/>
-        <a:defRPr sz="1200" kern="1200">
-          <a:solidFill>
-            <a:schemeClr val="tx2">
-              <a:lumMod val="60000"/>
-              <a:lumOff val="40000"/>
-            </a:schemeClr>
-          </a:solidFill>
-          <a:latin typeface="+mn-lt"/>
-          <a:ea typeface="+mn-ea"/>
-          <a:cs typeface="+mn-cs"/>
-        </a:defRPr>
-      </a:lvl5pPr>
-      <a:lvl6pPr marL="2514600" indent="-228600" algn="l" defTabSz="914400" rtl="0" eaLnBrk="1" latinLnBrk="0" hangingPunct="1">
-        <a:lnSpc>
-          <a:spcPct val="90000"/>
+          <a:spcPct val="120000"/>
         </a:lnSpc>
         <a:spcBef>
           <a:spcPts val="500"/>
@@ -3680,6 +5334,113 @@
           <a:solidFill>
             <a:schemeClr val="tx1"/>
           </a:solidFill>
+          <a:effectLst>
+            <a:outerShdw blurRad="50800" dist="38100" dir="2700000" algn="tl" rotWithShape="0">
+              <a:srgbClr val="000000">
+                <a:alpha val="48000"/>
+              </a:srgbClr>
+            </a:outerShdw>
+          </a:effectLst>
+          <a:latin typeface="+mn-lt"/>
+          <a:ea typeface="+mn-ea"/>
+          <a:cs typeface="+mn-cs"/>
+        </a:defRPr>
+      </a:lvl2pPr>
+      <a:lvl3pPr marL="1143000" indent="-228600" algn="l" defTabSz="914400" rtl="0" eaLnBrk="1" latinLnBrk="0" hangingPunct="1">
+        <a:lnSpc>
+          <a:spcPct val="120000"/>
+        </a:lnSpc>
+        <a:spcBef>
+          <a:spcPts val="500"/>
+        </a:spcBef>
+        <a:buFont typeface="Arial" panose="020B0604020202020204" pitchFamily="34" charset="0"/>
+        <a:buChar char="•"/>
+        <a:defRPr sz="1600" kern="1200">
+          <a:solidFill>
+            <a:schemeClr val="tx1"/>
+          </a:solidFill>
+          <a:effectLst>
+            <a:outerShdw blurRad="50800" dist="38100" dir="2700000" algn="tl" rotWithShape="0">
+              <a:srgbClr val="000000">
+                <a:alpha val="48000"/>
+              </a:srgbClr>
+            </a:outerShdw>
+          </a:effectLst>
+          <a:latin typeface="+mn-lt"/>
+          <a:ea typeface="+mn-ea"/>
+          <a:cs typeface="+mn-cs"/>
+        </a:defRPr>
+      </a:lvl3pPr>
+      <a:lvl4pPr marL="1600200" indent="-228600" algn="l" defTabSz="914400" rtl="0" eaLnBrk="1" latinLnBrk="0" hangingPunct="1">
+        <a:lnSpc>
+          <a:spcPct val="120000"/>
+        </a:lnSpc>
+        <a:spcBef>
+          <a:spcPts val="500"/>
+        </a:spcBef>
+        <a:buFont typeface="Arial" panose="020B0604020202020204" pitchFamily="34" charset="0"/>
+        <a:buChar char="•"/>
+        <a:defRPr sz="1400" kern="1200">
+          <a:solidFill>
+            <a:schemeClr val="tx1"/>
+          </a:solidFill>
+          <a:effectLst>
+            <a:outerShdw blurRad="50800" dist="38100" dir="2700000" algn="tl" rotWithShape="0">
+              <a:srgbClr val="000000">
+                <a:alpha val="48000"/>
+              </a:srgbClr>
+            </a:outerShdw>
+          </a:effectLst>
+          <a:latin typeface="+mn-lt"/>
+          <a:ea typeface="+mn-ea"/>
+          <a:cs typeface="+mn-cs"/>
+        </a:defRPr>
+      </a:lvl4pPr>
+      <a:lvl5pPr marL="2057400" indent="-228600" algn="l" defTabSz="914400" rtl="0" eaLnBrk="1" latinLnBrk="0" hangingPunct="1">
+        <a:lnSpc>
+          <a:spcPct val="120000"/>
+        </a:lnSpc>
+        <a:spcBef>
+          <a:spcPts val="500"/>
+        </a:spcBef>
+        <a:buFont typeface="Arial" panose="020B0604020202020204" pitchFamily="34" charset="0"/>
+        <a:buChar char="•"/>
+        <a:defRPr sz="1200" kern="1200">
+          <a:solidFill>
+            <a:schemeClr val="tx1"/>
+          </a:solidFill>
+          <a:effectLst>
+            <a:outerShdw blurRad="50800" dist="38100" dir="2700000" algn="tl" rotWithShape="0">
+              <a:srgbClr val="000000">
+                <a:alpha val="48000"/>
+              </a:srgbClr>
+            </a:outerShdw>
+          </a:effectLst>
+          <a:latin typeface="+mn-lt"/>
+          <a:ea typeface="+mn-ea"/>
+          <a:cs typeface="+mn-cs"/>
+        </a:defRPr>
+      </a:lvl5pPr>
+      <a:lvl6pPr marL="2514600" indent="-228600" algn="l" defTabSz="914400" rtl="0" eaLnBrk="1" latinLnBrk="0" hangingPunct="1">
+        <a:lnSpc>
+          <a:spcPct val="120000"/>
+        </a:lnSpc>
+        <a:spcBef>
+          <a:spcPts val="500"/>
+        </a:spcBef>
+        <a:buFont typeface="Arial" panose="020B0604020202020204" pitchFamily="34" charset="0"/>
+        <a:buChar char="•"/>
+        <a:defRPr sz="1200" kern="1200">
+          <a:solidFill>
+            <a:schemeClr val="tx1"/>
+          </a:solidFill>
+          <a:effectLst>
+            <a:outerShdw blurRad="50800" dist="38100" dir="2700000" algn="tl" rotWithShape="0">
+              <a:srgbClr val="000000">
+                <a:alpha val="48000"/>
+              </a:srgbClr>
+            </a:outerShdw>
+          </a:effectLst>
           <a:latin typeface="+mn-lt"/>
           <a:ea typeface="+mn-ea"/>
           <a:cs typeface="+mn-cs"/>
@@ -3687,17 +5448,24 @@
       </a:lvl6pPr>
       <a:lvl7pPr marL="2971800" indent="-228600" algn="l" defTabSz="914400" rtl="0" eaLnBrk="1" latinLnBrk="0" hangingPunct="1">
         <a:lnSpc>
-          <a:spcPct val="90000"/>
+          <a:spcPct val="120000"/>
         </a:lnSpc>
         <a:spcBef>
           <a:spcPts val="500"/>
         </a:spcBef>
         <a:buFont typeface="Arial" panose="020B0604020202020204" pitchFamily="34" charset="0"/>
         <a:buChar char="•"/>
-        <a:defRPr sz="1800" kern="1200">
+        <a:defRPr sz="1200" kern="1200">
           <a:solidFill>
             <a:schemeClr val="tx1"/>
           </a:solidFill>
+          <a:effectLst>
+            <a:outerShdw blurRad="50800" dist="38100" dir="2700000" algn="tl" rotWithShape="0">
+              <a:srgbClr val="000000">
+                <a:alpha val="48000"/>
+              </a:srgbClr>
+            </a:outerShdw>
+          </a:effectLst>
           <a:latin typeface="+mn-lt"/>
           <a:ea typeface="+mn-ea"/>
           <a:cs typeface="+mn-cs"/>
@@ -3705,17 +5473,24 @@
       </a:lvl7pPr>
       <a:lvl8pPr marL="3429000" indent="-228600" algn="l" defTabSz="914400" rtl="0" eaLnBrk="1" latinLnBrk="0" hangingPunct="1">
         <a:lnSpc>
-          <a:spcPct val="90000"/>
+          <a:spcPct val="120000"/>
         </a:lnSpc>
         <a:spcBef>
           <a:spcPts val="500"/>
         </a:spcBef>
         <a:buFont typeface="Arial" panose="020B0604020202020204" pitchFamily="34" charset="0"/>
         <a:buChar char="•"/>
-        <a:defRPr sz="1800" kern="1200">
+        <a:defRPr sz="1200" kern="1200">
           <a:solidFill>
             <a:schemeClr val="tx1"/>
           </a:solidFill>
+          <a:effectLst>
+            <a:outerShdw blurRad="50800" dist="38100" dir="2700000" algn="tl" rotWithShape="0">
+              <a:srgbClr val="000000">
+                <a:alpha val="48000"/>
+              </a:srgbClr>
+            </a:outerShdw>
+          </a:effectLst>
           <a:latin typeface="+mn-lt"/>
           <a:ea typeface="+mn-ea"/>
           <a:cs typeface="+mn-cs"/>
@@ -3723,17 +5498,24 @@
       </a:lvl8pPr>
       <a:lvl9pPr marL="3886200" indent="-228600" algn="l" defTabSz="914400" rtl="0" eaLnBrk="1" latinLnBrk="0" hangingPunct="1">
         <a:lnSpc>
-          <a:spcPct val="90000"/>
+          <a:spcPct val="120000"/>
         </a:lnSpc>
         <a:spcBef>
           <a:spcPts val="500"/>
         </a:spcBef>
         <a:buFont typeface="Arial" panose="020B0604020202020204" pitchFamily="34" charset="0"/>
         <a:buChar char="•"/>
-        <a:defRPr sz="1800" kern="1200">
+        <a:defRPr sz="1200" kern="1200">
           <a:solidFill>
             <a:schemeClr val="tx1"/>
           </a:solidFill>
+          <a:effectLst>
+            <a:outerShdw blurRad="50800" dist="38100" dir="2700000" algn="tl" rotWithShape="0">
+              <a:srgbClr val="000000">
+                <a:alpha val="48000"/>
+              </a:srgbClr>
+            </a:outerShdw>
+          </a:effectLst>
           <a:latin typeface="+mn-lt"/>
           <a:ea typeface="+mn-ea"/>
           <a:cs typeface="+mn-cs"/>
@@ -3844,9 +5626,14 @@
   <p:cSld>
     <p:bg>
       <p:bgPr>
-        <a:solidFill>
-          <a:schemeClr val="bg1"/>
-        </a:solidFill>
+        <a:pattFill prst="pct5">
+          <a:fgClr>
+            <a:schemeClr val="accent1"/>
+          </a:fgClr>
+          <a:bgClr>
+            <a:schemeClr val="bg1"/>
+          </a:bgClr>
+        </a:pattFill>
         <a:effectLst/>
       </p:bgPr>
     </p:bg>
@@ -3864,129 +5651,6 @@
           <a:chExt cx="0" cy="0"/>
         </a:xfrm>
       </p:grpSpPr>
-      <p:sp useBgFill="1">
-        <p:nvSpPr>
-          <p:cNvPr id="9" name="Rectangle 8">
-            <a:extLst>
-              <a:ext uri="{FF2B5EF4-FFF2-40B4-BE49-F238E27FC236}">
-                <a16:creationId xmlns:a16="http://schemas.microsoft.com/office/drawing/2014/main" id="{A38827F1-3359-44F6-9009-43AE2B17FEAD}"/>
-              </a:ext>
-              <a:ext uri="{C183D7F6-B498-43B3-948B-1728B52AA6E4}">
-                <adec:decorative xmlns:adec="http://schemas.microsoft.com/office/drawing/2017/decorative" val="1"/>
-              </a:ext>
-            </a:extLst>
-          </p:cNvPr>
-          <p:cNvSpPr>
-            <a:spLocks noGrp="1" noRot="1" noChangeAspect="1" noMove="1" noResize="1" noEditPoints="1" noAdjustHandles="1" noChangeArrowheads="1" noChangeShapeType="1" noTextEdit="1"/>
-          </p:cNvSpPr>
-          <p:nvPr>
-            <p:extLst>
-              <p:ext uri="{386F3935-93C4-4BCD-93E2-E3B085C9AB24}">
-                <p16:designElem xmlns:p16="http://schemas.microsoft.com/office/powerpoint/2015/main" val="1"/>
-              </p:ext>
-            </p:extLst>
-          </p:nvPr>
-        </p:nvSpPr>
-        <p:spPr>
-          <a:xfrm>
-            <a:off x="-1" y="3"/>
-            <a:ext cx="12192001" cy="6857997"/>
-          </a:xfrm>
-          <a:prstGeom prst="rect">
-            <a:avLst/>
-          </a:prstGeom>
-          <a:ln>
-            <a:noFill/>
-          </a:ln>
-        </p:spPr>
-        <p:style>
-          <a:lnRef idx="2">
-            <a:schemeClr val="accent1">
-              <a:shade val="50000"/>
-            </a:schemeClr>
-          </a:lnRef>
-          <a:fillRef idx="1">
-            <a:schemeClr val="accent1"/>
-          </a:fillRef>
-          <a:effectRef idx="0">
-            <a:schemeClr val="accent1"/>
-          </a:effectRef>
-          <a:fontRef idx="minor">
-            <a:schemeClr val="lt1"/>
-          </a:fontRef>
-        </p:style>
-        <p:txBody>
-          <a:bodyPr rtlCol="0" anchor="ctr"/>
-          <a:lstStyle/>
-          <a:p>
-            <a:pPr algn="ctr"/>
-            <a:endParaRPr lang="en-US"/>
-          </a:p>
-        </p:txBody>
-      </p:sp>
-      <p:sp>
-        <p:nvSpPr>
-          <p:cNvPr id="11" name="Rectangle 10">
-            <a:extLst>
-              <a:ext uri="{FF2B5EF4-FFF2-40B4-BE49-F238E27FC236}">
-                <a16:creationId xmlns:a16="http://schemas.microsoft.com/office/drawing/2014/main" id="{17AFAD67-5350-4773-886F-D6DD7E66DB04}"/>
-              </a:ext>
-              <a:ext uri="{C183D7F6-B498-43B3-948B-1728B52AA6E4}">
-                <adec:decorative xmlns:adec="http://schemas.microsoft.com/office/drawing/2017/decorative" val="1"/>
-              </a:ext>
-            </a:extLst>
-          </p:cNvPr>
-          <p:cNvSpPr>
-            <a:spLocks noGrp="1" noRot="1" noChangeAspect="1" noMove="1" noResize="1" noEditPoints="1" noAdjustHandles="1" noChangeArrowheads="1" noChangeShapeType="1" noTextEdit="1"/>
-          </p:cNvSpPr>
-          <p:nvPr>
-            <p:extLst>
-              <p:ext uri="{386F3935-93C4-4BCD-93E2-E3B085C9AB24}">
-                <p16:designElem xmlns:p16="http://schemas.microsoft.com/office/powerpoint/2015/main" val="1"/>
-              </p:ext>
-            </p:extLst>
-          </p:nvPr>
-        </p:nvSpPr>
-        <p:spPr>
-          <a:xfrm>
-            <a:off x="0" y="0"/>
-            <a:ext cx="12192000" cy="6873465"/>
-          </a:xfrm>
-          <a:prstGeom prst="rect">
-            <a:avLst/>
-          </a:prstGeom>
-          <a:solidFill>
-            <a:srgbClr val="000000"/>
-          </a:solidFill>
-          <a:ln>
-            <a:noFill/>
-          </a:ln>
-        </p:spPr>
-        <p:style>
-          <a:lnRef idx="2">
-            <a:schemeClr val="accent1">
-              <a:shade val="50000"/>
-            </a:schemeClr>
-          </a:lnRef>
-          <a:fillRef idx="1">
-            <a:schemeClr val="accent1"/>
-          </a:fillRef>
-          <a:effectRef idx="0">
-            <a:schemeClr val="accent1"/>
-          </a:effectRef>
-          <a:fontRef idx="minor">
-            <a:schemeClr val="lt1"/>
-          </a:fontRef>
-        </p:style>
-        <p:txBody>
-          <a:bodyPr rtlCol="0" anchor="ctr"/>
-          <a:lstStyle/>
-          <a:p>
-            <a:pPr algn="ctr"/>
-            <a:endParaRPr lang="en-US"/>
-          </a:p>
-        </p:txBody>
-      </p:sp>
       <p:pic>
         <p:nvPicPr>
           <p:cNvPr id="4" name="Picture 3">
@@ -4021,474 +5685,6 @@
           </a:ln>
         </p:spPr>
       </p:pic>
-      <p:grpSp>
-        <p:nvGrpSpPr>
-          <p:cNvPr id="21" name="Group 12">
-            <a:extLst>
-              <a:ext uri="{FF2B5EF4-FFF2-40B4-BE49-F238E27FC236}">
-                <a16:creationId xmlns:a16="http://schemas.microsoft.com/office/drawing/2014/main" id="{654AC0FE-C43D-49AC-9730-284354DEC86E}"/>
-              </a:ext>
-              <a:ext uri="{C183D7F6-B498-43B3-948B-1728B52AA6E4}">
-                <adec:decorative xmlns:adec="http://schemas.microsoft.com/office/drawing/2017/decorative" val="1"/>
-              </a:ext>
-            </a:extLst>
-          </p:cNvPr>
-          <p:cNvGrpSpPr>
-            <a:grpSpLocks noGrp="1" noUngrp="1" noRot="1" noChangeAspect="1" noMove="1" noResize="1"/>
-          </p:cNvGrpSpPr>
-          <p:nvPr>
-            <p:extLst>
-              <p:ext uri="{386F3935-93C4-4BCD-93E2-E3B085C9AB24}">
-                <p16:designElem xmlns:p16="http://schemas.microsoft.com/office/powerpoint/2015/main" val="1"/>
-              </p:ext>
-            </p:extLst>
-          </p:nvPr>
-        </p:nvGrpSpPr>
-        <p:grpSpPr>
-          <a:xfrm>
-            <a:off x="628366" y="87"/>
-            <a:ext cx="10933011" cy="6864297"/>
-            <a:chOff x="628366" y="87"/>
-            <a:chExt cx="10933011" cy="6864297"/>
-          </a:xfrm>
-        </p:grpSpPr>
-        <p:cxnSp>
-          <p:nvCxnSpPr>
-            <p:cNvPr id="22" name="Straight Connector 13">
-              <a:extLst>
-                <a:ext uri="{FF2B5EF4-FFF2-40B4-BE49-F238E27FC236}">
-                  <a16:creationId xmlns:a16="http://schemas.microsoft.com/office/drawing/2014/main" id="{246F6FE9-8F24-4E96-8FA6-DABE61A20CF5}"/>
-                </a:ext>
-                <a:ext uri="{C183D7F6-B498-43B3-948B-1728B52AA6E4}">
-                  <adec:decorative xmlns:adec="http://schemas.microsoft.com/office/drawing/2017/decorative" val="1"/>
-                </a:ext>
-              </a:extLst>
-            </p:cNvPr>
-            <p:cNvCxnSpPr>
-              <a:cxnSpLocks/>
-            </p:cNvCxnSpPr>
-            <p:nvPr>
-              <p:extLst>
-                <p:ext uri="{386F3935-93C4-4BCD-93E2-E3B085C9AB24}">
-                  <p16:designElem xmlns:p16="http://schemas.microsoft.com/office/powerpoint/2015/main" val="1"/>
-                </p:ext>
-              </p:extLst>
-            </p:nvPr>
-          </p:nvCxnSpPr>
-          <p:spPr>
-            <a:xfrm rot="16200000">
-              <a:off x="-1282750" y="3429044"/>
-              <a:ext cx="6857912" cy="0"/>
-            </a:xfrm>
-            <a:prstGeom prst="line">
-              <a:avLst/>
-            </a:prstGeom>
-            <a:ln w="12700">
-              <a:solidFill>
-                <a:schemeClr val="accent4"/>
-              </a:solidFill>
-            </a:ln>
-          </p:spPr>
-          <p:style>
-            <a:lnRef idx="1">
-              <a:schemeClr val="accent1"/>
-            </a:lnRef>
-            <a:fillRef idx="0">
-              <a:schemeClr val="accent1"/>
-            </a:fillRef>
-            <a:effectRef idx="0">
-              <a:schemeClr val="accent1"/>
-            </a:effectRef>
-            <a:fontRef idx="minor">
-              <a:schemeClr val="tx1"/>
-            </a:fontRef>
-          </p:style>
-        </p:cxnSp>
-        <p:cxnSp>
-          <p:nvCxnSpPr>
-            <p:cNvPr id="23" name="Straight Connector 14">
-              <a:extLst>
-                <a:ext uri="{FF2B5EF4-FFF2-40B4-BE49-F238E27FC236}">
-                  <a16:creationId xmlns:a16="http://schemas.microsoft.com/office/drawing/2014/main" id="{40C5E755-8FD9-4EBF-978B-015F9339F30F}"/>
-                </a:ext>
-                <a:ext uri="{C183D7F6-B498-43B3-948B-1728B52AA6E4}">
-                  <adec:decorative xmlns:adec="http://schemas.microsoft.com/office/drawing/2017/decorative" val="1"/>
-                </a:ext>
-              </a:extLst>
-            </p:cNvPr>
-            <p:cNvCxnSpPr>
-              <a:cxnSpLocks/>
-            </p:cNvCxnSpPr>
-            <p:nvPr>
-              <p:extLst>
-                <p:ext uri="{386F3935-93C4-4BCD-93E2-E3B085C9AB24}">
-                  <p16:designElem xmlns:p16="http://schemas.microsoft.com/office/powerpoint/2015/main" val="1"/>
-                </p:ext>
-              </p:extLst>
-            </p:nvPr>
-          </p:nvCxnSpPr>
-          <p:spPr>
-            <a:xfrm rot="16200000">
-              <a:off x="6688336" y="3429043"/>
-              <a:ext cx="6857912" cy="0"/>
-            </a:xfrm>
-            <a:prstGeom prst="line">
-              <a:avLst/>
-            </a:prstGeom>
-            <a:ln w="12700">
-              <a:solidFill>
-                <a:schemeClr val="accent4"/>
-              </a:solidFill>
-            </a:ln>
-          </p:spPr>
-          <p:style>
-            <a:lnRef idx="1">
-              <a:schemeClr val="accent1"/>
-            </a:lnRef>
-            <a:fillRef idx="0">
-              <a:schemeClr val="accent1"/>
-            </a:fillRef>
-            <a:effectRef idx="0">
-              <a:schemeClr val="accent1"/>
-            </a:effectRef>
-            <a:fontRef idx="minor">
-              <a:schemeClr val="tx1"/>
-            </a:fontRef>
-          </p:style>
-        </p:cxnSp>
-        <p:cxnSp>
-          <p:nvCxnSpPr>
-            <p:cNvPr id="24" name="Straight Connector 15">
-              <a:extLst>
-                <a:ext uri="{FF2B5EF4-FFF2-40B4-BE49-F238E27FC236}">
-                  <a16:creationId xmlns:a16="http://schemas.microsoft.com/office/drawing/2014/main" id="{9C7F63B7-3E85-42EC-8447-F6699247ECB5}"/>
-                </a:ext>
-                <a:ext uri="{C183D7F6-B498-43B3-948B-1728B52AA6E4}">
-                  <adec:decorative xmlns:adec="http://schemas.microsoft.com/office/drawing/2017/decorative" val="1"/>
-                </a:ext>
-              </a:extLst>
-            </p:cNvPr>
-            <p:cNvCxnSpPr>
-              <a:cxnSpLocks/>
-            </p:cNvCxnSpPr>
-            <p:nvPr>
-              <p:extLst>
-                <p:ext uri="{386F3935-93C4-4BCD-93E2-E3B085C9AB24}">
-                  <p16:designElem xmlns:p16="http://schemas.microsoft.com/office/powerpoint/2015/main" val="1"/>
-                </p:ext>
-              </p:extLst>
-            </p:nvPr>
-          </p:nvCxnSpPr>
-          <p:spPr>
-            <a:xfrm>
-              <a:off x="628366" y="3413532"/>
-              <a:ext cx="2585819" cy="0"/>
-            </a:xfrm>
-            <a:prstGeom prst="line">
-              <a:avLst/>
-            </a:prstGeom>
-            <a:ln w="12700">
-              <a:solidFill>
-                <a:schemeClr val="accent4"/>
-              </a:solidFill>
-            </a:ln>
-          </p:spPr>
-          <p:style>
-            <a:lnRef idx="1">
-              <a:schemeClr val="accent1"/>
-            </a:lnRef>
-            <a:fillRef idx="0">
-              <a:schemeClr val="accent1"/>
-            </a:fillRef>
-            <a:effectRef idx="0">
-              <a:schemeClr val="accent1"/>
-            </a:effectRef>
-            <a:fontRef idx="minor">
-              <a:schemeClr val="tx1"/>
-            </a:fontRef>
-          </p:style>
-        </p:cxnSp>
-        <p:sp>
-          <p:nvSpPr>
-            <p:cNvPr id="25" name="Graphic 11">
-              <a:extLst>
-                <a:ext uri="{FF2B5EF4-FFF2-40B4-BE49-F238E27FC236}">
-                  <a16:creationId xmlns:a16="http://schemas.microsoft.com/office/drawing/2014/main" id="{AFDFA9EA-AAC0-416F-A0E9-ACD410E9DA59}"/>
-                </a:ext>
-                <a:ext uri="{C183D7F6-B498-43B3-948B-1728B52AA6E4}">
-                  <adec:decorative xmlns:adec="http://schemas.microsoft.com/office/drawing/2017/decorative" val="1"/>
-                </a:ext>
-              </a:extLst>
-            </p:cNvPr>
-            <p:cNvSpPr/>
-            <p:nvPr>
-              <p:extLst>
-                <p:ext uri="{386F3935-93C4-4BCD-93E2-E3B085C9AB24}">
-                  <p16:designElem xmlns:p16="http://schemas.microsoft.com/office/powerpoint/2015/main" val="1"/>
-                </p:ext>
-              </p:extLst>
-            </p:nvPr>
-          </p:nvSpPr>
-          <p:spPr>
-            <a:xfrm>
-              <a:off x="3222063" y="702002"/>
-              <a:ext cx="5759819" cy="6155995"/>
-            </a:xfrm>
-            <a:custGeom>
-              <a:avLst/>
-              <a:gdLst>
-                <a:gd name="connsiteX0" fmla="*/ 0 w 4320540"/>
-                <a:gd name="connsiteY0" fmla="*/ 4617720 h 4617719"/>
-                <a:gd name="connsiteX1" fmla="*/ 0 w 4320540"/>
-                <a:gd name="connsiteY1" fmla="*/ 4268439 h 4617719"/>
-                <a:gd name="connsiteX2" fmla="*/ 0 w 4320540"/>
-                <a:gd name="connsiteY2" fmla="*/ 2052352 h 4617719"/>
-                <a:gd name="connsiteX3" fmla="*/ 2160270 w 4320540"/>
-                <a:gd name="connsiteY3" fmla="*/ 0 h 4617719"/>
-                <a:gd name="connsiteX4" fmla="*/ 2160270 w 4320540"/>
-                <a:gd name="connsiteY4" fmla="*/ 0 h 4617719"/>
-                <a:gd name="connsiteX5" fmla="*/ 4320540 w 4320540"/>
-                <a:gd name="connsiteY5" fmla="*/ 2052352 h 4617719"/>
-                <a:gd name="connsiteX6" fmla="*/ 4320540 w 4320540"/>
-                <a:gd name="connsiteY6" fmla="*/ 2782443 h 4617719"/>
-                <a:gd name="connsiteX7" fmla="*/ 4320540 w 4320540"/>
-                <a:gd name="connsiteY7" fmla="*/ 4617720 h 4617719"/>
-              </a:gdLst>
-              <a:ahLst/>
-              <a:cxnLst>
-                <a:cxn ang="0">
-                  <a:pos x="connsiteX0" y="connsiteY0"/>
-                </a:cxn>
-                <a:cxn ang="0">
-                  <a:pos x="connsiteX1" y="connsiteY1"/>
-                </a:cxn>
-                <a:cxn ang="0">
-                  <a:pos x="connsiteX2" y="connsiteY2"/>
-                </a:cxn>
-                <a:cxn ang="0">
-                  <a:pos x="connsiteX3" y="connsiteY3"/>
-                </a:cxn>
-                <a:cxn ang="0">
-                  <a:pos x="connsiteX4" y="connsiteY4"/>
-                </a:cxn>
-                <a:cxn ang="0">
-                  <a:pos x="connsiteX5" y="connsiteY5"/>
-                </a:cxn>
-                <a:cxn ang="0">
-                  <a:pos x="connsiteX6" y="connsiteY6"/>
-                </a:cxn>
-                <a:cxn ang="0">
-                  <a:pos x="connsiteX7" y="connsiteY7"/>
-                </a:cxn>
-              </a:cxnLst>
-              <a:rect l="l" t="t" r="r" b="b"/>
-              <a:pathLst>
-                <a:path w="4320540" h="4617719">
-                  <a:moveTo>
-                    <a:pt x="0" y="4617720"/>
-                  </a:moveTo>
-                  <a:lnTo>
-                    <a:pt x="0" y="4268439"/>
-                  </a:lnTo>
-                  <a:lnTo>
-                    <a:pt x="0" y="2052352"/>
-                  </a:lnTo>
-                  <a:cubicBezTo>
-                    <a:pt x="0" y="918877"/>
-                    <a:pt x="967169" y="0"/>
-                    <a:pt x="2160270" y="0"/>
-                  </a:cubicBezTo>
-                  <a:lnTo>
-                    <a:pt x="2160270" y="0"/>
-                  </a:lnTo>
-                  <a:cubicBezTo>
-                    <a:pt x="3353372" y="0"/>
-                    <a:pt x="4320540" y="918877"/>
-                    <a:pt x="4320540" y="2052352"/>
-                  </a:cubicBezTo>
-                  <a:lnTo>
-                    <a:pt x="4320540" y="2782443"/>
-                  </a:lnTo>
-                  <a:lnTo>
-                    <a:pt x="4320540" y="4617720"/>
-                  </a:lnTo>
-                </a:path>
-              </a:pathLst>
-            </a:custGeom>
-            <a:noFill/>
-            <a:ln w="12700" cap="flat">
-              <a:solidFill>
-                <a:schemeClr val="accent4"/>
-              </a:solidFill>
-              <a:prstDash val="solid"/>
-              <a:miter/>
-            </a:ln>
-          </p:spPr>
-          <p:txBody>
-            <a:bodyPr rtlCol="0" anchor="ctr"/>
-            <a:lstStyle/>
-            <a:p>
-              <a:endParaRPr lang="en-US"/>
-            </a:p>
-          </p:txBody>
-        </p:sp>
-        <p:cxnSp>
-          <p:nvCxnSpPr>
-            <p:cNvPr id="26" name="Straight Connector 17">
-              <a:extLst>
-                <a:ext uri="{FF2B5EF4-FFF2-40B4-BE49-F238E27FC236}">
-                  <a16:creationId xmlns:a16="http://schemas.microsoft.com/office/drawing/2014/main" id="{C4EF7E7E-9948-4D78-BE70-F624A62D8532}"/>
-                </a:ext>
-                <a:ext uri="{C183D7F6-B498-43B3-948B-1728B52AA6E4}">
-                  <adec:decorative xmlns:adec="http://schemas.microsoft.com/office/drawing/2017/decorative" val="1"/>
-                </a:ext>
-              </a:extLst>
-            </p:cNvPr>
-            <p:cNvCxnSpPr>
-              <a:cxnSpLocks/>
-            </p:cNvCxnSpPr>
-            <p:nvPr>
-              <p:extLst>
-                <p:ext uri="{386F3935-93C4-4BCD-93E2-E3B085C9AB24}">
-                  <p16:designElem xmlns:p16="http://schemas.microsoft.com/office/powerpoint/2015/main" val="1"/>
-                </p:ext>
-              </p:extLst>
-            </p:nvPr>
-          </p:nvCxnSpPr>
-          <p:spPr>
-            <a:xfrm>
-              <a:off x="8974010" y="3413529"/>
-              <a:ext cx="2587367" cy="0"/>
-            </a:xfrm>
-            <a:prstGeom prst="line">
-              <a:avLst/>
-            </a:prstGeom>
-            <a:ln w="12700">
-              <a:solidFill>
-                <a:schemeClr val="accent4"/>
-              </a:solidFill>
-            </a:ln>
-          </p:spPr>
-          <p:style>
-            <a:lnRef idx="1">
-              <a:schemeClr val="accent1"/>
-            </a:lnRef>
-            <a:fillRef idx="0">
-              <a:schemeClr val="accent1"/>
-            </a:fillRef>
-            <a:effectRef idx="0">
-              <a:schemeClr val="accent1"/>
-            </a:effectRef>
-            <a:fontRef idx="minor">
-              <a:schemeClr val="tx1"/>
-            </a:fontRef>
-          </p:style>
-        </p:cxnSp>
-        <p:cxnSp>
-          <p:nvCxnSpPr>
-            <p:cNvPr id="27" name="Straight Connector 18">
-              <a:extLst>
-                <a:ext uri="{FF2B5EF4-FFF2-40B4-BE49-F238E27FC236}">
-                  <a16:creationId xmlns:a16="http://schemas.microsoft.com/office/drawing/2014/main" id="{6975AAAB-9AEC-496F-94E4-CE5330CB49FA}"/>
-                </a:ext>
-                <a:ext uri="{C183D7F6-B498-43B3-948B-1728B52AA6E4}">
-                  <adec:decorative xmlns:adec="http://schemas.microsoft.com/office/drawing/2017/decorative" val="1"/>
-                </a:ext>
-              </a:extLst>
-            </p:cNvPr>
-            <p:cNvCxnSpPr>
-              <a:cxnSpLocks/>
-            </p:cNvCxnSpPr>
-            <p:nvPr>
-              <p:extLst>
-                <p:ext uri="{386F3935-93C4-4BCD-93E2-E3B085C9AB24}">
-                  <p16:designElem xmlns:p16="http://schemas.microsoft.com/office/powerpoint/2015/main" val="1"/>
-                </p:ext>
-              </p:extLst>
-            </p:nvPr>
-          </p:nvCxnSpPr>
-          <p:spPr>
-            <a:xfrm rot="16200000">
-              <a:off x="8132421" y="3431507"/>
-              <a:ext cx="6857912" cy="0"/>
-            </a:xfrm>
-            <a:prstGeom prst="line">
-              <a:avLst/>
-            </a:prstGeom>
-            <a:ln w="12700">
-              <a:solidFill>
-                <a:schemeClr val="accent4"/>
-              </a:solidFill>
-            </a:ln>
-          </p:spPr>
-          <p:style>
-            <a:lnRef idx="1">
-              <a:schemeClr val="accent1"/>
-            </a:lnRef>
-            <a:fillRef idx="0">
-              <a:schemeClr val="accent1"/>
-            </a:fillRef>
-            <a:effectRef idx="0">
-              <a:schemeClr val="accent1"/>
-            </a:effectRef>
-            <a:fontRef idx="minor">
-              <a:schemeClr val="tx1"/>
-            </a:fontRef>
-          </p:style>
-        </p:cxnSp>
-        <p:cxnSp>
-          <p:nvCxnSpPr>
-            <p:cNvPr id="20" name="Straight Connector 19">
-              <a:extLst>
-                <a:ext uri="{FF2B5EF4-FFF2-40B4-BE49-F238E27FC236}">
-                  <a16:creationId xmlns:a16="http://schemas.microsoft.com/office/drawing/2014/main" id="{EB5BF383-42C5-4FE4-894A-17B84AF224FE}"/>
-                </a:ext>
-                <a:ext uri="{C183D7F6-B498-43B3-948B-1728B52AA6E4}">
-                  <adec:decorative xmlns:adec="http://schemas.microsoft.com/office/drawing/2017/decorative" val="1"/>
-                </a:ext>
-              </a:extLst>
-            </p:cNvPr>
-            <p:cNvCxnSpPr>
-              <a:cxnSpLocks/>
-            </p:cNvCxnSpPr>
-            <p:nvPr>
-              <p:extLst>
-                <p:ext uri="{386F3935-93C4-4BCD-93E2-E3B085C9AB24}">
-                  <p16:designElem xmlns:p16="http://schemas.microsoft.com/office/powerpoint/2015/main" val="1"/>
-                </p:ext>
-              </p:extLst>
-            </p:nvPr>
-          </p:nvCxnSpPr>
-          <p:spPr>
-            <a:xfrm rot="16200000">
-              <a:off x="-2796164" y="3435428"/>
-              <a:ext cx="6857912" cy="0"/>
-            </a:xfrm>
-            <a:prstGeom prst="line">
-              <a:avLst/>
-            </a:prstGeom>
-            <a:ln w="12700">
-              <a:solidFill>
-                <a:schemeClr val="accent4"/>
-              </a:solidFill>
-            </a:ln>
-          </p:spPr>
-          <p:style>
-            <a:lnRef idx="1">
-              <a:schemeClr val="accent1"/>
-            </a:lnRef>
-            <a:fillRef idx="0">
-              <a:schemeClr val="accent1"/>
-            </a:fillRef>
-            <a:effectRef idx="0">
-              <a:schemeClr val="accent1"/>
-            </a:effectRef>
-            <a:fontRef idx="minor">
-              <a:schemeClr val="tx1"/>
-            </a:fontRef>
-          </p:style>
-        </p:cxnSp>
-      </p:grpSp>
       <p:sp>
         <p:nvSpPr>
           <p:cNvPr id="2" name="Title 1">
@@ -4513,7 +5709,7 @@
         </p:spPr>
         <p:txBody>
           <a:bodyPr anchor="t">
-            <a:normAutofit/>
+            <a:normAutofit fontScale="90000"/>
           </a:bodyPr>
           <a:lstStyle/>
           <a:p>
@@ -4562,7 +5758,7 @@
         </p:spPr>
         <p:txBody>
           <a:bodyPr anchor="ctr">
-            <a:normAutofit/>
+            <a:normAutofit lnSpcReduction="10000"/>
           </a:bodyPr>
           <a:lstStyle/>
           <a:p>
@@ -4618,6 +5814,160 @@
           <p:cNvPr id="2" name="Title 1">
             <a:extLst>
               <a:ext uri="{FF2B5EF4-FFF2-40B4-BE49-F238E27FC236}">
+                <a16:creationId xmlns:a16="http://schemas.microsoft.com/office/drawing/2014/main" id="{3CB1C65C-685C-EDF2-FE18-5395D66A3C94}"/>
+              </a:ext>
+            </a:extLst>
+          </p:cNvPr>
+          <p:cNvSpPr>
+            <a:spLocks noGrp="1"/>
+          </p:cNvSpPr>
+          <p:nvPr>
+            <p:ph type="title"/>
+          </p:nvPr>
+        </p:nvSpPr>
+        <p:spPr/>
+        <p:txBody>
+          <a:bodyPr/>
+          <a:lstStyle/>
+          <a:p>
+            <a:r>
+              <a:rPr lang="el-GR" dirty="0" err="1"/>
+              <a:t>Εισαγωγη</a:t>
+            </a:r>
+            <a:r>
+              <a:rPr lang="el-GR" dirty="0"/>
+              <a:t> στις </a:t>
+            </a:r>
+            <a:r>
+              <a:rPr lang="el-GR" dirty="0" err="1"/>
+              <a:t>εξυπνεσ</a:t>
+            </a:r>
+            <a:r>
+              <a:rPr lang="el-GR" dirty="0"/>
+              <a:t> </a:t>
+            </a:r>
+            <a:r>
+              <a:rPr lang="el-GR" dirty="0" err="1"/>
+              <a:t>πολεισ</a:t>
+            </a:r>
+            <a:r>
+              <a:rPr lang="el-GR" dirty="0"/>
+              <a:t> και </a:t>
+            </a:r>
+            <a:r>
+              <a:rPr lang="el-GR" dirty="0" err="1"/>
+              <a:t>εκσυχρονισμενα</a:t>
+            </a:r>
+            <a:r>
+              <a:rPr lang="el-GR" dirty="0"/>
+              <a:t> </a:t>
+            </a:r>
+            <a:r>
+              <a:rPr lang="el-GR" dirty="0" err="1"/>
+              <a:t>δικτυα</a:t>
+            </a:r>
+            <a:r>
+              <a:rPr lang="el-GR" dirty="0"/>
+              <a:t> </a:t>
+            </a:r>
+            <a:r>
+              <a:rPr lang="el-GR" dirty="0" err="1"/>
+              <a:t>μεταφορασ</a:t>
+            </a:r>
+            <a:endParaRPr lang="en-US" dirty="0"/>
+          </a:p>
+        </p:txBody>
+      </p:sp>
+      <p:sp>
+        <p:nvSpPr>
+          <p:cNvPr id="5" name="Picture Placeholder 4">
+            <a:extLst>
+              <a:ext uri="{FF2B5EF4-FFF2-40B4-BE49-F238E27FC236}">
+                <a16:creationId xmlns:a16="http://schemas.microsoft.com/office/drawing/2014/main" id="{C1DD5196-2D59-71DE-AFD6-E994D6AAC99E}"/>
+              </a:ext>
+            </a:extLst>
+          </p:cNvPr>
+          <p:cNvSpPr>
+            <a:spLocks noGrp="1"/>
+          </p:cNvSpPr>
+          <p:nvPr>
+            <p:ph type="pic" idx="1"/>
+          </p:nvPr>
+        </p:nvSpPr>
+        <p:spPr/>
+      </p:sp>
+      <p:sp>
+        <p:nvSpPr>
+          <p:cNvPr id="4" name="Text Placeholder 3">
+            <a:extLst>
+              <a:ext uri="{FF2B5EF4-FFF2-40B4-BE49-F238E27FC236}">
+                <a16:creationId xmlns:a16="http://schemas.microsoft.com/office/drawing/2014/main" id="{95001C8F-E37C-86D0-C36A-555C96A53E96}"/>
+              </a:ext>
+            </a:extLst>
+          </p:cNvPr>
+          <p:cNvSpPr>
+            <a:spLocks noGrp="1"/>
+          </p:cNvSpPr>
+          <p:nvPr>
+            <p:ph type="body" sz="half" idx="2"/>
+          </p:nvPr>
+        </p:nvSpPr>
+        <p:spPr/>
+        <p:txBody>
+          <a:bodyPr/>
+          <a:lstStyle/>
+          <a:p>
+            <a:r>
+              <a:rPr lang="el-GR" dirty="0"/>
+              <a:t>Πώς το </a:t>
+            </a:r>
+            <a:r>
+              <a:rPr lang="en-GB" dirty="0"/>
+              <a:t>5G </a:t>
+            </a:r>
+            <a:r>
+              <a:rPr lang="el-GR" dirty="0"/>
+              <a:t>και οι τηλεπικοινωνίες μπορούν να δώσουν λύση στα προβλήματα μιας μεγαλούπολης.</a:t>
+            </a:r>
+            <a:endParaRPr lang="en-US" dirty="0"/>
+          </a:p>
+        </p:txBody>
+      </p:sp>
+    </p:spTree>
+    <p:extLst>
+      <p:ext uri="{BB962C8B-B14F-4D97-AF65-F5344CB8AC3E}">
+        <p14:creationId xmlns:p14="http://schemas.microsoft.com/office/powerpoint/2010/main" val="1092062013"/>
+      </p:ext>
+    </p:extLst>
+  </p:cSld>
+  <p:clrMapOvr>
+    <a:masterClrMapping/>
+  </p:clrMapOvr>
+</p:sld>
+</file>
+
+<file path=ppt/slides/slide3.xml><?xml version="1.0" encoding="utf-8"?>
+<p:sld xmlns:a="http://schemas.openxmlformats.org/drawingml/2006/main" xmlns:r="http://schemas.openxmlformats.org/officeDocument/2006/relationships" xmlns:p="http://schemas.openxmlformats.org/presentationml/2006/main">
+  <p:cSld>
+    <p:spTree>
+      <p:nvGrpSpPr>
+        <p:cNvPr id="1" name=""/>
+        <p:cNvGrpSpPr/>
+        <p:nvPr/>
+      </p:nvGrpSpPr>
+      <p:grpSpPr>
+        <a:xfrm>
+          <a:off x="0" y="0"/>
+          <a:ext cx="0" cy="0"/>
+          <a:chOff x="0" y="0"/>
+          <a:chExt cx="0" cy="0"/>
+        </a:xfrm>
+      </p:grpSpPr>
+      <p:sp>
+        <p:nvSpPr>
+          <p:cNvPr id="2" name="Title 1">
+            <a:extLst>
+              <a:ext uri="{FF2B5EF4-FFF2-40B4-BE49-F238E27FC236}">
                 <a16:creationId xmlns:a16="http://schemas.microsoft.com/office/drawing/2014/main" id="{197B2EB2-C6EF-20A5-61EA-C7AEB910522B}"/>
               </a:ext>
             </a:extLst>
@@ -4635,8 +5985,8 @@
           <a:lstStyle/>
           <a:p>
             <a:r>
-              <a:rPr lang="el-GR"/>
-              <a:t>ΤΟ ΚΥΡΙΟ ΠΡΟΒΛΗΜΑ</a:t>
+              <a:rPr lang="el-GR" dirty="0"/>
+              <a:t>ΤΑ ΠΡΟΒΛΗΜΑΤΑ ΠΟΥ ΤΙΘΟΝΤΑΙ</a:t>
             </a:r>
             <a:endParaRPr lang="en-US" dirty="0"/>
           </a:p>
@@ -4663,7 +6013,45 @@
           <a:bodyPr/>
           <a:lstStyle/>
           <a:p>
-            <a:endParaRPr lang="en-US"/>
+            <a:r>
+              <a:rPr lang="el-GR" dirty="0"/>
+              <a:t>Η αποπνικτική κίνηση στους δρόμους μιας μεγαλούπολης.</a:t>
+            </a:r>
+          </a:p>
+          <a:p>
+            <a:r>
+              <a:rPr lang="el-GR" dirty="0"/>
+              <a:t>Η μόλυνση του αέρα.</a:t>
+            </a:r>
+          </a:p>
+          <a:p>
+            <a:r>
+              <a:rPr lang="el-GR" dirty="0"/>
+              <a:t>Ανεπαρκής χρήση πηγών ενέργειας.</a:t>
+            </a:r>
+          </a:p>
+          <a:p>
+            <a:endParaRPr lang="el-GR" dirty="0"/>
+          </a:p>
+          <a:p>
+            <a:pPr marL="0" indent="0">
+              <a:buNone/>
+            </a:pPr>
+            <a:r>
+              <a:rPr lang="el-GR" dirty="0"/>
+              <a:t>Μια μεγαλούπολη, συνήθως, έχει πρόβλημα συμφόρησης. Στο πλαίσιο αυτό τίθενται, μεταξύ άλλων, τα παραπάνω προβλήματα. Παρακάτω, θα δούμε μία προσέγγιση λύσης αυτών, </a:t>
+            </a:r>
+            <a:r>
+              <a:rPr lang="el-GR"/>
+              <a:t>χρησιμοποιώντας σύγχρονες </a:t>
+            </a:r>
+            <a:r>
+              <a:rPr lang="el-GR" dirty="0"/>
+              <a:t>τεχνικές.</a:t>
+            </a:r>
+          </a:p>
+          <a:p>
+            <a:endParaRPr lang="en-US" dirty="0"/>
           </a:p>
         </p:txBody>
       </p:sp>
@@ -4681,59 +6069,59 @@
 </file>
 
 <file path=ppt/theme/theme1.xml><?xml version="1.0" encoding="utf-8"?>
-<a:theme xmlns:a="http://schemas.openxmlformats.org/drawingml/2006/main" name="ArchVTI">
+<a:theme xmlns:a="http://schemas.openxmlformats.org/drawingml/2006/main" name="Damask">
   <a:themeElements>
-    <a:clrScheme name="AnalogousFromLightSeedLeftStep">
+    <a:clrScheme name="Damask">
       <a:dk1>
-        <a:srgbClr val="000000"/>
+        <a:sysClr val="windowText" lastClr="000000"/>
       </a:dk1>
       <a:lt1>
-        <a:srgbClr val="FFFFFF"/>
+        <a:sysClr val="window" lastClr="FFFFFF"/>
       </a:lt1>
       <a:dk2>
-        <a:srgbClr val="223B30"/>
+        <a:srgbClr val="2A5B7F"/>
       </a:dk2>
       <a:lt2>
-        <a:srgbClr val="E2E5E8"/>
+        <a:srgbClr val="ABDAFC"/>
       </a:lt2>
       <a:accent1>
-        <a:srgbClr val="B89D7C"/>
+        <a:srgbClr val="9EC544"/>
       </a:accent1>
       <a:accent2>
-        <a:srgbClr val="BA877F"/>
+        <a:srgbClr val="50BEA3"/>
       </a:accent2>
       <a:accent3>
-        <a:srgbClr val="C492A0"/>
+        <a:srgbClr val="4A9CCC"/>
       </a:accent3>
       <a:accent4>
-        <a:srgbClr val="BA7FA8"/>
+        <a:srgbClr val="9A66CA"/>
       </a:accent4>
       <a:accent5>
-        <a:srgbClr val="BF93C5"/>
+        <a:srgbClr val="C54F71"/>
       </a:accent5>
       <a:accent6>
-        <a:srgbClr val="9A7FBA"/>
+        <a:srgbClr val="DE9C3C"/>
       </a:accent6>
       <a:hlink>
-        <a:srgbClr val="6383AB"/>
+        <a:srgbClr val="6BA9DA"/>
       </a:hlink>
       <a:folHlink>
-        <a:srgbClr val="7F7F7F"/>
+        <a:srgbClr val="A0BCD3"/>
       </a:folHlink>
     </a:clrScheme>
-    <a:fontScheme name="Custom 16">
+    <a:fontScheme name="Custom 2">
       <a:majorFont>
-        <a:latin typeface="Footlight MT Light"/>
+        <a:latin typeface="Georgia"/>
         <a:ea typeface=""/>
         <a:cs typeface=""/>
       </a:majorFont>
       <a:minorFont>
-        <a:latin typeface="Avenir Next LT Pro"/>
+        <a:latin typeface="Segoe UI"/>
         <a:ea typeface=""/>
         <a:cs typeface=""/>
       </a:minorFont>
     </a:fontScheme>
-    <a:fmtScheme name="Office">
+    <a:fmtScheme name="Damask">
       <a:fillStyleLst>
         <a:solidFill>
           <a:schemeClr val="phClr"/>
@@ -4742,23 +6130,16 @@
           <a:gsLst>
             <a:gs pos="0">
               <a:schemeClr val="phClr">
+                <a:tint val="48000"/>
+                <a:satMod val="105000"/>
                 <a:lumMod val="110000"/>
-                <a:satMod val="105000"/>
-                <a:tint val="67000"/>
-              </a:schemeClr>
-            </a:gs>
-            <a:gs pos="50000">
-              <a:schemeClr val="phClr">
-                <a:lumMod val="105000"/>
-                <a:satMod val="103000"/>
-                <a:tint val="73000"/>
               </a:schemeClr>
             </a:gs>
             <a:gs pos="100000">
               <a:schemeClr val="phClr">
-                <a:lumMod val="105000"/>
+                <a:tint val="78000"/>
                 <a:satMod val="109000"/>
-                <a:tint val="81000"/>
+                <a:lumMod val="100000"/>
               </a:schemeClr>
             </a:gs>
           </a:gsLst>
@@ -4768,23 +6149,23 @@
           <a:gsLst>
             <a:gs pos="0">
               <a:schemeClr val="phClr">
-                <a:satMod val="103000"/>
-                <a:lumMod val="102000"/>
                 <a:tint val="94000"/>
+                <a:satMod val="100000"/>
+                <a:lumMod val="104000"/>
               </a:schemeClr>
             </a:gs>
-            <a:gs pos="50000">
+            <a:gs pos="69000">
               <a:schemeClr val="phClr">
-                <a:satMod val="110000"/>
-                <a:lumMod val="100000"/>
-                <a:shade val="100000"/>
+                <a:shade val="86000"/>
+                <a:satMod val="130000"/>
+                <a:lumMod val="102000"/>
               </a:schemeClr>
             </a:gs>
             <a:gs pos="100000">
               <a:schemeClr val="phClr">
-                <a:lumMod val="99000"/>
-                <a:satMod val="120000"/>
-                <a:shade val="78000"/>
+                <a:shade val="72000"/>
+                <a:satMod val="130000"/>
+                <a:lumMod val="100000"/>
               </a:schemeClr>
             </a:gs>
           </a:gsLst>
@@ -4792,26 +6173,23 @@
         </a:gradFill>
       </a:fillStyleLst>
       <a:lnStyleLst>
-        <a:ln w="6350" cap="flat" cmpd="sng" algn="ctr">
-          <a:solidFill>
-            <a:schemeClr val="phClr"/>
-          </a:solidFill>
-          <a:prstDash val="solid"/>
-          <a:miter lim="800000"/>
-        </a:ln>
         <a:ln w="12700" cap="flat" cmpd="sng" algn="ctr">
           <a:solidFill>
             <a:schemeClr val="phClr"/>
           </a:solidFill>
           <a:prstDash val="solid"/>
-          <a:miter lim="800000"/>
         </a:ln>
         <a:ln w="19050" cap="flat" cmpd="sng" algn="ctr">
           <a:solidFill>
             <a:schemeClr val="phClr"/>
           </a:solidFill>
           <a:prstDash val="solid"/>
-          <a:miter lim="800000"/>
+        </a:ln>
+        <a:ln w="25400" cap="flat" cmpd="sng" algn="ctr">
+          <a:solidFill>
+            <a:schemeClr val="phClr"/>
+          </a:solidFill>
+          <a:prstDash val="solid"/>
         </a:ln>
       </a:lnStyleLst>
       <a:effectStyleLst>
@@ -4819,16 +6197,31 @@
           <a:effectLst/>
         </a:effectStyle>
         <a:effectStyle>
-          <a:effectLst/>
+          <a:effectLst>
+            <a:outerShdw blurRad="50800" dist="38100" dir="5400000" sy="96000" rotWithShape="0">
+              <a:srgbClr val="000000">
+                <a:alpha val="54000"/>
+              </a:srgbClr>
+            </a:outerShdw>
+          </a:effectLst>
         </a:effectStyle>
         <a:effectStyle>
           <a:effectLst>
-            <a:outerShdw blurRad="57150" dist="19050" dir="5400000" algn="ctr" rotWithShape="0">
+            <a:outerShdw blurRad="76200" dist="38100" dir="5400000" algn="ctr" rotWithShape="0">
               <a:srgbClr val="000000">
-                <a:alpha val="63000"/>
+                <a:alpha val="76000"/>
               </a:srgbClr>
             </a:outerShdw>
           </a:effectLst>
+          <a:scene3d>
+            <a:camera prst="orthographicFront">
+              <a:rot lat="0" lon="0" rev="0"/>
+            </a:camera>
+            <a:lightRig rig="balanced" dir="t"/>
+          </a:scene3d>
+          <a:sp3d prstMaterial="matte">
+            <a:bevelT w="25400" h="25400" prst="relaxedInset"/>
+          </a:sp3d>
         </a:effectStyle>
       </a:effectStyleLst>
       <a:bgFillStyleLst>
@@ -4841,33 +6234,23 @@
             <a:satMod val="170000"/>
           </a:schemeClr>
         </a:solidFill>
-        <a:gradFill rotWithShape="1">
-          <a:gsLst>
-            <a:gs pos="0">
+        <a:blipFill rotWithShape="1">
+          <a:blip xmlns:r="http://schemas.openxmlformats.org/officeDocument/2006/relationships" r:embed="rId1">
+            <a:duotone>
               <a:schemeClr val="phClr">
-                <a:tint val="93000"/>
-                <a:satMod val="150000"/>
-                <a:shade val="98000"/>
-                <a:lumMod val="102000"/>
+                <a:shade val="18000"/>
+                <a:satMod val="160000"/>
+                <a:lumMod val="28000"/>
               </a:schemeClr>
-            </a:gs>
-            <a:gs pos="50000">
               <a:schemeClr val="phClr">
-                <a:tint val="98000"/>
-                <a:satMod val="130000"/>
-                <a:shade val="90000"/>
-                <a:lumMod val="103000"/>
+                <a:tint val="95000"/>
+                <a:satMod val="160000"/>
+                <a:lumMod val="116000"/>
               </a:schemeClr>
-            </a:gs>
-            <a:gs pos="100000">
-              <a:schemeClr val="phClr">
-                <a:shade val="63000"/>
-                <a:satMod val="120000"/>
-              </a:schemeClr>
-            </a:gs>
-          </a:gsLst>
-          <a:lin ang="5400000" scaled="0"/>
-        </a:gradFill>
+            </a:duotone>
+          </a:blip>
+          <a:stretch/>
+        </a:blipFill>
       </a:bgFillStyleLst>
     </a:fmtScheme>
   </a:themeElements>
@@ -4875,7 +6258,7 @@
   <a:extraClrSchemeLst/>
   <a:extLst>
     <a:ext uri="{05A4C25C-085E-4340-85A3-A5531E510DB2}">
-      <thm15:themeFamily xmlns:thm15="http://schemas.microsoft.com/office/thememl/2012/main" name="ArchVTI" id="{23FE938F-4DF0-4C94-8546-C2AC6D26660D}" vid="{62E62DA1-385F-4EE3-8841-58A87FAE2068}"/>
+      <thm15:themeFamily xmlns:thm15="http://schemas.microsoft.com/office/thememl/2012/main" name="Damask" id="{F9A299A0-33D0-4E0F-9F3F-7163E3744208}" vid="{746EEEEA-FB6A-406B-B510-531588D54811}"/>
     </a:ext>
   </a:extLst>
 </a:theme>

--- a/final/p19204.pptx
+++ b/final/p19204.pptx
@@ -8,6 +8,7 @@
     <p:sldId id="256" r:id="rId2"/>
     <p:sldId id="258" r:id="rId3"/>
     <p:sldId id="257" r:id="rId4"/>
+    <p:sldId id="259" r:id="rId5"/>
   </p:sldIdLst>
   <p:sldSz cx="12192000" cy="6858000"/>
   <p:notesSz cx="6858000" cy="9144000"/>
@@ -5836,11 +5837,11 @@
             </a:r>
             <a:r>
               <a:rPr lang="el-GR" dirty="0"/>
-              <a:t> στις </a:t>
+              <a:t> στην </a:t>
             </a:r>
             <a:r>
               <a:rPr lang="el-GR" dirty="0" err="1"/>
-              <a:t>εξυπνεσ</a:t>
+              <a:t>εξυπνη</a:t>
             </a:r>
             <a:r>
               <a:rPr lang="el-GR" dirty="0"/>
@@ -5848,7 +5849,7 @@
             </a:r>
             <a:r>
               <a:rPr lang="el-GR" dirty="0" err="1"/>
-              <a:t>πολεισ</a:t>
+              <a:t>μετακινηση</a:t>
             </a:r>
             <a:r>
               <a:rPr lang="el-GR" dirty="0"/>
@@ -5986,7 +5987,39 @@
           <a:p>
             <a:r>
               <a:rPr lang="el-GR" dirty="0"/>
-              <a:t>ΤΑ ΠΡΟΒΛΗΜΑΤΑ ΠΟΥ ΤΙΘΟΝΤΑΙ</a:t>
+              <a:t>Ποια </a:t>
+            </a:r>
+            <a:r>
+              <a:rPr lang="el-GR" dirty="0" err="1"/>
+              <a:t>προβληματα</a:t>
+            </a:r>
+            <a:r>
+              <a:rPr lang="el-GR" dirty="0"/>
+              <a:t> </a:t>
+            </a:r>
+            <a:r>
+              <a:rPr lang="el-GR" dirty="0" err="1"/>
+              <a:t>αντιμετωπιζει</a:t>
+            </a:r>
+            <a:r>
+              <a:rPr lang="el-GR" dirty="0"/>
+              <a:t> μια </a:t>
+            </a:r>
+            <a:r>
+              <a:rPr lang="el-GR" dirty="0" err="1"/>
+              <a:t>μεγαλη</a:t>
+            </a:r>
+            <a:r>
+              <a:rPr lang="el-GR" dirty="0"/>
+              <a:t> </a:t>
+            </a:r>
+            <a:r>
+              <a:rPr lang="el-GR" dirty="0" err="1"/>
+              <a:t>πολη</a:t>
+            </a:r>
+            <a:r>
+              <a:rPr lang="el-GR" dirty="0"/>
+              <a:t>;</a:t>
             </a:r>
             <a:endParaRPr lang="en-US" dirty="0"/>
           </a:p>
@@ -6010,12 +6043,14 @@
         </p:nvSpPr>
         <p:spPr/>
         <p:txBody>
-          <a:bodyPr/>
+          <a:bodyPr>
+            <a:normAutofit fontScale="92500"/>
+          </a:bodyPr>
           <a:lstStyle/>
           <a:p>
             <a:r>
               <a:rPr lang="el-GR" dirty="0"/>
-              <a:t>Η αποπνικτική κίνηση στους δρόμους μιας μεγαλούπολης.</a:t>
+              <a:t>Η αποπνικτική κίνηση στους δρόμους της.</a:t>
             </a:r>
           </a:p>
           <a:p>
@@ -6029,6 +6064,13 @@
               <a:rPr lang="el-GR" dirty="0"/>
               <a:t>Ανεπαρκής χρήση πηγών ενέργειας.</a:t>
             </a:r>
+            <a:endParaRPr lang="en-US" dirty="0"/>
+          </a:p>
+          <a:p>
+            <a:r>
+              <a:rPr lang="el-GR" dirty="0"/>
+              <a:t>Μη εκσυγχρονισμένη μετακίνηση των πολιτών.</a:t>
+            </a:r>
           </a:p>
           <a:p>
             <a:endParaRPr lang="el-GR" dirty="0"/>
@@ -6039,15 +6081,23 @@
             </a:pPr>
             <a:r>
               <a:rPr lang="el-GR" dirty="0"/>
-              <a:t>Μια μεγαλούπολη, συνήθως, έχει πρόβλημα συμφόρησης. Στο πλαίσιο αυτό τίθενται, μεταξύ άλλων, τα παραπάνω προβλήματα. Παρακάτω, θα δούμε μία προσέγγιση λύσης αυτών, </a:t>
-            </a:r>
-            <a:r>
-              <a:rPr lang="el-GR"/>
-              <a:t>χρησιμοποιώντας σύγχρονες </a:t>
+              <a:t>Πολλοί πολίτες αντιμετωπίζουν, μεταξύ άλλων, τα παραπάνω προβλήματα στις μετακινήσεις τους σε μεγάλες πόλεις. Πώς μπορούν να λυθούν τα προβλήματα που θέσαμε παραπάνω; Ας δούμε πώς υλοποιείται η </a:t>
+            </a:r>
+            <a:r>
+              <a:rPr lang="el-GR" b="1" dirty="0"/>
+              <a:t>«έξυπνη» μετακίνηση </a:t>
+            </a:r>
+            <a:r>
+              <a:rPr lang="en-GB" b="1" dirty="0"/>
+              <a:t>(smart mobility)</a:t>
+            </a:r>
+            <a:r>
+              <a:rPr lang="el-GR" b="1" dirty="0"/>
+              <a:t> </a:t>
             </a:r>
             <a:r>
               <a:rPr lang="el-GR" dirty="0"/>
-              <a:t>τεχνικές.</a:t>
+              <a:t>σε μία μεγαλούπολη.</a:t>
             </a:r>
           </a:p>
           <a:p>
@@ -6065,6 +6115,311 @@
   <p:clrMapOvr>
     <a:masterClrMapping/>
   </p:clrMapOvr>
+</p:sld>
+</file>
+
+<file path=ppt/slides/slide4.xml><?xml version="1.0" encoding="utf-8"?>
+<p:sld xmlns:a="http://schemas.openxmlformats.org/drawingml/2006/main" xmlns:r="http://schemas.openxmlformats.org/officeDocument/2006/relationships" xmlns:p="http://schemas.openxmlformats.org/presentationml/2006/main">
+  <p:cSld>
+    <p:bg>
+      <p:bgPr>
+        <a:blipFill rotWithShape="1">
+          <a:blip r:embed="rId2">
+            <a:duotone>
+              <a:schemeClr val="bg2">
+                <a:shade val="18000"/>
+                <a:satMod val="160000"/>
+                <a:lumMod val="28000"/>
+              </a:schemeClr>
+              <a:schemeClr val="bg2">
+                <a:tint val="95000"/>
+                <a:satMod val="160000"/>
+                <a:lumMod val="116000"/>
+              </a:schemeClr>
+            </a:duotone>
+          </a:blip>
+          <a:stretch/>
+        </a:blipFill>
+        <a:effectLst/>
+      </p:bgPr>
+    </p:bg>
+    <p:spTree>
+      <p:nvGrpSpPr>
+        <p:cNvPr id="1" name=""/>
+        <p:cNvGrpSpPr/>
+        <p:nvPr/>
+      </p:nvGrpSpPr>
+      <p:grpSpPr>
+        <a:xfrm>
+          <a:off x="0" y="0"/>
+          <a:ext cx="0" cy="0"/>
+          <a:chOff x="0" y="0"/>
+          <a:chExt cx="0" cy="0"/>
+        </a:xfrm>
+      </p:grpSpPr>
+      <p:pic>
+        <p:nvPicPr>
+          <p:cNvPr id="15" name="Picture 3" descr="Προβολή υψηλής γωνίας για ένα συγκεντρωτικό χαρτί, καφέ ένα σημειωματάριο και μαύρο σημειωματάριο σε έναν ξύλινο πίνακα">
+            <a:extLst>
+              <a:ext uri="{FF2B5EF4-FFF2-40B4-BE49-F238E27FC236}">
+                <a16:creationId xmlns:a16="http://schemas.microsoft.com/office/drawing/2014/main" id="{C214344C-10A4-FEFA-8C16-0F7418CB1FE6}"/>
+              </a:ext>
+            </a:extLst>
+          </p:cNvPr>
+          <p:cNvPicPr>
+            <a:picLocks noChangeAspect="1"/>
+          </p:cNvPicPr>
+          <p:nvPr/>
+        </p:nvPicPr>
+        <p:blipFill rotWithShape="1">
+          <a:blip r:embed="rId3">
+            <a:alphaModFix amt="35000"/>
+            <a:grayscl/>
+          </a:blip>
+          <a:srcRect t="7033" b="8698"/>
+          <a:stretch/>
+        </p:blipFill>
+        <p:spPr>
+          <a:xfrm>
+            <a:off x="20" y="10"/>
+            <a:ext cx="12191980" cy="6857990"/>
+          </a:xfrm>
+          <a:prstGeom prst="rect">
+            <a:avLst/>
+          </a:prstGeom>
+        </p:spPr>
+      </p:pic>
+      <p:sp>
+        <p:nvSpPr>
+          <p:cNvPr id="8" name="Rectangle 7">
+            <a:extLst>
+              <a:ext uri="{FF2B5EF4-FFF2-40B4-BE49-F238E27FC236}">
+                <a16:creationId xmlns:a16="http://schemas.microsoft.com/office/drawing/2014/main" id="{FC23C8D4-BD3D-4473-B3D0-89011586BE82}"/>
+              </a:ext>
+              <a:ext uri="{C183D7F6-B498-43B3-948B-1728B52AA6E4}">
+                <adec:decorative xmlns:adec="http://schemas.microsoft.com/office/drawing/2017/decorative" val="1"/>
+              </a:ext>
+            </a:extLst>
+          </p:cNvPr>
+          <p:cNvSpPr>
+            <a:spLocks noGrp="1" noRot="1" noChangeAspect="1" noMove="1" noResize="1" noEditPoints="1" noAdjustHandles="1" noChangeArrowheads="1" noChangeShapeType="1" noTextEdit="1"/>
+          </p:cNvSpPr>
+          <p:nvPr>
+            <p:extLst>
+              <p:ext uri="{386F3935-93C4-4BCD-93E2-E3B085C9AB24}">
+                <p16:designElem xmlns:p16="http://schemas.microsoft.com/office/powerpoint/2015/main" val="1"/>
+              </p:ext>
+            </p:extLst>
+          </p:nvPr>
+        </p:nvSpPr>
+        <p:spPr>
+          <a:xfrm>
+            <a:off x="0" y="0"/>
+            <a:ext cx="12192000" cy="6858000"/>
+          </a:xfrm>
+          <a:prstGeom prst="rect">
+            <a:avLst/>
+          </a:prstGeom>
+          <a:gradFill flip="none" rotWithShape="1">
+            <a:gsLst>
+              <a:gs pos="32000">
+                <a:schemeClr val="bg2">
+                  <a:lumMod val="75000"/>
+                  <a:alpha val="5000"/>
+                </a:schemeClr>
+              </a:gs>
+              <a:gs pos="100000">
+                <a:schemeClr val="bg2">
+                  <a:lumMod val="40000"/>
+                </a:schemeClr>
+              </a:gs>
+            </a:gsLst>
+            <a:path path="circle">
+              <a:fillToRect l="50000" t="5000" r="50000" b="95000"/>
+            </a:path>
+            <a:tileRect/>
+          </a:gradFill>
+          <a:ln w="9525" cap="flat" cmpd="sng" algn="ctr">
+            <a:noFill/>
+            <a:prstDash val="solid"/>
+          </a:ln>
+          <a:effectLst/>
+        </p:spPr>
+        <p:txBody>
+          <a:bodyPr rtlCol="0" anchor="ctr"/>
+          <a:lstStyle/>
+          <a:p>
+            <a:pPr marL="0" marR="0" lvl="0" indent="0" algn="ctr" defTabSz="457200" eaLnBrk="1" fontAlgn="auto" latinLnBrk="0" hangingPunct="1">
+              <a:lnSpc>
+                <a:spcPct val="100000"/>
+              </a:lnSpc>
+              <a:spcBef>
+                <a:spcPts val="0"/>
+              </a:spcBef>
+              <a:spcAft>
+                <a:spcPts val="0"/>
+              </a:spcAft>
+              <a:buClrTx/>
+              <a:buSzTx/>
+              <a:buFontTx/>
+              <a:buNone/>
+              <a:tabLst/>
+              <a:defRPr/>
+            </a:pPr>
+            <a:endParaRPr kumimoji="0" lang="en-US" sz="1800" b="0" i="0" u="none" strike="noStrike" kern="0" cap="none" spc="0" normalizeH="0" baseline="0" noProof="0">
+              <a:ln>
+                <a:noFill/>
+              </a:ln>
+              <a:solidFill>
+                <a:prstClr val="white"/>
+              </a:solidFill>
+              <a:effectLst/>
+              <a:uLnTx/>
+              <a:uFillTx/>
+              <a:latin typeface="Calibri"/>
+              <a:ea typeface="+mn-ea"/>
+              <a:cs typeface="+mn-cs"/>
+            </a:endParaRPr>
+          </a:p>
+        </p:txBody>
+      </p:sp>
+      <p:sp>
+        <p:nvSpPr>
+          <p:cNvPr id="2" name="Title 1">
+            <a:extLst>
+              <a:ext uri="{FF2B5EF4-FFF2-40B4-BE49-F238E27FC236}">
+                <a16:creationId xmlns:a16="http://schemas.microsoft.com/office/drawing/2014/main" id="{D5A7DFBC-E165-1D82-E3E1-B30C9A8C3A3A}"/>
+              </a:ext>
+            </a:extLst>
+          </p:cNvPr>
+          <p:cNvSpPr>
+            <a:spLocks noGrp="1"/>
+          </p:cNvSpPr>
+          <p:nvPr>
+            <p:ph type="title"/>
+          </p:nvPr>
+        </p:nvSpPr>
+        <p:spPr>
+          <a:xfrm>
+            <a:off x="1595269" y="1122363"/>
+            <a:ext cx="9001462" cy="2387600"/>
+          </a:xfrm>
+        </p:spPr>
+        <p:txBody>
+          <a:bodyPr vert="horz" lIns="91440" tIns="45720" rIns="91440" bIns="45720" rtlCol="0" anchor="b">
+            <a:normAutofit/>
+          </a:bodyPr>
+          <a:lstStyle/>
+          <a:p>
+            <a:r>
+              <a:rPr lang="en-US" sz="4800"/>
+              <a:t>«ΕΞΥΠΝΗ» ΜΕΤΑΚΙΝΗΣΗ (SMART MOBILITY)</a:t>
+            </a:r>
+          </a:p>
+        </p:txBody>
+      </p:sp>
+    </p:spTree>
+    <p:extLst>
+      <p:ext uri="{BB962C8B-B14F-4D97-AF65-F5344CB8AC3E}">
+        <p14:creationId xmlns:p14="http://schemas.microsoft.com/office/powerpoint/2010/main" val="3649888367"/>
+      </p:ext>
+    </p:extLst>
+  </p:cSld>
+  <p:clrMapOvr>
+    <a:masterClrMapping/>
+  </p:clrMapOvr>
+  <p:timing>
+    <p:tnLst>
+      <p:par>
+        <p:cTn id="1" dur="indefinite" restart="never" nodeType="tmRoot">
+          <p:childTnLst>
+            <p:seq concurrent="1" nextAc="seek">
+              <p:cTn id="2" dur="indefinite" nodeType="mainSeq">
+                <p:childTnLst>
+                  <p:par>
+                    <p:cTn id="3" fill="hold">
+                      <p:stCondLst>
+                        <p:cond delay="indefinite"/>
+                        <p:cond evt="onBegin" delay="0">
+                          <p:tn val="2"/>
+                        </p:cond>
+                      </p:stCondLst>
+                      <p:childTnLst>
+                        <p:par>
+                          <p:cTn id="4" fill="hold">
+                            <p:stCondLst>
+                              <p:cond delay="0"/>
+                            </p:stCondLst>
+                            <p:childTnLst>
+                              <p:par>
+                                <p:cTn id="5" presetID="10" presetClass="entr" presetSubtype="0" fill="hold" grpId="0" nodeType="withEffect">
+                                  <p:stCondLst>
+                                    <p:cond delay="1000"/>
+                                  </p:stCondLst>
+                                  <p:iterate>
+                                    <p:tmPct val="10000"/>
+                                  </p:iterate>
+                                  <p:childTnLst>
+                                    <p:set>
+                                      <p:cBhvr>
+                                        <p:cTn id="6" dur="1" fill="hold">
+                                          <p:stCondLst>
+                                            <p:cond delay="0"/>
+                                          </p:stCondLst>
+                                        </p:cTn>
+                                        <p:tgtEl>
+                                          <p:spTgt spid="2"/>
+                                        </p:tgtEl>
+                                        <p:attrNameLst>
+                                          <p:attrName>style.visibility</p:attrName>
+                                        </p:attrNameLst>
+                                      </p:cBhvr>
+                                      <p:to>
+                                        <p:strVal val="visible"/>
+                                      </p:to>
+                                    </p:set>
+                                    <p:animEffect transition="in" filter="fade">
+                                      <p:cBhvr>
+                                        <p:cTn id="7" dur="700"/>
+                                        <p:tgtEl>
+                                          <p:spTgt spid="2"/>
+                                        </p:tgtEl>
+                                      </p:cBhvr>
+                                    </p:animEffect>
+                                  </p:childTnLst>
+                                </p:cTn>
+                              </p:par>
+                            </p:childTnLst>
+                          </p:cTn>
+                        </p:par>
+                      </p:childTnLst>
+                    </p:cTn>
+                  </p:par>
+                </p:childTnLst>
+              </p:cTn>
+              <p:prevCondLst>
+                <p:cond evt="onPrev" delay="0">
+                  <p:tgtEl>
+                    <p:sldTgt/>
+                  </p:tgtEl>
+                </p:cond>
+              </p:prevCondLst>
+              <p:nextCondLst>
+                <p:cond evt="onNext" delay="0">
+                  <p:tgtEl>
+                    <p:sldTgt/>
+                  </p:tgtEl>
+                </p:cond>
+              </p:nextCondLst>
+            </p:seq>
+          </p:childTnLst>
+        </p:cTn>
+      </p:par>
+    </p:tnLst>
+    <p:bldLst>
+      <p:bldP spid="2" grpId="0"/>
+    </p:bldLst>
+  </p:timing>
 </p:sld>
 </file>
 

--- a/final/p19204.pptx
+++ b/final/p19204.pptx
@@ -11,6 +11,7 @@
     <p:sldId id="259" r:id="rId5"/>
     <p:sldId id="260" r:id="rId6"/>
     <p:sldId id="261" r:id="rId7"/>
+    <p:sldId id="262" r:id="rId8"/>
   </p:sldIdLst>
   <p:sldSz cx="12192000" cy="6858000"/>
   <p:notesSz cx="6858000" cy="9144000"/>
@@ -8387,13 +8388,8 @@
           <a:p>
             <a:r>
               <a:rPr lang="el-GR" dirty="0"/>
-              <a:t>Να μειώσουν όσο το δυνατόν περισσότερο τη χρήση </a:t>
-            </a:r>
-            <a:r>
-              <a:rPr lang="el-GR"/>
-              <a:t>του αυτοκινήτου.</a:t>
-            </a:r>
-            <a:endParaRPr lang="en-US"/>
+              <a:t>Να μειώσουν όσο το δυνατόν περισσότερο τη χρήση του αυτοκινήτου.</a:t>
+            </a:r>
           </a:p>
         </p:txBody>
       </p:sp>
@@ -8401,6 +8397,137 @@
     <p:extLst>
       <p:ext uri="{BB962C8B-B14F-4D97-AF65-F5344CB8AC3E}">
         <p14:creationId xmlns:p14="http://schemas.microsoft.com/office/powerpoint/2010/main" val="3808123722"/>
+      </p:ext>
+    </p:extLst>
+  </p:cSld>
+  <p:clrMapOvr>
+    <a:masterClrMapping/>
+  </p:clrMapOvr>
+</p:sld>
+</file>
+
+<file path=ppt/slides/slide7.xml><?xml version="1.0" encoding="utf-8"?>
+<p:sld xmlns:a="http://schemas.openxmlformats.org/drawingml/2006/main" xmlns:r="http://schemas.openxmlformats.org/officeDocument/2006/relationships" xmlns:p="http://schemas.openxmlformats.org/presentationml/2006/main">
+  <p:cSld>
+    <p:spTree>
+      <p:nvGrpSpPr>
+        <p:cNvPr id="1" name=""/>
+        <p:cNvGrpSpPr/>
+        <p:nvPr/>
+      </p:nvGrpSpPr>
+      <p:grpSpPr>
+        <a:xfrm>
+          <a:off x="0" y="0"/>
+          <a:ext cx="0" cy="0"/>
+          <a:chOff x="0" y="0"/>
+          <a:chExt cx="0" cy="0"/>
+        </a:xfrm>
+      </p:grpSpPr>
+      <p:sp>
+        <p:nvSpPr>
+          <p:cNvPr id="2" name="Title 1">
+            <a:extLst>
+              <a:ext uri="{FF2B5EF4-FFF2-40B4-BE49-F238E27FC236}">
+                <a16:creationId xmlns:a16="http://schemas.microsoft.com/office/drawing/2014/main" id="{63545C6C-25EE-80FD-EDFB-4BA62C886032}"/>
+              </a:ext>
+            </a:extLst>
+          </p:cNvPr>
+          <p:cNvSpPr>
+            <a:spLocks noGrp="1"/>
+          </p:cNvSpPr>
+          <p:nvPr>
+            <p:ph type="title"/>
+          </p:nvPr>
+        </p:nvSpPr>
+        <p:spPr/>
+        <p:txBody>
+          <a:bodyPr/>
+          <a:lstStyle/>
+          <a:p>
+            <a:r>
+              <a:rPr lang="el-GR" dirty="0"/>
+              <a:t>Σημαντικά παραδείγματα.</a:t>
+            </a:r>
+            <a:endParaRPr lang="en-US" dirty="0"/>
+          </a:p>
+        </p:txBody>
+      </p:sp>
+      <p:sp>
+        <p:nvSpPr>
+          <p:cNvPr id="3" name="Content Placeholder 2">
+            <a:extLst>
+              <a:ext uri="{FF2B5EF4-FFF2-40B4-BE49-F238E27FC236}">
+                <a16:creationId xmlns:a16="http://schemas.microsoft.com/office/drawing/2014/main" id="{D8BF5FA3-AF6C-EA22-BD24-AD9A8DC35B29}"/>
+              </a:ext>
+            </a:extLst>
+          </p:cNvPr>
+          <p:cNvSpPr>
+            <a:spLocks noGrp="1"/>
+          </p:cNvSpPr>
+          <p:nvPr>
+            <p:ph idx="1"/>
+          </p:nvPr>
+        </p:nvSpPr>
+        <p:spPr/>
+        <p:txBody>
+          <a:bodyPr/>
+          <a:lstStyle/>
+          <a:p>
+            <a:pPr marL="0" indent="0">
+              <a:buNone/>
+            </a:pPr>
+            <a:r>
+              <a:rPr lang="el-GR" dirty="0"/>
+              <a:t>Σε ορισμένες χώρες,</a:t>
+            </a:r>
+            <a:r>
+              <a:rPr lang="en-US" dirty="0"/>
+              <a:t> </a:t>
+            </a:r>
+            <a:r>
+              <a:rPr lang="el-GR" dirty="0"/>
+              <a:t>υπάρχουν πολύ σύγχρονες υλοποιήσεις, χρησιμοποιώντας την τελευταία τεχνολογία, για να επιτευχθεί ο σκοπός της έξυπνης μετακίνησης:</a:t>
+            </a:r>
+          </a:p>
+          <a:p>
+            <a:r>
+              <a:rPr lang="el-GR" b="1" dirty="0"/>
+              <a:t>ΓΕΡΜΑΝΙΑ: </a:t>
+            </a:r>
+            <a:r>
+              <a:rPr lang="el-GR" dirty="0"/>
+              <a:t>Στην Γερμανία, έχει αναπτυχθεί αρκετά η έξυπνη μετακίνηση, δίνοντας στους πολίτες της, μεταξύ άλλων, έξυπνες κάρτες, προγράμματα </a:t>
+            </a:r>
+            <a:r>
+              <a:rPr lang="el-GR"/>
+              <a:t>διαμοιρασμού ποδηλάτων, ηλεκτρικών </a:t>
+            </a:r>
+            <a:r>
+              <a:rPr lang="el-GR" dirty="0"/>
+              <a:t>αυτοκινήτων αλλά και </a:t>
+            </a:r>
+            <a:r>
+              <a:rPr lang="el-GR"/>
+              <a:t>εσωτερικής καύσης και </a:t>
+            </a:r>
+            <a:r>
+              <a:rPr lang="el-GR" dirty="0"/>
+              <a:t>κατασκευή σταθμών φόρτισης  	</a:t>
+            </a:r>
+            <a:endParaRPr lang="el-GR" b="1" dirty="0"/>
+          </a:p>
+          <a:p>
+            <a:pPr marL="0" indent="0">
+              <a:buNone/>
+            </a:pPr>
+            <a:endParaRPr lang="en-US" dirty="0"/>
+          </a:p>
+        </p:txBody>
+      </p:sp>
+    </p:spTree>
+    <p:extLst>
+      <p:ext uri="{BB962C8B-B14F-4D97-AF65-F5344CB8AC3E}">
+        <p14:creationId xmlns:p14="http://schemas.microsoft.com/office/powerpoint/2010/main" val="138051649"/>
       </p:ext>
     </p:extLst>
   </p:cSld>

--- a/final/p19204.pptx
+++ b/final/p19204.pptx
@@ -8496,23 +8496,17 @@
             </a:r>
             <a:r>
               <a:rPr lang="el-GR" dirty="0"/>
-              <a:t>Στην Γερμανία, έχει αναπτυχθεί αρκετά η έξυπνη μετακίνηση, δίνοντας στους πολίτες της, μεταξύ άλλων, έξυπνες κάρτες, προγράμματα </a:t>
-            </a:r>
-            <a:r>
-              <a:rPr lang="el-GR"/>
-              <a:t>διαμοιρασμού ποδηλάτων, ηλεκτρικών </a:t>
+              <a:t>Στην Γερμανία, έχει αναπτυχθεί αρκετά η έξυπνη μετακίνηση, δίνοντας στους πολίτες της, μεταξύ άλλων, έξυπνες κάρτες, προγράμματα διαμοιρασμού ποδηλάτων, ηλεκτρικών αυτοκινήτων αλλά και εσωτερικής καύσης και κατασκευή σταθμών φόρτισης  </a:t>
+            </a:r>
+          </a:p>
+          <a:p>
+            <a:r>
+              <a:rPr lang="el-GR" b="1"/>
+              <a:t>ΓΑΛΛΙΑ: </a:t>
             </a:r>
             <a:r>
               <a:rPr lang="el-GR" dirty="0"/>
-              <a:t>αυτοκινήτων αλλά και </a:t>
-            </a:r>
-            <a:r>
-              <a:rPr lang="el-GR"/>
-              <a:t>εσωτερικής καύσης και </a:t>
-            </a:r>
-            <a:r>
-              <a:rPr lang="el-GR" dirty="0"/>
-              <a:t>κατασκευή σταθμών φόρτισης  	</a:t>
+              <a:t>	</a:t>
             </a:r>
             <a:endParaRPr lang="el-GR" b="1" dirty="0"/>
           </a:p>

--- a/final/p19204.pptx
+++ b/final/p19204.pptx
@@ -8468,7 +8468,12 @@
             <p:ph idx="1"/>
           </p:nvPr>
         </p:nvSpPr>
-        <p:spPr/>
+        <p:spPr>
+          <a:xfrm>
+            <a:off x="2589212" y="1376516"/>
+            <a:ext cx="8915400" cy="4534706"/>
+          </a:xfrm>
+        </p:spPr>
         <p:txBody>
           <a:bodyPr/>
           <a:lstStyle/>
@@ -8501,12 +8506,18 @@
           </a:p>
           <a:p>
             <a:r>
+              <a:rPr lang="el-GR" b="1" dirty="0"/>
+              <a:t>ΓΑΛΛΙΑ: </a:t>
+            </a:r>
+            <a:r>
+              <a:rPr lang="el-GR" dirty="0"/>
+              <a:t>Και η Γαλλία έχει δώσει λύσεις στην έξυπνη μετακίνηση. Έχει υλοποιήσει κι αυτή τις έξυπνες κάρτες και προγράμματα διαμοιρασμού αυτοκινήτων, αλλά και προγραμματισμό σταθμεύσεων.</a:t>
+            </a:r>
+          </a:p>
+          <a:p>
+            <a:r>
               <a:rPr lang="el-GR" b="1"/>
-              <a:t>ΓΑΛΛΙΑ: </a:t>
-            </a:r>
-            <a:r>
-              <a:rPr lang="el-GR" dirty="0"/>
-              <a:t>	</a:t>
+              <a:t>ΗΝΩΜΕΝΟ ΒΑΣΙΛΕΙΟ: </a:t>
             </a:r>
             <a:endParaRPr lang="el-GR" b="1" dirty="0"/>
           </a:p>

--- a/final/p19204.pptx
+++ b/final/p19204.pptx
@@ -8516,8 +8516,16 @@
           </a:p>
           <a:p>
             <a:r>
-              <a:rPr lang="el-GR" b="1"/>
+              <a:rPr lang="el-GR" b="1" dirty="0"/>
               <a:t>ΗΝΩΜΕΝΟ ΒΑΣΙΛΕΙΟ: </a:t>
+            </a:r>
+            <a:r>
+              <a:rPr lang="el-GR" dirty="0"/>
+              <a:t>Το Ηνωμένο Βασίλειο έχει δώσει στους πολίτες του ηλεκτρικά ποδήλατα, τα οποία νοικιάζουν διαδικτυακά και αρκετούς σταθμούς φόρτισης ηλεκτρικών αυτοκινήτων. Επίσης, σχεδιάζει την αλλαγή προς τη χρήση υβριδικών αμαξιών και αμαξιών </a:t>
+            </a:r>
+            <a:r>
+              <a:rPr lang="el-GR"/>
+              <a:t>χωρίς οδηγό.</a:t>
             </a:r>
             <a:endParaRPr lang="el-GR" b="1" dirty="0"/>
           </a:p>

--- a/final/p19204.pptx
+++ b/final/p19204.pptx
@@ -10,8 +10,8 @@
     <p:sldId id="258" r:id="rId4"/>
     <p:sldId id="259" r:id="rId5"/>
     <p:sldId id="260" r:id="rId6"/>
-    <p:sldId id="261" r:id="rId7"/>
-    <p:sldId id="262" r:id="rId8"/>
+    <p:sldId id="262" r:id="rId7"/>
+    <p:sldId id="261" r:id="rId8"/>
   </p:sldIdLst>
   <p:sldSz cx="12192000" cy="6858000"/>
   <p:notesSz cx="6858000" cy="9144000"/>
@@ -8320,7 +8320,7 @@
           <p:cNvPr id="2" name="Title 1">
             <a:extLst>
               <a:ext uri="{FF2B5EF4-FFF2-40B4-BE49-F238E27FC236}">
-                <a16:creationId xmlns:a16="http://schemas.microsoft.com/office/drawing/2014/main" id="{89A55771-586A-2F86-130B-87A9C42161DE}"/>
+                <a16:creationId xmlns:a16="http://schemas.microsoft.com/office/drawing/2014/main" id="{63545C6C-25EE-80FD-EDFB-4BA62C886032}"/>
               </a:ext>
             </a:extLst>
           </p:cNvPr>
@@ -8338,7 +8338,7 @@
           <a:p>
             <a:r>
               <a:rPr lang="el-GR" dirty="0"/>
-              <a:t>Η έρευνα πάνω στο θέμα.</a:t>
+              <a:t>Σημαντικά παραδείγματα.</a:t>
             </a:r>
             <a:endParaRPr lang="en-US" dirty="0"/>
           </a:p>
@@ -8349,7 +8349,7 @@
           <p:cNvPr id="3" name="Content Placeholder 2">
             <a:extLst>
               <a:ext uri="{FF2B5EF4-FFF2-40B4-BE49-F238E27FC236}">
-                <a16:creationId xmlns:a16="http://schemas.microsoft.com/office/drawing/2014/main" id="{7556400A-8E48-7284-E203-8729E72C66D6}"/>
+                <a16:creationId xmlns:a16="http://schemas.microsoft.com/office/drawing/2014/main" id="{D8BF5FA3-AF6C-EA22-BD24-AD9A8DC35B29}"/>
               </a:ext>
             </a:extLst>
           </p:cNvPr>
@@ -8360,7 +8360,12 @@
             <p:ph idx="1"/>
           </p:nvPr>
         </p:nvSpPr>
-        <p:spPr/>
+        <p:spPr>
+          <a:xfrm>
+            <a:off x="2589212" y="1376516"/>
+            <a:ext cx="8915400" cy="4534706"/>
+          </a:xfrm>
+        </p:spPr>
         <p:txBody>
           <a:bodyPr/>
           <a:lstStyle/>
@@ -8370,33 +8375,60 @@
             </a:pPr>
             <a:r>
               <a:rPr lang="el-GR" dirty="0"/>
-              <a:t>Εδώ και πολλά χρόνια, έχει ερευνηθεί η έννοια της έξυπνης μετακίνησης. Γενικώς, προσπαθούν οι ερευνητές να:</a:t>
-            </a:r>
-          </a:p>
-          <a:p>
+              <a:t>Σε ορισμένες χώρες,</a:t>
+            </a:r>
+            <a:r>
+              <a:rPr lang="en-US" dirty="0"/>
+              <a:t> </a:t>
+            </a:r>
             <a:r>
               <a:rPr lang="el-GR" dirty="0"/>
-              <a:t>«Ψυχολογήσουν» τον μετακινούμενο.</a:t>
-            </a:r>
-          </a:p>
-          <a:p>
+              <a:t>υπάρχουν πολύ σύγχρονες υλοποιήσεις, χρησιμοποιώντας την τελευταία τεχνολογία, για να επιτευχθεί ο σκοπός της έξυπνης μετακίνησης:</a:t>
+            </a:r>
+          </a:p>
+          <a:p>
+            <a:r>
+              <a:rPr lang="el-GR" b="1" dirty="0"/>
+              <a:t>ΓΕΡΜΑΝΙΑ: </a:t>
+            </a:r>
             <a:r>
               <a:rPr lang="el-GR" dirty="0"/>
-              <a:t>Να χρησιμοποιήσουν μεθόδους τελευταίας τεχνολογίας στον τομέα της μεταφοράς και της μετακίνησης.</a:t>
-            </a:r>
-          </a:p>
-          <a:p>
+              <a:t>Στην Γερμανία, έχει αναπτυχθεί αρκετά η έξυπνη μετακίνηση, δίνοντας στους πολίτες της, μεταξύ άλλων, έξυπνες κάρτες, προγράμματα διαμοιρασμού ποδηλάτων, ηλεκτρικών αυτοκινήτων αλλά και εσωτερικής καύσης και κατασκευή σταθμών φόρτισης  </a:t>
+            </a:r>
+          </a:p>
+          <a:p>
+            <a:r>
+              <a:rPr lang="el-GR" b="1" dirty="0"/>
+              <a:t>ΓΑΛΛΙΑ: </a:t>
+            </a:r>
             <a:r>
               <a:rPr lang="el-GR" dirty="0"/>
-              <a:t>Να μειώσουν όσο το δυνατόν περισσότερο τη χρήση του αυτοκινήτου.</a:t>
-            </a:r>
+              <a:t>Και η Γαλλία έχει δώσει λύσεις στην έξυπνη μετακίνηση. Έχει υλοποιήσει κι αυτή τις έξυπνες κάρτες και προγράμματα διαμοιρασμού αυτοκινήτων, αλλά και προγραμματισμό σταθμεύσεων.</a:t>
+            </a:r>
+          </a:p>
+          <a:p>
+            <a:r>
+              <a:rPr lang="el-GR" b="1" dirty="0"/>
+              <a:t>ΗΝΩΜΕΝΟ ΒΑΣΙΛΕΙΟ: </a:t>
+            </a:r>
+            <a:r>
+              <a:rPr lang="el-GR" dirty="0"/>
+              <a:t>Το Ηνωμένο Βασίλειο έχει δώσει στους πολίτες του ηλεκτρικά ποδήλατα, τα οποία νοικιάζουν διαδικτυακά και αρκετούς σταθμούς φόρτισης ηλεκτρικών αυτοκινήτων. Επίσης, σχεδιάζει την αλλαγή προς τη χρήση υβριδικών αμαξιών και αμαξιών χωρίς οδηγό.</a:t>
+            </a:r>
+            <a:endParaRPr lang="el-GR" b="1" dirty="0"/>
+          </a:p>
+          <a:p>
+            <a:pPr marL="0" indent="0">
+              <a:buNone/>
+            </a:pPr>
+            <a:endParaRPr lang="en-US" dirty="0"/>
           </a:p>
         </p:txBody>
       </p:sp>
     </p:spTree>
     <p:extLst>
       <p:ext uri="{BB962C8B-B14F-4D97-AF65-F5344CB8AC3E}">
-        <p14:creationId xmlns:p14="http://schemas.microsoft.com/office/powerpoint/2010/main" val="3808123722"/>
+        <p14:creationId xmlns:p14="http://schemas.microsoft.com/office/powerpoint/2010/main" val="138051649"/>
       </p:ext>
     </p:extLst>
   </p:cSld>
@@ -8428,7 +8460,7 @@
           <p:cNvPr id="2" name="Title 1">
             <a:extLst>
               <a:ext uri="{FF2B5EF4-FFF2-40B4-BE49-F238E27FC236}">
-                <a16:creationId xmlns:a16="http://schemas.microsoft.com/office/drawing/2014/main" id="{63545C6C-25EE-80FD-EDFB-4BA62C886032}"/>
+                <a16:creationId xmlns:a16="http://schemas.microsoft.com/office/drawing/2014/main" id="{89A55771-586A-2F86-130B-87A9C42161DE}"/>
               </a:ext>
             </a:extLst>
           </p:cNvPr>
@@ -8446,7 +8478,7 @@
           <a:p>
             <a:r>
               <a:rPr lang="el-GR" dirty="0"/>
-              <a:t>Σημαντικά παραδείγματα.</a:t>
+              <a:t>Η έρευνα πάνω στο θέμα.</a:t>
             </a:r>
             <a:endParaRPr lang="en-US" dirty="0"/>
           </a:p>
@@ -8457,7 +8489,7 @@
           <p:cNvPr id="3" name="Content Placeholder 2">
             <a:extLst>
               <a:ext uri="{FF2B5EF4-FFF2-40B4-BE49-F238E27FC236}">
-                <a16:creationId xmlns:a16="http://schemas.microsoft.com/office/drawing/2014/main" id="{D8BF5FA3-AF6C-EA22-BD24-AD9A8DC35B29}"/>
+                <a16:creationId xmlns:a16="http://schemas.microsoft.com/office/drawing/2014/main" id="{7556400A-8E48-7284-E203-8729E72C66D6}"/>
               </a:ext>
             </a:extLst>
           </p:cNvPr>
@@ -8468,12 +8500,7 @@
             <p:ph idx="1"/>
           </p:nvPr>
         </p:nvSpPr>
-        <p:spPr>
-          <a:xfrm>
-            <a:off x="2589212" y="1376516"/>
-            <a:ext cx="8915400" cy="4534706"/>
-          </a:xfrm>
-        </p:spPr>
+        <p:spPr/>
         <p:txBody>
           <a:bodyPr/>
           <a:lstStyle/>
@@ -8483,64 +8510,50 @@
             </a:pPr>
             <a:r>
               <a:rPr lang="el-GR" dirty="0"/>
-              <a:t>Σε ορισμένες χώρες,</a:t>
-            </a:r>
-            <a:r>
-              <a:rPr lang="en-US" dirty="0"/>
-              <a:t> </a:t>
-            </a:r>
+              <a:t>Εδώ και πολλά χρόνια, έχει ερευνηθεί η έννοια της έξυπνης μετακίνησης. Γενικώς, προσπαθούν οι ερευνητές να:</a:t>
+            </a:r>
+          </a:p>
+          <a:p>
             <a:r>
               <a:rPr lang="el-GR" dirty="0"/>
-              <a:t>υπάρχουν πολύ σύγχρονες υλοποιήσεις, χρησιμοποιώντας την τελευταία τεχνολογία, για να επιτευχθεί ο σκοπός της έξυπνης μετακίνησης:</a:t>
-            </a:r>
-          </a:p>
-          <a:p>
-            <a:r>
-              <a:rPr lang="el-GR" b="1" dirty="0"/>
-              <a:t>ΓΕΡΜΑΝΙΑ: </a:t>
-            </a:r>
+              <a:t>«Ψυχολογήσουν» τον μετακινούμενο.</a:t>
+            </a:r>
+          </a:p>
+          <a:p>
             <a:r>
               <a:rPr lang="el-GR" dirty="0"/>
-              <a:t>Στην Γερμανία, έχει αναπτυχθεί αρκετά η έξυπνη μετακίνηση, δίνοντας στους πολίτες της, μεταξύ άλλων, έξυπνες κάρτες, προγράμματα διαμοιρασμού ποδηλάτων, ηλεκτρικών αυτοκινήτων αλλά και εσωτερικής καύσης και κατασκευή σταθμών φόρτισης  </a:t>
-            </a:r>
-          </a:p>
-          <a:p>
-            <a:r>
-              <a:rPr lang="el-GR" b="1" dirty="0"/>
-              <a:t>ΓΑΛΛΙΑ: </a:t>
-            </a:r>
+              <a:t>Να χρησιμοποιήσουν μεθόδους τελευταίας τεχνολογίας στον τομέα της μεταφοράς και της μετακίνησης.</a:t>
+            </a:r>
+          </a:p>
+          <a:p>
             <a:r>
               <a:rPr lang="el-GR" dirty="0"/>
-              <a:t>Και η Γαλλία έχει δώσει λύσεις στην έξυπνη μετακίνηση. Έχει υλοποιήσει κι αυτή τις έξυπνες κάρτες και προγράμματα διαμοιρασμού αυτοκινήτων, αλλά και προγραμματισμό σταθμεύσεων.</a:t>
-            </a:r>
-          </a:p>
-          <a:p>
-            <a:r>
-              <a:rPr lang="el-GR" b="1" dirty="0"/>
-              <a:t>ΗΝΩΜΕΝΟ ΒΑΣΙΛΕΙΟ: </a:t>
-            </a:r>
+              <a:t>Να μειώσουν όσο το δυνατόν περισσότερο τη χρήση του αυτοκινήτου.</a:t>
+            </a:r>
+          </a:p>
+          <a:p>
+            <a:endParaRPr lang="el-GR" dirty="0"/>
+          </a:p>
+          <a:p>
+            <a:pPr marL="0" indent="0">
+              <a:buNone/>
+            </a:pPr>
             <a:r>
               <a:rPr lang="el-GR" dirty="0"/>
-              <a:t>Το Ηνωμένο Βασίλειο έχει δώσει στους πολίτες του ηλεκτρικά ποδήλατα, τα οποία νοικιάζουν διαδικτυακά και αρκετούς σταθμούς φόρτισης ηλεκτρικών αυτοκινήτων. Επίσης, σχεδιάζει την αλλαγή προς τη χρήση υβριδικών αμαξιών και αμαξιών </a:t>
+              <a:t>Η έννοια της έξυπνης μετακίνησης, θα πρέπει να είναι όσο το δυνατόν πιο «πράσινη», δηλαδή να μειώσει την </a:t>
             </a:r>
             <a:r>
               <a:rPr lang="el-GR"/>
-              <a:t>χωρίς οδηγό.</a:t>
-            </a:r>
-            <a:endParaRPr lang="el-GR" b="1" dirty="0"/>
-          </a:p>
-          <a:p>
-            <a:pPr marL="0" indent="0">
-              <a:buNone/>
-            </a:pPr>
-            <a:endParaRPr lang="en-US" dirty="0"/>
+              <a:t>περιβαλλοντολογική μόλυνση.</a:t>
+            </a:r>
+            <a:endParaRPr lang="el-GR" dirty="0"/>
           </a:p>
         </p:txBody>
       </p:sp>
     </p:spTree>
     <p:extLst>
       <p:ext uri="{BB962C8B-B14F-4D97-AF65-F5344CB8AC3E}">
-        <p14:creationId xmlns:p14="http://schemas.microsoft.com/office/powerpoint/2010/main" val="138051649"/>
+        <p14:creationId xmlns:p14="http://schemas.microsoft.com/office/powerpoint/2010/main" val="3808123722"/>
       </p:ext>
     </p:extLst>
   </p:cSld>

--- a/final/p19204.pptx
+++ b/final/p19204.pptx
@@ -10,8 +10,11 @@
     <p:sldId id="258" r:id="rId4"/>
     <p:sldId id="259" r:id="rId5"/>
     <p:sldId id="260" r:id="rId6"/>
-    <p:sldId id="262" r:id="rId7"/>
-    <p:sldId id="261" r:id="rId8"/>
+    <p:sldId id="265" r:id="rId7"/>
+    <p:sldId id="262" r:id="rId8"/>
+    <p:sldId id="263" r:id="rId9"/>
+    <p:sldId id="261" r:id="rId10"/>
+    <p:sldId id="264" r:id="rId11"/>
   </p:sldIdLst>
   <p:sldSz cx="12192000" cy="6858000"/>
   <p:notesSz cx="6858000" cy="9144000"/>
@@ -7842,6 +7845,97 @@
 </p:sld>
 </file>
 
+<file path=ppt/slides/slide10.xml><?xml version="1.0" encoding="utf-8"?>
+<p:sld xmlns:a="http://schemas.openxmlformats.org/drawingml/2006/main" xmlns:r="http://schemas.openxmlformats.org/officeDocument/2006/relationships" xmlns:p="http://schemas.openxmlformats.org/presentationml/2006/main">
+  <p:cSld>
+    <p:spTree>
+      <p:nvGrpSpPr>
+        <p:cNvPr id="1" name=""/>
+        <p:cNvGrpSpPr/>
+        <p:nvPr/>
+      </p:nvGrpSpPr>
+      <p:grpSpPr>
+        <a:xfrm>
+          <a:off x="0" y="0"/>
+          <a:ext cx="0" cy="0"/>
+          <a:chOff x="0" y="0"/>
+          <a:chExt cx="0" cy="0"/>
+        </a:xfrm>
+      </p:grpSpPr>
+      <p:sp>
+        <p:nvSpPr>
+          <p:cNvPr id="2" name="Title 1">
+            <a:extLst>
+              <a:ext uri="{FF2B5EF4-FFF2-40B4-BE49-F238E27FC236}">
+                <a16:creationId xmlns:a16="http://schemas.microsoft.com/office/drawing/2014/main" id="{39CC6F72-DD9C-F16C-F23A-D4C3091B7872}"/>
+              </a:ext>
+            </a:extLst>
+          </p:cNvPr>
+          <p:cNvSpPr>
+            <a:spLocks noGrp="1"/>
+          </p:cNvSpPr>
+          <p:nvPr>
+            <p:ph type="title"/>
+          </p:nvPr>
+        </p:nvSpPr>
+        <p:spPr/>
+        <p:txBody>
+          <a:bodyPr/>
+          <a:lstStyle/>
+          <a:p>
+            <a:r>
+              <a:rPr lang="el-GR" dirty="0"/>
+              <a:t>Σε ποιον τομέα ψάχνουν οι ερευνητές</a:t>
+            </a:r>
+            <a:endParaRPr lang="en-US" dirty="0"/>
+          </a:p>
+        </p:txBody>
+      </p:sp>
+      <p:sp>
+        <p:nvSpPr>
+          <p:cNvPr id="3" name="Content Placeholder 2">
+            <a:extLst>
+              <a:ext uri="{FF2B5EF4-FFF2-40B4-BE49-F238E27FC236}">
+                <a16:creationId xmlns:a16="http://schemas.microsoft.com/office/drawing/2014/main" id="{C2561231-29FF-9667-6A6A-1CD6F34A41E2}"/>
+              </a:ext>
+            </a:extLst>
+          </p:cNvPr>
+          <p:cNvSpPr>
+            <a:spLocks noGrp="1"/>
+          </p:cNvSpPr>
+          <p:nvPr>
+            <p:ph idx="1"/>
+          </p:nvPr>
+        </p:nvSpPr>
+        <p:spPr/>
+        <p:txBody>
+          <a:bodyPr/>
+          <a:lstStyle/>
+          <a:p>
+            <a:pPr marL="0" indent="0">
+              <a:buNone/>
+            </a:pPr>
+            <a:r>
+              <a:rPr lang="el-GR" dirty="0"/>
+              <a:t>Η έρευνα πάνω στο θέμα είναι μία πολύ μεγάλη υπόθεση. Όπως θα δούμε και παρακάτω </a:t>
+            </a:r>
+            <a:endParaRPr lang="en-US" dirty="0"/>
+          </a:p>
+        </p:txBody>
+      </p:sp>
+    </p:spTree>
+    <p:extLst>
+      <p:ext uri="{BB962C8B-B14F-4D97-AF65-F5344CB8AC3E}">
+        <p14:creationId xmlns:p14="http://schemas.microsoft.com/office/powerpoint/2010/main" val="4010256200"/>
+      </p:ext>
+    </p:extLst>
+  </p:cSld>
+  <p:clrMapOvr>
+    <a:masterClrMapping/>
+  </p:clrMapOvr>
+</p:sld>
+</file>
+
 <file path=ppt/slides/slide2.xml><?xml version="1.0" encoding="utf-8"?>
 <p:sld xmlns:a="http://schemas.openxmlformats.org/drawingml/2006/main" xmlns:r="http://schemas.openxmlformats.org/officeDocument/2006/relationships" xmlns:p="http://schemas.openxmlformats.org/presentationml/2006/main">
   <p:cSld>
@@ -8320,7 +8414,7 @@
           <p:cNvPr id="2" name="Title 1">
             <a:extLst>
               <a:ext uri="{FF2B5EF4-FFF2-40B4-BE49-F238E27FC236}">
-                <a16:creationId xmlns:a16="http://schemas.microsoft.com/office/drawing/2014/main" id="{63545C6C-25EE-80FD-EDFB-4BA62C886032}"/>
+                <a16:creationId xmlns:a16="http://schemas.microsoft.com/office/drawing/2014/main" id="{EDFD0273-F561-2EF3-0CBF-424BF3CB29BC}"/>
               </a:ext>
             </a:extLst>
           </p:cNvPr>
@@ -8338,7 +8432,7 @@
           <a:p>
             <a:r>
               <a:rPr lang="el-GR" dirty="0"/>
-              <a:t>Σημαντικά παραδείγματα.</a:t>
+              <a:t>Τι περιμένουμε να δούμε στο μέλλον;</a:t>
             </a:r>
             <a:endParaRPr lang="en-US" dirty="0"/>
           </a:p>
@@ -8349,7 +8443,7 @@
           <p:cNvPr id="3" name="Content Placeholder 2">
             <a:extLst>
               <a:ext uri="{FF2B5EF4-FFF2-40B4-BE49-F238E27FC236}">
-                <a16:creationId xmlns:a16="http://schemas.microsoft.com/office/drawing/2014/main" id="{D8BF5FA3-AF6C-EA22-BD24-AD9A8DC35B29}"/>
+                <a16:creationId xmlns:a16="http://schemas.microsoft.com/office/drawing/2014/main" id="{D6E58C1E-77CB-68F3-3E31-326EAD9AB6E7}"/>
               </a:ext>
             </a:extLst>
           </p:cNvPr>
@@ -8362,12 +8456,14 @@
         </p:nvSpPr>
         <p:spPr>
           <a:xfrm>
-            <a:off x="2589212" y="1376516"/>
-            <a:ext cx="8915400" cy="4534706"/>
+            <a:off x="2589212" y="2133599"/>
+            <a:ext cx="8915400" cy="4296697"/>
           </a:xfrm>
         </p:spPr>
         <p:txBody>
-          <a:bodyPr/>
+          <a:bodyPr>
+            <a:normAutofit/>
+          </a:bodyPr>
           <a:lstStyle/>
           <a:p>
             <a:pPr marL="0" indent="0">
@@ -8375,60 +8471,51 @@
             </a:pPr>
             <a:r>
               <a:rPr lang="el-GR" dirty="0"/>
-              <a:t>Σε ορισμένες χώρες,</a:t>
-            </a:r>
-            <a:r>
-              <a:rPr lang="en-US" dirty="0"/>
-              <a:t> </a:t>
-            </a:r>
+              <a:t>Τα προηγούμενα παραδείγματα, όπως θα δούμε και παρακάτω, έχουν υλοποιηθεί σε διάφορες Ευρωπαϊκές χώρες. Στην παρούσα φάση εξετάζονται τα εξής:</a:t>
+            </a:r>
+          </a:p>
+          <a:p>
             <a:r>
               <a:rPr lang="el-GR" dirty="0"/>
-              <a:t>υπάρχουν πολύ σύγχρονες υλοποιήσεις, χρησιμοποιώντας την τελευταία τεχνολογία, για να επιτευχθεί ο σκοπός της έξυπνης μετακίνησης:</a:t>
-            </a:r>
-          </a:p>
-          <a:p>
-            <a:r>
-              <a:rPr lang="el-GR" b="1" dirty="0"/>
-              <a:t>ΓΕΡΜΑΝΙΑ: </a:t>
-            </a:r>
+              <a:t>Προσθήκη περισσότερων σταθμών φόρτισης ηλεκτρικών αυτοκινήτων</a:t>
+            </a:r>
+          </a:p>
+          <a:p>
             <a:r>
               <a:rPr lang="el-GR" dirty="0"/>
-              <a:t>Στην Γερμανία, έχει αναπτυχθεί αρκετά η έξυπνη μετακίνηση, δίνοντας στους πολίτες της, μεταξύ άλλων, έξυπνες κάρτες, προγράμματα διαμοιρασμού ποδηλάτων, ηλεκτρικών αυτοκινήτων αλλά και εσωτερικής καύσης και κατασκευή σταθμών φόρτισης  </a:t>
-            </a:r>
-          </a:p>
-          <a:p>
-            <a:r>
-              <a:rPr lang="el-GR" b="1" dirty="0"/>
-              <a:t>ΓΑΛΛΙΑ: </a:t>
-            </a:r>
+              <a:t>Πρόγραμμα ένταξης αυτοκινήτων χωρίς οδηγό στους δρόμους.</a:t>
+            </a:r>
+          </a:p>
+          <a:p>
             <a:r>
               <a:rPr lang="el-GR" dirty="0"/>
-              <a:t>Και η Γαλλία έχει δώσει λύσεις στην έξυπνη μετακίνηση. Έχει υλοποιήσει κι αυτή τις έξυπνες κάρτες και προγράμματα διαμοιρασμού αυτοκινήτων, αλλά και προγραμματισμό σταθμεύσεων.</a:t>
-            </a:r>
-          </a:p>
-          <a:p>
-            <a:r>
-              <a:rPr lang="el-GR" b="1" dirty="0"/>
-              <a:t>ΗΝΩΜΕΝΟ ΒΑΣΙΛΕΙΟ: </a:t>
-            </a:r>
+              <a:t>Προγράμματα διαμοιρασμού ηλεκτρικών αυτοκινήτων, ποδηλάτων και πατινιών.</a:t>
+            </a:r>
+          </a:p>
+          <a:p>
             <a:r>
               <a:rPr lang="el-GR" dirty="0"/>
-              <a:t>Το Ηνωμένο Βασίλειο έχει δώσει στους πολίτες του ηλεκτρικά ποδήλατα, τα οποία νοικιάζουν διαδικτυακά και αρκετούς σταθμούς φόρτισης ηλεκτρικών αυτοκινήτων. Επίσης, σχεδιάζει την αλλαγή προς τη χρήση υβριδικών αμαξιών και αμαξιών χωρίς οδηγό.</a:t>
-            </a:r>
-            <a:endParaRPr lang="el-GR" b="1" dirty="0"/>
+              <a:t>Εφαρμογές ενημέρωσης (και κράτησης) για διαθέσιμους χώρους στάθμευσης.</a:t>
+            </a:r>
+          </a:p>
+          <a:p>
+            <a:endParaRPr lang="el-GR" dirty="0"/>
           </a:p>
           <a:p>
             <a:pPr marL="0" indent="0">
               <a:buNone/>
             </a:pPr>
-            <a:endParaRPr lang="en-US" dirty="0"/>
+            <a:r>
+              <a:rPr lang="el-GR" dirty="0"/>
+              <a:t>Όλα τα παραπάνω, είναι αυτήν τη στιγμή στο επίκεντρο των ερευνών που αφορούν την έξυπνη μετακίνηση.</a:t>
+            </a:r>
           </a:p>
         </p:txBody>
       </p:sp>
     </p:spTree>
     <p:extLst>
       <p:ext uri="{BB962C8B-B14F-4D97-AF65-F5344CB8AC3E}">
-        <p14:creationId xmlns:p14="http://schemas.microsoft.com/office/powerpoint/2010/main" val="138051649"/>
+        <p14:creationId xmlns:p14="http://schemas.microsoft.com/office/powerpoint/2010/main" val="707788032"/>
       </p:ext>
     </p:extLst>
   </p:cSld>
@@ -8460,6 +8547,254 @@
           <p:cNvPr id="2" name="Title 1">
             <a:extLst>
               <a:ext uri="{FF2B5EF4-FFF2-40B4-BE49-F238E27FC236}">
+                <a16:creationId xmlns:a16="http://schemas.microsoft.com/office/drawing/2014/main" id="{63545C6C-25EE-80FD-EDFB-4BA62C886032}"/>
+              </a:ext>
+            </a:extLst>
+          </p:cNvPr>
+          <p:cNvSpPr>
+            <a:spLocks noGrp="1"/>
+          </p:cNvSpPr>
+          <p:nvPr>
+            <p:ph type="title"/>
+          </p:nvPr>
+        </p:nvSpPr>
+        <p:spPr/>
+        <p:txBody>
+          <a:bodyPr/>
+          <a:lstStyle/>
+          <a:p>
+            <a:r>
+              <a:rPr lang="el-GR" dirty="0"/>
+              <a:t>Σημαντικά παραδείγματα.</a:t>
+            </a:r>
+            <a:endParaRPr lang="en-US" dirty="0"/>
+          </a:p>
+        </p:txBody>
+      </p:sp>
+      <p:sp>
+        <p:nvSpPr>
+          <p:cNvPr id="3" name="Content Placeholder 2">
+            <a:extLst>
+              <a:ext uri="{FF2B5EF4-FFF2-40B4-BE49-F238E27FC236}">
+                <a16:creationId xmlns:a16="http://schemas.microsoft.com/office/drawing/2014/main" id="{D8BF5FA3-AF6C-EA22-BD24-AD9A8DC35B29}"/>
+              </a:ext>
+            </a:extLst>
+          </p:cNvPr>
+          <p:cNvSpPr>
+            <a:spLocks noGrp="1"/>
+          </p:cNvSpPr>
+          <p:nvPr>
+            <p:ph idx="1"/>
+          </p:nvPr>
+        </p:nvSpPr>
+        <p:spPr>
+          <a:xfrm>
+            <a:off x="2589212" y="1376516"/>
+            <a:ext cx="8915400" cy="4534706"/>
+          </a:xfrm>
+        </p:spPr>
+        <p:txBody>
+          <a:bodyPr/>
+          <a:lstStyle/>
+          <a:p>
+            <a:pPr marL="0" indent="0">
+              <a:buNone/>
+            </a:pPr>
+            <a:r>
+              <a:rPr lang="el-GR" dirty="0"/>
+              <a:t>Σε ορισμένες χώρες,</a:t>
+            </a:r>
+            <a:r>
+              <a:rPr lang="en-US" dirty="0"/>
+              <a:t> </a:t>
+            </a:r>
+            <a:r>
+              <a:rPr lang="el-GR" dirty="0"/>
+              <a:t>υπάρχουν πολύ σύγχρονες υλοποιήσεις, χρησιμοποιώντας την τελευταία τεχνολογία, για να επιτευχθεί ο σκοπός της έξυπνης μετακίνησης:</a:t>
+            </a:r>
+          </a:p>
+          <a:p>
+            <a:r>
+              <a:rPr lang="el-GR" b="1" dirty="0"/>
+              <a:t>ΓΕΡΜΑΝΙΑ: </a:t>
+            </a:r>
+            <a:r>
+              <a:rPr lang="el-GR" dirty="0"/>
+              <a:t>Στην Γερμανία, έχει αναπτυχθεί αρκετά η έξυπνη μετακίνηση, δίνοντας στους πολίτες της, μεταξύ άλλων, έξυπνες κάρτες, προγράμματα διαμοιρασμού ποδηλάτων, ηλεκτρικών αυτοκινήτων αλλά και εσωτερικής καύσης και κατασκευή σταθμών φόρτισης  </a:t>
+            </a:r>
+          </a:p>
+          <a:p>
+            <a:r>
+              <a:rPr lang="el-GR" b="1" dirty="0"/>
+              <a:t>ΓΑΛΛΙΑ: </a:t>
+            </a:r>
+            <a:r>
+              <a:rPr lang="el-GR" dirty="0"/>
+              <a:t>Και η Γαλλία έχει δώσει λύσεις στην έξυπνη μετακίνηση. Έχει υλοποιήσει κι αυτή τις έξυπνες κάρτες και προγράμματα διαμοιρασμού αυτοκινήτων, αλλά και προγραμματισμό σταθμεύσεων.</a:t>
+            </a:r>
+          </a:p>
+          <a:p>
+            <a:r>
+              <a:rPr lang="el-GR" b="1" dirty="0"/>
+              <a:t>ΗΝΩΜΕΝΟ ΒΑΣΙΛΕΙΟ: </a:t>
+            </a:r>
+            <a:r>
+              <a:rPr lang="el-GR" dirty="0"/>
+              <a:t>Το Ηνωμένο Βασίλειο έχει δώσει στους πολίτες του ηλεκτρικά ποδήλατα, τα οποία νοικιάζουν διαδικτυακά και αρκετούς σταθμούς φόρτισης ηλεκτρικών αυτοκινήτων. Επίσης, σχεδιάζει την αλλαγή προς τη χρήση υβριδικών αμαξιών και αμαξιών χωρίς οδηγό.</a:t>
+            </a:r>
+            <a:endParaRPr lang="el-GR" b="1" dirty="0"/>
+          </a:p>
+          <a:p>
+            <a:pPr marL="0" indent="0">
+              <a:buNone/>
+            </a:pPr>
+            <a:endParaRPr lang="en-US" dirty="0"/>
+          </a:p>
+        </p:txBody>
+      </p:sp>
+    </p:spTree>
+    <p:extLst>
+      <p:ext uri="{BB962C8B-B14F-4D97-AF65-F5344CB8AC3E}">
+        <p14:creationId xmlns:p14="http://schemas.microsoft.com/office/powerpoint/2010/main" val="138051649"/>
+      </p:ext>
+    </p:extLst>
+  </p:cSld>
+  <p:clrMapOvr>
+    <a:masterClrMapping/>
+  </p:clrMapOvr>
+</p:sld>
+</file>
+
+<file path=ppt/slides/slide8.xml><?xml version="1.0" encoding="utf-8"?>
+<p:sld xmlns:a="http://schemas.openxmlformats.org/drawingml/2006/main" xmlns:r="http://schemas.openxmlformats.org/officeDocument/2006/relationships" xmlns:p="http://schemas.openxmlformats.org/presentationml/2006/main">
+  <p:cSld>
+    <p:spTree>
+      <p:nvGrpSpPr>
+        <p:cNvPr id="1" name=""/>
+        <p:cNvGrpSpPr/>
+        <p:nvPr/>
+      </p:nvGrpSpPr>
+      <p:grpSpPr>
+        <a:xfrm>
+          <a:off x="0" y="0"/>
+          <a:ext cx="0" cy="0"/>
+          <a:chOff x="0" y="0"/>
+          <a:chExt cx="0" cy="0"/>
+        </a:xfrm>
+      </p:grpSpPr>
+      <p:sp>
+        <p:nvSpPr>
+          <p:cNvPr id="2" name="Title 1">
+            <a:extLst>
+              <a:ext uri="{FF2B5EF4-FFF2-40B4-BE49-F238E27FC236}">
+                <a16:creationId xmlns:a16="http://schemas.microsoft.com/office/drawing/2014/main" id="{AF08A142-6D8E-381B-79C7-0034BAB6ED72}"/>
+              </a:ext>
+            </a:extLst>
+          </p:cNvPr>
+          <p:cNvSpPr>
+            <a:spLocks noGrp="1"/>
+          </p:cNvSpPr>
+          <p:nvPr>
+            <p:ph type="title"/>
+          </p:nvPr>
+        </p:nvSpPr>
+        <p:spPr/>
+        <p:txBody>
+          <a:bodyPr/>
+          <a:lstStyle/>
+          <a:p>
+            <a:r>
+              <a:rPr lang="el-GR" dirty="0"/>
+              <a:t>Ερώτηση κρίσεως προς το κοινό!</a:t>
+            </a:r>
+            <a:endParaRPr lang="en-US" dirty="0"/>
+          </a:p>
+        </p:txBody>
+      </p:sp>
+      <p:sp>
+        <p:nvSpPr>
+          <p:cNvPr id="3" name="Content Placeholder 2">
+            <a:extLst>
+              <a:ext uri="{FF2B5EF4-FFF2-40B4-BE49-F238E27FC236}">
+                <a16:creationId xmlns:a16="http://schemas.microsoft.com/office/drawing/2014/main" id="{6CEAE025-7A79-0B33-12EF-2E426590EB94}"/>
+              </a:ext>
+            </a:extLst>
+          </p:cNvPr>
+          <p:cNvSpPr>
+            <a:spLocks noGrp="1"/>
+          </p:cNvSpPr>
+          <p:nvPr>
+            <p:ph idx="1"/>
+          </p:nvPr>
+        </p:nvSpPr>
+        <p:spPr/>
+        <p:txBody>
+          <a:bodyPr>
+            <a:normAutofit/>
+          </a:bodyPr>
+          <a:lstStyle/>
+          <a:p>
+            <a:pPr marL="0" indent="0">
+              <a:buNone/>
+            </a:pPr>
+            <a:r>
+              <a:rPr lang="el-GR" sz="2400" dirty="0"/>
+              <a:t>Θα θέλατε κι εσείς να έχετε αυτές τις λύσεις που προαναφέρθηκαν;</a:t>
+            </a:r>
+          </a:p>
+          <a:p>
+            <a:pPr marL="0" indent="0">
+              <a:buNone/>
+            </a:pPr>
+            <a:endParaRPr lang="el-GR" sz="2400" dirty="0"/>
+          </a:p>
+          <a:p>
+            <a:pPr marL="0" indent="0">
+              <a:buNone/>
+            </a:pPr>
+            <a:r>
+              <a:rPr lang="el-GR" sz="2400" dirty="0"/>
+              <a:t>Πιστεύετε ότι αυτά θα έκαναν τη ζωή σας πιο εύκολη; Θα μείωναν χρόνο από τις μετακινήσεις σας;</a:t>
+            </a:r>
+            <a:endParaRPr lang="en-US" sz="2400" dirty="0"/>
+          </a:p>
+        </p:txBody>
+      </p:sp>
+    </p:spTree>
+    <p:extLst>
+      <p:ext uri="{BB962C8B-B14F-4D97-AF65-F5344CB8AC3E}">
+        <p14:creationId xmlns:p14="http://schemas.microsoft.com/office/powerpoint/2010/main" val="2827357849"/>
+      </p:ext>
+    </p:extLst>
+  </p:cSld>
+  <p:clrMapOvr>
+    <a:masterClrMapping/>
+  </p:clrMapOvr>
+</p:sld>
+</file>
+
+<file path=ppt/slides/slide9.xml><?xml version="1.0" encoding="utf-8"?>
+<p:sld xmlns:a="http://schemas.openxmlformats.org/drawingml/2006/main" xmlns:r="http://schemas.openxmlformats.org/officeDocument/2006/relationships" xmlns:p="http://schemas.openxmlformats.org/presentationml/2006/main">
+  <p:cSld>
+    <p:spTree>
+      <p:nvGrpSpPr>
+        <p:cNvPr id="1" name=""/>
+        <p:cNvGrpSpPr/>
+        <p:nvPr/>
+      </p:nvGrpSpPr>
+      <p:grpSpPr>
+        <a:xfrm>
+          <a:off x="0" y="0"/>
+          <a:ext cx="0" cy="0"/>
+          <a:chOff x="0" y="0"/>
+          <a:chExt cx="0" cy="0"/>
+        </a:xfrm>
+      </p:grpSpPr>
+      <p:sp>
+        <p:nvSpPr>
+          <p:cNvPr id="2" name="Title 1">
+            <a:extLst>
+              <a:ext uri="{FF2B5EF4-FFF2-40B4-BE49-F238E27FC236}">
                 <a16:creationId xmlns:a16="http://schemas.microsoft.com/office/drawing/2014/main" id="{89A55771-586A-2F86-130B-87A9C42161DE}"/>
               </a:ext>
             </a:extLst>
@@ -8540,13 +8875,8 @@
             </a:pPr>
             <a:r>
               <a:rPr lang="el-GR" dirty="0"/>
-              <a:t>Η έννοια της έξυπνης μετακίνησης, θα πρέπει να είναι όσο το δυνατόν πιο «πράσινη», δηλαδή να μειώσει την </a:t>
-            </a:r>
-            <a:r>
-              <a:rPr lang="el-GR"/>
-              <a:t>περιβαλλοντολογική μόλυνση.</a:t>
-            </a:r>
-            <a:endParaRPr lang="el-GR" dirty="0"/>
+              <a:t>Η έννοια της έξυπνης μετακίνησης, θα πρέπει να είναι όσο το δυνατόν πιο «πράσινη», δηλαδή να μειώσει την περιβαλλοντολογική μόλυνση.</a:t>
+            </a:r>
           </a:p>
         </p:txBody>
       </p:sp>

--- a/final/p19204.pptx
+++ b/final/p19204.pptx
@@ -12,9 +12,13 @@
     <p:sldId id="260" r:id="rId6"/>
     <p:sldId id="265" r:id="rId7"/>
     <p:sldId id="262" r:id="rId8"/>
-    <p:sldId id="263" r:id="rId9"/>
-    <p:sldId id="261" r:id="rId10"/>
-    <p:sldId id="264" r:id="rId11"/>
+    <p:sldId id="267" r:id="rId9"/>
+    <p:sldId id="268" r:id="rId10"/>
+    <p:sldId id="269" r:id="rId11"/>
+    <p:sldId id="263" r:id="rId12"/>
+    <p:sldId id="261" r:id="rId13"/>
+    <p:sldId id="264" r:id="rId14"/>
+    <p:sldId id="266" r:id="rId15"/>
   </p:sldIdLst>
   <p:sldSz cx="12192000" cy="6858000"/>
   <p:notesSz cx="6858000" cy="9144000"/>
@@ -7867,6 +7871,367 @@
           <p:cNvPr id="2" name="Title 1">
             <a:extLst>
               <a:ext uri="{FF2B5EF4-FFF2-40B4-BE49-F238E27FC236}">
+                <a16:creationId xmlns:a16="http://schemas.microsoft.com/office/drawing/2014/main" id="{F800A5AD-30D0-061C-372D-3F9627F2E041}"/>
+              </a:ext>
+            </a:extLst>
+          </p:cNvPr>
+          <p:cNvSpPr>
+            <a:spLocks noGrp="1"/>
+          </p:cNvSpPr>
+          <p:nvPr>
+            <p:ph type="title"/>
+          </p:nvPr>
+        </p:nvSpPr>
+        <p:spPr/>
+        <p:txBody>
+          <a:bodyPr/>
+          <a:lstStyle/>
+          <a:p>
+            <a:r>
+              <a:rPr lang="el-GR" dirty="0"/>
+              <a:t>Ηνωμένο Βασίλειο</a:t>
+            </a:r>
+            <a:endParaRPr lang="en-US" dirty="0"/>
+          </a:p>
+        </p:txBody>
+      </p:sp>
+      <p:sp>
+        <p:nvSpPr>
+          <p:cNvPr id="3" name="Content Placeholder 2">
+            <a:extLst>
+              <a:ext uri="{FF2B5EF4-FFF2-40B4-BE49-F238E27FC236}">
+                <a16:creationId xmlns:a16="http://schemas.microsoft.com/office/drawing/2014/main" id="{178E3016-66F2-DCD5-5E18-ABC98E74387E}"/>
+              </a:ext>
+            </a:extLst>
+          </p:cNvPr>
+          <p:cNvSpPr>
+            <a:spLocks noGrp="1"/>
+          </p:cNvSpPr>
+          <p:nvPr>
+            <p:ph idx="1"/>
+          </p:nvPr>
+        </p:nvSpPr>
+        <p:spPr/>
+        <p:txBody>
+          <a:bodyPr>
+            <a:normAutofit/>
+          </a:bodyPr>
+          <a:lstStyle/>
+          <a:p>
+            <a:pPr marL="0" indent="0">
+              <a:buNone/>
+            </a:pPr>
+            <a:r>
+              <a:rPr lang="el-GR" dirty="0"/>
+              <a:t>Το Ηνωμένο Βασίλειο έχει και αυτή υλοποιήσεις και, μάλιστα λίγο πιο διαφορετικές, από τις προηγούμενες δύο χώρες. Πιο συγκεκριμένα έχει δώσει έμφαση στα εξής:</a:t>
+            </a:r>
+          </a:p>
+          <a:p>
+            <a:r>
+              <a:rPr lang="el-GR" dirty="0"/>
+              <a:t>Ηλεκτρικά ποδήλατα, με συστήματα ηλεκτρονικής ενοικίασης.</a:t>
+            </a:r>
+          </a:p>
+          <a:p>
+            <a:r>
+              <a:rPr lang="el-GR" dirty="0"/>
+              <a:t>Σταθμοί φόρτισης ηλεκτρικών αυτοκινήτων.</a:t>
+            </a:r>
+          </a:p>
+          <a:p>
+            <a:r>
+              <a:rPr lang="el-GR" dirty="0"/>
+              <a:t>Στροφή προς τη χρήση υβριδικών αμαξιών.</a:t>
+            </a:r>
+          </a:p>
+          <a:p>
+            <a:r>
+              <a:rPr lang="el-GR" dirty="0"/>
+              <a:t>Στροφή προς την ένταξη αυτοκινήτων χωρίς οδηγό στους </a:t>
+            </a:r>
+            <a:r>
+              <a:rPr lang="el-GR"/>
+              <a:t>δρόμους.</a:t>
+            </a:r>
+            <a:endParaRPr lang="el-GR" b="1" dirty="0"/>
+          </a:p>
+          <a:p>
+            <a:pPr marL="0" indent="0">
+              <a:buNone/>
+            </a:pPr>
+            <a:br>
+              <a:rPr lang="el-GR" dirty="0"/>
+            </a:br>
+            <a:endParaRPr lang="el-GR" dirty="0"/>
+          </a:p>
+          <a:p>
+            <a:endParaRPr lang="en-US" dirty="0"/>
+          </a:p>
+        </p:txBody>
+      </p:sp>
+    </p:spTree>
+    <p:extLst>
+      <p:ext uri="{BB962C8B-B14F-4D97-AF65-F5344CB8AC3E}">
+        <p14:creationId xmlns:p14="http://schemas.microsoft.com/office/powerpoint/2010/main" val="110063395"/>
+      </p:ext>
+    </p:extLst>
+  </p:cSld>
+  <p:clrMapOvr>
+    <a:masterClrMapping/>
+  </p:clrMapOvr>
+</p:sld>
+</file>
+
+<file path=ppt/slides/slide11.xml><?xml version="1.0" encoding="utf-8"?>
+<p:sld xmlns:a="http://schemas.openxmlformats.org/drawingml/2006/main" xmlns:r="http://schemas.openxmlformats.org/officeDocument/2006/relationships" xmlns:p="http://schemas.openxmlformats.org/presentationml/2006/main">
+  <p:cSld>
+    <p:spTree>
+      <p:nvGrpSpPr>
+        <p:cNvPr id="1" name=""/>
+        <p:cNvGrpSpPr/>
+        <p:nvPr/>
+      </p:nvGrpSpPr>
+      <p:grpSpPr>
+        <a:xfrm>
+          <a:off x="0" y="0"/>
+          <a:ext cx="0" cy="0"/>
+          <a:chOff x="0" y="0"/>
+          <a:chExt cx="0" cy="0"/>
+        </a:xfrm>
+      </p:grpSpPr>
+      <p:sp>
+        <p:nvSpPr>
+          <p:cNvPr id="2" name="Title 1">
+            <a:extLst>
+              <a:ext uri="{FF2B5EF4-FFF2-40B4-BE49-F238E27FC236}">
+                <a16:creationId xmlns:a16="http://schemas.microsoft.com/office/drawing/2014/main" id="{AF08A142-6D8E-381B-79C7-0034BAB6ED72}"/>
+              </a:ext>
+            </a:extLst>
+          </p:cNvPr>
+          <p:cNvSpPr>
+            <a:spLocks noGrp="1"/>
+          </p:cNvSpPr>
+          <p:nvPr>
+            <p:ph type="title"/>
+          </p:nvPr>
+        </p:nvSpPr>
+        <p:spPr/>
+        <p:txBody>
+          <a:bodyPr/>
+          <a:lstStyle/>
+          <a:p>
+            <a:r>
+              <a:rPr lang="el-GR" dirty="0"/>
+              <a:t>Ερώτηση κρίσεως προς το κοινό!</a:t>
+            </a:r>
+            <a:endParaRPr lang="en-US" dirty="0"/>
+          </a:p>
+        </p:txBody>
+      </p:sp>
+      <p:sp>
+        <p:nvSpPr>
+          <p:cNvPr id="3" name="Content Placeholder 2">
+            <a:extLst>
+              <a:ext uri="{FF2B5EF4-FFF2-40B4-BE49-F238E27FC236}">
+                <a16:creationId xmlns:a16="http://schemas.microsoft.com/office/drawing/2014/main" id="{6CEAE025-7A79-0B33-12EF-2E426590EB94}"/>
+              </a:ext>
+            </a:extLst>
+          </p:cNvPr>
+          <p:cNvSpPr>
+            <a:spLocks noGrp="1"/>
+          </p:cNvSpPr>
+          <p:nvPr>
+            <p:ph idx="1"/>
+          </p:nvPr>
+        </p:nvSpPr>
+        <p:spPr/>
+        <p:txBody>
+          <a:bodyPr>
+            <a:normAutofit/>
+          </a:bodyPr>
+          <a:lstStyle/>
+          <a:p>
+            <a:pPr marL="0" indent="0">
+              <a:buNone/>
+            </a:pPr>
+            <a:r>
+              <a:rPr lang="el-GR" sz="2400" dirty="0"/>
+              <a:t>Θα θέλατε κι εσείς να έχετε αυτές τις λύσεις που προαναφέρθηκαν;</a:t>
+            </a:r>
+          </a:p>
+          <a:p>
+            <a:pPr marL="0" indent="0">
+              <a:buNone/>
+            </a:pPr>
+            <a:endParaRPr lang="el-GR" sz="2400" dirty="0"/>
+          </a:p>
+          <a:p>
+            <a:pPr marL="0" indent="0">
+              <a:buNone/>
+            </a:pPr>
+            <a:r>
+              <a:rPr lang="el-GR" sz="2400" dirty="0"/>
+              <a:t>Πιστεύετε ότι αυτά θα έκαναν τη ζωή σας πιο εύκολη; Θα μείωναν χρόνο από τις μετακινήσεις σας;</a:t>
+            </a:r>
+            <a:endParaRPr lang="en-US" sz="2400" dirty="0"/>
+          </a:p>
+        </p:txBody>
+      </p:sp>
+    </p:spTree>
+    <p:extLst>
+      <p:ext uri="{BB962C8B-B14F-4D97-AF65-F5344CB8AC3E}">
+        <p14:creationId xmlns:p14="http://schemas.microsoft.com/office/powerpoint/2010/main" val="2827357849"/>
+      </p:ext>
+    </p:extLst>
+  </p:cSld>
+  <p:clrMapOvr>
+    <a:masterClrMapping/>
+  </p:clrMapOvr>
+</p:sld>
+</file>
+
+<file path=ppt/slides/slide12.xml><?xml version="1.0" encoding="utf-8"?>
+<p:sld xmlns:a="http://schemas.openxmlformats.org/drawingml/2006/main" xmlns:r="http://schemas.openxmlformats.org/officeDocument/2006/relationships" xmlns:p="http://schemas.openxmlformats.org/presentationml/2006/main">
+  <p:cSld>
+    <p:spTree>
+      <p:nvGrpSpPr>
+        <p:cNvPr id="1" name=""/>
+        <p:cNvGrpSpPr/>
+        <p:nvPr/>
+      </p:nvGrpSpPr>
+      <p:grpSpPr>
+        <a:xfrm>
+          <a:off x="0" y="0"/>
+          <a:ext cx="0" cy="0"/>
+          <a:chOff x="0" y="0"/>
+          <a:chExt cx="0" cy="0"/>
+        </a:xfrm>
+      </p:grpSpPr>
+      <p:sp>
+        <p:nvSpPr>
+          <p:cNvPr id="2" name="Title 1">
+            <a:extLst>
+              <a:ext uri="{FF2B5EF4-FFF2-40B4-BE49-F238E27FC236}">
+                <a16:creationId xmlns:a16="http://schemas.microsoft.com/office/drawing/2014/main" id="{89A55771-586A-2F86-130B-87A9C42161DE}"/>
+              </a:ext>
+            </a:extLst>
+          </p:cNvPr>
+          <p:cNvSpPr>
+            <a:spLocks noGrp="1"/>
+          </p:cNvSpPr>
+          <p:nvPr>
+            <p:ph type="title"/>
+          </p:nvPr>
+        </p:nvSpPr>
+        <p:spPr/>
+        <p:txBody>
+          <a:bodyPr/>
+          <a:lstStyle/>
+          <a:p>
+            <a:r>
+              <a:rPr lang="el-GR" dirty="0"/>
+              <a:t>Η έρευνα πάνω στο θέμα.</a:t>
+            </a:r>
+            <a:endParaRPr lang="en-US" dirty="0"/>
+          </a:p>
+        </p:txBody>
+      </p:sp>
+      <p:sp>
+        <p:nvSpPr>
+          <p:cNvPr id="3" name="Content Placeholder 2">
+            <a:extLst>
+              <a:ext uri="{FF2B5EF4-FFF2-40B4-BE49-F238E27FC236}">
+                <a16:creationId xmlns:a16="http://schemas.microsoft.com/office/drawing/2014/main" id="{7556400A-8E48-7284-E203-8729E72C66D6}"/>
+              </a:ext>
+            </a:extLst>
+          </p:cNvPr>
+          <p:cNvSpPr>
+            <a:spLocks noGrp="1"/>
+          </p:cNvSpPr>
+          <p:nvPr>
+            <p:ph idx="1"/>
+          </p:nvPr>
+        </p:nvSpPr>
+        <p:spPr/>
+        <p:txBody>
+          <a:bodyPr/>
+          <a:lstStyle/>
+          <a:p>
+            <a:pPr marL="0" indent="0">
+              <a:buNone/>
+            </a:pPr>
+            <a:r>
+              <a:rPr lang="el-GR" dirty="0"/>
+              <a:t>Εδώ και πολλά χρόνια, έχει ερευνηθεί η έννοια της έξυπνης μετακίνησης. Γενικώς, προσπαθούν οι ερευνητές να:</a:t>
+            </a:r>
+          </a:p>
+          <a:p>
+            <a:r>
+              <a:rPr lang="el-GR" dirty="0"/>
+              <a:t>«Ψυχολογήσουν» τον μετακινούμενο.</a:t>
+            </a:r>
+          </a:p>
+          <a:p>
+            <a:r>
+              <a:rPr lang="el-GR" dirty="0"/>
+              <a:t>Να χρησιμοποιήσουν μεθόδους τελευταίας τεχνολογίας στον τομέα της μεταφοράς και της μετακίνησης.</a:t>
+            </a:r>
+          </a:p>
+          <a:p>
+            <a:r>
+              <a:rPr lang="el-GR" dirty="0"/>
+              <a:t>Να μειώσουν όσο το δυνατόν περισσότερο τη χρήση του αυτοκινήτου.</a:t>
+            </a:r>
+          </a:p>
+          <a:p>
+            <a:endParaRPr lang="el-GR" dirty="0"/>
+          </a:p>
+          <a:p>
+            <a:pPr marL="0" indent="0">
+              <a:buNone/>
+            </a:pPr>
+            <a:r>
+              <a:rPr lang="el-GR" dirty="0"/>
+              <a:t>Η έννοια της έξυπνης μετακίνησης, θα πρέπει να είναι όσο το δυνατόν πιο «πράσινη», δηλαδή να μειώσει την περιβαλλοντολογική μόλυνση.</a:t>
+            </a:r>
+          </a:p>
+        </p:txBody>
+      </p:sp>
+    </p:spTree>
+    <p:extLst>
+      <p:ext uri="{BB962C8B-B14F-4D97-AF65-F5344CB8AC3E}">
+        <p14:creationId xmlns:p14="http://schemas.microsoft.com/office/powerpoint/2010/main" val="3808123722"/>
+      </p:ext>
+    </p:extLst>
+  </p:cSld>
+  <p:clrMapOvr>
+    <a:masterClrMapping/>
+  </p:clrMapOvr>
+</p:sld>
+</file>
+
+<file path=ppt/slides/slide13.xml><?xml version="1.0" encoding="utf-8"?>
+<p:sld xmlns:a="http://schemas.openxmlformats.org/drawingml/2006/main" xmlns:r="http://schemas.openxmlformats.org/officeDocument/2006/relationships" xmlns:p="http://schemas.openxmlformats.org/presentationml/2006/main">
+  <p:cSld>
+    <p:spTree>
+      <p:nvGrpSpPr>
+        <p:cNvPr id="1" name=""/>
+        <p:cNvGrpSpPr/>
+        <p:nvPr/>
+      </p:nvGrpSpPr>
+      <p:grpSpPr>
+        <a:xfrm>
+          <a:off x="0" y="0"/>
+          <a:ext cx="0" cy="0"/>
+          <a:chOff x="0" y="0"/>
+          <a:chExt cx="0" cy="0"/>
+        </a:xfrm>
+      </p:grpSpPr>
+      <p:sp>
+        <p:nvSpPr>
+          <p:cNvPr id="2" name="Title 1">
+            <a:extLst>
+              <a:ext uri="{FF2B5EF4-FFF2-40B4-BE49-F238E27FC236}">
                 <a16:creationId xmlns:a16="http://schemas.microsoft.com/office/drawing/2014/main" id="{39CC6F72-DD9C-F16C-F23A-D4C3091B7872}"/>
               </a:ext>
             </a:extLst>
@@ -7885,7 +8250,7 @@
           <a:p>
             <a:r>
               <a:rPr lang="el-GR" dirty="0"/>
-              <a:t>Σε ποιον τομέα ψάχνουν οι ερευνητές</a:t>
+              <a:t>Με ποια τεχνολογικά μέσα γίνεται η έρευνα.</a:t>
             </a:r>
             <a:endParaRPr lang="en-US" dirty="0"/>
           </a:p>
@@ -7917,9 +8282,39 @@
             </a:pPr>
             <a:r>
               <a:rPr lang="el-GR" dirty="0"/>
-              <a:t>Η έρευνα πάνω στο θέμα είναι μία πολύ μεγάλη υπόθεση. Όπως θα δούμε και παρακάτω </a:t>
-            </a:r>
-            <a:endParaRPr lang="en-US" dirty="0"/>
+              <a:t>Η έρευνα πάνω στο θέμα είναι μία πολύ μεγάλη υπόθεση. Όπως θα δούμε και παρακάτω αφορά και πολλούς τομείς. Τα μέσα που χρησιμοποιούνται, κυρίως, είναι τα εξής:</a:t>
+            </a:r>
+          </a:p>
+          <a:p>
+            <a:r>
+              <a:rPr lang="el-GR" dirty="0"/>
+              <a:t>Συστήματα συλλογής τεράστιου όγκου δεδομένων (που αφορούν τον πολίτη και τις μετακινήσεις του).</a:t>
+            </a:r>
+          </a:p>
+          <a:p>
+            <a:r>
+              <a:rPr lang="el-GR" dirty="0"/>
+              <a:t>Συστήματα αναλυτικής δεδομένων και πρόβλεψης ορισμένων συνθηκών και αναγκών.</a:t>
+            </a:r>
+          </a:p>
+          <a:p>
+            <a:r>
+              <a:rPr lang="el-GR" dirty="0" err="1"/>
+              <a:t>Μοντελοποίηση</a:t>
+            </a:r>
+            <a:r>
+              <a:rPr lang="el-GR" dirty="0"/>
+              <a:t> μεγάλου όγκου δεδομένων, για την προσωποποίηση των πολιτών.</a:t>
+            </a:r>
+          </a:p>
+          <a:p>
+            <a:pPr marL="0" indent="0">
+              <a:buNone/>
+            </a:pPr>
+            <a:r>
+              <a:rPr lang="el-GR" dirty="0"/>
+              <a:t>Γενικώς, η συλλογή δεδομένων είναι κλειδί στις έρευνες της έξυπνης μετακίνησης.</a:t>
+            </a:r>
           </a:p>
         </p:txBody>
       </p:sp>
@@ -7927,6 +8322,86 @@
     <p:extLst>
       <p:ext uri="{BB962C8B-B14F-4D97-AF65-F5344CB8AC3E}">
         <p14:creationId xmlns:p14="http://schemas.microsoft.com/office/powerpoint/2010/main" val="4010256200"/>
+      </p:ext>
+    </p:extLst>
+  </p:cSld>
+  <p:clrMapOvr>
+    <a:masterClrMapping/>
+  </p:clrMapOvr>
+</p:sld>
+</file>
+
+<file path=ppt/slides/slide14.xml><?xml version="1.0" encoding="utf-8"?>
+<p:sld xmlns:a="http://schemas.openxmlformats.org/drawingml/2006/main" xmlns:r="http://schemas.openxmlformats.org/officeDocument/2006/relationships" xmlns:p="http://schemas.openxmlformats.org/presentationml/2006/main">
+  <p:cSld>
+    <p:spTree>
+      <p:nvGrpSpPr>
+        <p:cNvPr id="1" name=""/>
+        <p:cNvGrpSpPr/>
+        <p:nvPr/>
+      </p:nvGrpSpPr>
+      <p:grpSpPr>
+        <a:xfrm>
+          <a:off x="0" y="0"/>
+          <a:ext cx="0" cy="0"/>
+          <a:chOff x="0" y="0"/>
+          <a:chExt cx="0" cy="0"/>
+        </a:xfrm>
+      </p:grpSpPr>
+      <p:sp>
+        <p:nvSpPr>
+          <p:cNvPr id="2" name="Title 1">
+            <a:extLst>
+              <a:ext uri="{FF2B5EF4-FFF2-40B4-BE49-F238E27FC236}">
+                <a16:creationId xmlns:a16="http://schemas.microsoft.com/office/drawing/2014/main" id="{5E81C4C7-11FA-8A88-6E48-F175D6166B5F}"/>
+              </a:ext>
+            </a:extLst>
+          </p:cNvPr>
+          <p:cNvSpPr>
+            <a:spLocks noGrp="1"/>
+          </p:cNvSpPr>
+          <p:nvPr>
+            <p:ph type="title"/>
+          </p:nvPr>
+        </p:nvSpPr>
+        <p:spPr/>
+        <p:txBody>
+          <a:bodyPr/>
+          <a:lstStyle/>
+          <a:p>
+            <a:endParaRPr lang="en-US" dirty="0"/>
+          </a:p>
+        </p:txBody>
+      </p:sp>
+      <p:sp>
+        <p:nvSpPr>
+          <p:cNvPr id="3" name="Content Placeholder 2">
+            <a:extLst>
+              <a:ext uri="{FF2B5EF4-FFF2-40B4-BE49-F238E27FC236}">
+                <a16:creationId xmlns:a16="http://schemas.microsoft.com/office/drawing/2014/main" id="{36B53248-3F86-E2FA-29AF-6C12107B35A9}"/>
+              </a:ext>
+            </a:extLst>
+          </p:cNvPr>
+          <p:cNvSpPr>
+            <a:spLocks noGrp="1"/>
+          </p:cNvSpPr>
+          <p:nvPr>
+            <p:ph idx="1"/>
+          </p:nvPr>
+        </p:nvSpPr>
+        <p:spPr/>
+        <p:txBody>
+          <a:bodyPr/>
+          <a:lstStyle/>
+          <a:p>
+            <a:endParaRPr lang="en-US"/>
+          </a:p>
+        </p:txBody>
+      </p:sp>
+    </p:spTree>
+    <p:extLst>
+      <p:ext uri="{BB962C8B-B14F-4D97-AF65-F5344CB8AC3E}">
+        <p14:creationId xmlns:p14="http://schemas.microsoft.com/office/powerpoint/2010/main" val="1404780853"/>
       </p:ext>
     </p:extLst>
   </p:cSld>
@@ -8589,8 +9064,8 @@
         </p:nvSpPr>
         <p:spPr>
           <a:xfrm>
-            <a:off x="2589212" y="1376516"/>
-            <a:ext cx="8915400" cy="4534706"/>
+            <a:off x="2589212" y="2054942"/>
+            <a:ext cx="8915400" cy="3856280"/>
           </a:xfrm>
         </p:spPr>
         <p:txBody>
@@ -8612,37 +9087,6 @@
               <a:rPr lang="el-GR" dirty="0"/>
               <a:t>υπάρχουν πολύ σύγχρονες υλοποιήσεις, χρησιμοποιώντας την τελευταία τεχνολογία, για να επιτευχθεί ο σκοπός της έξυπνης μετακίνησης:</a:t>
             </a:r>
-          </a:p>
-          <a:p>
-            <a:r>
-              <a:rPr lang="el-GR" b="1" dirty="0"/>
-              <a:t>ΓΕΡΜΑΝΙΑ: </a:t>
-            </a:r>
-            <a:r>
-              <a:rPr lang="el-GR" dirty="0"/>
-              <a:t>Στην Γερμανία, έχει αναπτυχθεί αρκετά η έξυπνη μετακίνηση, δίνοντας στους πολίτες της, μεταξύ άλλων, έξυπνες κάρτες, προγράμματα διαμοιρασμού ποδηλάτων, ηλεκτρικών αυτοκινήτων αλλά και εσωτερικής καύσης και κατασκευή σταθμών φόρτισης  </a:t>
-            </a:r>
-          </a:p>
-          <a:p>
-            <a:r>
-              <a:rPr lang="el-GR" b="1" dirty="0"/>
-              <a:t>ΓΑΛΛΙΑ: </a:t>
-            </a:r>
-            <a:r>
-              <a:rPr lang="el-GR" dirty="0"/>
-              <a:t>Και η Γαλλία έχει δώσει λύσεις στην έξυπνη μετακίνηση. Έχει υλοποιήσει κι αυτή τις έξυπνες κάρτες και προγράμματα διαμοιρασμού αυτοκινήτων, αλλά και προγραμματισμό σταθμεύσεων.</a:t>
-            </a:r>
-          </a:p>
-          <a:p>
-            <a:r>
-              <a:rPr lang="el-GR" b="1" dirty="0"/>
-              <a:t>ΗΝΩΜΕΝΟ ΒΑΣΙΛΕΙΟ: </a:t>
-            </a:r>
-            <a:r>
-              <a:rPr lang="el-GR" dirty="0"/>
-              <a:t>Το Ηνωμένο Βασίλειο έχει δώσει στους πολίτες του ηλεκτρικά ποδήλατα, τα οποία νοικιάζουν διαδικτυακά και αρκετούς σταθμούς φόρτισης ηλεκτρικών αυτοκινήτων. Επίσης, σχεδιάζει την αλλαγή προς τη χρήση υβριδικών αμαξιών και αμαξιών χωρίς οδηγό.</a:t>
-            </a:r>
-            <a:endParaRPr lang="el-GR" b="1" dirty="0"/>
           </a:p>
           <a:p>
             <a:pPr marL="0" indent="0">
@@ -8687,7 +9131,7 @@
           <p:cNvPr id="2" name="Title 1">
             <a:extLst>
               <a:ext uri="{FF2B5EF4-FFF2-40B4-BE49-F238E27FC236}">
-                <a16:creationId xmlns:a16="http://schemas.microsoft.com/office/drawing/2014/main" id="{AF08A142-6D8E-381B-79C7-0034BAB6ED72}"/>
+                <a16:creationId xmlns:a16="http://schemas.microsoft.com/office/drawing/2014/main" id="{4ECBBDA8-BC99-1C96-345E-138B7E554F91}"/>
               </a:ext>
             </a:extLst>
           </p:cNvPr>
@@ -8705,7 +9149,7 @@
           <a:p>
             <a:r>
               <a:rPr lang="el-GR" dirty="0"/>
-              <a:t>Ερώτηση κρίσεως προς το κοινό!</a:t>
+              <a:t>Γερμανία</a:t>
             </a:r>
             <a:endParaRPr lang="en-US" dirty="0"/>
           </a:p>
@@ -8716,7 +9160,7 @@
           <p:cNvPr id="3" name="Content Placeholder 2">
             <a:extLst>
               <a:ext uri="{FF2B5EF4-FFF2-40B4-BE49-F238E27FC236}">
-                <a16:creationId xmlns:a16="http://schemas.microsoft.com/office/drawing/2014/main" id="{6CEAE025-7A79-0B33-12EF-2E426590EB94}"/>
+                <a16:creationId xmlns:a16="http://schemas.microsoft.com/office/drawing/2014/main" id="{2A07AB09-13E5-D2F4-0B3A-F2648E5EF97C}"/>
               </a:ext>
             </a:extLst>
           </p:cNvPr>
@@ -8738,32 +9182,51 @@
               <a:buNone/>
             </a:pPr>
             <a:r>
-              <a:rPr lang="el-GR" sz="2400" dirty="0"/>
-              <a:t>Θα θέλατε κι εσείς να έχετε αυτές τις λύσεις που προαναφέρθηκαν;</a:t>
-            </a:r>
-          </a:p>
-          <a:p>
-            <a:pPr marL="0" indent="0">
-              <a:buNone/>
-            </a:pPr>
-            <a:endParaRPr lang="el-GR" sz="2400" dirty="0"/>
-          </a:p>
-          <a:p>
-            <a:pPr marL="0" indent="0">
-              <a:buNone/>
-            </a:pPr>
-            <a:r>
-              <a:rPr lang="el-GR" sz="2400" dirty="0"/>
-              <a:t>Πιστεύετε ότι αυτά θα έκαναν τη ζωή σας πιο εύκολη; Θα μείωναν χρόνο από τις μετακινήσεις σας;</a:t>
-            </a:r>
-            <a:endParaRPr lang="en-US" sz="2400" dirty="0"/>
+              <a:rPr lang="el-GR" dirty="0"/>
+              <a:t>Στην Γερμανία έχει αναπτυχθεί αρκετά η έξυπνη μετακίνησης, δίνοντας στους πολίτες της, μεταξύ άλλων, τις εξής </a:t>
+            </a:r>
+            <a:r>
+              <a:rPr lang="el-GR" dirty="0" err="1"/>
+              <a:t>δυνατότες</a:t>
+            </a:r>
+            <a:r>
+              <a:rPr lang="el-GR" dirty="0"/>
+              <a:t>:</a:t>
+            </a:r>
+          </a:p>
+          <a:p>
+            <a:r>
+              <a:rPr lang="el-GR" dirty="0"/>
+              <a:t>Έξυπνες κάρτες για μετακίνηση.</a:t>
+            </a:r>
+          </a:p>
+          <a:p>
+            <a:r>
+              <a:rPr lang="el-GR" dirty="0"/>
+              <a:t>Προγράμματα διαμοιρασμού ηλεκτρικών ποδηλάτων.</a:t>
+            </a:r>
+          </a:p>
+          <a:p>
+            <a:r>
+              <a:rPr lang="el-GR" dirty="0"/>
+              <a:t>Προγράμματα διαμοιρασμού αυτοκινήτων (ηλεκτρικών και εσωτερικής καύσης)</a:t>
+            </a:r>
+          </a:p>
+          <a:p>
+            <a:r>
+              <a:rPr lang="el-GR" dirty="0"/>
+              <a:t>Παροχή σταθμών φόρτισης ηλεκτρικών αμαξιών.</a:t>
+            </a:r>
+          </a:p>
+          <a:p>
+            <a:endParaRPr lang="en-US" dirty="0"/>
           </a:p>
         </p:txBody>
       </p:sp>
     </p:spTree>
     <p:extLst>
       <p:ext uri="{BB962C8B-B14F-4D97-AF65-F5344CB8AC3E}">
-        <p14:creationId xmlns:p14="http://schemas.microsoft.com/office/powerpoint/2010/main" val="2827357849"/>
+        <p14:creationId xmlns:p14="http://schemas.microsoft.com/office/powerpoint/2010/main" val="2102402356"/>
       </p:ext>
     </p:extLst>
   </p:cSld>
@@ -8795,7 +9258,7 @@
           <p:cNvPr id="2" name="Title 1">
             <a:extLst>
               <a:ext uri="{FF2B5EF4-FFF2-40B4-BE49-F238E27FC236}">
-                <a16:creationId xmlns:a16="http://schemas.microsoft.com/office/drawing/2014/main" id="{89A55771-586A-2F86-130B-87A9C42161DE}"/>
+                <a16:creationId xmlns:a16="http://schemas.microsoft.com/office/drawing/2014/main" id="{2B069D73-E393-6709-EEBB-E8561318F88A}"/>
               </a:ext>
             </a:extLst>
           </p:cNvPr>
@@ -8813,7 +9276,7 @@
           <a:p>
             <a:r>
               <a:rPr lang="el-GR" dirty="0"/>
-              <a:t>Η έρευνα πάνω στο θέμα.</a:t>
+              <a:t>Γαλλία</a:t>
             </a:r>
             <a:endParaRPr lang="en-US" dirty="0"/>
           </a:p>
@@ -8824,7 +9287,7 @@
           <p:cNvPr id="3" name="Content Placeholder 2">
             <a:extLst>
               <a:ext uri="{FF2B5EF4-FFF2-40B4-BE49-F238E27FC236}">
-                <a16:creationId xmlns:a16="http://schemas.microsoft.com/office/drawing/2014/main" id="{7556400A-8E48-7284-E203-8729E72C66D6}"/>
+                <a16:creationId xmlns:a16="http://schemas.microsoft.com/office/drawing/2014/main" id="{409279A6-5085-3FF5-88F0-EF75FEAFFDB8}"/>
               </a:ext>
             </a:extLst>
           </p:cNvPr>
@@ -8845,37 +9308,25 @@
             </a:pPr>
             <a:r>
               <a:rPr lang="el-GR" dirty="0"/>
-              <a:t>Εδώ και πολλά χρόνια, έχει ερευνηθεί η έννοια της έξυπνης μετακίνησης. Γενικώς, προσπαθούν οι ερευνητές να:</a:t>
+              <a:t>Η Γαλλία, έχει μοιάσει αρκετά στη Γερμανία, σε ό,τι αφορά την έξυπνη μετακίνηση, δίνοντας αρκετές δυνατότητες:</a:t>
             </a:r>
           </a:p>
           <a:p>
             <a:r>
               <a:rPr lang="el-GR" dirty="0"/>
-              <a:t>«Ψυχολογήσουν» τον μετακινούμενο.</a:t>
+              <a:t>Έξυπνη κάρτα μετακίνησης</a:t>
             </a:r>
           </a:p>
           <a:p>
             <a:r>
               <a:rPr lang="el-GR" dirty="0"/>
-              <a:t>Να χρησιμοποιήσουν μεθόδους τελευταίας τεχνολογίας στον τομέα της μεταφοράς και της μετακίνησης.</a:t>
+              <a:t>Προγράμματα διαμοιρασμού αυτοκινήτων.</a:t>
             </a:r>
           </a:p>
           <a:p>
             <a:r>
               <a:rPr lang="el-GR" dirty="0"/>
-              <a:t>Να μειώσουν όσο το δυνατόν περισσότερο τη χρήση του αυτοκινήτου.</a:t>
-            </a:r>
-          </a:p>
-          <a:p>
-            <a:endParaRPr lang="el-GR" dirty="0"/>
-          </a:p>
-          <a:p>
-            <a:pPr marL="0" indent="0">
-              <a:buNone/>
-            </a:pPr>
-            <a:r>
-              <a:rPr lang="el-GR" dirty="0"/>
-              <a:t>Η έννοια της έξυπνης μετακίνησης, θα πρέπει να είναι όσο το δυνατόν πιο «πράσινη», δηλαδή να μειώσει την περιβαλλοντολογική μόλυνση.</a:t>
+              <a:t>Προγράμματα και εφαρμογές για κράτηση και προβολή διαθέσιμων χώρων σταθμεύσεως.</a:t>
             </a:r>
           </a:p>
         </p:txBody>
@@ -8883,7 +9334,7 @@
     </p:spTree>
     <p:extLst>
       <p:ext uri="{BB962C8B-B14F-4D97-AF65-F5344CB8AC3E}">
-        <p14:creationId xmlns:p14="http://schemas.microsoft.com/office/powerpoint/2010/main" val="3808123722"/>
+        <p14:creationId xmlns:p14="http://schemas.microsoft.com/office/powerpoint/2010/main" val="2073134299"/>
       </p:ext>
     </p:extLst>
   </p:cSld>

--- a/final/p19204.pptx
+++ b/final/p19204.pptx
@@ -19,6 +19,7 @@
     <p:sldId id="261" r:id="rId13"/>
     <p:sldId id="264" r:id="rId14"/>
     <p:sldId id="266" r:id="rId15"/>
+    <p:sldId id="270" r:id="rId16"/>
   </p:sldIdLst>
   <p:sldSz cx="12192000" cy="6858000"/>
   <p:notesSz cx="6858000" cy="9144000"/>
@@ -7947,11 +7948,7 @@
           <a:p>
             <a:r>
               <a:rPr lang="el-GR" dirty="0"/>
-              <a:t>Στροφή προς την ένταξη αυτοκινήτων χωρίς οδηγό στους </a:t>
-            </a:r>
-            <a:r>
-              <a:rPr lang="el-GR"/>
-              <a:t>δρόμους.</a:t>
+              <a:t>Στροφή προς την ένταξη αυτοκινήτων χωρίς οδηγό στους δρόμους.</a:t>
             </a:r>
             <a:endParaRPr lang="el-GR" b="1" dirty="0"/>
           </a:p>
@@ -8369,6 +8366,10 @@
           <a:bodyPr/>
           <a:lstStyle/>
           <a:p>
+            <a:r>
+              <a:rPr lang="el-GR" dirty="0"/>
+              <a:t>Πώς βοηθάει η συλλογή δεδομένων την έρευνα;</a:t>
+            </a:r>
             <a:endParaRPr lang="en-US" dirty="0"/>
           </a:p>
         </p:txBody>
@@ -8394,7 +8395,68 @@
           <a:bodyPr/>
           <a:lstStyle/>
           <a:p>
-            <a:endParaRPr lang="en-US"/>
+            <a:pPr marL="0" indent="0">
+              <a:buNone/>
+            </a:pPr>
+            <a:r>
+              <a:rPr lang="el-GR" dirty="0"/>
+              <a:t>Η συλλογή δεδομένων είναι, ίσως, ο ακρογωνιαίος λίθος για την έξυπνη μετακίνηση, καθώς:</a:t>
+            </a:r>
+          </a:p>
+          <a:p>
+            <a:r>
+              <a:rPr lang="el-GR" dirty="0"/>
+              <a:t>Υπάρχουν σύγχρονες μέθοδοι αναπαράστασης και </a:t>
+            </a:r>
+            <a:r>
+              <a:rPr lang="el-GR" dirty="0" err="1"/>
+              <a:t>μοντελοποίησης</a:t>
+            </a:r>
+            <a:r>
+              <a:rPr lang="el-GR" dirty="0"/>
+              <a:t> των δεδομένων.</a:t>
+            </a:r>
+          </a:p>
+          <a:p>
+            <a:r>
+              <a:rPr lang="el-GR" dirty="0"/>
+              <a:t>Υπάρχει ένας ολόκληρος τομέας (η Επιστήμη των Δεδομένων</a:t>
+            </a:r>
+            <a:r>
+              <a:rPr lang="en-GB" dirty="0"/>
+              <a:t>, </a:t>
+            </a:r>
+            <a:r>
+              <a:rPr lang="el-GR" dirty="0" err="1"/>
+              <a:t>Αγγ</a:t>
+            </a:r>
+            <a:r>
+              <a:rPr lang="el-GR" dirty="0"/>
+              <a:t>.: </a:t>
+            </a:r>
+            <a:r>
+              <a:rPr lang="en-GB" dirty="0"/>
+              <a:t>Data Science</a:t>
+            </a:r>
+            <a:r>
+              <a:rPr lang="el-GR" dirty="0"/>
+              <a:t>), ως </a:t>
+            </a:r>
+            <a:r>
+              <a:rPr lang="el-GR" dirty="0" err="1"/>
+              <a:t>υποκλάδι</a:t>
+            </a:r>
+            <a:r>
+              <a:rPr lang="el-GR" dirty="0"/>
+              <a:t> της πληροφορικής, που ασχολείται με μεγάλους όγκους δεδομένων.</a:t>
+            </a:r>
+          </a:p>
+          <a:p>
+            <a:r>
+              <a:rPr lang="el-GR" dirty="0"/>
+              <a:t>Δίνεται η δυνατότητα της πρόβλεψης, έχοντας τόσα πολλά δεδομένα για τους μετακινούμενους.</a:t>
+            </a:r>
+            <a:endParaRPr lang="en-US" dirty="0"/>
           </a:p>
         </p:txBody>
       </p:sp>
@@ -8402,6 +8464,109 @@
     <p:extLst>
       <p:ext uri="{BB962C8B-B14F-4D97-AF65-F5344CB8AC3E}">
         <p14:creationId xmlns:p14="http://schemas.microsoft.com/office/powerpoint/2010/main" val="1404780853"/>
+      </p:ext>
+    </p:extLst>
+  </p:cSld>
+  <p:clrMapOvr>
+    <a:masterClrMapping/>
+  </p:clrMapOvr>
+</p:sld>
+</file>
+
+<file path=ppt/slides/slide15.xml><?xml version="1.0" encoding="utf-8"?>
+<p:sld xmlns:a="http://schemas.openxmlformats.org/drawingml/2006/main" xmlns:r="http://schemas.openxmlformats.org/officeDocument/2006/relationships" xmlns:p="http://schemas.openxmlformats.org/presentationml/2006/main">
+  <p:cSld>
+    <p:spTree>
+      <p:nvGrpSpPr>
+        <p:cNvPr id="1" name=""/>
+        <p:cNvGrpSpPr/>
+        <p:nvPr/>
+      </p:nvGrpSpPr>
+      <p:grpSpPr>
+        <a:xfrm>
+          <a:off x="0" y="0"/>
+          <a:ext cx="0" cy="0"/>
+          <a:chOff x="0" y="0"/>
+          <a:chExt cx="0" cy="0"/>
+        </a:xfrm>
+      </p:grpSpPr>
+      <p:sp>
+        <p:nvSpPr>
+          <p:cNvPr id="2" name="Title 1">
+            <a:extLst>
+              <a:ext uri="{FF2B5EF4-FFF2-40B4-BE49-F238E27FC236}">
+                <a16:creationId xmlns:a16="http://schemas.microsoft.com/office/drawing/2014/main" id="{32767F83-24C0-4955-0136-8FCDAADB070F}"/>
+              </a:ext>
+            </a:extLst>
+          </p:cNvPr>
+          <p:cNvSpPr>
+            <a:spLocks noGrp="1"/>
+          </p:cNvSpPr>
+          <p:nvPr>
+            <p:ph type="title"/>
+          </p:nvPr>
+        </p:nvSpPr>
+        <p:spPr/>
+        <p:txBody>
+          <a:bodyPr/>
+          <a:lstStyle/>
+          <a:p>
+            <a:r>
+              <a:rPr lang="el-GR" dirty="0"/>
+              <a:t>Ποιους τομείς αφορά η έξυπνη μετακίνηση;</a:t>
+            </a:r>
+            <a:endParaRPr lang="en-US" dirty="0"/>
+          </a:p>
+        </p:txBody>
+      </p:sp>
+      <p:sp>
+        <p:nvSpPr>
+          <p:cNvPr id="3" name="Content Placeholder 2">
+            <a:extLst>
+              <a:ext uri="{FF2B5EF4-FFF2-40B4-BE49-F238E27FC236}">
+                <a16:creationId xmlns:a16="http://schemas.microsoft.com/office/drawing/2014/main" id="{0E3BDC91-AC58-C16B-6556-FE98278667A3}"/>
+              </a:ext>
+            </a:extLst>
+          </p:cNvPr>
+          <p:cNvSpPr>
+            <a:spLocks noGrp="1"/>
+          </p:cNvSpPr>
+          <p:nvPr>
+            <p:ph idx="1"/>
+          </p:nvPr>
+        </p:nvSpPr>
+        <p:spPr/>
+        <p:txBody>
+          <a:bodyPr/>
+          <a:lstStyle/>
+          <a:p>
+            <a:pPr marL="0" indent="0">
+              <a:buNone/>
+            </a:pPr>
+            <a:r>
+              <a:rPr lang="el-GR" dirty="0"/>
+              <a:t>Πολλοί τομείς μπορούν να ασχοληθούν σε ένα </a:t>
+            </a:r>
+            <a:r>
+              <a:rPr lang="el-GR" dirty="0" err="1"/>
+              <a:t>πρότζεκτ</a:t>
+            </a:r>
+            <a:r>
+              <a:rPr lang="el-GR" dirty="0"/>
+              <a:t> που αφορά την έξυπνη μετακίνηση, το οποίο έχει να τους δώσει πολλά θετικά. Μερικοί από τους </a:t>
+            </a:r>
+            <a:r>
+              <a:rPr lang="el-GR"/>
+              <a:t>τομείς είναι:</a:t>
+            </a:r>
+            <a:endParaRPr lang="en-US"/>
+          </a:p>
+        </p:txBody>
+      </p:sp>
+    </p:spTree>
+    <p:extLst>
+      <p:ext uri="{BB962C8B-B14F-4D97-AF65-F5344CB8AC3E}">
+        <p14:creationId xmlns:p14="http://schemas.microsoft.com/office/powerpoint/2010/main" val="910329368"/>
       </p:ext>
     </p:extLst>
   </p:cSld>

--- a/final/p19204.pptx
+++ b/final/p19204.pptx
@@ -20,6 +20,9 @@
     <p:sldId id="264" r:id="rId14"/>
     <p:sldId id="266" r:id="rId15"/>
     <p:sldId id="270" r:id="rId16"/>
+    <p:sldId id="271" r:id="rId17"/>
+    <p:sldId id="272" r:id="rId18"/>
+    <p:sldId id="273" r:id="rId19"/>
   </p:sldIdLst>
   <p:sldSz cx="12192000" cy="6858000"/>
   <p:notesSz cx="6858000" cy="9144000"/>
@@ -8553,13 +8556,39 @@
             </a:r>
             <a:r>
               <a:rPr lang="el-GR" dirty="0"/>
-              <a:t> που αφορά την έξυπνη μετακίνηση, το οποίο έχει να τους δώσει πολλά θετικά. Μερικοί από τους </a:t>
-            </a:r>
-            <a:r>
-              <a:rPr lang="el-GR"/>
-              <a:t>τομείς είναι:</a:t>
-            </a:r>
-            <a:endParaRPr lang="en-US"/>
+              <a:t> που αφορά την έξυπνη μετακίνηση, το οποίο έχει να τους δώσει πολλά θετικά. Μερικοί από τους τομείς είναι:</a:t>
+            </a:r>
+          </a:p>
+          <a:p>
+            <a:r>
+              <a:rPr lang="el-GR" dirty="0"/>
+              <a:t>Οι δημόσιες αρχές.</a:t>
+            </a:r>
+          </a:p>
+          <a:p>
+            <a:r>
+              <a:rPr lang="el-GR" dirty="0"/>
+              <a:t>Οι πολιτικοί.</a:t>
+            </a:r>
+          </a:p>
+          <a:p>
+            <a:r>
+              <a:rPr lang="el-GR" dirty="0"/>
+              <a:t>Οι έμποροι.</a:t>
+            </a:r>
+          </a:p>
+          <a:p>
+            <a:r>
+              <a:rPr lang="el-GR" dirty="0"/>
+              <a:t>Οι ερευνητές.</a:t>
+            </a:r>
+          </a:p>
+          <a:p>
+            <a:r>
+              <a:rPr lang="el-GR" dirty="0"/>
+              <a:t>Και οι ίδιοι οι πολίτες!</a:t>
+            </a:r>
+            <a:endParaRPr lang="en-US" dirty="0"/>
           </a:p>
         </p:txBody>
       </p:sp>
@@ -8567,6 +8596,387 @@
     <p:extLst>
       <p:ext uri="{BB962C8B-B14F-4D97-AF65-F5344CB8AC3E}">
         <p14:creationId xmlns:p14="http://schemas.microsoft.com/office/powerpoint/2010/main" val="910329368"/>
+      </p:ext>
+    </p:extLst>
+  </p:cSld>
+  <p:clrMapOvr>
+    <a:masterClrMapping/>
+  </p:clrMapOvr>
+</p:sld>
+</file>
+
+<file path=ppt/slides/slide16.xml><?xml version="1.0" encoding="utf-8"?>
+<p:sld xmlns:a="http://schemas.openxmlformats.org/drawingml/2006/main" xmlns:r="http://schemas.openxmlformats.org/officeDocument/2006/relationships" xmlns:p="http://schemas.openxmlformats.org/presentationml/2006/main">
+  <p:cSld>
+    <p:spTree>
+      <p:nvGrpSpPr>
+        <p:cNvPr id="1" name=""/>
+        <p:cNvGrpSpPr/>
+        <p:nvPr/>
+      </p:nvGrpSpPr>
+      <p:grpSpPr>
+        <a:xfrm>
+          <a:off x="0" y="0"/>
+          <a:ext cx="0" cy="0"/>
+          <a:chOff x="0" y="0"/>
+          <a:chExt cx="0" cy="0"/>
+        </a:xfrm>
+      </p:grpSpPr>
+      <p:sp>
+        <p:nvSpPr>
+          <p:cNvPr id="2" name="Title 1">
+            <a:extLst>
+              <a:ext uri="{FF2B5EF4-FFF2-40B4-BE49-F238E27FC236}">
+                <a16:creationId xmlns:a16="http://schemas.microsoft.com/office/drawing/2014/main" id="{053B7AC9-772C-8020-CAEE-FD828F8C7C27}"/>
+              </a:ext>
+            </a:extLst>
+          </p:cNvPr>
+          <p:cNvSpPr>
+            <a:spLocks noGrp="1"/>
+          </p:cNvSpPr>
+          <p:nvPr>
+            <p:ph type="title"/>
+          </p:nvPr>
+        </p:nvSpPr>
+        <p:spPr/>
+        <p:txBody>
+          <a:bodyPr/>
+          <a:lstStyle/>
+          <a:p>
+            <a:r>
+              <a:rPr lang="el-GR" dirty="0"/>
+              <a:t>Οι Δημόσιες Αρχές</a:t>
+            </a:r>
+            <a:endParaRPr lang="en-US" dirty="0"/>
+          </a:p>
+        </p:txBody>
+      </p:sp>
+      <p:sp>
+        <p:nvSpPr>
+          <p:cNvPr id="3" name="Content Placeholder 2">
+            <a:extLst>
+              <a:ext uri="{FF2B5EF4-FFF2-40B4-BE49-F238E27FC236}">
+                <a16:creationId xmlns:a16="http://schemas.microsoft.com/office/drawing/2014/main" id="{C0E27889-079F-2417-D710-029B9228B5DC}"/>
+              </a:ext>
+            </a:extLst>
+          </p:cNvPr>
+          <p:cNvSpPr>
+            <a:spLocks noGrp="1"/>
+          </p:cNvSpPr>
+          <p:nvPr>
+            <p:ph idx="1"/>
+          </p:nvPr>
+        </p:nvSpPr>
+        <p:spPr/>
+        <p:txBody>
+          <a:bodyPr/>
+          <a:lstStyle/>
+          <a:p>
+            <a:pPr marL="0" indent="0">
+              <a:buNone/>
+            </a:pPr>
+            <a:r>
+              <a:rPr lang="el-GR" dirty="0"/>
+              <a:t>Αυτός ο τομέας επηρεάζεται πολύ θετικά από ένα επιτυχές </a:t>
+            </a:r>
+            <a:r>
+              <a:rPr lang="el-GR" dirty="0" err="1"/>
+              <a:t>πρότζεκτ</a:t>
+            </a:r>
+            <a:r>
+              <a:rPr lang="el-GR" dirty="0"/>
+              <a:t> έξυπνης μετακίνησης. Συγκεκριμένα θα μπορούσε να:</a:t>
+            </a:r>
+          </a:p>
+          <a:p>
+            <a:r>
+              <a:rPr lang="el-GR" dirty="0"/>
+              <a:t>Αναπτύξει και άλλες υποδομές.</a:t>
+            </a:r>
+          </a:p>
+          <a:p>
+            <a:r>
+              <a:rPr lang="el-GR" dirty="0"/>
+              <a:t>Να χτίσει ένα πεδίο εμπιστοσύνης μεταξύ πόλεως-πολιτών.</a:t>
+            </a:r>
+          </a:p>
+          <a:p>
+            <a:r>
+              <a:rPr lang="el-GR" dirty="0"/>
+              <a:t>Να αναπτυχθεί οικονομικά, με τους διάφορους τρόπους μετακίνησης, καθώς ο κόσμος θα χρησιμοποιεί περισσότερο τα μέσα μαζικής μεταφοράς.</a:t>
+            </a:r>
+            <a:endParaRPr lang="en-US" dirty="0"/>
+          </a:p>
+        </p:txBody>
+      </p:sp>
+    </p:spTree>
+    <p:extLst>
+      <p:ext uri="{BB962C8B-B14F-4D97-AF65-F5344CB8AC3E}">
+        <p14:creationId xmlns:p14="http://schemas.microsoft.com/office/powerpoint/2010/main" val="1695102030"/>
+      </p:ext>
+    </p:extLst>
+  </p:cSld>
+  <p:clrMapOvr>
+    <a:masterClrMapping/>
+  </p:clrMapOvr>
+</p:sld>
+</file>
+
+<file path=ppt/slides/slide17.xml><?xml version="1.0" encoding="utf-8"?>
+<p:sld xmlns:a="http://schemas.openxmlformats.org/drawingml/2006/main" xmlns:r="http://schemas.openxmlformats.org/officeDocument/2006/relationships" xmlns:p="http://schemas.openxmlformats.org/presentationml/2006/main">
+  <p:cSld>
+    <p:spTree>
+      <p:nvGrpSpPr>
+        <p:cNvPr id="1" name=""/>
+        <p:cNvGrpSpPr/>
+        <p:nvPr/>
+      </p:nvGrpSpPr>
+      <p:grpSpPr>
+        <a:xfrm>
+          <a:off x="0" y="0"/>
+          <a:ext cx="0" cy="0"/>
+          <a:chOff x="0" y="0"/>
+          <a:chExt cx="0" cy="0"/>
+        </a:xfrm>
+      </p:grpSpPr>
+      <p:sp>
+        <p:nvSpPr>
+          <p:cNvPr id="2" name="Title 1">
+            <a:extLst>
+              <a:ext uri="{FF2B5EF4-FFF2-40B4-BE49-F238E27FC236}">
+                <a16:creationId xmlns:a16="http://schemas.microsoft.com/office/drawing/2014/main" id="{2F888B28-5A05-94BA-3483-B34D1D0DFEB6}"/>
+              </a:ext>
+            </a:extLst>
+          </p:cNvPr>
+          <p:cNvSpPr>
+            <a:spLocks noGrp="1"/>
+          </p:cNvSpPr>
+          <p:nvPr>
+            <p:ph type="title"/>
+          </p:nvPr>
+        </p:nvSpPr>
+        <p:spPr/>
+        <p:txBody>
+          <a:bodyPr/>
+          <a:lstStyle/>
+          <a:p>
+            <a:r>
+              <a:rPr lang="el-GR" dirty="0"/>
+              <a:t>Οι Πολιτικοί</a:t>
+            </a:r>
+            <a:endParaRPr lang="en-US" dirty="0"/>
+          </a:p>
+        </p:txBody>
+      </p:sp>
+      <p:sp>
+        <p:nvSpPr>
+          <p:cNvPr id="3" name="Content Placeholder 2">
+            <a:extLst>
+              <a:ext uri="{FF2B5EF4-FFF2-40B4-BE49-F238E27FC236}">
+                <a16:creationId xmlns:a16="http://schemas.microsoft.com/office/drawing/2014/main" id="{1C3988F7-63C0-3795-9E02-01969DD7008E}"/>
+              </a:ext>
+            </a:extLst>
+          </p:cNvPr>
+          <p:cNvSpPr>
+            <a:spLocks noGrp="1"/>
+          </p:cNvSpPr>
+          <p:nvPr>
+            <p:ph idx="1"/>
+          </p:nvPr>
+        </p:nvSpPr>
+        <p:spPr/>
+        <p:txBody>
+          <a:bodyPr/>
+          <a:lstStyle/>
+          <a:p>
+            <a:pPr marL="0" indent="0">
+              <a:buNone/>
+            </a:pPr>
+            <a:r>
+              <a:rPr lang="el-GR" dirty="0"/>
+              <a:t>Η συνεργασία με ορισμένους πολιτικούς, μπορεί να θέσει αρκετούς στόχους σε ένα </a:t>
+            </a:r>
+            <a:r>
+              <a:rPr lang="el-GR" dirty="0" err="1"/>
+              <a:t>πρότζεκτ</a:t>
+            </a:r>
+            <a:r>
+              <a:rPr lang="el-GR" dirty="0"/>
+              <a:t>, που θα είναι επικερδές και για την κοινωνία.</a:t>
+            </a:r>
+          </a:p>
+          <a:p>
+            <a:r>
+              <a:rPr lang="el-GR" dirty="0"/>
+              <a:t>Οι πολιτικοί χρηματοδοτούν ένα </a:t>
+            </a:r>
+            <a:r>
+              <a:rPr lang="el-GR" dirty="0" err="1"/>
+              <a:t>πρότζεκτ</a:t>
+            </a:r>
+            <a:r>
+              <a:rPr lang="el-GR" dirty="0"/>
+              <a:t> έξυπνης μετακίνησης.</a:t>
+            </a:r>
+          </a:p>
+          <a:p>
+            <a:r>
+              <a:rPr lang="el-GR" dirty="0"/>
+              <a:t>Ύστερα, τραβάνε την προσοχή τοπικών επιχειρήσεων, που μπορούν και αυτές να συμβάλλουν στο </a:t>
+            </a:r>
+            <a:r>
+              <a:rPr lang="el-GR" dirty="0" err="1"/>
+              <a:t>πρότζεκτ</a:t>
+            </a:r>
+            <a:r>
+              <a:rPr lang="el-GR" dirty="0"/>
+              <a:t>.</a:t>
+            </a:r>
+          </a:p>
+          <a:p>
+            <a:r>
+              <a:rPr lang="el-GR" dirty="0"/>
+              <a:t>Και μετά την ολοκλήρωση του </a:t>
+            </a:r>
+            <a:r>
+              <a:rPr lang="el-GR" dirty="0" err="1"/>
+              <a:t>πρότζεκτ</a:t>
+            </a:r>
+            <a:r>
+              <a:rPr lang="el-GR" dirty="0"/>
+              <a:t>, μπορούν να δημιουργηθούν νέες επιχειρήσεις, γύρω από αυτό το </a:t>
+            </a:r>
+            <a:r>
+              <a:rPr lang="el-GR" dirty="0" err="1"/>
+              <a:t>πρότζεκτ</a:t>
+            </a:r>
+            <a:r>
+              <a:rPr lang="el-GR" dirty="0"/>
+              <a:t> (π.χ. μία καφετέρια δίπλα σε έναν σταθμό μετρό).</a:t>
+            </a:r>
+          </a:p>
+          <a:p>
+            <a:endParaRPr lang="en-US" dirty="0"/>
+          </a:p>
+        </p:txBody>
+      </p:sp>
+    </p:spTree>
+    <p:extLst>
+      <p:ext uri="{BB962C8B-B14F-4D97-AF65-F5344CB8AC3E}">
+        <p14:creationId xmlns:p14="http://schemas.microsoft.com/office/powerpoint/2010/main" val="3954791024"/>
+      </p:ext>
+    </p:extLst>
+  </p:cSld>
+  <p:clrMapOvr>
+    <a:masterClrMapping/>
+  </p:clrMapOvr>
+</p:sld>
+</file>
+
+<file path=ppt/slides/slide18.xml><?xml version="1.0" encoding="utf-8"?>
+<p:sld xmlns:a="http://schemas.openxmlformats.org/drawingml/2006/main" xmlns:r="http://schemas.openxmlformats.org/officeDocument/2006/relationships" xmlns:p="http://schemas.openxmlformats.org/presentationml/2006/main">
+  <p:cSld>
+    <p:spTree>
+      <p:nvGrpSpPr>
+        <p:cNvPr id="1" name=""/>
+        <p:cNvGrpSpPr/>
+        <p:nvPr/>
+      </p:nvGrpSpPr>
+      <p:grpSpPr>
+        <a:xfrm>
+          <a:off x="0" y="0"/>
+          <a:ext cx="0" cy="0"/>
+          <a:chOff x="0" y="0"/>
+          <a:chExt cx="0" cy="0"/>
+        </a:xfrm>
+      </p:grpSpPr>
+      <p:sp>
+        <p:nvSpPr>
+          <p:cNvPr id="2" name="Title 1">
+            <a:extLst>
+              <a:ext uri="{FF2B5EF4-FFF2-40B4-BE49-F238E27FC236}">
+                <a16:creationId xmlns:a16="http://schemas.microsoft.com/office/drawing/2014/main" id="{5D1EFEF7-E41E-0BD1-E412-4147559812A4}"/>
+              </a:ext>
+            </a:extLst>
+          </p:cNvPr>
+          <p:cNvSpPr>
+            <a:spLocks noGrp="1"/>
+          </p:cNvSpPr>
+          <p:nvPr>
+            <p:ph type="title"/>
+          </p:nvPr>
+        </p:nvSpPr>
+        <p:spPr/>
+        <p:txBody>
+          <a:bodyPr/>
+          <a:lstStyle/>
+          <a:p>
+            <a:r>
+              <a:rPr lang="el-GR" dirty="0"/>
+              <a:t>Οι έμποροι (κυρίως της ασφάλτου)</a:t>
+            </a:r>
+            <a:endParaRPr lang="en-US" dirty="0"/>
+          </a:p>
+        </p:txBody>
+      </p:sp>
+      <p:sp>
+        <p:nvSpPr>
+          <p:cNvPr id="3" name="Content Placeholder 2">
+            <a:extLst>
+              <a:ext uri="{FF2B5EF4-FFF2-40B4-BE49-F238E27FC236}">
+                <a16:creationId xmlns:a16="http://schemas.microsoft.com/office/drawing/2014/main" id="{9055A9EC-C39C-FE2C-6699-2C1BA4501410}"/>
+              </a:ext>
+            </a:extLst>
+          </p:cNvPr>
+          <p:cNvSpPr>
+            <a:spLocks noGrp="1"/>
+          </p:cNvSpPr>
+          <p:nvPr>
+            <p:ph idx="1"/>
+          </p:nvPr>
+        </p:nvSpPr>
+        <p:spPr/>
+        <p:txBody>
+          <a:bodyPr/>
+          <a:lstStyle/>
+          <a:p>
+            <a:pPr marL="0" indent="0">
+              <a:buNone/>
+            </a:pPr>
+            <a:r>
+              <a:rPr lang="el-GR" dirty="0"/>
+              <a:t>Με μειωμένη κίνηση στους δρόμους, οι έμποροι θα μπορούν να:</a:t>
+            </a:r>
+          </a:p>
+          <a:p>
+            <a:r>
+              <a:rPr lang="el-GR" dirty="0"/>
+              <a:t>Πραγματοποιούν τις μετακινήσεις τους με ταχύτητα.</a:t>
+            </a:r>
+          </a:p>
+          <a:p>
+            <a:r>
+              <a:rPr lang="el-GR" dirty="0"/>
+              <a:t>Να νιώθουν ασφαλείς στον δρόμο.</a:t>
+            </a:r>
+          </a:p>
+          <a:p>
+            <a:r>
+              <a:rPr lang="el-GR" dirty="0"/>
+              <a:t>Και να ολοκληρώνουν περισσότερες παραγγελίες μέσα στην ημέρα, καθώς δεν υπάρχει μεγάλη συμφόρηση </a:t>
+            </a:r>
+            <a:r>
+              <a:rPr lang="el-GR"/>
+              <a:t>στους δρόμους.</a:t>
+            </a:r>
+            <a:endParaRPr lang="en-US"/>
+          </a:p>
+        </p:txBody>
+      </p:sp>
+    </p:spTree>
+    <p:extLst>
+      <p:ext uri="{BB962C8B-B14F-4D97-AF65-F5344CB8AC3E}">
+        <p14:creationId xmlns:p14="http://schemas.microsoft.com/office/powerpoint/2010/main" val="1127907261"/>
       </p:ext>
     </p:extLst>
   </p:cSld>

--- a/final/p19204.pptx
+++ b/final/p19204.pptx
@@ -23,6 +23,9 @@
     <p:sldId id="271" r:id="rId17"/>
     <p:sldId id="272" r:id="rId18"/>
     <p:sldId id="273" r:id="rId19"/>
+    <p:sldId id="274" r:id="rId20"/>
+    <p:sldId id="275" r:id="rId21"/>
+    <p:sldId id="276" r:id="rId22"/>
   </p:sldIdLst>
   <p:sldSz cx="12192000" cy="6858000"/>
   <p:notesSz cx="6858000" cy="9144000"/>
@@ -8963,13 +8966,9 @@
           <a:p>
             <a:r>
               <a:rPr lang="el-GR" dirty="0"/>
-              <a:t>Και να ολοκληρώνουν περισσότερες παραγγελίες μέσα στην ημέρα, καθώς δεν υπάρχει μεγάλη συμφόρηση </a:t>
-            </a:r>
-            <a:r>
-              <a:rPr lang="el-GR"/>
-              <a:t>στους δρόμους.</a:t>
-            </a:r>
-            <a:endParaRPr lang="en-US"/>
+              <a:t>Και να ολοκληρώνουν περισσότερες παραγγελίες μέσα στην ημέρα, καθώς δεν υπάρχει μεγάλη συμφόρηση στους δρόμους.</a:t>
+            </a:r>
+            <a:endParaRPr lang="en-US" dirty="0"/>
           </a:p>
         </p:txBody>
       </p:sp>
@@ -8977,6 +8976,115 @@
     <p:extLst>
       <p:ext uri="{BB962C8B-B14F-4D97-AF65-F5344CB8AC3E}">
         <p14:creationId xmlns:p14="http://schemas.microsoft.com/office/powerpoint/2010/main" val="1127907261"/>
+      </p:ext>
+    </p:extLst>
+  </p:cSld>
+  <p:clrMapOvr>
+    <a:masterClrMapping/>
+  </p:clrMapOvr>
+</p:sld>
+</file>
+
+<file path=ppt/slides/slide19.xml><?xml version="1.0" encoding="utf-8"?>
+<p:sld xmlns:a="http://schemas.openxmlformats.org/drawingml/2006/main" xmlns:r="http://schemas.openxmlformats.org/officeDocument/2006/relationships" xmlns:p="http://schemas.openxmlformats.org/presentationml/2006/main">
+  <p:cSld>
+    <p:spTree>
+      <p:nvGrpSpPr>
+        <p:cNvPr id="1" name=""/>
+        <p:cNvGrpSpPr/>
+        <p:nvPr/>
+      </p:nvGrpSpPr>
+      <p:grpSpPr>
+        <a:xfrm>
+          <a:off x="0" y="0"/>
+          <a:ext cx="0" cy="0"/>
+          <a:chOff x="0" y="0"/>
+          <a:chExt cx="0" cy="0"/>
+        </a:xfrm>
+      </p:grpSpPr>
+      <p:sp>
+        <p:nvSpPr>
+          <p:cNvPr id="2" name="Title 1">
+            <a:extLst>
+              <a:ext uri="{FF2B5EF4-FFF2-40B4-BE49-F238E27FC236}">
+                <a16:creationId xmlns:a16="http://schemas.microsoft.com/office/drawing/2014/main" id="{EF582521-F5EC-743B-467F-27BD3A4561A1}"/>
+              </a:ext>
+            </a:extLst>
+          </p:cNvPr>
+          <p:cNvSpPr>
+            <a:spLocks noGrp="1"/>
+          </p:cNvSpPr>
+          <p:nvPr>
+            <p:ph type="title"/>
+          </p:nvPr>
+        </p:nvSpPr>
+        <p:spPr/>
+        <p:txBody>
+          <a:bodyPr/>
+          <a:lstStyle/>
+          <a:p>
+            <a:r>
+              <a:rPr lang="el-GR" dirty="0"/>
+              <a:t>Οι πολίτες</a:t>
+            </a:r>
+            <a:endParaRPr lang="en-US" dirty="0"/>
+          </a:p>
+        </p:txBody>
+      </p:sp>
+      <p:sp>
+        <p:nvSpPr>
+          <p:cNvPr id="3" name="Content Placeholder 2">
+            <a:extLst>
+              <a:ext uri="{FF2B5EF4-FFF2-40B4-BE49-F238E27FC236}">
+                <a16:creationId xmlns:a16="http://schemas.microsoft.com/office/drawing/2014/main" id="{21054A32-0030-A056-8853-FD65F832DDAA}"/>
+              </a:ext>
+            </a:extLst>
+          </p:cNvPr>
+          <p:cNvSpPr>
+            <a:spLocks noGrp="1"/>
+          </p:cNvSpPr>
+          <p:nvPr>
+            <p:ph idx="1"/>
+          </p:nvPr>
+        </p:nvSpPr>
+        <p:spPr/>
+        <p:txBody>
+          <a:bodyPr/>
+          <a:lstStyle/>
+          <a:p>
+            <a:pPr marL="0" indent="0">
+              <a:buNone/>
+            </a:pPr>
+            <a:r>
+              <a:rPr lang="el-GR" dirty="0"/>
+              <a:t>Το επίκεντρο της έξυπνης μετακίνησης είναι οι πολίτες και πώς αυτοί θα κάνουν τις ζωές τους ευκολότερες με ένα τέτοιο πρόγραμμα. Συγκεκριμένα, θα έχουν τα εξής προτερήματα:</a:t>
+            </a:r>
+          </a:p>
+          <a:p>
+            <a:r>
+              <a:rPr lang="el-GR" dirty="0"/>
+              <a:t>Θα μειωθεί το κόστος μετακίνησης από τη μία άκρη της πόλης στην άλλη.</a:t>
+            </a:r>
+          </a:p>
+          <a:p>
+            <a:r>
+              <a:rPr lang="el-GR" dirty="0"/>
+              <a:t>Θα μπορούν οι πολίτες να δουν κι άλλα μέρη, που μπορεί να μην επισκέπτονταν αλλιώς.</a:t>
+            </a:r>
+          </a:p>
+          <a:p>
+            <a:r>
+              <a:rPr lang="el-GR" dirty="0"/>
+              <a:t>Και θα μπορούν να πηγαίνουν στη δουλειά τους με πολλές διαφορετικές μεθόδους.</a:t>
+            </a:r>
+            <a:endParaRPr lang="en-US" dirty="0"/>
+          </a:p>
+        </p:txBody>
+      </p:sp>
+    </p:spTree>
+    <p:extLst>
+      <p:ext uri="{BB962C8B-B14F-4D97-AF65-F5344CB8AC3E}">
+        <p14:creationId xmlns:p14="http://schemas.microsoft.com/office/powerpoint/2010/main" val="278801975"/>
       </p:ext>
     </p:extLst>
   </p:cSld>
@@ -9100,6 +9208,198 @@
     <p:extLst>
       <p:ext uri="{BB962C8B-B14F-4D97-AF65-F5344CB8AC3E}">
         <p14:creationId xmlns:p14="http://schemas.microsoft.com/office/powerpoint/2010/main" val="1249019668"/>
+      </p:ext>
+    </p:extLst>
+  </p:cSld>
+  <p:clrMapOvr>
+    <a:masterClrMapping/>
+  </p:clrMapOvr>
+</p:sld>
+</file>
+
+<file path=ppt/slides/slide20.xml><?xml version="1.0" encoding="utf-8"?>
+<p:sld xmlns:a="http://schemas.openxmlformats.org/drawingml/2006/main" xmlns:r="http://schemas.openxmlformats.org/officeDocument/2006/relationships" xmlns:p="http://schemas.openxmlformats.org/presentationml/2006/main">
+  <p:cSld>
+    <p:spTree>
+      <p:nvGrpSpPr>
+        <p:cNvPr id="1" name=""/>
+        <p:cNvGrpSpPr/>
+        <p:nvPr/>
+      </p:nvGrpSpPr>
+      <p:grpSpPr>
+        <a:xfrm>
+          <a:off x="0" y="0"/>
+          <a:ext cx="0" cy="0"/>
+          <a:chOff x="0" y="0"/>
+          <a:chExt cx="0" cy="0"/>
+        </a:xfrm>
+      </p:grpSpPr>
+      <p:sp>
+        <p:nvSpPr>
+          <p:cNvPr id="2" name="Title 1">
+            <a:extLst>
+              <a:ext uri="{FF2B5EF4-FFF2-40B4-BE49-F238E27FC236}">
+                <a16:creationId xmlns:a16="http://schemas.microsoft.com/office/drawing/2014/main" id="{DCC97900-A3E3-0753-CFAE-C9FEE7E3CCFA}"/>
+              </a:ext>
+            </a:extLst>
+          </p:cNvPr>
+          <p:cNvSpPr>
+            <a:spLocks noGrp="1"/>
+          </p:cNvSpPr>
+          <p:nvPr>
+            <p:ph type="title"/>
+          </p:nvPr>
+        </p:nvSpPr>
+        <p:spPr/>
+        <p:txBody>
+          <a:bodyPr/>
+          <a:lstStyle/>
+          <a:p>
+            <a:r>
+              <a:rPr lang="el-GR" dirty="0"/>
+              <a:t>Τελευταία ερώτηση προς το κοινό:</a:t>
+            </a:r>
+            <a:endParaRPr lang="en-US" dirty="0"/>
+          </a:p>
+        </p:txBody>
+      </p:sp>
+      <p:sp>
+        <p:nvSpPr>
+          <p:cNvPr id="3" name="Content Placeholder 2">
+            <a:extLst>
+              <a:ext uri="{FF2B5EF4-FFF2-40B4-BE49-F238E27FC236}">
+                <a16:creationId xmlns:a16="http://schemas.microsoft.com/office/drawing/2014/main" id="{B81B05B1-A290-1C70-0756-59BF8810E4CA}"/>
+              </a:ext>
+            </a:extLst>
+          </p:cNvPr>
+          <p:cNvSpPr>
+            <a:spLocks noGrp="1"/>
+          </p:cNvSpPr>
+          <p:nvPr>
+            <p:ph idx="1"/>
+          </p:nvPr>
+        </p:nvSpPr>
+        <p:spPr/>
+        <p:txBody>
+          <a:bodyPr>
+            <a:normAutofit/>
+          </a:bodyPr>
+          <a:lstStyle/>
+          <a:p>
+            <a:pPr marL="0" indent="0">
+              <a:buNone/>
+            </a:pPr>
+            <a:r>
+              <a:rPr lang="el-GR" sz="2400" dirty="0"/>
+              <a:t>Πιστεύετε ότι η Ελλάδα έχει έξυπνη μετακίνηση;</a:t>
+            </a:r>
+          </a:p>
+          <a:p>
+            <a:pPr marL="0" indent="0">
+              <a:buNone/>
+            </a:pPr>
+            <a:endParaRPr lang="el-GR" sz="2400" dirty="0"/>
+          </a:p>
+          <a:p>
+            <a:pPr marL="0" indent="0">
+              <a:buNone/>
+            </a:pPr>
+            <a:r>
+              <a:rPr lang="el-GR" sz="2400" dirty="0"/>
+              <a:t>Με ποιο μέσο μεταφοράς ήρθατε σήμερα στο Πανεπιστήμιο Πειραιώς; Με ποιο μέσο ερχόσασταν παλαιότερα;</a:t>
+            </a:r>
+            <a:endParaRPr lang="en-US" sz="2400" dirty="0"/>
+          </a:p>
+        </p:txBody>
+      </p:sp>
+    </p:spTree>
+    <p:extLst>
+      <p:ext uri="{BB962C8B-B14F-4D97-AF65-F5344CB8AC3E}">
+        <p14:creationId xmlns:p14="http://schemas.microsoft.com/office/powerpoint/2010/main" val="3367812145"/>
+      </p:ext>
+    </p:extLst>
+  </p:cSld>
+  <p:clrMapOvr>
+    <a:masterClrMapping/>
+  </p:clrMapOvr>
+</p:sld>
+</file>
+
+<file path=ppt/slides/slide21.xml><?xml version="1.0" encoding="utf-8"?>
+<p:sld xmlns:a="http://schemas.openxmlformats.org/drawingml/2006/main" xmlns:r="http://schemas.openxmlformats.org/officeDocument/2006/relationships" xmlns:p="http://schemas.openxmlformats.org/presentationml/2006/main">
+  <p:cSld>
+    <p:spTree>
+      <p:nvGrpSpPr>
+        <p:cNvPr id="1" name=""/>
+        <p:cNvGrpSpPr/>
+        <p:nvPr/>
+      </p:nvGrpSpPr>
+      <p:grpSpPr>
+        <a:xfrm>
+          <a:off x="0" y="0"/>
+          <a:ext cx="0" cy="0"/>
+          <a:chOff x="0" y="0"/>
+          <a:chExt cx="0" cy="0"/>
+        </a:xfrm>
+      </p:grpSpPr>
+      <p:sp>
+        <p:nvSpPr>
+          <p:cNvPr id="2" name="Title 1">
+            <a:extLst>
+              <a:ext uri="{FF2B5EF4-FFF2-40B4-BE49-F238E27FC236}">
+                <a16:creationId xmlns:a16="http://schemas.microsoft.com/office/drawing/2014/main" id="{FF8B99EB-726F-A5FF-662A-AAEFF16DFA6F}"/>
+              </a:ext>
+            </a:extLst>
+          </p:cNvPr>
+          <p:cNvSpPr>
+            <a:spLocks noGrp="1"/>
+          </p:cNvSpPr>
+          <p:nvPr>
+            <p:ph type="title"/>
+          </p:nvPr>
+        </p:nvSpPr>
+        <p:spPr/>
+        <p:txBody>
+          <a:bodyPr/>
+          <a:lstStyle/>
+          <a:p>
+            <a:r>
+              <a:rPr lang="el-GR" dirty="0"/>
+              <a:t>ΕΥΧΑΡΙΣΤΩ ΓΙΑ ΤΗΝ ΠΡΟΣΟΧΗ ΣΑΣ!</a:t>
+            </a:r>
+            <a:endParaRPr lang="en-US" dirty="0"/>
+          </a:p>
+        </p:txBody>
+      </p:sp>
+      <p:sp>
+        <p:nvSpPr>
+          <p:cNvPr id="4" name="Text Placeholder 3">
+            <a:extLst>
+              <a:ext uri="{FF2B5EF4-FFF2-40B4-BE49-F238E27FC236}">
+                <a16:creationId xmlns:a16="http://schemas.microsoft.com/office/drawing/2014/main" id="{0F9A7044-0715-D100-8793-B271510FBA6E}"/>
+              </a:ext>
+            </a:extLst>
+          </p:cNvPr>
+          <p:cNvSpPr>
+            <a:spLocks noGrp="1"/>
+          </p:cNvSpPr>
+          <p:nvPr>
+            <p:ph type="body" idx="1"/>
+          </p:nvPr>
+        </p:nvSpPr>
+        <p:spPr/>
+        <p:txBody>
+          <a:bodyPr/>
+          <a:lstStyle/>
+          <a:p>
+            <a:endParaRPr lang="en-US"/>
+          </a:p>
+        </p:txBody>
+      </p:sp>
+    </p:spTree>
+    <p:extLst>
+      <p:ext uri="{BB962C8B-B14F-4D97-AF65-F5344CB8AC3E}">
+        <p14:creationId xmlns:p14="http://schemas.microsoft.com/office/powerpoint/2010/main" val="797455543"/>
       </p:ext>
     </p:extLst>
   </p:cSld>

--- a/final/p19204.pptx
+++ b/final/p19204.pptx
@@ -124,6 +124,11 @@
       </a:defRPr>
     </a:lvl9pPr>
   </p:defaultTextStyle>
+  <p:extLst>
+    <p:ext uri="{EFAFB233-063F-42B5-8137-9DF3F51BA10A}">
+      <p15:sldGuideLst xmlns:p15="http://schemas.microsoft.com/office/powerpoint/2012/main"/>
+    </p:ext>
+  </p:extLst>
 </p:presentation>
 </file>
 
@@ -9196,11 +9201,8 @@
             </a:pPr>
             <a:r>
               <a:rPr lang="el-GR" b="1" dirty="0"/>
-              <a:t>ΑΡΑ, ΠΟΙΑ ΕΊΝΑΙ Η ΛΥΣΗ;</a:t>
-            </a:r>
-          </a:p>
-          <a:p>
-            <a:endParaRPr lang="en-US" dirty="0"/>
+              <a:t>ΑΡΑ, ΠΟΙΑ ΕΙΝΑΙ Η ΛΥΣΗ;</a:t>
+            </a:r>
           </a:p>
         </p:txBody>
       </p:sp>
@@ -9306,7 +9308,11 @@
             </a:pPr>
             <a:r>
               <a:rPr lang="el-GR" sz="2400" dirty="0"/>
-              <a:t>Με ποιο μέσο μεταφοράς ήρθατε σήμερα στο Πανεπιστήμιο Πειραιώς; Με ποιο μέσο ερχόσασταν παλαιότερα;</a:t>
+              <a:t>Με ποιο μέσο μεταφοράς ήρθατε σήμερα στο Πανεπιστήμιο Πειραιώς; Με ποιο μέσο ερχόσασταν παλαιότερα (π.χ. πριν </a:t>
+            </a:r>
+            <a:r>
+              <a:rPr lang="el-GR" sz="2400"/>
+              <a:t>2-3 χρόνια);</a:t>
             </a:r>
             <a:endParaRPr lang="en-US" sz="2400" dirty="0"/>
           </a:p>
@@ -9960,7 +9966,22 @@
             </a:r>
             <a:r>
               <a:rPr lang="el-GR" dirty="0"/>
-              <a:t>υπάρχουν πολύ σύγχρονες υλοποιήσεις, χρησιμοποιώντας την τελευταία τεχνολογία, για να επιτευχθεί ο σκοπός της έξυπνης μετακίνησης:</a:t>
+              <a:t>υπάρχουν πολύ σύγχρονες υλοποιήσεις, χρησιμοποιώντας την τελευταία τεχνολογία, για να επιτευχθεί ο σκοπός της έξυπνης μετακίνησης.</a:t>
+            </a:r>
+          </a:p>
+          <a:p>
+            <a:pPr marL="0" indent="0">
+              <a:buNone/>
+            </a:pPr>
+            <a:endParaRPr lang="el-GR" dirty="0"/>
+          </a:p>
+          <a:p>
+            <a:pPr marL="0" indent="0">
+              <a:buNone/>
+            </a:pPr>
+            <a:r>
+              <a:rPr lang="el-GR" dirty="0"/>
+              <a:t>Στις επόμενες διαφάνειες, ακολουθούν τρανά παραδείγματα κάποιων χωρών, που έχουν υλοποιήσει την έξυπνη μετακίνηση σε έναν βαθμό, και που εμπνέουν και άλλες χώρες να ακολουθήσουν παρόμοια συστήματα.</a:t>
             </a:r>
           </a:p>
           <a:p>
@@ -10058,15 +10079,7 @@
             </a:pPr>
             <a:r>
               <a:rPr lang="el-GR" dirty="0"/>
-              <a:t>Στην Γερμανία έχει αναπτυχθεί αρκετά η έξυπνη μετακίνησης, δίνοντας στους πολίτες της, μεταξύ άλλων, τις εξής </a:t>
-            </a:r>
-            <a:r>
-              <a:rPr lang="el-GR" dirty="0" err="1"/>
-              <a:t>δυνατότες</a:t>
-            </a:r>
-            <a:r>
-              <a:rPr lang="el-GR" dirty="0"/>
-              <a:t>:</a:t>
+              <a:t>Στην Γερμανία έχει αναπτυχθεί αρκετά η έξυπνη μετακίνησης, δίνοντας στους πολίτες της, μεταξύ άλλων, τις εξής δυνατότητες:</a:t>
             </a:r>
           </a:p>
           <a:p>
@@ -10183,7 +10196,7 @@
             </a:pPr>
             <a:r>
               <a:rPr lang="el-GR" dirty="0"/>
-              <a:t>Η Γαλλία, έχει μοιάσει αρκετά στη Γερμανία, σε ό,τι αφορά την έξυπνη μετακίνηση, δίνοντας αρκετές δυνατότητες:</a:t>
+              <a:t>Η Γαλλία, έχει μοιάσει αρκετά στη Γερμανία, σε ό,τι αφορά την έξυπνη μετακίνηση, δίνοντας κι αυτή αρκετά παρόμοιες δυνατότητες:</a:t>
             </a:r>
           </a:p>
           <a:p>
